--- a/docs/Data Science Final .pptx
+++ b/docs/Data Science Final .pptx
@@ -3256,7 +3256,7 @@
             <a:pPr rtl="0"/>
             <a:fld id="{3AA7418C-1A37-4630-8C30-B2836F55C532}" type="datetime1">
               <a:rPr lang="zh-TW" altLang="en-US" smtClean="0"/>
-              <a:t>2021/1/11</a:t>
+              <a:t>2021/1/12</a:t>
             </a:fld>
             <a:endParaRPr lang="en-US" dirty="0"/>
           </a:p>
@@ -3426,7 +3426,7 @@
             <a:pPr rtl="0"/>
             <a:fld id="{AB916EA9-9B8C-4B06-BBDB-07A75F4AF607}" type="datetime1">
               <a:rPr lang="zh-TW" altLang="en-US" smtClean="0"/>
-              <a:t>2021/1/11</a:t>
+              <a:t>2021/1/12</a:t>
             </a:fld>
             <a:endParaRPr lang="en-US"/>
           </a:p>
@@ -4173,7 +4173,7 @@
           <a:p>
             <a:fld id="{4D9EAB54-90A7-4427-8D5D-1517AC1256FE}" type="datetime1">
               <a:rPr lang="zh-TW" altLang="en-US" smtClean="0"/>
-              <a:t>2021/1/11</a:t>
+              <a:t>2021/1/12</a:t>
             </a:fld>
             <a:endParaRPr lang="en-US" dirty="0"/>
           </a:p>
@@ -4382,7 +4382,7 @@
             <a:pPr rtl="0"/>
             <a:fld id="{0DE064CC-B997-463F-949D-526814740EEF}" type="datetime1">
               <a:rPr lang="zh-TW" altLang="en-US" smtClean="0"/>
-              <a:t>2021/1/11</a:t>
+              <a:t>2021/1/12</a:t>
             </a:fld>
             <a:endParaRPr lang="en-US"/>
           </a:p>
@@ -4566,7 +4566,7 @@
             <a:pPr rtl="0"/>
             <a:fld id="{22128EAF-448F-42C4-BB03-9B0CC8E0C77B}" type="datetime1">
               <a:rPr lang="zh-TW" altLang="en-US" smtClean="0"/>
-              <a:t>2021/1/11</a:t>
+              <a:t>2021/1/12</a:t>
             </a:fld>
             <a:endParaRPr lang="en-US"/>
           </a:p>
@@ -4740,7 +4740,7 @@
             <a:pPr rtl="0"/>
             <a:fld id="{CE847876-3A2B-49FA-B396-40048599C954}" type="datetime1">
               <a:rPr lang="zh-TW" altLang="en-US" smtClean="0"/>
-              <a:t>2021/1/11</a:t>
+              <a:t>2021/1/12</a:t>
             </a:fld>
             <a:endParaRPr lang="en-US"/>
           </a:p>
@@ -5344,7 +5344,7 @@
           <a:p>
             <a:fld id="{294347CA-4B58-4AEE-8DA6-4E2B096FC96F}" type="datetime1">
               <a:rPr lang="zh-TW" altLang="en-US" smtClean="0"/>
-              <a:t>2021/1/11</a:t>
+              <a:t>2021/1/12</a:t>
             </a:fld>
             <a:endParaRPr dirty="0"/>
           </a:p>
@@ -5671,7 +5671,7 @@
             <a:pPr rtl="0"/>
             <a:fld id="{23CCF91B-17D2-4072-B2E9-D16F58DFD8EB}" type="datetime1">
               <a:rPr lang="zh-TW" altLang="en-US" smtClean="0"/>
-              <a:t>2021/1/11</a:t>
+              <a:t>2021/1/12</a:t>
             </a:fld>
             <a:endParaRPr lang="en-US"/>
           </a:p>
@@ -6112,7 +6112,7 @@
             <a:pPr rtl="0"/>
             <a:fld id="{9651C41F-D9A3-457D-A3FA-0A5DBEF4266B}" type="datetime1">
               <a:rPr lang="zh-TW" altLang="en-US" smtClean="0"/>
-              <a:t>2021/1/11</a:t>
+              <a:t>2021/1/12</a:t>
             </a:fld>
             <a:endParaRPr lang="en-US" dirty="0"/>
           </a:p>
@@ -6234,7 +6234,7 @@
             <a:pPr rtl="0"/>
             <a:fld id="{A33183BB-2861-4A80-80A6-2C9B82653C78}" type="datetime1">
               <a:rPr lang="zh-TW" altLang="en-US" smtClean="0"/>
-              <a:t>2021/1/11</a:t>
+              <a:t>2021/1/12</a:t>
             </a:fld>
             <a:endParaRPr lang="en-US"/>
           </a:p>
@@ -6332,7 +6332,7 @@
             <a:pPr rtl="0"/>
             <a:fld id="{956085DB-A18D-4659-BA29-412FA9C45839}" type="datetime1">
               <a:rPr lang="zh-TW" altLang="en-US" smtClean="0"/>
-              <a:t>2021/1/11</a:t>
+              <a:t>2021/1/12</a:t>
             </a:fld>
             <a:endParaRPr lang="en-US"/>
           </a:p>
@@ -6770,7 +6770,7 @@
             <a:pPr rtl="0"/>
             <a:fld id="{453BEA6C-00E9-40EA-A338-3A3492325C3F}" type="datetime1">
               <a:rPr lang="zh-TW" altLang="en-US" smtClean="0"/>
-              <a:t>2021/1/11</a:t>
+              <a:t>2021/1/12</a:t>
             </a:fld>
             <a:endParaRPr lang="en-US" dirty="0"/>
           </a:p>
@@ -7036,7 +7036,7 @@
           <a:p>
             <a:fld id="{0827CC67-2DD7-42FE-B417-D6036783A853}" type="datetime1">
               <a:rPr lang="zh-TW" altLang="en-US" smtClean="0"/>
-              <a:t>2021/1/11</a:t>
+              <a:t>2021/1/12</a:t>
             </a:fld>
             <a:endParaRPr lang="en-US" dirty="0"/>
           </a:p>
@@ -7557,7 +7557,7 @@
           <a:p>
             <a:fld id="{46C11105-4E24-4682-A6F5-E2BADE4D0872}" type="datetime1">
               <a:rPr lang="zh-TW" altLang="en-US" smtClean="0"/>
-              <a:t>2021/1/11</a:t>
+              <a:t>2021/1/12</a:t>
             </a:fld>
             <a:endParaRPr lang="en-US" dirty="0"/>
           </a:p>
@@ -8766,7 +8766,7 @@
                 </a:solidFill>
                 <a:latin typeface="-apple-system"/>
               </a:rPr>
-              <a:t>Word2Vec 400</a:t>
+              <a:t>Word2Vec 200</a:t>
             </a:r>
             <a:r>
               <a:rPr lang="zh-TW" altLang="en-US" sz="2200" dirty="0">
@@ -8799,6 +8799,42 @@
               <a:t>歌詞：</a:t>
             </a:r>
             <a:r>
+              <a:rPr lang="en-US" altLang="zh-TW" sz="2200" dirty="0">
+                <a:solidFill>
+                  <a:srgbClr val="24292E"/>
+                </a:solidFill>
+                <a:latin typeface="-apple-system"/>
+              </a:rPr>
+              <a:t>Word2Vec 400</a:t>
+            </a:r>
+            <a:r>
+              <a:rPr lang="zh-TW" altLang="en-US" sz="2200">
+                <a:solidFill>
+                  <a:srgbClr val="24292E"/>
+                </a:solidFill>
+                <a:latin typeface="-apple-system"/>
+              </a:rPr>
+              <a:t>維 </a:t>
+            </a:r>
+            <a:r>
+              <a:rPr lang="en-US" altLang="zh-TW" sz="2200" dirty="0">
+                <a:solidFill>
+                  <a:srgbClr val="24292E"/>
+                </a:solidFill>
+                <a:latin typeface="-apple-system"/>
+              </a:rPr>
+              <a:t>/</a:t>
+            </a:r>
+            <a:r>
+              <a:rPr lang="zh-TW" altLang="en-US" sz="2200" dirty="0">
+                <a:solidFill>
+                  <a:srgbClr val="24292E"/>
+                </a:solidFill>
+                <a:latin typeface="-apple-system"/>
+              </a:rPr>
+              <a:t> </a:t>
+            </a:r>
+            <a:r>
               <a:rPr lang="en-US" altLang="zh-TW" sz="2200" dirty="0" err="1">
                 <a:solidFill>
                   <a:srgbClr val="24292E"/>
@@ -8868,7 +8904,7 @@
                 </a:solidFill>
                 <a:latin typeface="-apple-system"/>
               </a:rPr>
-              <a:t>200</a:t>
+              <a:t>500</a:t>
             </a:r>
             <a:r>
               <a:rPr lang="zh-TW" altLang="en-US" sz="2200" dirty="0">
@@ -8960,7 +8996,7 @@
             <a:pPr rtl="0"/>
             <a:fld id="{CE847876-3A2B-49FA-B396-40048599C954}" type="datetime1">
               <a:rPr lang="zh-TW" altLang="en-US" smtClean="0"/>
-              <a:t>2021/1/11</a:t>
+              <a:t>2021/1/12</a:t>
             </a:fld>
             <a:endParaRPr lang="en-US"/>
           </a:p>
@@ -9559,7 +9595,7 @@
             <a:pPr rtl="0"/>
             <a:fld id="{CE847876-3A2B-49FA-B396-40048599C954}" type="datetime1">
               <a:rPr lang="zh-TW" altLang="en-US" smtClean="0"/>
-              <a:t>2021/1/11</a:t>
+              <a:t>2021/1/12</a:t>
             </a:fld>
             <a:endParaRPr lang="en-US"/>
           </a:p>
@@ -9965,7 +10001,7 @@
                 <a:latin typeface="微軟正黑體" panose="020B0604030504040204" pitchFamily="34" charset="-120"/>
                 <a:ea typeface="微軟正黑體" panose="020B0604030504040204" pitchFamily="34" charset="-120"/>
               </a:rPr>
-              <a:t>2021/1/11</a:t>
+              <a:t>2021/1/12</a:t>
             </a:fld>
             <a:endParaRPr lang="en-US">
               <a:latin typeface="微軟正黑體" panose="020B0604030504040204" pitchFamily="34" charset="-120"/>
@@ -10165,7 +10201,7 @@
                 <a:latin typeface="微軟正黑體" panose="020B0604030504040204" pitchFamily="34" charset="-120"/>
                 <a:ea typeface="微軟正黑體" panose="020B0604030504040204" pitchFamily="34" charset="-120"/>
               </a:rPr>
-              <a:t>2021/1/11</a:t>
+              <a:t>2021/1/12</a:t>
             </a:fld>
             <a:endParaRPr lang="en-US">
               <a:latin typeface="微軟正黑體" panose="020B0604030504040204" pitchFamily="34" charset="-120"/>
@@ -11437,7 +11473,7 @@
                 <a:latin typeface="微軟正黑體" panose="020B0604030504040204" pitchFamily="34" charset="-120"/>
                 <a:ea typeface="微軟正黑體" panose="020B0604030504040204" pitchFamily="34" charset="-120"/>
               </a:rPr>
-              <a:t>歌名選用</a:t>
+              <a:t>選用</a:t>
             </a:r>
             <a:r>
               <a:rPr lang="en-US" altLang="zh-TW" sz="2400" b="0" i="0" dirty="0">
@@ -11451,26 +11487,14 @@
               <a:t>Word2Vec</a:t>
             </a:r>
             <a:r>
-              <a:rPr lang="zh-TW" altLang="en-US" sz="2400" b="0" i="0" dirty="0">
+              <a:rPr lang="zh-TW" altLang="en-US" sz="2400" dirty="0">
                 <a:solidFill>
                   <a:srgbClr val="24292E"/>
                 </a:solidFill>
-                <a:effectLst/>
                 <a:latin typeface="微軟正黑體" panose="020B0604030504040204" pitchFamily="34" charset="-120"/>
                 <a:ea typeface="微軟正黑體" panose="020B0604030504040204" pitchFamily="34" charset="-120"/>
               </a:rPr>
-              <a:t>，歌詞選用</a:t>
-            </a:r>
-            <a:r>
-              <a:rPr lang="en-US" altLang="zh-TW" sz="2400" b="0" i="0" dirty="0" err="1">
-                <a:solidFill>
-                  <a:srgbClr val="24292E"/>
-                </a:solidFill>
-                <a:effectLst/>
-                <a:latin typeface="微軟正黑體" panose="020B0604030504040204" pitchFamily="34" charset="-120"/>
-                <a:ea typeface="微軟正黑體" panose="020B0604030504040204" pitchFamily="34" charset="-120"/>
-              </a:rPr>
-              <a:t>Tf-Idf</a:t>
+              <a:t>效果較佳</a:t>
             </a:r>
             <a:endParaRPr lang="en-US" altLang="zh-TW" sz="2400" b="0" i="0" dirty="0">
               <a:solidFill>
@@ -11700,7 +11724,7 @@
                 <a:latin typeface="微軟正黑體" panose="020B0604030504040204" pitchFamily="34" charset="-120"/>
                 <a:ea typeface="微軟正黑體" panose="020B0604030504040204" pitchFamily="34" charset="-120"/>
               </a:rPr>
-              <a:t>2021/1/11</a:t>
+              <a:t>2021/1/12</a:t>
             </a:fld>
             <a:endParaRPr lang="en-US">
               <a:latin typeface="微軟正黑體" panose="020B0604030504040204" pitchFamily="34" charset="-120"/>
@@ -11989,7 +12013,7 @@
             <a:pPr rtl="0"/>
             <a:fld id="{CE847876-3A2B-49FA-B396-40048599C954}" type="datetime1">
               <a:rPr lang="zh-TW" altLang="en-US" smtClean="0"/>
-              <a:t>2021/1/11</a:t>
+              <a:t>2021/1/12</a:t>
             </a:fld>
             <a:endParaRPr lang="en-US"/>
           </a:p>
@@ -12049,7 +12073,7 @@
             <a:pPr rtl="0"/>
             <a:fld id="{CE847876-3A2B-49FA-B396-40048599C954}" type="datetime1">
               <a:rPr lang="zh-TW" altLang="en-US" smtClean="0"/>
-              <a:t>2021/1/11</a:t>
+              <a:t>2021/1/12</a:t>
             </a:fld>
             <a:endParaRPr lang="en-US"/>
           </a:p>

--- a/docs/Data Science Final .pptx
+++ b/docs/Data Science Final .pptx
@@ -5,10 +5,10 @@
     <p:sldMasterId id="2147483673" r:id="rId1"/>
   </p:sldMasterIdLst>
   <p:notesMasterIdLst>
-    <p:notesMasterId r:id="rId11"/>
+    <p:notesMasterId r:id="rId16"/>
   </p:notesMasterIdLst>
   <p:handoutMasterIdLst>
-    <p:handoutMasterId r:id="rId12"/>
+    <p:handoutMasterId r:id="rId17"/>
   </p:handoutMasterIdLst>
   <p:sldIdLst>
     <p:sldId id="257" r:id="rId2"/>
@@ -17,9 +17,14 @@
     <p:sldId id="262" r:id="rId5"/>
     <p:sldId id="263" r:id="rId6"/>
     <p:sldId id="264" r:id="rId7"/>
-    <p:sldId id="265" r:id="rId8"/>
-    <p:sldId id="268" r:id="rId9"/>
-    <p:sldId id="266" r:id="rId10"/>
+    <p:sldId id="270" r:id="rId8"/>
+    <p:sldId id="271" r:id="rId9"/>
+    <p:sldId id="274" r:id="rId10"/>
+    <p:sldId id="273" r:id="rId11"/>
+    <p:sldId id="269" r:id="rId12"/>
+    <p:sldId id="265" r:id="rId13"/>
+    <p:sldId id="268" r:id="rId14"/>
+    <p:sldId id="266" r:id="rId15"/>
   </p:sldIdLst>
   <p:sldSz cx="12192000" cy="6858000"/>
   <p:notesSz cx="6858000" cy="9144000"/>
@@ -8484,6 +8489,1265 @@
 </p:sld>
 </file>
 
+<file path=ppt/slides/slide10.xml><?xml version="1.0" encoding="utf-8"?>
+<p:sld xmlns:a="http://schemas.openxmlformats.org/drawingml/2006/main" xmlns:r="http://schemas.openxmlformats.org/officeDocument/2006/relationships" xmlns:p="http://schemas.openxmlformats.org/presentationml/2006/main">
+  <p:cSld>
+    <p:spTree>
+      <p:nvGrpSpPr>
+        <p:cNvPr id="1" name=""/>
+        <p:cNvGrpSpPr/>
+        <p:nvPr/>
+      </p:nvGrpSpPr>
+      <p:grpSpPr>
+        <a:xfrm>
+          <a:off x="0" y="0"/>
+          <a:ext cx="0" cy="0"/>
+          <a:chOff x="0" y="0"/>
+          <a:chExt cx="0" cy="0"/>
+        </a:xfrm>
+      </p:grpSpPr>
+      <p:sp>
+        <p:nvSpPr>
+          <p:cNvPr id="2" name="標題 1">
+            <a:extLst>
+              <a:ext uri="{FF2B5EF4-FFF2-40B4-BE49-F238E27FC236}">
+                <a16:creationId xmlns:a16="http://schemas.microsoft.com/office/drawing/2014/main" id="{5A432C5C-3B48-4DCA-AECF-BB4CAA5151ED}"/>
+              </a:ext>
+            </a:extLst>
+          </p:cNvPr>
+          <p:cNvSpPr>
+            <a:spLocks noGrp="1"/>
+          </p:cNvSpPr>
+          <p:nvPr>
+            <p:ph type="title"/>
+          </p:nvPr>
+        </p:nvSpPr>
+        <p:spPr/>
+        <p:txBody>
+          <a:bodyPr/>
+          <a:lstStyle/>
+          <a:p>
+            <a:pPr algn="ctr"/>
+            <a:r>
+              <a:rPr lang="zh-TW" altLang="en-US" dirty="0">
+                <a:latin typeface="微軟正黑體" panose="020B0604030504040204" pitchFamily="34" charset="-120"/>
+                <a:ea typeface="微軟正黑體" panose="020B0604030504040204" pitchFamily="34" charset="-120"/>
+              </a:rPr>
+              <a:t>訓練結果</a:t>
+            </a:r>
+            <a:r>
+              <a:rPr lang="en-US" altLang="zh-TW" dirty="0">
+                <a:latin typeface="微軟正黑體" panose="020B0604030504040204" pitchFamily="34" charset="-120"/>
+                <a:ea typeface="微軟正黑體" panose="020B0604030504040204" pitchFamily="34" charset="-120"/>
+              </a:rPr>
+              <a:t>: Random Forest</a:t>
+            </a:r>
+            <a:endParaRPr lang="zh-TW" altLang="en-US" dirty="0">
+              <a:latin typeface="微軟正黑體" panose="020B0604030504040204" pitchFamily="34" charset="-120"/>
+              <a:ea typeface="微軟正黑體" panose="020B0604030504040204" pitchFamily="34" charset="-120"/>
+            </a:endParaRPr>
+          </a:p>
+        </p:txBody>
+      </p:sp>
+      <p:sp>
+        <p:nvSpPr>
+          <p:cNvPr id="4" name="日期版面配置區 3">
+            <a:extLst>
+              <a:ext uri="{FF2B5EF4-FFF2-40B4-BE49-F238E27FC236}">
+                <a16:creationId xmlns:a16="http://schemas.microsoft.com/office/drawing/2014/main" id="{57C0AE3A-C5CF-4BEA-81CD-897624171FBE}"/>
+              </a:ext>
+            </a:extLst>
+          </p:cNvPr>
+          <p:cNvSpPr>
+            <a:spLocks noGrp="1"/>
+          </p:cNvSpPr>
+          <p:nvPr>
+            <p:ph type="dt" sz="half" idx="10"/>
+          </p:nvPr>
+        </p:nvSpPr>
+        <p:spPr/>
+        <p:txBody>
+          <a:bodyPr/>
+          <a:lstStyle/>
+          <a:p>
+            <a:pPr rtl="0"/>
+            <a:fld id="{CE847876-3A2B-49FA-B396-40048599C954}" type="datetime1">
+              <a:rPr lang="zh-TW" altLang="en-US" smtClean="0">
+                <a:latin typeface="微軟正黑體" panose="020B0604030504040204" pitchFamily="34" charset="-120"/>
+                <a:ea typeface="微軟正黑體" panose="020B0604030504040204" pitchFamily="34" charset="-120"/>
+              </a:rPr>
+              <a:t>2021/1/12</a:t>
+            </a:fld>
+            <a:endParaRPr lang="en-US">
+              <a:latin typeface="微軟正黑體" panose="020B0604030504040204" pitchFamily="34" charset="-120"/>
+              <a:ea typeface="微軟正黑體" panose="020B0604030504040204" pitchFamily="34" charset="-120"/>
+            </a:endParaRPr>
+          </a:p>
+        </p:txBody>
+      </p:sp>
+      <p:pic>
+        <p:nvPicPr>
+          <p:cNvPr id="3" name="圖片 2">
+            <a:extLst>
+              <a:ext uri="{FF2B5EF4-FFF2-40B4-BE49-F238E27FC236}">
+                <a16:creationId xmlns:a16="http://schemas.microsoft.com/office/drawing/2014/main" id="{DB132354-7843-4A6A-88DA-EB3E115AF5A6}"/>
+              </a:ext>
+            </a:extLst>
+          </p:cNvPr>
+          <p:cNvPicPr>
+            <a:picLocks noChangeAspect="1"/>
+          </p:cNvPicPr>
+          <p:nvPr/>
+        </p:nvPicPr>
+        <p:blipFill>
+          <a:blip r:embed="rId2"/>
+          <a:stretch>
+            <a:fillRect/>
+          </a:stretch>
+        </p:blipFill>
+        <p:spPr>
+          <a:xfrm>
+            <a:off x="2388530" y="1921987"/>
+            <a:ext cx="7414939" cy="4062030"/>
+          </a:xfrm>
+          <a:prstGeom prst="rect">
+            <a:avLst/>
+          </a:prstGeom>
+        </p:spPr>
+      </p:pic>
+    </p:spTree>
+    <p:extLst>
+      <p:ext uri="{BB962C8B-B14F-4D97-AF65-F5344CB8AC3E}">
+        <p14:creationId xmlns:p14="http://schemas.microsoft.com/office/powerpoint/2010/main" val="1715119813"/>
+      </p:ext>
+    </p:extLst>
+  </p:cSld>
+  <p:clrMapOvr>
+    <a:masterClrMapping/>
+  </p:clrMapOvr>
+</p:sld>
+</file>
+
+<file path=ppt/slides/slide11.xml><?xml version="1.0" encoding="utf-8"?>
+<p:sld xmlns:a="http://schemas.openxmlformats.org/drawingml/2006/main" xmlns:r="http://schemas.openxmlformats.org/officeDocument/2006/relationships" xmlns:p="http://schemas.openxmlformats.org/presentationml/2006/main">
+  <p:cSld>
+    <p:spTree>
+      <p:nvGrpSpPr>
+        <p:cNvPr id="1" name=""/>
+        <p:cNvGrpSpPr/>
+        <p:nvPr/>
+      </p:nvGrpSpPr>
+      <p:grpSpPr>
+        <a:xfrm>
+          <a:off x="0" y="0"/>
+          <a:ext cx="0" cy="0"/>
+          <a:chOff x="0" y="0"/>
+          <a:chExt cx="0" cy="0"/>
+        </a:xfrm>
+      </p:grpSpPr>
+      <p:sp>
+        <p:nvSpPr>
+          <p:cNvPr id="2" name="標題 1">
+            <a:extLst>
+              <a:ext uri="{FF2B5EF4-FFF2-40B4-BE49-F238E27FC236}">
+                <a16:creationId xmlns:a16="http://schemas.microsoft.com/office/drawing/2014/main" id="{C195283A-76F7-44DE-B886-C165BDC0A698}"/>
+              </a:ext>
+            </a:extLst>
+          </p:cNvPr>
+          <p:cNvSpPr>
+            <a:spLocks noGrp="1"/>
+          </p:cNvSpPr>
+          <p:nvPr>
+            <p:ph type="title"/>
+          </p:nvPr>
+        </p:nvSpPr>
+        <p:spPr/>
+        <p:txBody>
+          <a:bodyPr/>
+          <a:lstStyle/>
+          <a:p>
+            <a:pPr algn="ctr"/>
+            <a:r>
+              <a:rPr lang="zh-TW" altLang="en-US" dirty="0"/>
+              <a:t>視覺化</a:t>
+            </a:r>
+          </a:p>
+        </p:txBody>
+      </p:sp>
+      <p:pic>
+        <p:nvPicPr>
+          <p:cNvPr id="5" name="內容版面配置區 4">
+            <a:extLst>
+              <a:ext uri="{FF2B5EF4-FFF2-40B4-BE49-F238E27FC236}">
+                <a16:creationId xmlns:a16="http://schemas.microsoft.com/office/drawing/2014/main" id="{7E8107ED-1B32-4FAF-A898-BCB85DF6C30D}"/>
+              </a:ext>
+            </a:extLst>
+          </p:cNvPr>
+          <p:cNvPicPr>
+            <a:picLocks noGrp="1" noChangeAspect="1"/>
+          </p:cNvPicPr>
+          <p:nvPr>
+            <p:ph idx="1"/>
+          </p:nvPr>
+        </p:nvPicPr>
+        <p:blipFill>
+          <a:blip r:embed="rId2"/>
+          <a:stretch>
+            <a:fillRect/>
+          </a:stretch>
+        </p:blipFill>
+        <p:spPr>
+          <a:xfrm>
+            <a:off x="752837" y="1863274"/>
+            <a:ext cx="4865156" cy="3849687"/>
+          </a:xfrm>
+          <a:prstGeom prst="rect">
+            <a:avLst/>
+          </a:prstGeom>
+        </p:spPr>
+      </p:pic>
+      <p:sp>
+        <p:nvSpPr>
+          <p:cNvPr id="4" name="日期版面配置區 3">
+            <a:extLst>
+              <a:ext uri="{FF2B5EF4-FFF2-40B4-BE49-F238E27FC236}">
+                <a16:creationId xmlns:a16="http://schemas.microsoft.com/office/drawing/2014/main" id="{ED72571E-8F9C-4A21-AF61-204AF81BDBEE}"/>
+              </a:ext>
+            </a:extLst>
+          </p:cNvPr>
+          <p:cNvSpPr>
+            <a:spLocks noGrp="1"/>
+          </p:cNvSpPr>
+          <p:nvPr>
+            <p:ph type="dt" sz="half" idx="10"/>
+          </p:nvPr>
+        </p:nvSpPr>
+        <p:spPr/>
+        <p:txBody>
+          <a:bodyPr/>
+          <a:lstStyle/>
+          <a:p>
+            <a:pPr rtl="0"/>
+            <a:fld id="{CE847876-3A2B-49FA-B396-40048599C954}" type="datetime1">
+              <a:rPr lang="zh-TW" altLang="en-US" smtClean="0"/>
+              <a:t>2021/1/12</a:t>
+            </a:fld>
+            <a:endParaRPr lang="en-US"/>
+          </a:p>
+        </p:txBody>
+      </p:sp>
+      <p:sp>
+        <p:nvSpPr>
+          <p:cNvPr id="6" name="文字方塊 5">
+            <a:extLst>
+              <a:ext uri="{FF2B5EF4-FFF2-40B4-BE49-F238E27FC236}">
+                <a16:creationId xmlns:a16="http://schemas.microsoft.com/office/drawing/2014/main" id="{941E9261-9B99-47D7-BC3C-268CFC148E59}"/>
+              </a:ext>
+            </a:extLst>
+          </p:cNvPr>
+          <p:cNvSpPr txBox="1"/>
+          <p:nvPr/>
+        </p:nvSpPr>
+        <p:spPr>
+          <a:xfrm>
+            <a:off x="1742216" y="5846074"/>
+            <a:ext cx="2503206" cy="369332"/>
+          </a:xfrm>
+          <a:prstGeom prst="rect">
+            <a:avLst/>
+          </a:prstGeom>
+          <a:noFill/>
+        </p:spPr>
+        <p:txBody>
+          <a:bodyPr wrap="square" rtlCol="0">
+            <a:spAutoFit/>
+          </a:bodyPr>
+          <a:lstStyle/>
+          <a:p>
+            <a:pPr algn="ctr"/>
+            <a:r>
+              <a:rPr lang="en-US" altLang="zh-TW" dirty="0">
+                <a:latin typeface="微軟正黑體" panose="020B0604030504040204" pitchFamily="34" charset="-120"/>
+                <a:ea typeface="微軟正黑體" panose="020B0604030504040204" pitchFamily="34" charset="-120"/>
+              </a:rPr>
+              <a:t>PCA</a:t>
+            </a:r>
+            <a:r>
+              <a:rPr lang="zh-TW" altLang="en-US" dirty="0">
+                <a:latin typeface="微軟正黑體" panose="020B0604030504040204" pitchFamily="34" charset="-120"/>
+                <a:ea typeface="微軟正黑體" panose="020B0604030504040204" pitchFamily="34" charset="-120"/>
+              </a:rPr>
+              <a:t>呈現</a:t>
+            </a:r>
+          </a:p>
+        </p:txBody>
+      </p:sp>
+      <p:pic>
+        <p:nvPicPr>
+          <p:cNvPr id="7" name="圖片 6">
+            <a:extLst>
+              <a:ext uri="{FF2B5EF4-FFF2-40B4-BE49-F238E27FC236}">
+                <a16:creationId xmlns:a16="http://schemas.microsoft.com/office/drawing/2014/main" id="{88CE8B44-0E42-4F04-9AD4-3E3C5E8EB20A}"/>
+              </a:ext>
+            </a:extLst>
+          </p:cNvPr>
+          <p:cNvPicPr>
+            <a:picLocks noChangeAspect="1"/>
+          </p:cNvPicPr>
+          <p:nvPr/>
+        </p:nvPicPr>
+        <p:blipFill>
+          <a:blip r:embed="rId3"/>
+          <a:stretch>
+            <a:fillRect/>
+          </a:stretch>
+        </p:blipFill>
+        <p:spPr>
+          <a:xfrm>
+            <a:off x="6096000" y="1863273"/>
+            <a:ext cx="5343163" cy="3849687"/>
+          </a:xfrm>
+          <a:prstGeom prst="rect">
+            <a:avLst/>
+          </a:prstGeom>
+        </p:spPr>
+      </p:pic>
+      <p:sp>
+        <p:nvSpPr>
+          <p:cNvPr id="8" name="文字方塊 7">
+            <a:extLst>
+              <a:ext uri="{FF2B5EF4-FFF2-40B4-BE49-F238E27FC236}">
+                <a16:creationId xmlns:a16="http://schemas.microsoft.com/office/drawing/2014/main" id="{6449A5FC-CC54-44C8-866C-F9E0A065B82C}"/>
+              </a:ext>
+            </a:extLst>
+          </p:cNvPr>
+          <p:cNvSpPr txBox="1"/>
+          <p:nvPr/>
+        </p:nvSpPr>
+        <p:spPr>
+          <a:xfrm>
+            <a:off x="7515978" y="5846074"/>
+            <a:ext cx="2503206" cy="369332"/>
+          </a:xfrm>
+          <a:prstGeom prst="rect">
+            <a:avLst/>
+          </a:prstGeom>
+          <a:noFill/>
+        </p:spPr>
+        <p:txBody>
+          <a:bodyPr wrap="square" rtlCol="0">
+            <a:spAutoFit/>
+          </a:bodyPr>
+          <a:lstStyle/>
+          <a:p>
+            <a:pPr algn="ctr"/>
+            <a:r>
+              <a:rPr lang="zh-TW" altLang="en-US" dirty="0">
+                <a:latin typeface="微軟正黑體" panose="020B0604030504040204" pitchFamily="34" charset="-120"/>
+                <a:ea typeface="微軟正黑體" panose="020B0604030504040204" pitchFamily="34" charset="-120"/>
+              </a:rPr>
+              <a:t>訓練資料</a:t>
+            </a:r>
+            <a:r>
+              <a:rPr lang="en-US" altLang="zh-TW" dirty="0">
+                <a:latin typeface="微軟正黑體" panose="020B0604030504040204" pitchFamily="34" charset="-120"/>
+                <a:ea typeface="微軟正黑體" panose="020B0604030504040204" pitchFamily="34" charset="-120"/>
+              </a:rPr>
+              <a:t>(</a:t>
+            </a:r>
+            <a:r>
+              <a:rPr lang="zh-TW" altLang="en-US" dirty="0">
+                <a:latin typeface="微軟正黑體" panose="020B0604030504040204" pitchFamily="34" charset="-120"/>
+                <a:ea typeface="微軟正黑體" panose="020B0604030504040204" pitchFamily="34" charset="-120"/>
+              </a:rPr>
+              <a:t>節錄</a:t>
+            </a:r>
+            <a:r>
+              <a:rPr lang="en-US" altLang="zh-TW" dirty="0">
+                <a:latin typeface="微軟正黑體" panose="020B0604030504040204" pitchFamily="34" charset="-120"/>
+                <a:ea typeface="微軟正黑體" panose="020B0604030504040204" pitchFamily="34" charset="-120"/>
+              </a:rPr>
+              <a:t>)</a:t>
+            </a:r>
+            <a:endParaRPr lang="zh-TW" altLang="en-US" dirty="0">
+              <a:latin typeface="微軟正黑體" panose="020B0604030504040204" pitchFamily="34" charset="-120"/>
+              <a:ea typeface="微軟正黑體" panose="020B0604030504040204" pitchFamily="34" charset="-120"/>
+            </a:endParaRPr>
+          </a:p>
+        </p:txBody>
+      </p:sp>
+    </p:spTree>
+    <p:extLst>
+      <p:ext uri="{BB962C8B-B14F-4D97-AF65-F5344CB8AC3E}">
+        <p14:creationId xmlns:p14="http://schemas.microsoft.com/office/powerpoint/2010/main" val="275268624"/>
+      </p:ext>
+    </p:extLst>
+  </p:cSld>
+  <p:clrMapOvr>
+    <a:masterClrMapping/>
+  </p:clrMapOvr>
+</p:sld>
+</file>
+
+<file path=ppt/slides/slide12.xml><?xml version="1.0" encoding="utf-8"?>
+<p:sld xmlns:a="http://schemas.openxmlformats.org/drawingml/2006/main" xmlns:r="http://schemas.openxmlformats.org/officeDocument/2006/relationships" xmlns:p="http://schemas.openxmlformats.org/presentationml/2006/main">
+  <p:cSld>
+    <p:spTree>
+      <p:nvGrpSpPr>
+        <p:cNvPr id="1" name=""/>
+        <p:cNvGrpSpPr/>
+        <p:nvPr/>
+      </p:nvGrpSpPr>
+      <p:grpSpPr>
+        <a:xfrm>
+          <a:off x="0" y="0"/>
+          <a:ext cx="0" cy="0"/>
+          <a:chOff x="0" y="0"/>
+          <a:chExt cx="0" cy="0"/>
+        </a:xfrm>
+      </p:grpSpPr>
+      <p:sp>
+        <p:nvSpPr>
+          <p:cNvPr id="2" name="標題 1">
+            <a:extLst>
+              <a:ext uri="{FF2B5EF4-FFF2-40B4-BE49-F238E27FC236}">
+                <a16:creationId xmlns:a16="http://schemas.microsoft.com/office/drawing/2014/main" id="{FDA6402E-B8BB-449F-8C74-9B4DA84FB7C6}"/>
+              </a:ext>
+            </a:extLst>
+          </p:cNvPr>
+          <p:cNvSpPr>
+            <a:spLocks noGrp="1"/>
+          </p:cNvSpPr>
+          <p:nvPr>
+            <p:ph type="title"/>
+          </p:nvPr>
+        </p:nvSpPr>
+        <p:spPr/>
+        <p:txBody>
+          <a:bodyPr/>
+          <a:lstStyle/>
+          <a:p>
+            <a:pPr algn="ctr"/>
+            <a:r>
+              <a:rPr lang="zh-TW" altLang="en-US" dirty="0">
+                <a:latin typeface="微軟正黑體" panose="020B0604030504040204" pitchFamily="34" charset="-120"/>
+                <a:ea typeface="微軟正黑體" panose="020B0604030504040204" pitchFamily="34" charset="-120"/>
+              </a:rPr>
+              <a:t>總結</a:t>
+            </a:r>
+          </a:p>
+        </p:txBody>
+      </p:sp>
+      <p:sp>
+        <p:nvSpPr>
+          <p:cNvPr id="3" name="內容版面配置區 2">
+            <a:extLst>
+              <a:ext uri="{FF2B5EF4-FFF2-40B4-BE49-F238E27FC236}">
+                <a16:creationId xmlns:a16="http://schemas.microsoft.com/office/drawing/2014/main" id="{FEB5C4FB-DF37-4701-87F3-8319416B72AD}"/>
+              </a:ext>
+            </a:extLst>
+          </p:cNvPr>
+          <p:cNvSpPr>
+            <a:spLocks noGrp="1"/>
+          </p:cNvSpPr>
+          <p:nvPr>
+            <p:ph idx="1"/>
+          </p:nvPr>
+        </p:nvSpPr>
+        <p:spPr/>
+        <p:txBody>
+          <a:bodyPr>
+            <a:normAutofit/>
+          </a:bodyPr>
+          <a:lstStyle/>
+          <a:p>
+            <a:pPr algn="l">
+              <a:buFont typeface="Arial" panose="020B0604020202020204" pitchFamily="34" charset="0"/>
+              <a:buChar char="•"/>
+            </a:pPr>
+            <a:r>
+              <a:rPr lang="zh-TW" altLang="en-US" sz="2400" b="0" i="0" dirty="0">
+                <a:solidFill>
+                  <a:srgbClr val="24292E"/>
+                </a:solidFill>
+                <a:effectLst/>
+                <a:latin typeface="微軟正黑體" panose="020B0604030504040204" pitchFamily="34" charset="-120"/>
+                <a:ea typeface="微軟正黑體" panose="020B0604030504040204" pitchFamily="34" charset="-120"/>
+              </a:rPr>
+              <a:t>資料前處理挑戰：</a:t>
+            </a:r>
+          </a:p>
+          <a:p>
+            <a:pPr marL="742950" lvl="1" indent="-285750" algn="l">
+              <a:buFont typeface="Arial" panose="020B0604020202020204" pitchFamily="34" charset="0"/>
+              <a:buChar char="•"/>
+            </a:pPr>
+            <a:r>
+              <a:rPr lang="zh-TW" altLang="en-US" sz="2400" b="0" i="0" dirty="0">
+                <a:solidFill>
+                  <a:srgbClr val="24292E"/>
+                </a:solidFill>
+                <a:effectLst/>
+                <a:latin typeface="微軟正黑體" panose="020B0604030504040204" pitchFamily="34" charset="-120"/>
+                <a:ea typeface="微軟正黑體" panose="020B0604030504040204" pitchFamily="34" charset="-120"/>
+              </a:rPr>
+              <a:t>結巴斷詞 </a:t>
+            </a:r>
+            <a:r>
+              <a:rPr lang="en-US" altLang="zh-TW" sz="2400" b="0" i="0" dirty="0">
+                <a:solidFill>
+                  <a:srgbClr val="24292E"/>
+                </a:solidFill>
+                <a:effectLst/>
+                <a:latin typeface="微軟正黑體" panose="020B0604030504040204" pitchFamily="34" charset="-120"/>
+                <a:ea typeface="微軟正黑體" panose="020B0604030504040204" pitchFamily="34" charset="-120"/>
+              </a:rPr>
+              <a:t>V.S. CKIP</a:t>
+            </a:r>
+            <a:r>
+              <a:rPr lang="zh-TW" altLang="en-US" sz="2400" b="0" i="0" dirty="0">
+                <a:solidFill>
+                  <a:srgbClr val="24292E"/>
+                </a:solidFill>
+                <a:effectLst/>
+                <a:latin typeface="微軟正黑體" panose="020B0604030504040204" pitchFamily="34" charset="-120"/>
+                <a:ea typeface="微軟正黑體" panose="020B0604030504040204" pitchFamily="34" charset="-120"/>
+              </a:rPr>
+              <a:t>斷詞 → </a:t>
+            </a:r>
+            <a:r>
+              <a:rPr lang="en-US" altLang="zh-TW" sz="2400" b="0" i="0" dirty="0">
+                <a:solidFill>
+                  <a:srgbClr val="24292E"/>
+                </a:solidFill>
+                <a:effectLst/>
+                <a:latin typeface="微軟正黑體" panose="020B0604030504040204" pitchFamily="34" charset="-120"/>
+                <a:ea typeface="微軟正黑體" panose="020B0604030504040204" pitchFamily="34" charset="-120"/>
+              </a:rPr>
+              <a:t>CKIP</a:t>
+            </a:r>
+            <a:r>
+              <a:rPr lang="zh-TW" altLang="en-US" sz="2400" b="0" i="0" dirty="0">
+                <a:solidFill>
+                  <a:srgbClr val="24292E"/>
+                </a:solidFill>
+                <a:effectLst/>
+                <a:latin typeface="微軟正黑體" panose="020B0604030504040204" pitchFamily="34" charset="-120"/>
+                <a:ea typeface="微軟正黑體" panose="020B0604030504040204" pitchFamily="34" charset="-120"/>
+              </a:rPr>
+              <a:t>斷詞效果較佳</a:t>
+            </a:r>
+          </a:p>
+          <a:p>
+            <a:pPr marL="742950" lvl="1" indent="-285750" algn="l">
+              <a:buFont typeface="Arial" panose="020B0604020202020204" pitchFamily="34" charset="0"/>
+              <a:buChar char="•"/>
+            </a:pPr>
+            <a:r>
+              <a:rPr lang="en-US" altLang="zh-TW" sz="2400" b="0" i="0" dirty="0">
+                <a:solidFill>
+                  <a:srgbClr val="24292E"/>
+                </a:solidFill>
+                <a:effectLst/>
+                <a:latin typeface="微軟正黑體" panose="020B0604030504040204" pitchFamily="34" charset="-120"/>
+                <a:ea typeface="微軟正黑體" panose="020B0604030504040204" pitchFamily="34" charset="-120"/>
+              </a:rPr>
+              <a:t>Word2Vec V.S. </a:t>
+            </a:r>
+            <a:r>
+              <a:rPr lang="en-US" altLang="zh-TW" sz="2400" b="0" i="0" dirty="0" err="1">
+                <a:solidFill>
+                  <a:srgbClr val="24292E"/>
+                </a:solidFill>
+                <a:effectLst/>
+                <a:latin typeface="微軟正黑體" panose="020B0604030504040204" pitchFamily="34" charset="-120"/>
+                <a:ea typeface="微軟正黑體" panose="020B0604030504040204" pitchFamily="34" charset="-120"/>
+              </a:rPr>
+              <a:t>Tf-Idf</a:t>
+            </a:r>
+            <a:r>
+              <a:rPr lang="en-US" altLang="zh-TW" sz="2400" b="0" i="0" dirty="0">
+                <a:solidFill>
+                  <a:srgbClr val="24292E"/>
+                </a:solidFill>
+                <a:effectLst/>
+                <a:latin typeface="微軟正黑體" panose="020B0604030504040204" pitchFamily="34" charset="-120"/>
+                <a:ea typeface="微軟正黑體" panose="020B0604030504040204" pitchFamily="34" charset="-120"/>
+              </a:rPr>
+              <a:t> → </a:t>
+            </a:r>
+            <a:r>
+              <a:rPr lang="zh-TW" altLang="en-US" sz="2400" b="0" i="0" dirty="0">
+                <a:solidFill>
+                  <a:srgbClr val="24292E"/>
+                </a:solidFill>
+                <a:effectLst/>
+                <a:latin typeface="微軟正黑體" panose="020B0604030504040204" pitchFamily="34" charset="-120"/>
+                <a:ea typeface="微軟正黑體" panose="020B0604030504040204" pitchFamily="34" charset="-120"/>
+              </a:rPr>
+              <a:t>選用</a:t>
+            </a:r>
+            <a:r>
+              <a:rPr lang="en-US" altLang="zh-TW" sz="2400" b="0" i="0" dirty="0">
+                <a:solidFill>
+                  <a:srgbClr val="24292E"/>
+                </a:solidFill>
+                <a:effectLst/>
+                <a:latin typeface="微軟正黑體" panose="020B0604030504040204" pitchFamily="34" charset="-120"/>
+                <a:ea typeface="微軟正黑體" panose="020B0604030504040204" pitchFamily="34" charset="-120"/>
+              </a:rPr>
+              <a:t>Word2Vec</a:t>
+            </a:r>
+            <a:r>
+              <a:rPr lang="zh-TW" altLang="en-US" sz="2400" dirty="0">
+                <a:solidFill>
+                  <a:srgbClr val="24292E"/>
+                </a:solidFill>
+                <a:latin typeface="微軟正黑體" panose="020B0604030504040204" pitchFamily="34" charset="-120"/>
+                <a:ea typeface="微軟正黑體" panose="020B0604030504040204" pitchFamily="34" charset="-120"/>
+              </a:rPr>
+              <a:t>效果較佳</a:t>
+            </a:r>
+            <a:endParaRPr lang="en-US" altLang="zh-TW" sz="2400" b="0" i="0" dirty="0">
+              <a:solidFill>
+                <a:srgbClr val="24292E"/>
+              </a:solidFill>
+              <a:effectLst/>
+              <a:latin typeface="微軟正黑體" panose="020B0604030504040204" pitchFamily="34" charset="-120"/>
+              <a:ea typeface="微軟正黑體" panose="020B0604030504040204" pitchFamily="34" charset="-120"/>
+            </a:endParaRPr>
+          </a:p>
+          <a:p>
+            <a:pPr algn="l">
+              <a:buFont typeface="Arial" panose="020B0604020202020204" pitchFamily="34" charset="0"/>
+              <a:buChar char="•"/>
+            </a:pPr>
+            <a:r>
+              <a:rPr lang="zh-TW" altLang="en-US" sz="2400" b="0" i="0" dirty="0">
+                <a:solidFill>
+                  <a:srgbClr val="24292E"/>
+                </a:solidFill>
+                <a:effectLst/>
+                <a:latin typeface="微軟正黑體" panose="020B0604030504040204" pitchFamily="34" charset="-120"/>
+                <a:ea typeface="微軟正黑體" panose="020B0604030504040204" pitchFamily="34" charset="-120"/>
+              </a:rPr>
+              <a:t>是否有很明顯的進步</a:t>
+            </a:r>
+            <a:r>
+              <a:rPr lang="en-US" altLang="zh-TW" sz="2400" b="0" i="0" dirty="0">
+                <a:solidFill>
+                  <a:srgbClr val="24292E"/>
+                </a:solidFill>
+                <a:effectLst/>
+                <a:latin typeface="微軟正黑體" panose="020B0604030504040204" pitchFamily="34" charset="-120"/>
+                <a:ea typeface="微軟正黑體" panose="020B0604030504040204" pitchFamily="34" charset="-120"/>
+              </a:rPr>
+              <a:t>?</a:t>
+            </a:r>
+          </a:p>
+          <a:p>
+            <a:pPr marL="742950" lvl="1" indent="-285750" algn="l">
+              <a:buFont typeface="Arial" panose="020B0604020202020204" pitchFamily="34" charset="0"/>
+              <a:buChar char="•"/>
+            </a:pPr>
+            <a:r>
+              <a:rPr lang="zh-TW" altLang="en-US" sz="2400" b="0" i="0" dirty="0">
+                <a:solidFill>
+                  <a:srgbClr val="24292E"/>
+                </a:solidFill>
+                <a:effectLst/>
+                <a:latin typeface="微軟正黑體" panose="020B0604030504040204" pitchFamily="34" charset="-120"/>
+                <a:ea typeface="微軟正黑體" panose="020B0604030504040204" pitchFamily="34" charset="-120"/>
+              </a:rPr>
+              <a:t>沒到非常明顯，從</a:t>
+            </a:r>
+            <a:r>
+              <a:rPr lang="en-US" altLang="zh-TW" sz="2400" b="0" i="0" dirty="0">
+                <a:solidFill>
+                  <a:srgbClr val="24292E"/>
+                </a:solidFill>
+                <a:effectLst/>
+                <a:latin typeface="微軟正黑體" panose="020B0604030504040204" pitchFamily="34" charset="-120"/>
+                <a:ea typeface="微軟正黑體" panose="020B0604030504040204" pitchFamily="34" charset="-120"/>
+              </a:rPr>
+              <a:t>0.418</a:t>
+            </a:r>
+            <a:r>
+              <a:rPr lang="zh-TW" altLang="en-US" sz="2400" b="0" i="0" dirty="0">
+                <a:solidFill>
+                  <a:srgbClr val="24292E"/>
+                </a:solidFill>
+                <a:effectLst/>
+                <a:latin typeface="微軟正黑體" panose="020B0604030504040204" pitchFamily="34" charset="-120"/>
+                <a:ea typeface="微軟正黑體" panose="020B0604030504040204" pitchFamily="34" charset="-120"/>
+              </a:rPr>
+              <a:t>到</a:t>
+            </a:r>
+            <a:r>
+              <a:rPr lang="en-US" altLang="zh-TW" sz="2400" b="0" i="0" dirty="0">
+                <a:solidFill>
+                  <a:srgbClr val="24292E"/>
+                </a:solidFill>
+                <a:effectLst/>
+                <a:latin typeface="微軟正黑體" panose="020B0604030504040204" pitchFamily="34" charset="-120"/>
+                <a:ea typeface="微軟正黑體" panose="020B0604030504040204" pitchFamily="34" charset="-120"/>
+              </a:rPr>
+              <a:t>0.54</a:t>
+            </a:r>
+            <a:r>
+              <a:rPr lang="zh-TW" altLang="en-US" sz="2400" b="0" i="0" dirty="0">
+                <a:solidFill>
+                  <a:srgbClr val="24292E"/>
+                </a:solidFill>
+                <a:effectLst/>
+                <a:latin typeface="微軟正黑體" panose="020B0604030504040204" pitchFamily="34" charset="-120"/>
+                <a:ea typeface="微軟正黑體" panose="020B0604030504040204" pitchFamily="34" charset="-120"/>
+              </a:rPr>
+              <a:t>左右</a:t>
+            </a:r>
+          </a:p>
+          <a:p>
+            <a:pPr algn="l">
+              <a:buFont typeface="Arial" panose="020B0604020202020204" pitchFamily="34" charset="0"/>
+              <a:buChar char="•"/>
+            </a:pPr>
+            <a:r>
+              <a:rPr lang="zh-TW" altLang="en-US" sz="2400" b="0" i="0" dirty="0">
+                <a:solidFill>
+                  <a:srgbClr val="24292E"/>
+                </a:solidFill>
+                <a:effectLst/>
+                <a:latin typeface="微軟正黑體" panose="020B0604030504040204" pitchFamily="34" charset="-120"/>
+                <a:ea typeface="微軟正黑體" panose="020B0604030504040204" pitchFamily="34" charset="-120"/>
+              </a:rPr>
+              <a:t>最具挑戰的部分</a:t>
+            </a:r>
+            <a:r>
+              <a:rPr lang="en-US" altLang="zh-TW" sz="2400" b="0" i="0" dirty="0">
+                <a:solidFill>
+                  <a:srgbClr val="24292E"/>
+                </a:solidFill>
+                <a:effectLst/>
+                <a:latin typeface="微軟正黑體" panose="020B0604030504040204" pitchFamily="34" charset="-120"/>
+                <a:ea typeface="微軟正黑體" panose="020B0604030504040204" pitchFamily="34" charset="-120"/>
+              </a:rPr>
+              <a:t>?</a:t>
+            </a:r>
+          </a:p>
+          <a:p>
+            <a:pPr marL="742950" lvl="1" indent="-285750" algn="l">
+              <a:buFont typeface="Arial" panose="020B0604020202020204" pitchFamily="34" charset="0"/>
+              <a:buChar char="•"/>
+            </a:pPr>
+            <a:r>
+              <a:rPr lang="zh-TW" altLang="en-US" sz="2400" b="0" i="0" dirty="0">
+                <a:solidFill>
+                  <a:srgbClr val="24292E"/>
+                </a:solidFill>
+                <a:effectLst/>
+                <a:latin typeface="微軟正黑體" panose="020B0604030504040204" pitchFamily="34" charset="-120"/>
+                <a:ea typeface="微軟正黑體" panose="020B0604030504040204" pitchFamily="34" charset="-120"/>
+              </a:rPr>
+              <a:t>資料本身並非非常平均</a:t>
+            </a:r>
+          </a:p>
+          <a:p>
+            <a:pPr marL="742950" lvl="1" indent="-285750" algn="l">
+              <a:buFont typeface="Arial" panose="020B0604020202020204" pitchFamily="34" charset="0"/>
+              <a:buChar char="•"/>
+            </a:pPr>
+            <a:r>
+              <a:rPr lang="zh-TW" altLang="en-US" sz="2400" b="0" i="0" dirty="0">
+                <a:solidFill>
+                  <a:srgbClr val="24292E"/>
+                </a:solidFill>
+                <a:effectLst/>
+                <a:latin typeface="微軟正黑體" panose="020B0604030504040204" pitchFamily="34" charset="-120"/>
+                <a:ea typeface="微軟正黑體" panose="020B0604030504040204" pitchFamily="34" charset="-120"/>
+              </a:rPr>
+              <a:t>歌詞轉換成</a:t>
+            </a:r>
+            <a:r>
+              <a:rPr lang="en-US" altLang="zh-TW" sz="2400" b="0" i="0" dirty="0">
+                <a:solidFill>
+                  <a:srgbClr val="24292E"/>
+                </a:solidFill>
+                <a:effectLst/>
+                <a:latin typeface="微軟正黑體" panose="020B0604030504040204" pitchFamily="34" charset="-120"/>
+                <a:ea typeface="微軟正黑體" panose="020B0604030504040204" pitchFamily="34" charset="-120"/>
+              </a:rPr>
+              <a:t>word2vec</a:t>
+            </a:r>
+            <a:r>
+              <a:rPr lang="zh-TW" altLang="en-US" sz="2400" b="0" i="0" dirty="0">
+                <a:solidFill>
+                  <a:srgbClr val="24292E"/>
+                </a:solidFill>
+                <a:effectLst/>
+                <a:latin typeface="微軟正黑體" panose="020B0604030504040204" pitchFamily="34" charset="-120"/>
+                <a:ea typeface="微軟正黑體" panose="020B0604030504040204" pitchFamily="34" charset="-120"/>
+              </a:rPr>
+              <a:t>時，是否真的能當作好的</a:t>
+            </a:r>
+            <a:r>
+              <a:rPr lang="en-US" altLang="zh-TW" sz="2400" b="0" i="0" dirty="0">
+                <a:solidFill>
+                  <a:srgbClr val="24292E"/>
+                </a:solidFill>
+                <a:effectLst/>
+                <a:latin typeface="微軟正黑體" panose="020B0604030504040204" pitchFamily="34" charset="-120"/>
+                <a:ea typeface="微軟正黑體" panose="020B0604030504040204" pitchFamily="34" charset="-120"/>
+              </a:rPr>
+              <a:t>feature</a:t>
+            </a:r>
+          </a:p>
+          <a:p>
+            <a:endParaRPr lang="zh-TW" altLang="en-US" sz="2400" dirty="0">
+              <a:latin typeface="微軟正黑體" panose="020B0604030504040204" pitchFamily="34" charset="-120"/>
+              <a:ea typeface="微軟正黑體" panose="020B0604030504040204" pitchFamily="34" charset="-120"/>
+            </a:endParaRPr>
+          </a:p>
+        </p:txBody>
+      </p:sp>
+      <p:sp>
+        <p:nvSpPr>
+          <p:cNvPr id="4" name="日期版面配置區 3">
+            <a:extLst>
+              <a:ext uri="{FF2B5EF4-FFF2-40B4-BE49-F238E27FC236}">
+                <a16:creationId xmlns:a16="http://schemas.microsoft.com/office/drawing/2014/main" id="{4E9ADB8B-427B-4094-8026-5E0179BF2C96}"/>
+              </a:ext>
+            </a:extLst>
+          </p:cNvPr>
+          <p:cNvSpPr>
+            <a:spLocks noGrp="1"/>
+          </p:cNvSpPr>
+          <p:nvPr>
+            <p:ph type="dt" sz="half" idx="10"/>
+          </p:nvPr>
+        </p:nvSpPr>
+        <p:spPr/>
+        <p:txBody>
+          <a:bodyPr/>
+          <a:lstStyle/>
+          <a:p>
+            <a:pPr rtl="0"/>
+            <a:fld id="{CE847876-3A2B-49FA-B396-40048599C954}" type="datetime1">
+              <a:rPr lang="zh-TW" altLang="en-US" smtClean="0">
+                <a:latin typeface="微軟正黑體" panose="020B0604030504040204" pitchFamily="34" charset="-120"/>
+                <a:ea typeface="微軟正黑體" panose="020B0604030504040204" pitchFamily="34" charset="-120"/>
+              </a:rPr>
+              <a:t>2021/1/12</a:t>
+            </a:fld>
+            <a:endParaRPr lang="en-US">
+              <a:latin typeface="微軟正黑體" panose="020B0604030504040204" pitchFamily="34" charset="-120"/>
+              <a:ea typeface="微軟正黑體" panose="020B0604030504040204" pitchFamily="34" charset="-120"/>
+            </a:endParaRPr>
+          </a:p>
+        </p:txBody>
+      </p:sp>
+    </p:spTree>
+    <p:extLst>
+      <p:ext uri="{BB962C8B-B14F-4D97-AF65-F5344CB8AC3E}">
+        <p14:creationId xmlns:p14="http://schemas.microsoft.com/office/powerpoint/2010/main" val="2027119310"/>
+      </p:ext>
+    </p:extLst>
+  </p:cSld>
+  <p:clrMapOvr>
+    <a:masterClrMapping/>
+  </p:clrMapOvr>
+</p:sld>
+</file>
+
+<file path=ppt/slides/slide13.xml><?xml version="1.0" encoding="utf-8"?>
+<p:sld xmlns:a="http://schemas.openxmlformats.org/drawingml/2006/main" xmlns:r="http://schemas.openxmlformats.org/officeDocument/2006/relationships" xmlns:p="http://schemas.openxmlformats.org/presentationml/2006/main">
+  <p:cSld>
+    <p:spTree>
+      <p:nvGrpSpPr>
+        <p:cNvPr id="1" name=""/>
+        <p:cNvGrpSpPr/>
+        <p:nvPr/>
+      </p:nvGrpSpPr>
+      <p:grpSpPr>
+        <a:xfrm>
+          <a:off x="0" y="0"/>
+          <a:ext cx="0" cy="0"/>
+          <a:chOff x="0" y="0"/>
+          <a:chExt cx="0" cy="0"/>
+        </a:xfrm>
+      </p:grpSpPr>
+      <p:sp>
+        <p:nvSpPr>
+          <p:cNvPr id="2" name="標題 1">
+            <a:extLst>
+              <a:ext uri="{FF2B5EF4-FFF2-40B4-BE49-F238E27FC236}">
+                <a16:creationId xmlns:a16="http://schemas.microsoft.com/office/drawing/2014/main" id="{4D2662DA-7199-4B7E-9178-2F33AAFCBE83}"/>
+              </a:ext>
+            </a:extLst>
+          </p:cNvPr>
+          <p:cNvSpPr>
+            <a:spLocks noGrp="1"/>
+          </p:cNvSpPr>
+          <p:nvPr>
+            <p:ph type="title"/>
+          </p:nvPr>
+        </p:nvSpPr>
+        <p:spPr/>
+        <p:txBody>
+          <a:bodyPr/>
+          <a:lstStyle/>
+          <a:p>
+            <a:pPr algn="ctr"/>
+            <a:r>
+              <a:rPr lang="zh-TW" altLang="en-US" dirty="0">
+                <a:latin typeface="標楷體" panose="03000509000000000000" pitchFamily="65" charset="-120"/>
+                <a:ea typeface="標楷體" panose="03000509000000000000" pitchFamily="65" charset="-120"/>
+              </a:rPr>
+              <a:t>參考資料</a:t>
+            </a:r>
+          </a:p>
+        </p:txBody>
+      </p:sp>
+      <p:sp>
+        <p:nvSpPr>
+          <p:cNvPr id="3" name="內容版面配置區 2">
+            <a:extLst>
+              <a:ext uri="{FF2B5EF4-FFF2-40B4-BE49-F238E27FC236}">
+                <a16:creationId xmlns:a16="http://schemas.microsoft.com/office/drawing/2014/main" id="{4DA1102E-BABC-433F-8D37-75558634A81A}"/>
+              </a:ext>
+            </a:extLst>
+          </p:cNvPr>
+          <p:cNvSpPr>
+            <a:spLocks noGrp="1"/>
+          </p:cNvSpPr>
+          <p:nvPr>
+            <p:ph idx="1"/>
+          </p:nvPr>
+        </p:nvSpPr>
+        <p:spPr/>
+        <p:txBody>
+          <a:bodyPr/>
+          <a:lstStyle/>
+          <a:p>
+            <a:pPr algn="l">
+              <a:buFont typeface="Arial" panose="020B0604020202020204" pitchFamily="34" charset="0"/>
+              <a:buChar char="•"/>
+            </a:pPr>
+            <a:r>
+              <a:rPr lang="en-US" altLang="zh-TW" b="0" i="0" u="none" strike="noStrike" dirty="0">
+                <a:solidFill>
+                  <a:srgbClr val="24292E"/>
+                </a:solidFill>
+                <a:effectLst/>
+                <a:latin typeface="-apple-system"/>
+                <a:hlinkClick r:id="rId2"/>
+              </a:rPr>
+              <a:t>https://rpubs.com/skydome20/R-Note14-SVM-SVR</a:t>
+            </a:r>
+            <a:endParaRPr lang="en-US" altLang="zh-TW" b="0" i="0" dirty="0">
+              <a:solidFill>
+                <a:srgbClr val="24292E"/>
+              </a:solidFill>
+              <a:effectLst/>
+              <a:latin typeface="-apple-system"/>
+            </a:endParaRPr>
+          </a:p>
+          <a:p>
+            <a:pPr algn="l">
+              <a:buFont typeface="Arial" panose="020B0604020202020204" pitchFamily="34" charset="0"/>
+              <a:buChar char="•"/>
+            </a:pPr>
+            <a:r>
+              <a:rPr lang="en-US" altLang="zh-TW" b="0" i="0" u="none" strike="noStrike" dirty="0">
+                <a:solidFill>
+                  <a:srgbClr val="24292E"/>
+                </a:solidFill>
+                <a:effectLst/>
+                <a:latin typeface="-apple-system"/>
+                <a:hlinkClick r:id="rId3"/>
+              </a:rPr>
+              <a:t>https://mojim.com/</a:t>
+            </a:r>
+            <a:endParaRPr lang="en-US" altLang="zh-TW" b="0" i="0" dirty="0">
+              <a:solidFill>
+                <a:srgbClr val="24292E"/>
+              </a:solidFill>
+              <a:effectLst/>
+              <a:latin typeface="-apple-system"/>
+            </a:endParaRPr>
+          </a:p>
+          <a:p>
+            <a:pPr algn="l">
+              <a:buFont typeface="Arial" panose="020B0604020202020204" pitchFamily="34" charset="0"/>
+              <a:buChar char="•"/>
+            </a:pPr>
+            <a:r>
+              <a:rPr lang="en-US" altLang="zh-TW" b="0" i="0" u="none" strike="noStrike" dirty="0">
+                <a:solidFill>
+                  <a:srgbClr val="24292E"/>
+                </a:solidFill>
+                <a:effectLst/>
+                <a:latin typeface="-apple-system"/>
+                <a:hlinkClick r:id="rId4"/>
+              </a:rPr>
+              <a:t>https://www.xiami.com/</a:t>
+            </a:r>
+            <a:endParaRPr lang="en-US" altLang="zh-TW" b="0" i="0" u="none" strike="noStrike" dirty="0">
+              <a:solidFill>
+                <a:srgbClr val="24292E"/>
+              </a:solidFill>
+              <a:effectLst/>
+              <a:latin typeface="-apple-system"/>
+            </a:endParaRPr>
+          </a:p>
+          <a:p>
+            <a:pPr algn="l">
+              <a:buFont typeface="Arial" panose="020B0604020202020204" pitchFamily="34" charset="0"/>
+              <a:buChar char="•"/>
+            </a:pPr>
+            <a:r>
+              <a:rPr lang="en-US" altLang="zh-TW" b="0" i="0" dirty="0">
+                <a:solidFill>
+                  <a:srgbClr val="24292E"/>
+                </a:solidFill>
+                <a:effectLst/>
+                <a:latin typeface="-apple-system"/>
+              </a:rPr>
+              <a:t>https://www.pinterest.com/pin/79235274673581414/</a:t>
+            </a:r>
+          </a:p>
+          <a:p>
+            <a:pPr algn="l">
+              <a:buFont typeface="Arial" panose="020B0604020202020204" pitchFamily="34" charset="0"/>
+              <a:buChar char="•"/>
+            </a:pPr>
+            <a:r>
+              <a:rPr lang="en-US" altLang="zh-TW" b="0" i="0" dirty="0">
+                <a:solidFill>
+                  <a:srgbClr val="24292E"/>
+                </a:solidFill>
+                <a:effectLst/>
+                <a:latin typeface="-apple-system"/>
+              </a:rPr>
+              <a:t>Packages</a:t>
+            </a:r>
+            <a:r>
+              <a:rPr lang="zh-TW" altLang="en-US" b="0" i="0" dirty="0">
+                <a:solidFill>
+                  <a:srgbClr val="24292E"/>
+                </a:solidFill>
+                <a:effectLst/>
+                <a:latin typeface="-apple-system"/>
+              </a:rPr>
+              <a:t>：</a:t>
+            </a:r>
+          </a:p>
+          <a:p>
+            <a:pPr marL="742950" lvl="1" indent="-285750" algn="l">
+              <a:buFont typeface="Arial" panose="020B0604020202020204" pitchFamily="34" charset="0"/>
+              <a:buChar char="•"/>
+            </a:pPr>
+            <a:r>
+              <a:rPr lang="en-US" altLang="zh-TW" b="0" i="0" dirty="0" err="1">
+                <a:solidFill>
+                  <a:srgbClr val="24292E"/>
+                </a:solidFill>
+                <a:effectLst/>
+                <a:latin typeface="-apple-system"/>
+              </a:rPr>
+              <a:t>kknn</a:t>
+            </a:r>
+            <a:endParaRPr lang="en-US" altLang="zh-TW" b="0" i="0" dirty="0">
+              <a:solidFill>
+                <a:srgbClr val="24292E"/>
+              </a:solidFill>
+              <a:effectLst/>
+              <a:latin typeface="-apple-system"/>
+            </a:endParaRPr>
+          </a:p>
+          <a:p>
+            <a:pPr marL="742950" lvl="1" indent="-285750" algn="l">
+              <a:buFont typeface="Arial" panose="020B0604020202020204" pitchFamily="34" charset="0"/>
+              <a:buChar char="•"/>
+            </a:pPr>
+            <a:r>
+              <a:rPr lang="en-US" altLang="zh-TW" b="0" i="0" dirty="0">
+                <a:solidFill>
+                  <a:srgbClr val="24292E"/>
+                </a:solidFill>
+                <a:effectLst/>
+                <a:latin typeface="-apple-system"/>
+              </a:rPr>
+              <a:t>caret</a:t>
+            </a:r>
+          </a:p>
+          <a:p>
+            <a:pPr marL="742950" lvl="1" indent="-285750" algn="l">
+              <a:buFont typeface="Arial" panose="020B0604020202020204" pitchFamily="34" charset="0"/>
+              <a:buChar char="•"/>
+            </a:pPr>
+            <a:r>
+              <a:rPr lang="en-US" altLang="zh-TW" b="0" i="0" dirty="0">
+                <a:solidFill>
+                  <a:srgbClr val="24292E"/>
+                </a:solidFill>
+                <a:effectLst/>
+                <a:latin typeface="-apple-system"/>
+              </a:rPr>
+              <a:t>e1071</a:t>
+            </a:r>
+          </a:p>
+          <a:p>
+            <a:endParaRPr lang="zh-TW" altLang="en-US" dirty="0"/>
+          </a:p>
+        </p:txBody>
+      </p:sp>
+      <p:sp>
+        <p:nvSpPr>
+          <p:cNvPr id="4" name="日期版面配置區 3">
+            <a:extLst>
+              <a:ext uri="{FF2B5EF4-FFF2-40B4-BE49-F238E27FC236}">
+                <a16:creationId xmlns:a16="http://schemas.microsoft.com/office/drawing/2014/main" id="{1BD5BF14-AC37-408C-946F-1ECEB7278DAA}"/>
+              </a:ext>
+            </a:extLst>
+          </p:cNvPr>
+          <p:cNvSpPr>
+            <a:spLocks noGrp="1"/>
+          </p:cNvSpPr>
+          <p:nvPr>
+            <p:ph type="dt" sz="half" idx="10"/>
+          </p:nvPr>
+        </p:nvSpPr>
+        <p:spPr/>
+        <p:txBody>
+          <a:bodyPr/>
+          <a:lstStyle/>
+          <a:p>
+            <a:pPr rtl="0"/>
+            <a:fld id="{CE847876-3A2B-49FA-B396-40048599C954}" type="datetime1">
+              <a:rPr lang="zh-TW" altLang="en-US" smtClean="0"/>
+              <a:t>2021/1/12</a:t>
+            </a:fld>
+            <a:endParaRPr lang="en-US"/>
+          </a:p>
+        </p:txBody>
+      </p:sp>
+    </p:spTree>
+    <p:extLst>
+      <p:ext uri="{BB962C8B-B14F-4D97-AF65-F5344CB8AC3E}">
+        <p14:creationId xmlns:p14="http://schemas.microsoft.com/office/powerpoint/2010/main" val="1711472813"/>
+      </p:ext>
+    </p:extLst>
+  </p:cSld>
+  <p:clrMapOvr>
+    <a:masterClrMapping/>
+  </p:clrMapOvr>
+</p:sld>
+</file>
+
+<file path=ppt/slides/slide14.xml><?xml version="1.0" encoding="utf-8"?>
+<p:sld xmlns:a="http://schemas.openxmlformats.org/drawingml/2006/main" xmlns:r="http://schemas.openxmlformats.org/officeDocument/2006/relationships" xmlns:p="http://schemas.openxmlformats.org/presentationml/2006/main">
+  <p:cSld>
+    <p:spTree>
+      <p:nvGrpSpPr>
+        <p:cNvPr id="1" name=""/>
+        <p:cNvGrpSpPr/>
+        <p:nvPr/>
+      </p:nvGrpSpPr>
+      <p:grpSpPr>
+        <a:xfrm>
+          <a:off x="0" y="0"/>
+          <a:ext cx="0" cy="0"/>
+          <a:chOff x="0" y="0"/>
+          <a:chExt cx="0" cy="0"/>
+        </a:xfrm>
+      </p:grpSpPr>
+      <p:sp>
+        <p:nvSpPr>
+          <p:cNvPr id="4" name="日期版面配置區 3">
+            <a:extLst>
+              <a:ext uri="{FF2B5EF4-FFF2-40B4-BE49-F238E27FC236}">
+                <a16:creationId xmlns:a16="http://schemas.microsoft.com/office/drawing/2014/main" id="{839DF9B9-FDFA-481D-948E-5EEE00ACDB23}"/>
+              </a:ext>
+            </a:extLst>
+          </p:cNvPr>
+          <p:cNvSpPr>
+            <a:spLocks noGrp="1"/>
+          </p:cNvSpPr>
+          <p:nvPr>
+            <p:ph type="dt" sz="half" idx="10"/>
+          </p:nvPr>
+        </p:nvSpPr>
+        <p:spPr/>
+        <p:txBody>
+          <a:bodyPr/>
+          <a:lstStyle/>
+          <a:p>
+            <a:pPr rtl="0"/>
+            <a:fld id="{CE847876-3A2B-49FA-B396-40048599C954}" type="datetime1">
+              <a:rPr lang="zh-TW" altLang="en-US" smtClean="0"/>
+              <a:t>2021/1/12</a:t>
+            </a:fld>
+            <a:endParaRPr lang="en-US"/>
+          </a:p>
+        </p:txBody>
+      </p:sp>
+      <p:pic>
+        <p:nvPicPr>
+          <p:cNvPr id="7" name="圖片 6" descr="一張含有 文字 的圖片&#10;&#10;自動產生的描述">
+            <a:extLst>
+              <a:ext uri="{FF2B5EF4-FFF2-40B4-BE49-F238E27FC236}">
+                <a16:creationId xmlns:a16="http://schemas.microsoft.com/office/drawing/2014/main" id="{03299BAD-61C3-404D-A4CC-7C8F7718466B}"/>
+              </a:ext>
+            </a:extLst>
+          </p:cNvPr>
+          <p:cNvPicPr>
+            <a:picLocks noChangeAspect="1"/>
+          </p:cNvPicPr>
+          <p:nvPr/>
+        </p:nvPicPr>
+        <p:blipFill>
+          <a:blip r:embed="rId2">
+            <a:extLst>
+              <a:ext uri="{28A0092B-C50C-407E-A947-70E740481C1C}">
+                <a14:useLocalDpi xmlns:a14="http://schemas.microsoft.com/office/drawing/2010/main" val="0"/>
+              </a:ext>
+            </a:extLst>
+          </a:blip>
+          <a:stretch>
+            <a:fillRect/>
+          </a:stretch>
+        </p:blipFill>
+        <p:spPr>
+          <a:xfrm>
+            <a:off x="1971674" y="622487"/>
+            <a:ext cx="7096126" cy="5322094"/>
+          </a:xfrm>
+          <a:prstGeom prst="rect">
+            <a:avLst/>
+          </a:prstGeom>
+          <a:effectLst>
+            <a:glow>
+              <a:schemeClr val="accent1">
+                <a:alpha val="30000"/>
+              </a:schemeClr>
+            </a:glow>
+            <a:softEdge rad="292100"/>
+          </a:effectLst>
+        </p:spPr>
+      </p:pic>
+    </p:spTree>
+    <p:extLst>
+      <p:ext uri="{BB962C8B-B14F-4D97-AF65-F5344CB8AC3E}">
+        <p14:creationId xmlns:p14="http://schemas.microsoft.com/office/powerpoint/2010/main" val="4153582731"/>
+      </p:ext>
+    </p:extLst>
+  </p:cSld>
+  <p:clrMapOvr>
+    <a:masterClrMapping/>
+  </p:clrMapOvr>
+</p:sld>
+</file>
+
 <file path=ppt/slides/slide2.xml><?xml version="1.0" encoding="utf-8"?>
 <p:sld xmlns:a="http://schemas.openxmlformats.org/drawingml/2006/main" xmlns:r="http://schemas.openxmlformats.org/officeDocument/2006/relationships" xmlns:p="http://schemas.openxmlformats.org/presentationml/2006/main">
   <p:cSld>
@@ -10067,7 +11331,7 @@
                 <a:latin typeface="微軟正黑體" panose="020B0604030504040204" pitchFamily="34" charset="-120"/>
                 <a:ea typeface="微軟正黑體" panose="020B0604030504040204" pitchFamily="34" charset="-120"/>
               </a:rPr>
-              <a:t>模型</a:t>
+              <a:t>分類模型</a:t>
             </a:r>
           </a:p>
         </p:txBody>
@@ -10119,32 +11383,17 @@
             </a:endParaRPr>
           </a:p>
           <a:p>
-            <a:pPr marL="274320" lvl="1" indent="0">
-              <a:buNone/>
+            <a:pPr lvl="1">
+              <a:buFont typeface="Wingdings" panose="05000000000000000000" pitchFamily="2" charset="2"/>
+              <a:buChar char="l"/>
             </a:pPr>
             <a:r>
-              <a:rPr lang="en-US" altLang="zh-TW" sz="3000" dirty="0">
+              <a:rPr lang="en-US" altLang="zh-TW" sz="2200" dirty="0">
                 <a:latin typeface="微軟正黑體" panose="020B0604030504040204" pitchFamily="34" charset="-120"/>
                 <a:ea typeface="微軟正黑體" panose="020B0604030504040204" pitchFamily="34" charset="-120"/>
               </a:rPr>
-              <a:t>	</a:t>
-            </a:r>
-            <a:r>
-              <a:rPr lang="en-US" altLang="zh-TW" sz="2400" dirty="0">
-                <a:latin typeface="微軟正黑體" panose="020B0604030504040204" pitchFamily="34" charset="-120"/>
-                <a:ea typeface="微軟正黑體" panose="020B0604030504040204" pitchFamily="34" charset="-120"/>
-              </a:rPr>
               <a:t>Encourage:0.418</a:t>
             </a:r>
-          </a:p>
-          <a:p>
-            <a:pPr marL="274320" lvl="1" indent="0">
-              <a:buNone/>
-            </a:pPr>
-            <a:endParaRPr lang="en-US" altLang="zh-TW" sz="2400" dirty="0">
-              <a:latin typeface="微軟正黑體" panose="020B0604030504040204" pitchFamily="34" charset="-120"/>
-              <a:ea typeface="微軟正黑體" panose="020B0604030504040204" pitchFamily="34" charset="-120"/>
-            </a:endParaRPr>
           </a:p>
           <a:p>
             <a:pPr>
@@ -10170,6 +11419,19 @@
                 <a:ea typeface="微軟正黑體" panose="020B0604030504040204" pitchFamily="34" charset="-120"/>
               </a:rPr>
               <a:t>KNN</a:t>
+            </a:r>
+          </a:p>
+          <a:p>
+            <a:pPr>
+              <a:buFont typeface="Wingdings" panose="05000000000000000000" pitchFamily="2" charset="2"/>
+              <a:buChar char="l"/>
+            </a:pPr>
+            <a:r>
+              <a:rPr lang="en-US" altLang="zh-TW" sz="2600" dirty="0">
+                <a:latin typeface="微軟正黑體" panose="020B0604030504040204" pitchFamily="34" charset="-120"/>
+                <a:ea typeface="微軟正黑體" panose="020B0604030504040204" pitchFamily="34" charset="-120"/>
+              </a:rPr>
+              <a:t>Random Forest</a:t>
             </a:r>
           </a:p>
         </p:txBody>
@@ -10210,6 +11472,104 @@
           </a:p>
         </p:txBody>
       </p:sp>
+    </p:spTree>
+    <p:extLst>
+      <p:ext uri="{BB962C8B-B14F-4D97-AF65-F5344CB8AC3E}">
+        <p14:creationId xmlns:p14="http://schemas.microsoft.com/office/powerpoint/2010/main" val="2883812724"/>
+      </p:ext>
+    </p:extLst>
+  </p:cSld>
+  <p:clrMapOvr>
+    <a:masterClrMapping/>
+  </p:clrMapOvr>
+</p:sld>
+</file>
+
+<file path=ppt/slides/slide7.xml><?xml version="1.0" encoding="utf-8"?>
+<p:sld xmlns:a="http://schemas.openxmlformats.org/drawingml/2006/main" xmlns:r="http://schemas.openxmlformats.org/officeDocument/2006/relationships" xmlns:p="http://schemas.openxmlformats.org/presentationml/2006/main">
+  <p:cSld>
+    <p:spTree>
+      <p:nvGrpSpPr>
+        <p:cNvPr id="1" name=""/>
+        <p:cNvGrpSpPr/>
+        <p:nvPr/>
+      </p:nvGrpSpPr>
+      <p:grpSpPr>
+        <a:xfrm>
+          <a:off x="0" y="0"/>
+          <a:ext cx="0" cy="0"/>
+          <a:chOff x="0" y="0"/>
+          <a:chExt cx="0" cy="0"/>
+        </a:xfrm>
+      </p:grpSpPr>
+      <p:sp>
+        <p:nvSpPr>
+          <p:cNvPr id="2" name="標題 1">
+            <a:extLst>
+              <a:ext uri="{FF2B5EF4-FFF2-40B4-BE49-F238E27FC236}">
+                <a16:creationId xmlns:a16="http://schemas.microsoft.com/office/drawing/2014/main" id="{5A432C5C-3B48-4DCA-AECF-BB4CAA5151ED}"/>
+              </a:ext>
+            </a:extLst>
+          </p:cNvPr>
+          <p:cNvSpPr>
+            <a:spLocks noGrp="1"/>
+          </p:cNvSpPr>
+          <p:nvPr>
+            <p:ph type="title"/>
+          </p:nvPr>
+        </p:nvSpPr>
+        <p:spPr/>
+        <p:txBody>
+          <a:bodyPr/>
+          <a:lstStyle/>
+          <a:p>
+            <a:pPr algn="ctr"/>
+            <a:r>
+              <a:rPr lang="zh-TW" altLang="en-US" dirty="0">
+                <a:latin typeface="微軟正黑體" panose="020B0604030504040204" pitchFamily="34" charset="-120"/>
+                <a:ea typeface="微軟正黑體" panose="020B0604030504040204" pitchFamily="34" charset="-120"/>
+              </a:rPr>
+              <a:t>分類模型</a:t>
+            </a:r>
+          </a:p>
+        </p:txBody>
+      </p:sp>
+      <p:sp>
+        <p:nvSpPr>
+          <p:cNvPr id="4" name="日期版面配置區 3">
+            <a:extLst>
+              <a:ext uri="{FF2B5EF4-FFF2-40B4-BE49-F238E27FC236}">
+                <a16:creationId xmlns:a16="http://schemas.microsoft.com/office/drawing/2014/main" id="{57C0AE3A-C5CF-4BEA-81CD-897624171FBE}"/>
+              </a:ext>
+            </a:extLst>
+          </p:cNvPr>
+          <p:cNvSpPr>
+            <a:spLocks noGrp="1"/>
+          </p:cNvSpPr>
+          <p:nvPr>
+            <p:ph type="dt" sz="half" idx="10"/>
+          </p:nvPr>
+        </p:nvSpPr>
+        <p:spPr/>
+        <p:txBody>
+          <a:bodyPr/>
+          <a:lstStyle/>
+          <a:p>
+            <a:pPr rtl="0"/>
+            <a:fld id="{CE847876-3A2B-49FA-B396-40048599C954}" type="datetime1">
+              <a:rPr lang="zh-TW" altLang="en-US" smtClean="0">
+                <a:latin typeface="微軟正黑體" panose="020B0604030504040204" pitchFamily="34" charset="-120"/>
+                <a:ea typeface="微軟正黑體" panose="020B0604030504040204" pitchFamily="34" charset="-120"/>
+              </a:rPr>
+              <a:t>2021/1/12</a:t>
+            </a:fld>
+            <a:endParaRPr lang="en-US">
+              <a:latin typeface="微軟正黑體" panose="020B0604030504040204" pitchFamily="34" charset="-120"/>
+              <a:ea typeface="微軟正黑體" panose="020B0604030504040204" pitchFamily="34" charset="-120"/>
+            </a:endParaRPr>
+          </a:p>
+        </p:txBody>
+      </p:sp>
       <p:graphicFrame>
         <p:nvGraphicFramePr>
           <p:cNvPr id="7" name="表格 7">
@@ -10225,13 +11585,13 @@
           <p:nvPr>
             <p:extLst>
               <p:ext uri="{D42A27DB-BD31-4B8C-83A1-F6EECF244321}">
-                <p14:modId xmlns:p14="http://schemas.microsoft.com/office/powerpoint/2010/main" val="3040866523"/>
+                <p14:modId xmlns:p14="http://schemas.microsoft.com/office/powerpoint/2010/main" val="3231180355"/>
               </p:ext>
             </p:extLst>
           </p:nvPr>
         </p:nvGraphicFramePr>
         <p:xfrm>
-          <a:off x="4935207" y="3146613"/>
+          <a:off x="1413030" y="2791506"/>
           <a:ext cx="2810300" cy="2597971"/>
         </p:xfrm>
         <a:graphic>
@@ -10710,13 +12070,13 @@
           <p:nvPr>
             <p:extLst>
               <p:ext uri="{D42A27DB-BD31-4B8C-83A1-F6EECF244321}">
-                <p14:modId xmlns:p14="http://schemas.microsoft.com/office/powerpoint/2010/main" val="2842938572"/>
+                <p14:modId xmlns:p14="http://schemas.microsoft.com/office/powerpoint/2010/main" val="4018474531"/>
               </p:ext>
             </p:extLst>
           </p:nvPr>
         </p:nvGraphicFramePr>
         <p:xfrm>
-          <a:off x="8314900" y="3146613"/>
+          <a:off x="4792723" y="2791506"/>
           <a:ext cx="2810300" cy="2597971"/>
         </p:xfrm>
         <a:graphic>
@@ -11194,7 +12554,7 @@
         </p:nvSpPr>
         <p:spPr>
           <a:xfrm>
-            <a:off x="5999698" y="2569121"/>
+            <a:off x="2329104" y="2214014"/>
             <a:ext cx="978151" cy="369332"/>
           </a:xfrm>
           <a:prstGeom prst="rect">
@@ -11208,6 +12568,7 @@
           </a:bodyPr>
           <a:lstStyle/>
           <a:p>
+            <a:pPr algn="ctr"/>
             <a:r>
               <a:rPr lang="en-US" altLang="zh-TW" dirty="0">
                 <a:latin typeface="微軟正黑體" panose="020B0604030504040204" pitchFamily="34" charset="-120"/>
@@ -11236,7 +12597,7 @@
         </p:nvSpPr>
         <p:spPr>
           <a:xfrm>
-            <a:off x="9379391" y="2569121"/>
+            <a:off x="5667498" y="2214014"/>
             <a:ext cx="1060749" cy="369332"/>
           </a:xfrm>
           <a:prstGeom prst="rect">
@@ -11250,12 +12611,541 @@
           </a:bodyPr>
           <a:lstStyle/>
           <a:p>
+            <a:pPr algn="ctr"/>
             <a:r>
               <a:rPr lang="en-US" altLang="zh-TW" dirty="0">
                 <a:latin typeface="微軟正黑體" panose="020B0604030504040204" pitchFamily="34" charset="-120"/>
                 <a:ea typeface="微軟正黑體" panose="020B0604030504040204" pitchFamily="34" charset="-120"/>
               </a:rPr>
               <a:t>KNN</a:t>
+            </a:r>
+            <a:endParaRPr lang="zh-TW" altLang="en-US" dirty="0">
+              <a:latin typeface="微軟正黑體" panose="020B0604030504040204" pitchFamily="34" charset="-120"/>
+              <a:ea typeface="微軟正黑體" panose="020B0604030504040204" pitchFamily="34" charset="-120"/>
+            </a:endParaRPr>
+          </a:p>
+        </p:txBody>
+      </p:sp>
+      <p:graphicFrame>
+        <p:nvGraphicFramePr>
+          <p:cNvPr id="14" name="表格 7">
+            <a:extLst>
+              <a:ext uri="{FF2B5EF4-FFF2-40B4-BE49-F238E27FC236}">
+                <a16:creationId xmlns:a16="http://schemas.microsoft.com/office/drawing/2014/main" id="{F9067395-49A4-47B0-A2CA-735B06B7A39C}"/>
+              </a:ext>
+            </a:extLst>
+          </p:cNvPr>
+          <p:cNvGraphicFramePr>
+            <a:graphicFrameLocks noGrp="1"/>
+          </p:cNvGraphicFramePr>
+          <p:nvPr>
+            <p:extLst>
+              <p:ext uri="{D42A27DB-BD31-4B8C-83A1-F6EECF244321}">
+                <p14:modId xmlns:p14="http://schemas.microsoft.com/office/powerpoint/2010/main" val="1399573480"/>
+              </p:ext>
+            </p:extLst>
+          </p:nvPr>
+        </p:nvGraphicFramePr>
+        <p:xfrm>
+          <a:off x="8172416" y="2791506"/>
+          <a:ext cx="2810300" cy="2597971"/>
+        </p:xfrm>
+        <a:graphic>
+          <a:graphicData uri="http://schemas.openxmlformats.org/drawingml/2006/table">
+            <a:tbl>
+              <a:tblPr firstRow="1" lastRow="1" bandRow="1">
+                <a:tableStyleId>{5C22544A-7EE6-4342-B048-85BDC9FD1C3A}</a:tableStyleId>
+              </a:tblPr>
+              <a:tblGrid>
+                <a:gridCol w="793240">
+                  <a:extLst>
+                    <a:ext uri="{9D8B030D-6E8A-4147-A177-3AD203B41FA5}">
+                      <a16:colId xmlns:a16="http://schemas.microsoft.com/office/drawing/2014/main" val="2333697918"/>
+                    </a:ext>
+                  </a:extLst>
+                </a:gridCol>
+                <a:gridCol w="1057968">
+                  <a:extLst>
+                    <a:ext uri="{9D8B030D-6E8A-4147-A177-3AD203B41FA5}">
+                      <a16:colId xmlns:a16="http://schemas.microsoft.com/office/drawing/2014/main" val="2670858264"/>
+                    </a:ext>
+                  </a:extLst>
+                </a:gridCol>
+                <a:gridCol w="959092">
+                  <a:extLst>
+                    <a:ext uri="{9D8B030D-6E8A-4147-A177-3AD203B41FA5}">
+                      <a16:colId xmlns:a16="http://schemas.microsoft.com/office/drawing/2014/main" val="1639393996"/>
+                    </a:ext>
+                  </a:extLst>
+                </a:gridCol>
+              </a:tblGrid>
+              <a:tr h="403411">
+                <a:tc>
+                  <a:txBody>
+                    <a:bodyPr/>
+                    <a:lstStyle/>
+                    <a:p>
+                      <a:pPr algn="ctr"/>
+                      <a:r>
+                        <a:rPr lang="en-US" altLang="zh-TW" dirty="0"/>
+                        <a:t>Set</a:t>
+                      </a:r>
+                      <a:endParaRPr lang="zh-TW" altLang="en-US" dirty="0"/>
+                    </a:p>
+                  </a:txBody>
+                  <a:tcPr/>
+                </a:tc>
+                <a:tc>
+                  <a:txBody>
+                    <a:bodyPr/>
+                    <a:lstStyle/>
+                    <a:p>
+                      <a:pPr algn="ctr"/>
+                      <a:r>
+                        <a:rPr lang="en-US" altLang="zh-TW" dirty="0"/>
+                        <a:t>Training</a:t>
+                      </a:r>
+                      <a:endParaRPr lang="zh-TW" altLang="en-US" dirty="0"/>
+                    </a:p>
+                  </a:txBody>
+                  <a:tcPr/>
+                </a:tc>
+                <a:tc>
+                  <a:txBody>
+                    <a:bodyPr/>
+                    <a:lstStyle/>
+                    <a:p>
+                      <a:pPr algn="ctr"/>
+                      <a:r>
+                        <a:rPr lang="en-US" altLang="zh-TW" dirty="0"/>
+                        <a:t>Test</a:t>
+                      </a:r>
+                      <a:endParaRPr lang="zh-TW" altLang="en-US" dirty="0"/>
+                    </a:p>
+                  </a:txBody>
+                  <a:tcPr/>
+                </a:tc>
+                <a:extLst>
+                  <a:ext uri="{0D108BD9-81ED-4DB2-BD59-A6C34878D82A}">
+                    <a16:rowId xmlns:a16="http://schemas.microsoft.com/office/drawing/2014/main" val="1366171386"/>
+                  </a:ext>
+                </a:extLst>
+              </a:tr>
+              <a:tr h="354123">
+                <a:tc>
+                  <a:txBody>
+                    <a:bodyPr/>
+                    <a:lstStyle/>
+                    <a:p>
+                      <a:pPr algn="ctr"/>
+                      <a:r>
+                        <a:rPr lang="en-US" altLang="zh-TW" dirty="0"/>
+                        <a:t>Fold1</a:t>
+                      </a:r>
+                      <a:endParaRPr lang="zh-TW" altLang="en-US" dirty="0"/>
+                    </a:p>
+                  </a:txBody>
+                  <a:tcPr/>
+                </a:tc>
+                <a:tc>
+                  <a:txBody>
+                    <a:bodyPr/>
+                    <a:lstStyle/>
+                    <a:p>
+                      <a:pPr algn="ctr"/>
+                      <a:r>
+                        <a:rPr lang="en-US" altLang="zh-TW" dirty="0"/>
+                        <a:t>1.00</a:t>
+                      </a:r>
+                      <a:endParaRPr lang="zh-TW" altLang="en-US" dirty="0"/>
+                    </a:p>
+                  </a:txBody>
+                  <a:tcPr/>
+                </a:tc>
+                <a:tc>
+                  <a:txBody>
+                    <a:bodyPr/>
+                    <a:lstStyle/>
+                    <a:p>
+                      <a:pPr algn="ctr"/>
+                      <a:r>
+                        <a:rPr lang="en-US" altLang="zh-TW" dirty="0"/>
+                        <a:t>0.51</a:t>
+                      </a:r>
+                      <a:endParaRPr lang="zh-TW" altLang="en-US" dirty="0"/>
+                    </a:p>
+                  </a:txBody>
+                  <a:tcPr/>
+                </a:tc>
+                <a:extLst>
+                  <a:ext uri="{0D108BD9-81ED-4DB2-BD59-A6C34878D82A}">
+                    <a16:rowId xmlns:a16="http://schemas.microsoft.com/office/drawing/2014/main" val="154712687"/>
+                  </a:ext>
+                </a:extLst>
+              </a:tr>
+              <a:tr h="354123">
+                <a:tc>
+                  <a:txBody>
+                    <a:bodyPr/>
+                    <a:lstStyle/>
+                    <a:p>
+                      <a:pPr algn="ctr"/>
+                      <a:r>
+                        <a:rPr lang="en-US" altLang="zh-TW" dirty="0"/>
+                        <a:t>Fold2</a:t>
+                      </a:r>
+                      <a:endParaRPr lang="zh-TW" altLang="en-US" dirty="0"/>
+                    </a:p>
+                  </a:txBody>
+                  <a:tcPr/>
+                </a:tc>
+                <a:tc>
+                  <a:txBody>
+                    <a:bodyPr/>
+                    <a:lstStyle/>
+                    <a:p>
+                      <a:pPr marL="0" marR="0" lvl="0" indent="0" algn="ctr" defTabSz="914400" rtl="0" eaLnBrk="1" fontAlgn="auto" latinLnBrk="0" hangingPunct="1">
+                        <a:lnSpc>
+                          <a:spcPct val="100000"/>
+                        </a:lnSpc>
+                        <a:spcBef>
+                          <a:spcPts val="0"/>
+                        </a:spcBef>
+                        <a:spcAft>
+                          <a:spcPts val="0"/>
+                        </a:spcAft>
+                        <a:buClrTx/>
+                        <a:buSzTx/>
+                        <a:buFontTx/>
+                        <a:buNone/>
+                        <a:tabLst/>
+                        <a:defRPr/>
+                      </a:pPr>
+                      <a:r>
+                        <a:rPr lang="en-US" altLang="zh-TW" dirty="0"/>
+                        <a:t>1.00</a:t>
+                      </a:r>
+                      <a:endParaRPr lang="zh-TW" altLang="en-US" dirty="0"/>
+                    </a:p>
+                  </a:txBody>
+                  <a:tcPr/>
+                </a:tc>
+                <a:tc>
+                  <a:txBody>
+                    <a:bodyPr/>
+                    <a:lstStyle/>
+                    <a:p>
+                      <a:pPr algn="ctr"/>
+                      <a:r>
+                        <a:rPr lang="en-US" altLang="zh-TW" dirty="0"/>
+                        <a:t>0.54</a:t>
+                      </a:r>
+                      <a:endParaRPr lang="zh-TW" altLang="en-US" dirty="0"/>
+                    </a:p>
+                  </a:txBody>
+                  <a:tcPr/>
+                </a:tc>
+                <a:extLst>
+                  <a:ext uri="{0D108BD9-81ED-4DB2-BD59-A6C34878D82A}">
+                    <a16:rowId xmlns:a16="http://schemas.microsoft.com/office/drawing/2014/main" val="1856573142"/>
+                  </a:ext>
+                </a:extLst>
+              </a:tr>
+              <a:tr h="354123">
+                <a:tc>
+                  <a:txBody>
+                    <a:bodyPr/>
+                    <a:lstStyle/>
+                    <a:p>
+                      <a:pPr algn="ctr"/>
+                      <a:r>
+                        <a:rPr lang="en-US" altLang="zh-TW" dirty="0"/>
+                        <a:t>Fold3</a:t>
+                      </a:r>
+                      <a:endParaRPr lang="zh-TW" altLang="en-US" dirty="0"/>
+                    </a:p>
+                  </a:txBody>
+                  <a:tcPr/>
+                </a:tc>
+                <a:tc>
+                  <a:txBody>
+                    <a:bodyPr/>
+                    <a:lstStyle/>
+                    <a:p>
+                      <a:pPr marL="0" marR="0" lvl="0" indent="0" algn="ctr" defTabSz="914400" rtl="0" eaLnBrk="1" fontAlgn="auto" latinLnBrk="0" hangingPunct="1">
+                        <a:lnSpc>
+                          <a:spcPct val="100000"/>
+                        </a:lnSpc>
+                        <a:spcBef>
+                          <a:spcPts val="0"/>
+                        </a:spcBef>
+                        <a:spcAft>
+                          <a:spcPts val="0"/>
+                        </a:spcAft>
+                        <a:buClrTx/>
+                        <a:buSzTx/>
+                        <a:buFontTx/>
+                        <a:buNone/>
+                        <a:tabLst/>
+                        <a:defRPr/>
+                      </a:pPr>
+                      <a:r>
+                        <a:rPr lang="en-US" altLang="zh-TW" dirty="0"/>
+                        <a:t>1.00</a:t>
+                      </a:r>
+                      <a:endParaRPr lang="zh-TW" altLang="en-US" dirty="0"/>
+                    </a:p>
+                  </a:txBody>
+                  <a:tcPr/>
+                </a:tc>
+                <a:tc>
+                  <a:txBody>
+                    <a:bodyPr/>
+                    <a:lstStyle/>
+                    <a:p>
+                      <a:pPr algn="ctr"/>
+                      <a:r>
+                        <a:rPr lang="en-US" altLang="zh-TW" dirty="0"/>
+                        <a:t>0.51</a:t>
+                      </a:r>
+                      <a:endParaRPr lang="zh-TW" altLang="en-US" dirty="0"/>
+                    </a:p>
+                  </a:txBody>
+                  <a:tcPr/>
+                </a:tc>
+                <a:extLst>
+                  <a:ext uri="{0D108BD9-81ED-4DB2-BD59-A6C34878D82A}">
+                    <a16:rowId xmlns:a16="http://schemas.microsoft.com/office/drawing/2014/main" val="189621433"/>
+                  </a:ext>
+                </a:extLst>
+              </a:tr>
+              <a:tr h="354123">
+                <a:tc>
+                  <a:txBody>
+                    <a:bodyPr/>
+                    <a:lstStyle/>
+                    <a:p>
+                      <a:pPr algn="ctr"/>
+                      <a:r>
+                        <a:rPr lang="en-US" altLang="zh-TW" dirty="0"/>
+                        <a:t>Fold4</a:t>
+                      </a:r>
+                      <a:endParaRPr lang="zh-TW" altLang="en-US" dirty="0"/>
+                    </a:p>
+                  </a:txBody>
+                  <a:tcPr/>
+                </a:tc>
+                <a:tc>
+                  <a:txBody>
+                    <a:bodyPr/>
+                    <a:lstStyle/>
+                    <a:p>
+                      <a:pPr marL="0" marR="0" lvl="0" indent="0" algn="ctr" defTabSz="914400" rtl="0" eaLnBrk="1" fontAlgn="auto" latinLnBrk="0" hangingPunct="1">
+                        <a:lnSpc>
+                          <a:spcPct val="100000"/>
+                        </a:lnSpc>
+                        <a:spcBef>
+                          <a:spcPts val="0"/>
+                        </a:spcBef>
+                        <a:spcAft>
+                          <a:spcPts val="0"/>
+                        </a:spcAft>
+                        <a:buClrTx/>
+                        <a:buSzTx/>
+                        <a:buFontTx/>
+                        <a:buNone/>
+                        <a:tabLst/>
+                        <a:defRPr/>
+                      </a:pPr>
+                      <a:r>
+                        <a:rPr lang="en-US" altLang="zh-TW" dirty="0"/>
+                        <a:t>1.00</a:t>
+                      </a:r>
+                      <a:endParaRPr lang="zh-TW" altLang="en-US" dirty="0"/>
+                    </a:p>
+                  </a:txBody>
+                  <a:tcPr/>
+                </a:tc>
+                <a:tc>
+                  <a:txBody>
+                    <a:bodyPr/>
+                    <a:lstStyle/>
+                    <a:p>
+                      <a:pPr algn="ctr"/>
+                      <a:r>
+                        <a:rPr lang="en-US" altLang="zh-TW" dirty="0"/>
+                        <a:t>0.50</a:t>
+                      </a:r>
+                      <a:endParaRPr lang="zh-TW" altLang="en-US" dirty="0"/>
+                    </a:p>
+                  </a:txBody>
+                  <a:tcPr/>
+                </a:tc>
+                <a:extLst>
+                  <a:ext uri="{0D108BD9-81ED-4DB2-BD59-A6C34878D82A}">
+                    <a16:rowId xmlns:a16="http://schemas.microsoft.com/office/drawing/2014/main" val="2779656421"/>
+                  </a:ext>
+                </a:extLst>
+              </a:tr>
+              <a:tr h="354123">
+                <a:tc>
+                  <a:txBody>
+                    <a:bodyPr/>
+                    <a:lstStyle/>
+                    <a:p>
+                      <a:pPr algn="ctr"/>
+                      <a:r>
+                        <a:rPr lang="en-US" altLang="zh-TW" dirty="0"/>
+                        <a:t>Fold5</a:t>
+                      </a:r>
+                      <a:endParaRPr lang="zh-TW" altLang="en-US" dirty="0"/>
+                    </a:p>
+                  </a:txBody>
+                  <a:tcPr/>
+                </a:tc>
+                <a:tc>
+                  <a:txBody>
+                    <a:bodyPr/>
+                    <a:lstStyle/>
+                    <a:p>
+                      <a:pPr marL="0" marR="0" lvl="0" indent="0" algn="ctr" defTabSz="914400" rtl="0" eaLnBrk="1" fontAlgn="auto" latinLnBrk="0" hangingPunct="1">
+                        <a:lnSpc>
+                          <a:spcPct val="100000"/>
+                        </a:lnSpc>
+                        <a:spcBef>
+                          <a:spcPts val="0"/>
+                        </a:spcBef>
+                        <a:spcAft>
+                          <a:spcPts val="0"/>
+                        </a:spcAft>
+                        <a:buClrTx/>
+                        <a:buSzTx/>
+                        <a:buFontTx/>
+                        <a:buNone/>
+                        <a:tabLst/>
+                        <a:defRPr/>
+                      </a:pPr>
+                      <a:r>
+                        <a:rPr lang="en-US" altLang="zh-TW" dirty="0"/>
+                        <a:t>1.00</a:t>
+                      </a:r>
+                      <a:endParaRPr lang="zh-TW" altLang="en-US" dirty="0"/>
+                    </a:p>
+                  </a:txBody>
+                  <a:tcPr/>
+                </a:tc>
+                <a:tc>
+                  <a:txBody>
+                    <a:bodyPr/>
+                    <a:lstStyle/>
+                    <a:p>
+                      <a:pPr algn="ctr"/>
+                      <a:r>
+                        <a:rPr lang="en-US" altLang="zh-TW" dirty="0"/>
+                        <a:t>0.53</a:t>
+                      </a:r>
+                      <a:endParaRPr lang="zh-TW" altLang="en-US" dirty="0"/>
+                    </a:p>
+                  </a:txBody>
+                  <a:tcPr/>
+                </a:tc>
+                <a:extLst>
+                  <a:ext uri="{0D108BD9-81ED-4DB2-BD59-A6C34878D82A}">
+                    <a16:rowId xmlns:a16="http://schemas.microsoft.com/office/drawing/2014/main" val="78537488"/>
+                  </a:ext>
+                </a:extLst>
+              </a:tr>
+              <a:tr h="354123">
+                <a:tc>
+                  <a:txBody>
+                    <a:bodyPr/>
+                    <a:lstStyle/>
+                    <a:p>
+                      <a:pPr algn="ctr"/>
+                      <a:r>
+                        <a:rPr lang="en-US" altLang="zh-TW" dirty="0"/>
+                        <a:t>Ave.</a:t>
+                      </a:r>
+                      <a:endParaRPr lang="zh-TW" altLang="en-US" dirty="0"/>
+                    </a:p>
+                  </a:txBody>
+                  <a:tcPr/>
+                </a:tc>
+                <a:tc>
+                  <a:txBody>
+                    <a:bodyPr/>
+                    <a:lstStyle/>
+                    <a:p>
+                      <a:pPr algn="ctr"/>
+                      <a:r>
+                        <a:rPr lang="en-US" altLang="zh-TW" dirty="0"/>
+                        <a:t>1.00</a:t>
+                      </a:r>
+                      <a:endParaRPr lang="zh-TW" altLang="en-US" dirty="0"/>
+                    </a:p>
+                  </a:txBody>
+                  <a:tcPr/>
+                </a:tc>
+                <a:tc>
+                  <a:txBody>
+                    <a:bodyPr/>
+                    <a:lstStyle/>
+                    <a:p>
+                      <a:pPr algn="ctr"/>
+                      <a:r>
+                        <a:rPr lang="en-US" altLang="zh-TW" dirty="0"/>
+                        <a:t>0.52</a:t>
+                      </a:r>
+                      <a:endParaRPr lang="zh-TW" altLang="en-US" dirty="0"/>
+                    </a:p>
+                  </a:txBody>
+                  <a:tcPr/>
+                </a:tc>
+                <a:extLst>
+                  <a:ext uri="{0D108BD9-81ED-4DB2-BD59-A6C34878D82A}">
+                    <a16:rowId xmlns:a16="http://schemas.microsoft.com/office/drawing/2014/main" val="2283532817"/>
+                  </a:ext>
+                </a:extLst>
+              </a:tr>
+            </a:tbl>
+          </a:graphicData>
+        </a:graphic>
+      </p:graphicFrame>
+      <p:sp>
+        <p:nvSpPr>
+          <p:cNvPr id="15" name="文字方塊 14">
+            <a:extLst>
+              <a:ext uri="{FF2B5EF4-FFF2-40B4-BE49-F238E27FC236}">
+                <a16:creationId xmlns:a16="http://schemas.microsoft.com/office/drawing/2014/main" id="{938E1C6C-2F35-4B41-9DAD-E23812B64F53}"/>
+              </a:ext>
+            </a:extLst>
+          </p:cNvPr>
+          <p:cNvSpPr txBox="1"/>
+          <p:nvPr/>
+        </p:nvSpPr>
+        <p:spPr>
+          <a:xfrm>
+            <a:off x="8461044" y="2244121"/>
+            <a:ext cx="2233043" cy="369332"/>
+          </a:xfrm>
+          <a:prstGeom prst="rect">
+            <a:avLst/>
+          </a:prstGeom>
+          <a:noFill/>
+        </p:spPr>
+        <p:txBody>
+          <a:bodyPr wrap="square" rtlCol="0">
+            <a:spAutoFit/>
+          </a:bodyPr>
+          <a:lstStyle/>
+          <a:p>
+            <a:pPr algn="ctr"/>
+            <a:r>
+              <a:rPr lang="en-US" altLang="zh-TW" dirty="0">
+                <a:latin typeface="微軟正黑體" panose="020B0604030504040204" pitchFamily="34" charset="-120"/>
+                <a:ea typeface="微軟正黑體" panose="020B0604030504040204" pitchFamily="34" charset="-120"/>
+              </a:rPr>
+              <a:t>Random Forest</a:t>
             </a:r>
             <a:endParaRPr lang="zh-TW" altLang="en-US" dirty="0">
               <a:latin typeface="微軟正黑體" panose="020B0604030504040204" pitchFamily="34" charset="-120"/>
@@ -11267,476 +13157,7 @@
     </p:spTree>
     <p:extLst>
       <p:ext uri="{BB962C8B-B14F-4D97-AF65-F5344CB8AC3E}">
-        <p14:creationId xmlns:p14="http://schemas.microsoft.com/office/powerpoint/2010/main" val="2883812724"/>
-      </p:ext>
-    </p:extLst>
-  </p:cSld>
-  <p:clrMapOvr>
-    <a:masterClrMapping/>
-  </p:clrMapOvr>
-</p:sld>
-</file>
-
-<file path=ppt/slides/slide7.xml><?xml version="1.0" encoding="utf-8"?>
-<p:sld xmlns:a="http://schemas.openxmlformats.org/drawingml/2006/main" xmlns:r="http://schemas.openxmlformats.org/officeDocument/2006/relationships" xmlns:p="http://schemas.openxmlformats.org/presentationml/2006/main">
-  <p:cSld>
-    <p:spTree>
-      <p:nvGrpSpPr>
-        <p:cNvPr id="1" name=""/>
-        <p:cNvGrpSpPr/>
-        <p:nvPr/>
-      </p:nvGrpSpPr>
-      <p:grpSpPr>
-        <a:xfrm>
-          <a:off x="0" y="0"/>
-          <a:ext cx="0" cy="0"/>
-          <a:chOff x="0" y="0"/>
-          <a:chExt cx="0" cy="0"/>
-        </a:xfrm>
-      </p:grpSpPr>
-      <p:sp>
-        <p:nvSpPr>
-          <p:cNvPr id="2" name="標題 1">
-            <a:extLst>
-              <a:ext uri="{FF2B5EF4-FFF2-40B4-BE49-F238E27FC236}">
-                <a16:creationId xmlns:a16="http://schemas.microsoft.com/office/drawing/2014/main" id="{FDA6402E-B8BB-449F-8C74-9B4DA84FB7C6}"/>
-              </a:ext>
-            </a:extLst>
-          </p:cNvPr>
-          <p:cNvSpPr>
-            <a:spLocks noGrp="1"/>
-          </p:cNvSpPr>
-          <p:nvPr>
-            <p:ph type="title"/>
-          </p:nvPr>
-        </p:nvSpPr>
-        <p:spPr/>
-        <p:txBody>
-          <a:bodyPr/>
-          <a:lstStyle/>
-          <a:p>
-            <a:pPr algn="ctr"/>
-            <a:r>
-              <a:rPr lang="zh-TW" altLang="en-US" dirty="0">
-                <a:latin typeface="微軟正黑體" panose="020B0604030504040204" pitchFamily="34" charset="-120"/>
-                <a:ea typeface="微軟正黑體" panose="020B0604030504040204" pitchFamily="34" charset="-120"/>
-              </a:rPr>
-              <a:t>總結</a:t>
-            </a:r>
-          </a:p>
-        </p:txBody>
-      </p:sp>
-      <p:sp>
-        <p:nvSpPr>
-          <p:cNvPr id="3" name="內容版面配置區 2">
-            <a:extLst>
-              <a:ext uri="{FF2B5EF4-FFF2-40B4-BE49-F238E27FC236}">
-                <a16:creationId xmlns:a16="http://schemas.microsoft.com/office/drawing/2014/main" id="{FEB5C4FB-DF37-4701-87F3-8319416B72AD}"/>
-              </a:ext>
-            </a:extLst>
-          </p:cNvPr>
-          <p:cNvSpPr>
-            <a:spLocks noGrp="1"/>
-          </p:cNvSpPr>
-          <p:nvPr>
-            <p:ph idx="1"/>
-          </p:nvPr>
-        </p:nvSpPr>
-        <p:spPr/>
-        <p:txBody>
-          <a:bodyPr>
-            <a:normAutofit/>
-          </a:bodyPr>
-          <a:lstStyle/>
-          <a:p>
-            <a:pPr algn="l">
-              <a:buFont typeface="Arial" panose="020B0604020202020204" pitchFamily="34" charset="0"/>
-              <a:buChar char="•"/>
-            </a:pPr>
-            <a:r>
-              <a:rPr lang="zh-TW" altLang="en-US" sz="2400" b="0" i="0" dirty="0">
-                <a:solidFill>
-                  <a:srgbClr val="24292E"/>
-                </a:solidFill>
-                <a:effectLst/>
-                <a:latin typeface="微軟正黑體" panose="020B0604030504040204" pitchFamily="34" charset="-120"/>
-                <a:ea typeface="微軟正黑體" panose="020B0604030504040204" pitchFamily="34" charset="-120"/>
-              </a:rPr>
-              <a:t>資料前處理挑戰：</a:t>
-            </a:r>
-          </a:p>
-          <a:p>
-            <a:pPr marL="742950" lvl="1" indent="-285750" algn="l">
-              <a:buFont typeface="Arial" panose="020B0604020202020204" pitchFamily="34" charset="0"/>
-              <a:buChar char="•"/>
-            </a:pPr>
-            <a:r>
-              <a:rPr lang="zh-TW" altLang="en-US" sz="2400" b="0" i="0" dirty="0">
-                <a:solidFill>
-                  <a:srgbClr val="24292E"/>
-                </a:solidFill>
-                <a:effectLst/>
-                <a:latin typeface="微軟正黑體" panose="020B0604030504040204" pitchFamily="34" charset="-120"/>
-                <a:ea typeface="微軟正黑體" panose="020B0604030504040204" pitchFamily="34" charset="-120"/>
-              </a:rPr>
-              <a:t>結巴斷詞 </a:t>
-            </a:r>
-            <a:r>
-              <a:rPr lang="en-US" altLang="zh-TW" sz="2400" b="0" i="0" dirty="0">
-                <a:solidFill>
-                  <a:srgbClr val="24292E"/>
-                </a:solidFill>
-                <a:effectLst/>
-                <a:latin typeface="微軟正黑體" panose="020B0604030504040204" pitchFamily="34" charset="-120"/>
-                <a:ea typeface="微軟正黑體" panose="020B0604030504040204" pitchFamily="34" charset="-120"/>
-              </a:rPr>
-              <a:t>V.S. CKIP</a:t>
-            </a:r>
-            <a:r>
-              <a:rPr lang="zh-TW" altLang="en-US" sz="2400" b="0" i="0" dirty="0">
-                <a:solidFill>
-                  <a:srgbClr val="24292E"/>
-                </a:solidFill>
-                <a:effectLst/>
-                <a:latin typeface="微軟正黑體" panose="020B0604030504040204" pitchFamily="34" charset="-120"/>
-                <a:ea typeface="微軟正黑體" panose="020B0604030504040204" pitchFamily="34" charset="-120"/>
-              </a:rPr>
-              <a:t>斷詞 → </a:t>
-            </a:r>
-            <a:r>
-              <a:rPr lang="en-US" altLang="zh-TW" sz="2400" b="0" i="0" dirty="0">
-                <a:solidFill>
-                  <a:srgbClr val="24292E"/>
-                </a:solidFill>
-                <a:effectLst/>
-                <a:latin typeface="微軟正黑體" panose="020B0604030504040204" pitchFamily="34" charset="-120"/>
-                <a:ea typeface="微軟正黑體" panose="020B0604030504040204" pitchFamily="34" charset="-120"/>
-              </a:rPr>
-              <a:t>CKIP</a:t>
-            </a:r>
-            <a:r>
-              <a:rPr lang="zh-TW" altLang="en-US" sz="2400" b="0" i="0" dirty="0">
-                <a:solidFill>
-                  <a:srgbClr val="24292E"/>
-                </a:solidFill>
-                <a:effectLst/>
-                <a:latin typeface="微軟正黑體" panose="020B0604030504040204" pitchFamily="34" charset="-120"/>
-                <a:ea typeface="微軟正黑體" panose="020B0604030504040204" pitchFamily="34" charset="-120"/>
-              </a:rPr>
-              <a:t>斷詞效果較佳</a:t>
-            </a:r>
-          </a:p>
-          <a:p>
-            <a:pPr marL="742950" lvl="1" indent="-285750" algn="l">
-              <a:buFont typeface="Arial" panose="020B0604020202020204" pitchFamily="34" charset="0"/>
-              <a:buChar char="•"/>
-            </a:pPr>
-            <a:r>
-              <a:rPr lang="en-US" altLang="zh-TW" sz="2400" b="0" i="0" dirty="0">
-                <a:solidFill>
-                  <a:srgbClr val="24292E"/>
-                </a:solidFill>
-                <a:effectLst/>
-                <a:latin typeface="微軟正黑體" panose="020B0604030504040204" pitchFamily="34" charset="-120"/>
-                <a:ea typeface="微軟正黑體" panose="020B0604030504040204" pitchFamily="34" charset="-120"/>
-              </a:rPr>
-              <a:t>Word2Vec V.S. </a:t>
-            </a:r>
-            <a:r>
-              <a:rPr lang="en-US" altLang="zh-TW" sz="2400" b="0" i="0" dirty="0" err="1">
-                <a:solidFill>
-                  <a:srgbClr val="24292E"/>
-                </a:solidFill>
-                <a:effectLst/>
-                <a:latin typeface="微軟正黑體" panose="020B0604030504040204" pitchFamily="34" charset="-120"/>
-                <a:ea typeface="微軟正黑體" panose="020B0604030504040204" pitchFamily="34" charset="-120"/>
-              </a:rPr>
-              <a:t>Tf-Idf</a:t>
-            </a:r>
-            <a:r>
-              <a:rPr lang="en-US" altLang="zh-TW" sz="2400" b="0" i="0" dirty="0">
-                <a:solidFill>
-                  <a:srgbClr val="24292E"/>
-                </a:solidFill>
-                <a:effectLst/>
-                <a:latin typeface="微軟正黑體" panose="020B0604030504040204" pitchFamily="34" charset="-120"/>
-                <a:ea typeface="微軟正黑體" panose="020B0604030504040204" pitchFamily="34" charset="-120"/>
-              </a:rPr>
-              <a:t> → </a:t>
-            </a:r>
-            <a:r>
-              <a:rPr lang="zh-TW" altLang="en-US" sz="2400" b="0" i="0" dirty="0">
-                <a:solidFill>
-                  <a:srgbClr val="24292E"/>
-                </a:solidFill>
-                <a:effectLst/>
-                <a:latin typeface="微軟正黑體" panose="020B0604030504040204" pitchFamily="34" charset="-120"/>
-                <a:ea typeface="微軟正黑體" panose="020B0604030504040204" pitchFamily="34" charset="-120"/>
-              </a:rPr>
-              <a:t>選用</a:t>
-            </a:r>
-            <a:r>
-              <a:rPr lang="en-US" altLang="zh-TW" sz="2400" b="0" i="0" dirty="0">
-                <a:solidFill>
-                  <a:srgbClr val="24292E"/>
-                </a:solidFill>
-                <a:effectLst/>
-                <a:latin typeface="微軟正黑體" panose="020B0604030504040204" pitchFamily="34" charset="-120"/>
-                <a:ea typeface="微軟正黑體" panose="020B0604030504040204" pitchFamily="34" charset="-120"/>
-              </a:rPr>
-              <a:t>Word2Vec</a:t>
-            </a:r>
-            <a:r>
-              <a:rPr lang="zh-TW" altLang="en-US" sz="2400" dirty="0">
-                <a:solidFill>
-                  <a:srgbClr val="24292E"/>
-                </a:solidFill>
-                <a:latin typeface="微軟正黑體" panose="020B0604030504040204" pitchFamily="34" charset="-120"/>
-                <a:ea typeface="微軟正黑體" panose="020B0604030504040204" pitchFamily="34" charset="-120"/>
-              </a:rPr>
-              <a:t>效果較佳</a:t>
-            </a:r>
-            <a:endParaRPr lang="en-US" altLang="zh-TW" sz="2400" b="0" i="0" dirty="0">
-              <a:solidFill>
-                <a:srgbClr val="24292E"/>
-              </a:solidFill>
-              <a:effectLst/>
-              <a:latin typeface="微軟正黑體" panose="020B0604030504040204" pitchFamily="34" charset="-120"/>
-              <a:ea typeface="微軟正黑體" panose="020B0604030504040204" pitchFamily="34" charset="-120"/>
-            </a:endParaRPr>
-          </a:p>
-          <a:p>
-            <a:pPr algn="l">
-              <a:buFont typeface="Arial" panose="020B0604020202020204" pitchFamily="34" charset="0"/>
-              <a:buChar char="•"/>
-            </a:pPr>
-            <a:r>
-              <a:rPr lang="zh-TW" altLang="en-US" sz="2400" b="0" i="0" dirty="0">
-                <a:solidFill>
-                  <a:srgbClr val="24292E"/>
-                </a:solidFill>
-                <a:effectLst/>
-                <a:latin typeface="微軟正黑體" panose="020B0604030504040204" pitchFamily="34" charset="-120"/>
-                <a:ea typeface="微軟正黑體" panose="020B0604030504040204" pitchFamily="34" charset="-120"/>
-              </a:rPr>
-              <a:t>是否有很明顯的進步</a:t>
-            </a:r>
-            <a:r>
-              <a:rPr lang="en-US" altLang="zh-TW" sz="2400" b="0" i="0" dirty="0">
-                <a:solidFill>
-                  <a:srgbClr val="24292E"/>
-                </a:solidFill>
-                <a:effectLst/>
-                <a:latin typeface="微軟正黑體" panose="020B0604030504040204" pitchFamily="34" charset="-120"/>
-                <a:ea typeface="微軟正黑體" panose="020B0604030504040204" pitchFamily="34" charset="-120"/>
-              </a:rPr>
-              <a:t>?</a:t>
-            </a:r>
-          </a:p>
-          <a:p>
-            <a:pPr marL="742950" lvl="1" indent="-285750" algn="l">
-              <a:buFont typeface="Arial" panose="020B0604020202020204" pitchFamily="34" charset="0"/>
-              <a:buChar char="•"/>
-            </a:pPr>
-            <a:r>
-              <a:rPr lang="zh-TW" altLang="en-US" sz="2400" b="0" i="0" dirty="0">
-                <a:solidFill>
-                  <a:srgbClr val="24292E"/>
-                </a:solidFill>
-                <a:effectLst/>
-                <a:latin typeface="微軟正黑體" panose="020B0604030504040204" pitchFamily="34" charset="-120"/>
-                <a:ea typeface="微軟正黑體" panose="020B0604030504040204" pitchFamily="34" charset="-120"/>
-              </a:rPr>
-              <a:t>沒到非常明顯，從</a:t>
-            </a:r>
-            <a:r>
-              <a:rPr lang="en-US" altLang="zh-TW" sz="2400" b="0" i="0" dirty="0">
-                <a:solidFill>
-                  <a:srgbClr val="24292E"/>
-                </a:solidFill>
-                <a:effectLst/>
-                <a:latin typeface="微軟正黑體" panose="020B0604030504040204" pitchFamily="34" charset="-120"/>
-                <a:ea typeface="微軟正黑體" panose="020B0604030504040204" pitchFamily="34" charset="-120"/>
-              </a:rPr>
-              <a:t>0.418</a:t>
-            </a:r>
-            <a:r>
-              <a:rPr lang="zh-TW" altLang="en-US" sz="2400" b="0" i="0" dirty="0">
-                <a:solidFill>
-                  <a:srgbClr val="24292E"/>
-                </a:solidFill>
-                <a:effectLst/>
-                <a:latin typeface="微軟正黑體" panose="020B0604030504040204" pitchFamily="34" charset="-120"/>
-                <a:ea typeface="微軟正黑體" panose="020B0604030504040204" pitchFamily="34" charset="-120"/>
-              </a:rPr>
-              <a:t>到</a:t>
-            </a:r>
-            <a:r>
-              <a:rPr lang="en-US" altLang="zh-TW" sz="2400" b="0" i="0" dirty="0">
-                <a:solidFill>
-                  <a:srgbClr val="24292E"/>
-                </a:solidFill>
-                <a:effectLst/>
-                <a:latin typeface="微軟正黑體" panose="020B0604030504040204" pitchFamily="34" charset="-120"/>
-                <a:ea typeface="微軟正黑體" panose="020B0604030504040204" pitchFamily="34" charset="-120"/>
-              </a:rPr>
-              <a:t>0.54</a:t>
-            </a:r>
-            <a:r>
-              <a:rPr lang="zh-TW" altLang="en-US" sz="2400" b="0" i="0" dirty="0">
-                <a:solidFill>
-                  <a:srgbClr val="24292E"/>
-                </a:solidFill>
-                <a:effectLst/>
-                <a:latin typeface="微軟正黑體" panose="020B0604030504040204" pitchFamily="34" charset="-120"/>
-                <a:ea typeface="微軟正黑體" panose="020B0604030504040204" pitchFamily="34" charset="-120"/>
-              </a:rPr>
-              <a:t>左右</a:t>
-            </a:r>
-          </a:p>
-          <a:p>
-            <a:pPr algn="l">
-              <a:buFont typeface="Arial" panose="020B0604020202020204" pitchFamily="34" charset="0"/>
-              <a:buChar char="•"/>
-            </a:pPr>
-            <a:r>
-              <a:rPr lang="zh-TW" altLang="en-US" sz="2400" b="0" i="0" dirty="0">
-                <a:solidFill>
-                  <a:srgbClr val="24292E"/>
-                </a:solidFill>
-                <a:effectLst/>
-                <a:latin typeface="微軟正黑體" panose="020B0604030504040204" pitchFamily="34" charset="-120"/>
-                <a:ea typeface="微軟正黑體" panose="020B0604030504040204" pitchFamily="34" charset="-120"/>
-              </a:rPr>
-              <a:t>最具挑戰的部分</a:t>
-            </a:r>
-            <a:r>
-              <a:rPr lang="en-US" altLang="zh-TW" sz="2400" b="0" i="0" dirty="0">
-                <a:solidFill>
-                  <a:srgbClr val="24292E"/>
-                </a:solidFill>
-                <a:effectLst/>
-                <a:latin typeface="微軟正黑體" panose="020B0604030504040204" pitchFamily="34" charset="-120"/>
-                <a:ea typeface="微軟正黑體" panose="020B0604030504040204" pitchFamily="34" charset="-120"/>
-              </a:rPr>
-              <a:t>?</a:t>
-            </a:r>
-          </a:p>
-          <a:p>
-            <a:pPr marL="742950" lvl="1" indent="-285750" algn="l">
-              <a:buFont typeface="Arial" panose="020B0604020202020204" pitchFamily="34" charset="0"/>
-              <a:buChar char="•"/>
-            </a:pPr>
-            <a:r>
-              <a:rPr lang="zh-TW" altLang="en-US" sz="2400" b="0" i="0" dirty="0">
-                <a:solidFill>
-                  <a:srgbClr val="24292E"/>
-                </a:solidFill>
-                <a:effectLst/>
-                <a:latin typeface="微軟正黑體" panose="020B0604030504040204" pitchFamily="34" charset="-120"/>
-                <a:ea typeface="微軟正黑體" panose="020B0604030504040204" pitchFamily="34" charset="-120"/>
-              </a:rPr>
-              <a:t>資料本身並非非常平均</a:t>
-            </a:r>
-          </a:p>
-          <a:p>
-            <a:pPr marL="742950" lvl="1" indent="-285750" algn="l">
-              <a:buFont typeface="Arial" panose="020B0604020202020204" pitchFamily="34" charset="0"/>
-              <a:buChar char="•"/>
-            </a:pPr>
-            <a:r>
-              <a:rPr lang="zh-TW" altLang="en-US" sz="2400" b="0" i="0" dirty="0">
-                <a:solidFill>
-                  <a:srgbClr val="24292E"/>
-                </a:solidFill>
-                <a:effectLst/>
-                <a:latin typeface="微軟正黑體" panose="020B0604030504040204" pitchFamily="34" charset="-120"/>
-                <a:ea typeface="微軟正黑體" panose="020B0604030504040204" pitchFamily="34" charset="-120"/>
-              </a:rPr>
-              <a:t>歌詞轉換成</a:t>
-            </a:r>
-            <a:r>
-              <a:rPr lang="en-US" altLang="zh-TW" sz="2400" b="0" i="0" dirty="0">
-                <a:solidFill>
-                  <a:srgbClr val="24292E"/>
-                </a:solidFill>
-                <a:effectLst/>
-                <a:latin typeface="微軟正黑體" panose="020B0604030504040204" pitchFamily="34" charset="-120"/>
-                <a:ea typeface="微軟正黑體" panose="020B0604030504040204" pitchFamily="34" charset="-120"/>
-              </a:rPr>
-              <a:t>word2vec</a:t>
-            </a:r>
-            <a:r>
-              <a:rPr lang="zh-TW" altLang="en-US" sz="2400" b="0" i="0" dirty="0">
-                <a:solidFill>
-                  <a:srgbClr val="24292E"/>
-                </a:solidFill>
-                <a:effectLst/>
-                <a:latin typeface="微軟正黑體" panose="020B0604030504040204" pitchFamily="34" charset="-120"/>
-                <a:ea typeface="微軟正黑體" panose="020B0604030504040204" pitchFamily="34" charset="-120"/>
-              </a:rPr>
-              <a:t>時，是否真的能當作好的</a:t>
-            </a:r>
-            <a:r>
-              <a:rPr lang="en-US" altLang="zh-TW" sz="2400" b="0" i="0" dirty="0">
-                <a:solidFill>
-                  <a:srgbClr val="24292E"/>
-                </a:solidFill>
-                <a:effectLst/>
-                <a:latin typeface="微軟正黑體" panose="020B0604030504040204" pitchFamily="34" charset="-120"/>
-                <a:ea typeface="微軟正黑體" panose="020B0604030504040204" pitchFamily="34" charset="-120"/>
-              </a:rPr>
-              <a:t>feature</a:t>
-            </a:r>
-          </a:p>
-          <a:p>
-            <a:endParaRPr lang="zh-TW" altLang="en-US" sz="2400" dirty="0">
-              <a:latin typeface="微軟正黑體" panose="020B0604030504040204" pitchFamily="34" charset="-120"/>
-              <a:ea typeface="微軟正黑體" panose="020B0604030504040204" pitchFamily="34" charset="-120"/>
-            </a:endParaRPr>
-          </a:p>
-        </p:txBody>
-      </p:sp>
-      <p:sp>
-        <p:nvSpPr>
-          <p:cNvPr id="4" name="日期版面配置區 3">
-            <a:extLst>
-              <a:ext uri="{FF2B5EF4-FFF2-40B4-BE49-F238E27FC236}">
-                <a16:creationId xmlns:a16="http://schemas.microsoft.com/office/drawing/2014/main" id="{4E9ADB8B-427B-4094-8026-5E0179BF2C96}"/>
-              </a:ext>
-            </a:extLst>
-          </p:cNvPr>
-          <p:cNvSpPr>
-            <a:spLocks noGrp="1"/>
-          </p:cNvSpPr>
-          <p:nvPr>
-            <p:ph type="dt" sz="half" idx="10"/>
-          </p:nvPr>
-        </p:nvSpPr>
-        <p:spPr/>
-        <p:txBody>
-          <a:bodyPr/>
-          <a:lstStyle/>
-          <a:p>
-            <a:pPr rtl="0"/>
-            <a:fld id="{CE847876-3A2B-49FA-B396-40048599C954}" type="datetime1">
-              <a:rPr lang="zh-TW" altLang="en-US" smtClean="0">
-                <a:latin typeface="微軟正黑體" panose="020B0604030504040204" pitchFamily="34" charset="-120"/>
-                <a:ea typeface="微軟正黑體" panose="020B0604030504040204" pitchFamily="34" charset="-120"/>
-              </a:rPr>
-              <a:t>2021/1/12</a:t>
-            </a:fld>
-            <a:endParaRPr lang="en-US">
-              <a:latin typeface="微軟正黑體" panose="020B0604030504040204" pitchFamily="34" charset="-120"/>
-              <a:ea typeface="微軟正黑體" panose="020B0604030504040204" pitchFamily="34" charset="-120"/>
-            </a:endParaRPr>
-          </a:p>
-        </p:txBody>
-      </p:sp>
-    </p:spTree>
-    <p:extLst>
-      <p:ext uri="{BB962C8B-B14F-4D97-AF65-F5344CB8AC3E}">
-        <p14:creationId xmlns:p14="http://schemas.microsoft.com/office/powerpoint/2010/main" val="2027119310"/>
+        <p14:creationId xmlns:p14="http://schemas.microsoft.com/office/powerpoint/2010/main" val="2888847303"/>
       </p:ext>
     </p:extLst>
   </p:cSld>
@@ -11768,7 +13189,7 @@
           <p:cNvPr id="2" name="標題 1">
             <a:extLst>
               <a:ext uri="{FF2B5EF4-FFF2-40B4-BE49-F238E27FC236}">
-                <a16:creationId xmlns:a16="http://schemas.microsoft.com/office/drawing/2014/main" id="{4D2662DA-7199-4B7E-9178-2F33AAFCBE83}"/>
+                <a16:creationId xmlns:a16="http://schemas.microsoft.com/office/drawing/2014/main" id="{5A432C5C-3B48-4DCA-AECF-BB4CAA5151ED}"/>
               </a:ext>
             </a:extLst>
           </p:cNvPr>
@@ -11787,205 +13208,22 @@
             <a:pPr algn="ctr"/>
             <a:r>
               <a:rPr lang="zh-TW" altLang="en-US" dirty="0">
-                <a:latin typeface="標楷體" panose="03000509000000000000" pitchFamily="65" charset="-120"/>
-                <a:ea typeface="標楷體" panose="03000509000000000000" pitchFamily="65" charset="-120"/>
-              </a:rPr>
-              <a:t>參考資料</a:t>
-            </a:r>
-          </a:p>
-        </p:txBody>
-      </p:sp>
-      <p:sp>
-        <p:nvSpPr>
-          <p:cNvPr id="3" name="內容版面配置區 2">
-            <a:extLst>
-              <a:ext uri="{FF2B5EF4-FFF2-40B4-BE49-F238E27FC236}">
-                <a16:creationId xmlns:a16="http://schemas.microsoft.com/office/drawing/2014/main" id="{4DA1102E-BABC-433F-8D37-75558634A81A}"/>
-              </a:ext>
-            </a:extLst>
-          </p:cNvPr>
-          <p:cNvSpPr>
-            <a:spLocks noGrp="1"/>
-          </p:cNvSpPr>
-          <p:nvPr>
-            <p:ph idx="1"/>
-          </p:nvPr>
-        </p:nvSpPr>
-        <p:spPr/>
-        <p:txBody>
-          <a:bodyPr/>
-          <a:lstStyle/>
-          <a:p>
-            <a:pPr algn="l">
-              <a:buFont typeface="Arial" panose="020B0604020202020204" pitchFamily="34" charset="0"/>
-              <a:buChar char="•"/>
-            </a:pPr>
-            <a:r>
-              <a:rPr lang="en-US" altLang="zh-TW" b="0" i="0" u="none" strike="noStrike" dirty="0">
-                <a:solidFill>
-                  <a:srgbClr val="24292E"/>
-                </a:solidFill>
-                <a:effectLst/>
-                <a:latin typeface="-apple-system"/>
-                <a:hlinkClick r:id="rId2"/>
-              </a:rPr>
-              <a:t>https://rpubs.com/skydome20/R-Note14-SVM-SVR</a:t>
-            </a:r>
-            <a:endParaRPr lang="en-US" altLang="zh-TW" b="0" i="0" dirty="0">
-              <a:solidFill>
-                <a:srgbClr val="24292E"/>
-              </a:solidFill>
-              <a:effectLst/>
-              <a:latin typeface="-apple-system"/>
+                <a:latin typeface="微軟正黑體" panose="020B0604030504040204" pitchFamily="34" charset="-120"/>
+                <a:ea typeface="微軟正黑體" panose="020B0604030504040204" pitchFamily="34" charset="-120"/>
+              </a:rPr>
+              <a:t>訓練結果</a:t>
+            </a:r>
+            <a:r>
+              <a:rPr lang="en-US" altLang="zh-TW" dirty="0">
+                <a:latin typeface="微軟正黑體" panose="020B0604030504040204" pitchFamily="34" charset="-120"/>
+                <a:ea typeface="微軟正黑體" panose="020B0604030504040204" pitchFamily="34" charset="-120"/>
+              </a:rPr>
+              <a:t>:SVM</a:t>
+            </a:r>
+            <a:endParaRPr lang="zh-TW" altLang="en-US" dirty="0">
+              <a:latin typeface="微軟正黑體" panose="020B0604030504040204" pitchFamily="34" charset="-120"/>
+              <a:ea typeface="微軟正黑體" panose="020B0604030504040204" pitchFamily="34" charset="-120"/>
             </a:endParaRPr>
-          </a:p>
-          <a:p>
-            <a:pPr algn="l">
-              <a:buFont typeface="Arial" panose="020B0604020202020204" pitchFamily="34" charset="0"/>
-              <a:buChar char="•"/>
-            </a:pPr>
-            <a:r>
-              <a:rPr lang="en-US" altLang="zh-TW" b="0" i="0" u="none" strike="noStrike" dirty="0">
-                <a:solidFill>
-                  <a:srgbClr val="24292E"/>
-                </a:solidFill>
-                <a:effectLst/>
-                <a:latin typeface="-apple-system"/>
-                <a:hlinkClick r:id="rId3"/>
-              </a:rPr>
-              <a:t>https://mojim.com/</a:t>
-            </a:r>
-            <a:endParaRPr lang="en-US" altLang="zh-TW" b="0" i="0" dirty="0">
-              <a:solidFill>
-                <a:srgbClr val="24292E"/>
-              </a:solidFill>
-              <a:effectLst/>
-              <a:latin typeface="-apple-system"/>
-            </a:endParaRPr>
-          </a:p>
-          <a:p>
-            <a:pPr algn="l">
-              <a:buFont typeface="Arial" panose="020B0604020202020204" pitchFamily="34" charset="0"/>
-              <a:buChar char="•"/>
-            </a:pPr>
-            <a:r>
-              <a:rPr lang="en-US" altLang="zh-TW" b="0" i="0" u="none" strike="noStrike" dirty="0">
-                <a:solidFill>
-                  <a:srgbClr val="24292E"/>
-                </a:solidFill>
-                <a:effectLst/>
-                <a:latin typeface="-apple-system"/>
-                <a:hlinkClick r:id="rId4"/>
-              </a:rPr>
-              <a:t>https://www.xiami.com/</a:t>
-            </a:r>
-            <a:endParaRPr lang="en-US" altLang="zh-TW" b="0" i="0" u="none" strike="noStrike" dirty="0">
-              <a:solidFill>
-                <a:srgbClr val="24292E"/>
-              </a:solidFill>
-              <a:effectLst/>
-              <a:latin typeface="-apple-system"/>
-            </a:endParaRPr>
-          </a:p>
-          <a:p>
-            <a:pPr algn="l">
-              <a:buFont typeface="Arial" panose="020B0604020202020204" pitchFamily="34" charset="0"/>
-              <a:buChar char="•"/>
-            </a:pPr>
-            <a:r>
-              <a:rPr lang="en-US" altLang="zh-TW" b="0" i="0" dirty="0">
-                <a:solidFill>
-                  <a:srgbClr val="24292E"/>
-                </a:solidFill>
-                <a:effectLst/>
-                <a:latin typeface="-apple-system"/>
-              </a:rPr>
-              <a:t>https://www.pinterest.com/pin/79235274673581414/</a:t>
-            </a:r>
-          </a:p>
-          <a:p>
-            <a:pPr algn="l">
-              <a:buFont typeface="Arial" panose="020B0604020202020204" pitchFamily="34" charset="0"/>
-              <a:buChar char="•"/>
-            </a:pPr>
-            <a:r>
-              <a:rPr lang="en-US" altLang="zh-TW" b="0" i="0" dirty="0">
-                <a:solidFill>
-                  <a:srgbClr val="24292E"/>
-                </a:solidFill>
-                <a:effectLst/>
-                <a:latin typeface="-apple-system"/>
-              </a:rPr>
-              <a:t>Packages</a:t>
-            </a:r>
-            <a:r>
-              <a:rPr lang="zh-TW" altLang="en-US" b="0" i="0" dirty="0">
-                <a:solidFill>
-                  <a:srgbClr val="24292E"/>
-                </a:solidFill>
-                <a:effectLst/>
-                <a:latin typeface="-apple-system"/>
-              </a:rPr>
-              <a:t>：</a:t>
-            </a:r>
-          </a:p>
-          <a:p>
-            <a:pPr marL="742950" lvl="1" indent="-285750" algn="l">
-              <a:buFont typeface="Arial" panose="020B0604020202020204" pitchFamily="34" charset="0"/>
-              <a:buChar char="•"/>
-            </a:pPr>
-            <a:r>
-              <a:rPr lang="en-US" altLang="zh-TW" b="0" i="0" dirty="0" err="1">
-                <a:solidFill>
-                  <a:srgbClr val="24292E"/>
-                </a:solidFill>
-                <a:effectLst/>
-                <a:latin typeface="-apple-system"/>
-              </a:rPr>
-              <a:t>kknn</a:t>
-            </a:r>
-            <a:endParaRPr lang="en-US" altLang="zh-TW" b="0" i="0" dirty="0">
-              <a:solidFill>
-                <a:srgbClr val="24292E"/>
-              </a:solidFill>
-              <a:effectLst/>
-              <a:latin typeface="-apple-system"/>
-            </a:endParaRPr>
-          </a:p>
-          <a:p>
-            <a:pPr marL="742950" lvl="1" indent="-285750" algn="l">
-              <a:buFont typeface="Arial" panose="020B0604020202020204" pitchFamily="34" charset="0"/>
-              <a:buChar char="•"/>
-            </a:pPr>
-            <a:r>
-              <a:rPr lang="en-US" altLang="zh-TW" b="0" i="0" dirty="0">
-                <a:solidFill>
-                  <a:srgbClr val="24292E"/>
-                </a:solidFill>
-                <a:effectLst/>
-                <a:latin typeface="-apple-system"/>
-              </a:rPr>
-              <a:t>caret</a:t>
-            </a:r>
-          </a:p>
-          <a:p>
-            <a:pPr marL="742950" lvl="1" indent="-285750" algn="l">
-              <a:buFont typeface="Arial" panose="020B0604020202020204" pitchFamily="34" charset="0"/>
-              <a:buChar char="•"/>
-            </a:pPr>
-            <a:r>
-              <a:rPr lang="en-US" altLang="zh-TW" b="0" i="0" dirty="0">
-                <a:solidFill>
-                  <a:srgbClr val="24292E"/>
-                </a:solidFill>
-                <a:effectLst/>
-                <a:latin typeface="-apple-system"/>
-              </a:rPr>
-              <a:t>e1071</a:t>
-            </a:r>
-          </a:p>
-          <a:p>
-            <a:endParaRPr lang="zh-TW" altLang="en-US" dirty="0"/>
           </a:p>
         </p:txBody>
       </p:sp>
@@ -11994,7 +13232,7 @@
           <p:cNvPr id="4" name="日期版面配置區 3">
             <a:extLst>
               <a:ext uri="{FF2B5EF4-FFF2-40B4-BE49-F238E27FC236}">
-                <a16:creationId xmlns:a16="http://schemas.microsoft.com/office/drawing/2014/main" id="{1BD5BF14-AC37-408C-946F-1ECEB7278DAA}"/>
+                <a16:creationId xmlns:a16="http://schemas.microsoft.com/office/drawing/2014/main" id="{57C0AE3A-C5CF-4BEA-81CD-897624171FBE}"/>
               </a:ext>
             </a:extLst>
           </p:cNvPr>
@@ -12012,17 +13250,53 @@
           <a:p>
             <a:pPr rtl="0"/>
             <a:fld id="{CE847876-3A2B-49FA-B396-40048599C954}" type="datetime1">
-              <a:rPr lang="zh-TW" altLang="en-US" smtClean="0"/>
+              <a:rPr lang="zh-TW" altLang="en-US" smtClean="0">
+                <a:latin typeface="微軟正黑體" panose="020B0604030504040204" pitchFamily="34" charset="-120"/>
+                <a:ea typeface="微軟正黑體" panose="020B0604030504040204" pitchFamily="34" charset="-120"/>
+              </a:rPr>
               <a:t>2021/1/12</a:t>
             </a:fld>
-            <a:endParaRPr lang="en-US"/>
+            <a:endParaRPr lang="en-US">
+              <a:latin typeface="微軟正黑體" panose="020B0604030504040204" pitchFamily="34" charset="-120"/>
+              <a:ea typeface="微軟正黑體" panose="020B0604030504040204" pitchFamily="34" charset="-120"/>
+            </a:endParaRPr>
           </a:p>
         </p:txBody>
       </p:sp>
+      <p:pic>
+        <p:nvPicPr>
+          <p:cNvPr id="22" name="圖片 21">
+            <a:extLst>
+              <a:ext uri="{FF2B5EF4-FFF2-40B4-BE49-F238E27FC236}">
+                <a16:creationId xmlns:a16="http://schemas.microsoft.com/office/drawing/2014/main" id="{1BA239A6-5D71-420E-A0B9-3D014FF1C4EE}"/>
+              </a:ext>
+            </a:extLst>
+          </p:cNvPr>
+          <p:cNvPicPr>
+            <a:picLocks noChangeAspect="1"/>
+          </p:cNvPicPr>
+          <p:nvPr/>
+        </p:nvPicPr>
+        <p:blipFill>
+          <a:blip r:embed="rId2"/>
+          <a:stretch>
+            <a:fillRect/>
+          </a:stretch>
+        </p:blipFill>
+        <p:spPr>
+          <a:xfrm>
+            <a:off x="2408807" y="1921987"/>
+            <a:ext cx="7374386" cy="4062030"/>
+          </a:xfrm>
+          <a:prstGeom prst="rect">
+            <a:avLst/>
+          </a:prstGeom>
+        </p:spPr>
+      </p:pic>
     </p:spTree>
     <p:extLst>
       <p:ext uri="{BB962C8B-B14F-4D97-AF65-F5344CB8AC3E}">
-        <p14:creationId xmlns:p14="http://schemas.microsoft.com/office/powerpoint/2010/main" val="1711472813"/>
+        <p14:creationId xmlns:p14="http://schemas.microsoft.com/office/powerpoint/2010/main" val="2286700186"/>
       </p:ext>
     </p:extLst>
   </p:cSld>
@@ -12051,10 +13325,53 @@
       </p:grpSpPr>
       <p:sp>
         <p:nvSpPr>
+          <p:cNvPr id="2" name="標題 1">
+            <a:extLst>
+              <a:ext uri="{FF2B5EF4-FFF2-40B4-BE49-F238E27FC236}">
+                <a16:creationId xmlns:a16="http://schemas.microsoft.com/office/drawing/2014/main" id="{5A432C5C-3B48-4DCA-AECF-BB4CAA5151ED}"/>
+              </a:ext>
+            </a:extLst>
+          </p:cNvPr>
+          <p:cNvSpPr>
+            <a:spLocks noGrp="1"/>
+          </p:cNvSpPr>
+          <p:nvPr>
+            <p:ph type="title"/>
+          </p:nvPr>
+        </p:nvSpPr>
+        <p:spPr/>
+        <p:txBody>
+          <a:bodyPr/>
+          <a:lstStyle/>
+          <a:p>
+            <a:pPr algn="ctr"/>
+            <a:r>
+              <a:rPr lang="zh-TW" altLang="en-US" dirty="0">
+                <a:latin typeface="微軟正黑體" panose="020B0604030504040204" pitchFamily="34" charset="-120"/>
+                <a:ea typeface="微軟正黑體" panose="020B0604030504040204" pitchFamily="34" charset="-120"/>
+              </a:rPr>
+              <a:t>訓練結果</a:t>
+            </a:r>
+            <a:r>
+              <a:rPr lang="en-US" altLang="zh-TW" dirty="0">
+                <a:latin typeface="微軟正黑體" panose="020B0604030504040204" pitchFamily="34" charset="-120"/>
+                <a:ea typeface="微軟正黑體" panose="020B0604030504040204" pitchFamily="34" charset="-120"/>
+              </a:rPr>
+              <a:t>:KNN</a:t>
+            </a:r>
+            <a:endParaRPr lang="zh-TW" altLang="en-US" dirty="0">
+              <a:latin typeface="微軟正黑體" panose="020B0604030504040204" pitchFamily="34" charset="-120"/>
+              <a:ea typeface="微軟正黑體" panose="020B0604030504040204" pitchFamily="34" charset="-120"/>
+            </a:endParaRPr>
+          </a:p>
+        </p:txBody>
+      </p:sp>
+      <p:sp>
+        <p:nvSpPr>
           <p:cNvPr id="4" name="日期版面配置區 3">
             <a:extLst>
               <a:ext uri="{FF2B5EF4-FFF2-40B4-BE49-F238E27FC236}">
-                <a16:creationId xmlns:a16="http://schemas.microsoft.com/office/drawing/2014/main" id="{839DF9B9-FDFA-481D-948E-5EEE00ACDB23}"/>
+                <a16:creationId xmlns:a16="http://schemas.microsoft.com/office/drawing/2014/main" id="{57C0AE3A-C5CF-4BEA-81CD-897624171FBE}"/>
               </a:ext>
             </a:extLst>
           </p:cNvPr>
@@ -12072,19 +13389,25 @@
           <a:p>
             <a:pPr rtl="0"/>
             <a:fld id="{CE847876-3A2B-49FA-B396-40048599C954}" type="datetime1">
-              <a:rPr lang="zh-TW" altLang="en-US" smtClean="0"/>
+              <a:rPr lang="zh-TW" altLang="en-US" smtClean="0">
+                <a:latin typeface="微軟正黑體" panose="020B0604030504040204" pitchFamily="34" charset="-120"/>
+                <a:ea typeface="微軟正黑體" panose="020B0604030504040204" pitchFamily="34" charset="-120"/>
+              </a:rPr>
               <a:t>2021/1/12</a:t>
             </a:fld>
-            <a:endParaRPr lang="en-US"/>
+            <a:endParaRPr lang="en-US">
+              <a:latin typeface="微軟正黑體" panose="020B0604030504040204" pitchFamily="34" charset="-120"/>
+              <a:ea typeface="微軟正黑體" panose="020B0604030504040204" pitchFamily="34" charset="-120"/>
+            </a:endParaRPr>
           </a:p>
         </p:txBody>
       </p:sp>
       <p:pic>
         <p:nvPicPr>
-          <p:cNvPr id="7" name="圖片 6" descr="一張含有 文字 的圖片&#10;&#10;自動產生的描述">
+          <p:cNvPr id="3" name="圖片 2">
             <a:extLst>
               <a:ext uri="{FF2B5EF4-FFF2-40B4-BE49-F238E27FC236}">
-                <a16:creationId xmlns:a16="http://schemas.microsoft.com/office/drawing/2014/main" id="{03299BAD-61C3-404D-A4CC-7C8F7718466B}"/>
+                <a16:creationId xmlns:a16="http://schemas.microsoft.com/office/drawing/2014/main" id="{DA9DC8A2-41F0-4B5C-89B1-EC244AD8664D}"/>
               </a:ext>
             </a:extLst>
           </p:cNvPr>
@@ -12094,39 +13417,25 @@
           <p:nvPr/>
         </p:nvPicPr>
         <p:blipFill>
-          <a:blip r:embed="rId2">
-            <a:extLst>
-              <a:ext uri="{28A0092B-C50C-407E-A947-70E740481C1C}">
-                <a14:useLocalDpi xmlns:a14="http://schemas.microsoft.com/office/drawing/2010/main" val="0"/>
-              </a:ext>
-            </a:extLst>
-          </a:blip>
+          <a:blip r:embed="rId2"/>
           <a:stretch>
             <a:fillRect/>
           </a:stretch>
         </p:blipFill>
         <p:spPr>
           <a:xfrm>
-            <a:off x="1971674" y="622487"/>
-            <a:ext cx="7096126" cy="5322094"/>
+            <a:off x="2430171" y="1921985"/>
+            <a:ext cx="7331658" cy="4062031"/>
           </a:xfrm>
           <a:prstGeom prst="rect">
             <a:avLst/>
           </a:prstGeom>
-          <a:effectLst>
-            <a:glow>
-              <a:schemeClr val="accent1">
-                <a:alpha val="30000"/>
-              </a:schemeClr>
-            </a:glow>
-            <a:softEdge rad="292100"/>
-          </a:effectLst>
         </p:spPr>
       </p:pic>
     </p:spTree>
     <p:extLst>
       <p:ext uri="{BB962C8B-B14F-4D97-AF65-F5344CB8AC3E}">
-        <p14:creationId xmlns:p14="http://schemas.microsoft.com/office/powerpoint/2010/main" val="4153582731"/>
+        <p14:creationId xmlns:p14="http://schemas.microsoft.com/office/powerpoint/2010/main" val="1839574552"/>
       </p:ext>
     </p:extLst>
   </p:cSld>

--- a/docs/Data Science Final .pptx
+++ b/docs/Data Science Final .pptx
@@ -9586,15 +9586,63 @@
               <a:buChar char="•"/>
             </a:pPr>
             <a:r>
-              <a:rPr lang="en-US" altLang="zh-TW" b="0" i="0" dirty="0">
+              <a:rPr lang="en-US" altLang="zh-TW" dirty="0">
+                <a:solidFill>
+                  <a:srgbClr val="24292E"/>
+                </a:solidFill>
+                <a:latin typeface="-apple-system"/>
+              </a:rPr>
+              <a:t>e</a:t>
+            </a:r>
+            <a:r>
+              <a:rPr lang="en-US" altLang="zh-TW" b="0" i="0">
                 <a:solidFill>
                   <a:srgbClr val="24292E"/>
                 </a:solidFill>
                 <a:effectLst/>
                 <a:latin typeface="-apple-system"/>
               </a:rPr>
-              <a:t>e1071</a:t>
-            </a:r>
+              <a:t>1071</a:t>
+            </a:r>
+            <a:endParaRPr lang="en-US" altLang="zh-TW" b="0" i="0" dirty="0">
+              <a:solidFill>
+                <a:srgbClr val="24292E"/>
+              </a:solidFill>
+              <a:effectLst/>
+              <a:latin typeface="-apple-system"/>
+            </a:endParaRPr>
+          </a:p>
+          <a:p>
+            <a:pPr marL="742950" lvl="1" indent="-285750" algn="l">
+              <a:buFont typeface="Arial" panose="020B0604020202020204" pitchFamily="34" charset="0"/>
+              <a:buChar char="•"/>
+            </a:pPr>
+            <a:r>
+              <a:rPr lang="en-US" altLang="zh-TW" b="0" i="0" dirty="0" err="1">
+                <a:solidFill>
+                  <a:srgbClr val="24292E"/>
+                </a:solidFill>
+                <a:effectLst/>
+                <a:latin typeface="-apple-system"/>
+              </a:rPr>
+              <a:t>ran</a:t>
+            </a:r>
+            <a:r>
+              <a:rPr lang="en-US" altLang="zh-TW" dirty="0" err="1">
+                <a:solidFill>
+                  <a:srgbClr val="24292E"/>
+                </a:solidFill>
+                <a:latin typeface="-apple-system"/>
+              </a:rPr>
+              <a:t>domforest</a:t>
+            </a:r>
+            <a:endParaRPr lang="en-US" altLang="zh-TW" b="0" i="0" dirty="0">
+              <a:solidFill>
+                <a:srgbClr val="24292E"/>
+              </a:solidFill>
+              <a:effectLst/>
+              <a:latin typeface="-apple-system"/>
+            </a:endParaRPr>
           </a:p>
           <a:p>
             <a:endParaRPr lang="zh-TW" altLang="en-US" dirty="0"/>

--- a/docs/Data Science Final .pptx
+++ b/docs/Data Science Final .pptx
@@ -9595,7 +9595,7 @@
               <a:t>e</a:t>
             </a:r>
             <a:r>
-              <a:rPr lang="en-US" altLang="zh-TW" b="0" i="0">
+              <a:rPr lang="en-US" altLang="zh-TW" b="0" i="0" dirty="0">
                 <a:solidFill>
                   <a:srgbClr val="24292E"/>
                 </a:solidFill>
@@ -9604,13 +9604,6 @@
               </a:rPr>
               <a:t>1071</a:t>
             </a:r>
-            <a:endParaRPr lang="en-US" altLang="zh-TW" b="0" i="0" dirty="0">
-              <a:solidFill>
-                <a:srgbClr val="24292E"/>
-              </a:solidFill>
-              <a:effectLst/>
-              <a:latin typeface="-apple-system"/>
-            </a:endParaRPr>
           </a:p>
           <a:p>
             <a:pPr marL="742950" lvl="1" indent="-285750" algn="l">
@@ -9618,7 +9611,7 @@
               <a:buChar char="•"/>
             </a:pPr>
             <a:r>
-              <a:rPr lang="en-US" altLang="zh-TW" b="0" i="0" dirty="0" err="1">
+              <a:rPr lang="en-US" altLang="zh-TW" b="0" i="0">
                 <a:solidFill>
                   <a:srgbClr val="24292E"/>
                 </a:solidFill>
@@ -9628,13 +9621,13 @@
               <a:t>ran</a:t>
             </a:r>
             <a:r>
-              <a:rPr lang="en-US" altLang="zh-TW" dirty="0" err="1">
+              <a:rPr lang="en-US" altLang="zh-TW">
                 <a:solidFill>
                   <a:srgbClr val="24292E"/>
                 </a:solidFill>
                 <a:latin typeface="-apple-system"/>
               </a:rPr>
-              <a:t>domforest</a:t>
+              <a:t>domForest</a:t>
             </a:r>
             <a:endParaRPr lang="en-US" altLang="zh-TW" b="0" i="0" dirty="0">
               <a:solidFill>

--- a/docs/Data Science Final .pptx
+++ b/docs/Data Science Final .pptx
@@ -5,26 +5,28 @@
     <p:sldMasterId id="2147483673" r:id="rId1"/>
   </p:sldMasterIdLst>
   <p:notesMasterIdLst>
-    <p:notesMasterId r:id="rId16"/>
+    <p:notesMasterId r:id="rId18"/>
   </p:notesMasterIdLst>
   <p:handoutMasterIdLst>
-    <p:handoutMasterId r:id="rId17"/>
+    <p:handoutMasterId r:id="rId19"/>
   </p:handoutMasterIdLst>
   <p:sldIdLst>
     <p:sldId id="257" r:id="rId2"/>
     <p:sldId id="261" r:id="rId3"/>
     <p:sldId id="267" r:id="rId4"/>
     <p:sldId id="262" r:id="rId5"/>
-    <p:sldId id="263" r:id="rId6"/>
-    <p:sldId id="264" r:id="rId7"/>
-    <p:sldId id="270" r:id="rId8"/>
-    <p:sldId id="271" r:id="rId9"/>
-    <p:sldId id="274" r:id="rId10"/>
-    <p:sldId id="273" r:id="rId11"/>
-    <p:sldId id="269" r:id="rId12"/>
-    <p:sldId id="265" r:id="rId13"/>
-    <p:sldId id="268" r:id="rId14"/>
-    <p:sldId id="266" r:id="rId15"/>
+    <p:sldId id="276" r:id="rId6"/>
+    <p:sldId id="263" r:id="rId7"/>
+    <p:sldId id="264" r:id="rId8"/>
+    <p:sldId id="270" r:id="rId9"/>
+    <p:sldId id="271" r:id="rId10"/>
+    <p:sldId id="274" r:id="rId11"/>
+    <p:sldId id="273" r:id="rId12"/>
+    <p:sldId id="269" r:id="rId13"/>
+    <p:sldId id="275" r:id="rId14"/>
+    <p:sldId id="265" r:id="rId15"/>
+    <p:sldId id="268" r:id="rId16"/>
+    <p:sldId id="266" r:id="rId17"/>
   </p:sldIdLst>
   <p:sldSz cx="12192000" cy="6858000"/>
   <p:notesSz cx="6858000" cy="9144000"/>
@@ -8540,6 +8542,145 @@
                 <a:latin typeface="微軟正黑體" panose="020B0604030504040204" pitchFamily="34" charset="-120"/>
                 <a:ea typeface="微軟正黑體" panose="020B0604030504040204" pitchFamily="34" charset="-120"/>
               </a:rPr>
+              <a:t>:KNN</a:t>
+            </a:r>
+            <a:endParaRPr lang="zh-TW" altLang="en-US" dirty="0">
+              <a:latin typeface="微軟正黑體" panose="020B0604030504040204" pitchFamily="34" charset="-120"/>
+              <a:ea typeface="微軟正黑體" panose="020B0604030504040204" pitchFamily="34" charset="-120"/>
+            </a:endParaRPr>
+          </a:p>
+        </p:txBody>
+      </p:sp>
+      <p:sp>
+        <p:nvSpPr>
+          <p:cNvPr id="4" name="日期版面配置區 3">
+            <a:extLst>
+              <a:ext uri="{FF2B5EF4-FFF2-40B4-BE49-F238E27FC236}">
+                <a16:creationId xmlns:a16="http://schemas.microsoft.com/office/drawing/2014/main" id="{57C0AE3A-C5CF-4BEA-81CD-897624171FBE}"/>
+              </a:ext>
+            </a:extLst>
+          </p:cNvPr>
+          <p:cNvSpPr>
+            <a:spLocks noGrp="1"/>
+          </p:cNvSpPr>
+          <p:nvPr>
+            <p:ph type="dt" sz="half" idx="10"/>
+          </p:nvPr>
+        </p:nvSpPr>
+        <p:spPr/>
+        <p:txBody>
+          <a:bodyPr/>
+          <a:lstStyle/>
+          <a:p>
+            <a:pPr rtl="0"/>
+            <a:fld id="{CE847876-3A2B-49FA-B396-40048599C954}" type="datetime1">
+              <a:rPr lang="zh-TW" altLang="en-US" smtClean="0">
+                <a:latin typeface="微軟正黑體" panose="020B0604030504040204" pitchFamily="34" charset="-120"/>
+                <a:ea typeface="微軟正黑體" panose="020B0604030504040204" pitchFamily="34" charset="-120"/>
+              </a:rPr>
+              <a:t>2021/1/12</a:t>
+            </a:fld>
+            <a:endParaRPr lang="en-US">
+              <a:latin typeface="微軟正黑體" panose="020B0604030504040204" pitchFamily="34" charset="-120"/>
+              <a:ea typeface="微軟正黑體" panose="020B0604030504040204" pitchFamily="34" charset="-120"/>
+            </a:endParaRPr>
+          </a:p>
+        </p:txBody>
+      </p:sp>
+      <p:pic>
+        <p:nvPicPr>
+          <p:cNvPr id="3" name="圖片 2">
+            <a:extLst>
+              <a:ext uri="{FF2B5EF4-FFF2-40B4-BE49-F238E27FC236}">
+                <a16:creationId xmlns:a16="http://schemas.microsoft.com/office/drawing/2014/main" id="{DA9DC8A2-41F0-4B5C-89B1-EC244AD8664D}"/>
+              </a:ext>
+            </a:extLst>
+          </p:cNvPr>
+          <p:cNvPicPr>
+            <a:picLocks noChangeAspect="1"/>
+          </p:cNvPicPr>
+          <p:nvPr/>
+        </p:nvPicPr>
+        <p:blipFill>
+          <a:blip r:embed="rId2"/>
+          <a:stretch>
+            <a:fillRect/>
+          </a:stretch>
+        </p:blipFill>
+        <p:spPr>
+          <a:xfrm>
+            <a:off x="2430171" y="1921985"/>
+            <a:ext cx="7331658" cy="4062031"/>
+          </a:xfrm>
+          <a:prstGeom prst="rect">
+            <a:avLst/>
+          </a:prstGeom>
+        </p:spPr>
+      </p:pic>
+    </p:spTree>
+    <p:extLst>
+      <p:ext uri="{BB962C8B-B14F-4D97-AF65-F5344CB8AC3E}">
+        <p14:creationId xmlns:p14="http://schemas.microsoft.com/office/powerpoint/2010/main" val="1839574552"/>
+      </p:ext>
+    </p:extLst>
+  </p:cSld>
+  <p:clrMapOvr>
+    <a:masterClrMapping/>
+  </p:clrMapOvr>
+</p:sld>
+</file>
+
+<file path=ppt/slides/slide11.xml><?xml version="1.0" encoding="utf-8"?>
+<p:sld xmlns:a="http://schemas.openxmlformats.org/drawingml/2006/main" xmlns:r="http://schemas.openxmlformats.org/officeDocument/2006/relationships" xmlns:p="http://schemas.openxmlformats.org/presentationml/2006/main">
+  <p:cSld>
+    <p:spTree>
+      <p:nvGrpSpPr>
+        <p:cNvPr id="1" name=""/>
+        <p:cNvGrpSpPr/>
+        <p:nvPr/>
+      </p:nvGrpSpPr>
+      <p:grpSpPr>
+        <a:xfrm>
+          <a:off x="0" y="0"/>
+          <a:ext cx="0" cy="0"/>
+          <a:chOff x="0" y="0"/>
+          <a:chExt cx="0" cy="0"/>
+        </a:xfrm>
+      </p:grpSpPr>
+      <p:sp>
+        <p:nvSpPr>
+          <p:cNvPr id="2" name="標題 1">
+            <a:extLst>
+              <a:ext uri="{FF2B5EF4-FFF2-40B4-BE49-F238E27FC236}">
+                <a16:creationId xmlns:a16="http://schemas.microsoft.com/office/drawing/2014/main" id="{5A432C5C-3B48-4DCA-AECF-BB4CAA5151ED}"/>
+              </a:ext>
+            </a:extLst>
+          </p:cNvPr>
+          <p:cNvSpPr>
+            <a:spLocks noGrp="1"/>
+          </p:cNvSpPr>
+          <p:nvPr>
+            <p:ph type="title"/>
+          </p:nvPr>
+        </p:nvSpPr>
+        <p:spPr/>
+        <p:txBody>
+          <a:bodyPr/>
+          <a:lstStyle/>
+          <a:p>
+            <a:pPr algn="ctr"/>
+            <a:r>
+              <a:rPr lang="zh-TW" altLang="en-US" dirty="0">
+                <a:latin typeface="微軟正黑體" panose="020B0604030504040204" pitchFamily="34" charset="-120"/>
+                <a:ea typeface="微軟正黑體" panose="020B0604030504040204" pitchFamily="34" charset="-120"/>
+              </a:rPr>
+              <a:t>訓練結果</a:t>
+            </a:r>
+            <a:r>
+              <a:rPr lang="en-US" altLang="zh-TW" dirty="0">
+                <a:latin typeface="微軟正黑體" panose="020B0604030504040204" pitchFamily="34" charset="-120"/>
+                <a:ea typeface="微軟正黑體" panose="020B0604030504040204" pitchFamily="34" charset="-120"/>
+              </a:rPr>
               <a:t>: Random Forest</a:t>
             </a:r>
             <a:endParaRPr lang="zh-TW" altLang="en-US" dirty="0">
@@ -8628,7 +8769,7 @@
 </p:sld>
 </file>
 
-<file path=ppt/slides/slide11.xml><?xml version="1.0" encoding="utf-8"?>
+<file path=ppt/slides/slide12.xml><?xml version="1.0" encoding="utf-8"?>
 <p:sld xmlns:a="http://schemas.openxmlformats.org/drawingml/2006/main" xmlns:r="http://schemas.openxmlformats.org/officeDocument/2006/relationships" xmlns:p="http://schemas.openxmlformats.org/presentationml/2006/main">
   <p:cSld>
     <p:spTree>
@@ -8669,7 +8810,7 @@
             <a:pPr algn="ctr"/>
             <a:r>
               <a:rPr lang="zh-TW" altLang="en-US" dirty="0"/>
-              <a:t>視覺化</a:t>
+              <a:t>視覺化圖表</a:t>
             </a:r>
           </a:p>
         </p:txBody>
@@ -8698,7 +8839,7 @@
         </p:blipFill>
         <p:spPr>
           <a:xfrm>
-            <a:off x="752837" y="1863274"/>
+            <a:off x="1235475" y="1863272"/>
             <a:ext cx="4865156" cy="3849687"/>
           </a:xfrm>
           <a:prstGeom prst="rect">
@@ -8736,58 +8877,12 @@
           </a:p>
         </p:txBody>
       </p:sp>
-      <p:sp>
-        <p:nvSpPr>
-          <p:cNvPr id="6" name="文字方塊 5">
+      <p:pic>
+        <p:nvPicPr>
+          <p:cNvPr id="9" name="圖片 8">
             <a:extLst>
               <a:ext uri="{FF2B5EF4-FFF2-40B4-BE49-F238E27FC236}">
-                <a16:creationId xmlns:a16="http://schemas.microsoft.com/office/drawing/2014/main" id="{941E9261-9B99-47D7-BC3C-268CFC148E59}"/>
-              </a:ext>
-            </a:extLst>
-          </p:cNvPr>
-          <p:cNvSpPr txBox="1"/>
-          <p:nvPr/>
-        </p:nvSpPr>
-        <p:spPr>
-          <a:xfrm>
-            <a:off x="1742216" y="5846074"/>
-            <a:ext cx="2503206" cy="369332"/>
-          </a:xfrm>
-          <a:prstGeom prst="rect">
-            <a:avLst/>
-          </a:prstGeom>
-          <a:noFill/>
-        </p:spPr>
-        <p:txBody>
-          <a:bodyPr wrap="square" rtlCol="0">
-            <a:spAutoFit/>
-          </a:bodyPr>
-          <a:lstStyle/>
-          <a:p>
-            <a:pPr algn="ctr"/>
-            <a:r>
-              <a:rPr lang="en-US" altLang="zh-TW" dirty="0">
-                <a:latin typeface="微軟正黑體" panose="020B0604030504040204" pitchFamily="34" charset="-120"/>
-                <a:ea typeface="微軟正黑體" panose="020B0604030504040204" pitchFamily="34" charset="-120"/>
-              </a:rPr>
-              <a:t>PCA</a:t>
-            </a:r>
-            <a:r>
-              <a:rPr lang="zh-TW" altLang="en-US" dirty="0">
-                <a:latin typeface="微軟正黑體" panose="020B0604030504040204" pitchFamily="34" charset="-120"/>
-                <a:ea typeface="微軟正黑體" panose="020B0604030504040204" pitchFamily="34" charset="-120"/>
-              </a:rPr>
-              <a:t>呈現</a:t>
-            </a:r>
-          </a:p>
-        </p:txBody>
-      </p:sp>
-      <p:pic>
-        <p:nvPicPr>
-          <p:cNvPr id="7" name="圖片 6">
-            <a:extLst>
-              <a:ext uri="{FF2B5EF4-FFF2-40B4-BE49-F238E27FC236}">
-                <a16:creationId xmlns:a16="http://schemas.microsoft.com/office/drawing/2014/main" id="{88CE8B44-0E42-4F04-9AD4-3E3C5E8EB20A}"/>
+                <a16:creationId xmlns:a16="http://schemas.microsoft.com/office/drawing/2014/main" id="{DE831BF9-A951-44D0-A79F-14E1FCFA783D}"/>
               </a:ext>
             </a:extLst>
           </p:cNvPr>
@@ -8797,85 +8892,27 @@
           <p:nvPr/>
         </p:nvPicPr>
         <p:blipFill>
-          <a:blip r:embed="rId3"/>
+          <a:blip r:embed="rId3">
+            <a:extLst>
+              <a:ext uri="{28A0092B-C50C-407E-A947-70E740481C1C}">
+                <a14:useLocalDpi xmlns:a14="http://schemas.microsoft.com/office/drawing/2010/main" val="0"/>
+              </a:ext>
+            </a:extLst>
+          </a:blip>
           <a:stretch>
             <a:fillRect/>
           </a:stretch>
         </p:blipFill>
         <p:spPr>
           <a:xfrm>
-            <a:off x="6096000" y="1863273"/>
-            <a:ext cx="5343163" cy="3849687"/>
+            <a:off x="6773902" y="1863272"/>
+            <a:ext cx="3833496" cy="3849688"/>
           </a:xfrm>
           <a:prstGeom prst="rect">
             <a:avLst/>
           </a:prstGeom>
         </p:spPr>
       </p:pic>
-      <p:sp>
-        <p:nvSpPr>
-          <p:cNvPr id="8" name="文字方塊 7">
-            <a:extLst>
-              <a:ext uri="{FF2B5EF4-FFF2-40B4-BE49-F238E27FC236}">
-                <a16:creationId xmlns:a16="http://schemas.microsoft.com/office/drawing/2014/main" id="{6449A5FC-CC54-44C8-866C-F9E0A065B82C}"/>
-              </a:ext>
-            </a:extLst>
-          </p:cNvPr>
-          <p:cNvSpPr txBox="1"/>
-          <p:nvPr/>
-        </p:nvSpPr>
-        <p:spPr>
-          <a:xfrm>
-            <a:off x="7515978" y="5846074"/>
-            <a:ext cx="2503206" cy="369332"/>
-          </a:xfrm>
-          <a:prstGeom prst="rect">
-            <a:avLst/>
-          </a:prstGeom>
-          <a:noFill/>
-        </p:spPr>
-        <p:txBody>
-          <a:bodyPr wrap="square" rtlCol="0">
-            <a:spAutoFit/>
-          </a:bodyPr>
-          <a:lstStyle/>
-          <a:p>
-            <a:pPr algn="ctr"/>
-            <a:r>
-              <a:rPr lang="zh-TW" altLang="en-US" dirty="0">
-                <a:latin typeface="微軟正黑體" panose="020B0604030504040204" pitchFamily="34" charset="-120"/>
-                <a:ea typeface="微軟正黑體" panose="020B0604030504040204" pitchFamily="34" charset="-120"/>
-              </a:rPr>
-              <a:t>訓練資料</a:t>
-            </a:r>
-            <a:r>
-              <a:rPr lang="en-US" altLang="zh-TW" dirty="0">
-                <a:latin typeface="微軟正黑體" panose="020B0604030504040204" pitchFamily="34" charset="-120"/>
-                <a:ea typeface="微軟正黑體" panose="020B0604030504040204" pitchFamily="34" charset="-120"/>
-              </a:rPr>
-              <a:t>(</a:t>
-            </a:r>
-            <a:r>
-              <a:rPr lang="zh-TW" altLang="en-US" dirty="0">
-                <a:latin typeface="微軟正黑體" panose="020B0604030504040204" pitchFamily="34" charset="-120"/>
-                <a:ea typeface="微軟正黑體" panose="020B0604030504040204" pitchFamily="34" charset="-120"/>
-              </a:rPr>
-              <a:t>節錄</a:t>
-            </a:r>
-            <a:r>
-              <a:rPr lang="en-US" altLang="zh-TW" dirty="0">
-                <a:latin typeface="微軟正黑體" panose="020B0604030504040204" pitchFamily="34" charset="-120"/>
-                <a:ea typeface="微軟正黑體" panose="020B0604030504040204" pitchFamily="34" charset="-120"/>
-              </a:rPr>
-              <a:t>)</a:t>
-            </a:r>
-            <a:endParaRPr lang="zh-TW" altLang="en-US" dirty="0">
-              <a:latin typeface="微軟正黑體" panose="020B0604030504040204" pitchFamily="34" charset="-120"/>
-              <a:ea typeface="微軟正黑體" panose="020B0604030504040204" pitchFamily="34" charset="-120"/>
-            </a:endParaRPr>
-          </a:p>
-        </p:txBody>
-      </p:sp>
     </p:spTree>
     <p:extLst>
       <p:ext uri="{BB962C8B-B14F-4D97-AF65-F5344CB8AC3E}">
@@ -8889,7 +8926,190 @@
 </p:sld>
 </file>
 
-<file path=ppt/slides/slide12.xml><?xml version="1.0" encoding="utf-8"?>
+<file path=ppt/slides/slide13.xml><?xml version="1.0" encoding="utf-8"?>
+<p:sld xmlns:a="http://schemas.openxmlformats.org/drawingml/2006/main" xmlns:r="http://schemas.openxmlformats.org/officeDocument/2006/relationships" xmlns:p="http://schemas.openxmlformats.org/presentationml/2006/main">
+  <p:cSld>
+    <p:spTree>
+      <p:nvGrpSpPr>
+        <p:cNvPr id="1" name=""/>
+        <p:cNvGrpSpPr/>
+        <p:nvPr/>
+      </p:nvGrpSpPr>
+      <p:grpSpPr>
+        <a:xfrm>
+          <a:off x="0" y="0"/>
+          <a:ext cx="0" cy="0"/>
+          <a:chOff x="0" y="0"/>
+          <a:chExt cx="0" cy="0"/>
+        </a:xfrm>
+      </p:grpSpPr>
+      <p:sp>
+        <p:nvSpPr>
+          <p:cNvPr id="2" name="標題 1">
+            <a:extLst>
+              <a:ext uri="{FF2B5EF4-FFF2-40B4-BE49-F238E27FC236}">
+                <a16:creationId xmlns:a16="http://schemas.microsoft.com/office/drawing/2014/main" id="{C195283A-76F7-44DE-B886-C165BDC0A698}"/>
+              </a:ext>
+            </a:extLst>
+          </p:cNvPr>
+          <p:cNvSpPr>
+            <a:spLocks noGrp="1"/>
+          </p:cNvSpPr>
+          <p:nvPr>
+            <p:ph type="title"/>
+          </p:nvPr>
+        </p:nvSpPr>
+        <p:spPr/>
+        <p:txBody>
+          <a:bodyPr/>
+          <a:lstStyle/>
+          <a:p>
+            <a:pPr algn="ctr"/>
+            <a:r>
+              <a:rPr lang="zh-TW" altLang="en-US" dirty="0"/>
+              <a:t>視覺化圖表</a:t>
+            </a:r>
+          </a:p>
+        </p:txBody>
+      </p:sp>
+      <p:sp>
+        <p:nvSpPr>
+          <p:cNvPr id="4" name="日期版面配置區 3">
+            <a:extLst>
+              <a:ext uri="{FF2B5EF4-FFF2-40B4-BE49-F238E27FC236}">
+                <a16:creationId xmlns:a16="http://schemas.microsoft.com/office/drawing/2014/main" id="{ED72571E-8F9C-4A21-AF61-204AF81BDBEE}"/>
+              </a:ext>
+            </a:extLst>
+          </p:cNvPr>
+          <p:cNvSpPr>
+            <a:spLocks noGrp="1"/>
+          </p:cNvSpPr>
+          <p:nvPr>
+            <p:ph type="dt" sz="half" idx="10"/>
+          </p:nvPr>
+        </p:nvSpPr>
+        <p:spPr/>
+        <p:txBody>
+          <a:bodyPr/>
+          <a:lstStyle/>
+          <a:p>
+            <a:pPr rtl="0"/>
+            <a:fld id="{CE847876-3A2B-49FA-B396-40048599C954}" type="datetime1">
+              <a:rPr lang="zh-TW" altLang="en-US" smtClean="0"/>
+              <a:t>2021/1/12</a:t>
+            </a:fld>
+            <a:endParaRPr lang="en-US"/>
+          </a:p>
+        </p:txBody>
+      </p:sp>
+      <p:sp>
+        <p:nvSpPr>
+          <p:cNvPr id="13" name="文字方塊 12">
+            <a:extLst>
+              <a:ext uri="{FF2B5EF4-FFF2-40B4-BE49-F238E27FC236}">
+                <a16:creationId xmlns:a16="http://schemas.microsoft.com/office/drawing/2014/main" id="{6086A3F0-06EE-49AC-BC9E-627A32CED839}"/>
+              </a:ext>
+            </a:extLst>
+          </p:cNvPr>
+          <p:cNvSpPr txBox="1"/>
+          <p:nvPr/>
+        </p:nvSpPr>
+        <p:spPr>
+          <a:xfrm>
+            <a:off x="4844397" y="5846074"/>
+            <a:ext cx="2503206" cy="369332"/>
+          </a:xfrm>
+          <a:prstGeom prst="rect">
+            <a:avLst/>
+          </a:prstGeom>
+          <a:noFill/>
+        </p:spPr>
+        <p:txBody>
+          <a:bodyPr wrap="square" rtlCol="0">
+            <a:spAutoFit/>
+          </a:bodyPr>
+          <a:lstStyle/>
+          <a:p>
+            <a:pPr algn="ctr"/>
+            <a:r>
+              <a:rPr lang="zh-TW" altLang="en-US" dirty="0">
+                <a:latin typeface="微軟正黑體" panose="020B0604030504040204" pitchFamily="34" charset="-120"/>
+                <a:ea typeface="微軟正黑體" panose="020B0604030504040204" pitchFamily="34" charset="-120"/>
+              </a:rPr>
+              <a:t>訓練資料</a:t>
+            </a:r>
+            <a:r>
+              <a:rPr lang="en-US" altLang="zh-TW" dirty="0">
+                <a:latin typeface="微軟正黑體" panose="020B0604030504040204" pitchFamily="34" charset="-120"/>
+                <a:ea typeface="微軟正黑體" panose="020B0604030504040204" pitchFamily="34" charset="-120"/>
+              </a:rPr>
+              <a:t>(</a:t>
+            </a:r>
+            <a:r>
+              <a:rPr lang="zh-TW" altLang="en-US" dirty="0">
+                <a:latin typeface="微軟正黑體" panose="020B0604030504040204" pitchFamily="34" charset="-120"/>
+                <a:ea typeface="微軟正黑體" panose="020B0604030504040204" pitchFamily="34" charset="-120"/>
+              </a:rPr>
+              <a:t>節錄</a:t>
+            </a:r>
+            <a:r>
+              <a:rPr lang="en-US" altLang="zh-TW" dirty="0">
+                <a:latin typeface="微軟正黑體" panose="020B0604030504040204" pitchFamily="34" charset="-120"/>
+                <a:ea typeface="微軟正黑體" panose="020B0604030504040204" pitchFamily="34" charset="-120"/>
+              </a:rPr>
+              <a:t>)</a:t>
+            </a:r>
+            <a:endParaRPr lang="zh-TW" altLang="en-US" dirty="0">
+              <a:latin typeface="微軟正黑體" panose="020B0604030504040204" pitchFamily="34" charset="-120"/>
+              <a:ea typeface="微軟正黑體" panose="020B0604030504040204" pitchFamily="34" charset="-120"/>
+            </a:endParaRPr>
+          </a:p>
+        </p:txBody>
+      </p:sp>
+      <p:pic>
+        <p:nvPicPr>
+          <p:cNvPr id="16" name="圖片 15">
+            <a:extLst>
+              <a:ext uri="{FF2B5EF4-FFF2-40B4-BE49-F238E27FC236}">
+                <a16:creationId xmlns:a16="http://schemas.microsoft.com/office/drawing/2014/main" id="{B9E89C97-66C1-43FB-9BA7-B8E93290F8F4}"/>
+              </a:ext>
+            </a:extLst>
+          </p:cNvPr>
+          <p:cNvPicPr>
+            <a:picLocks noChangeAspect="1"/>
+          </p:cNvPicPr>
+          <p:nvPr/>
+        </p:nvPicPr>
+        <p:blipFill>
+          <a:blip r:embed="rId2"/>
+          <a:stretch>
+            <a:fillRect/>
+          </a:stretch>
+        </p:blipFill>
+        <p:spPr>
+          <a:xfrm>
+            <a:off x="791592" y="1751443"/>
+            <a:ext cx="10608816" cy="4000148"/>
+          </a:xfrm>
+          <a:prstGeom prst="rect">
+            <a:avLst/>
+          </a:prstGeom>
+        </p:spPr>
+      </p:pic>
+    </p:spTree>
+    <p:extLst>
+      <p:ext uri="{BB962C8B-B14F-4D97-AF65-F5344CB8AC3E}">
+        <p14:creationId xmlns:p14="http://schemas.microsoft.com/office/powerpoint/2010/main" val="1477338863"/>
+      </p:ext>
+    </p:extLst>
+  </p:cSld>
+  <p:clrMapOvr>
+    <a:masterClrMapping/>
+  </p:clrMapOvr>
+</p:sld>
+</file>
+
+<file path=ppt/slides/slide14.xml><?xml version="1.0" encoding="utf-8"?>
 <p:sld xmlns:a="http://schemas.openxmlformats.org/drawingml/2006/main" xmlns:r="http://schemas.openxmlformats.org/officeDocument/2006/relationships" xmlns:p="http://schemas.openxmlformats.org/presentationml/2006/main">
   <p:cSld>
     <p:spTree>
@@ -9358,7 +9578,7 @@
 </p:sld>
 </file>
 
-<file path=ppt/slides/slide13.xml><?xml version="1.0" encoding="utf-8"?>
+<file path=ppt/slides/slide15.xml><?xml version="1.0" encoding="utf-8"?>
 <p:sld xmlns:a="http://schemas.openxmlformats.org/drawingml/2006/main" xmlns:r="http://schemas.openxmlformats.org/officeDocument/2006/relationships" xmlns:p="http://schemas.openxmlformats.org/presentationml/2006/main">
   <p:cSld>
     <p:spTree>
@@ -9685,7 +9905,7 @@
 </p:sld>
 </file>
 
-<file path=ppt/slides/slide14.xml><?xml version="1.0" encoding="utf-8"?>
+<file path=ppt/slides/slide16.xml><?xml version="1.0" encoding="utf-8"?>
 <p:sld xmlns:a="http://schemas.openxmlformats.org/drawingml/2006/main" xmlns:r="http://schemas.openxmlformats.org/officeDocument/2006/relationships" xmlns:p="http://schemas.openxmlformats.org/presentationml/2006/main">
   <p:cSld>
     <p:spTree>
@@ -10976,6 +11196,138 @@
           <p:cNvPr id="2" name="標題 1">
             <a:extLst>
               <a:ext uri="{FF2B5EF4-FFF2-40B4-BE49-F238E27FC236}">
+                <a16:creationId xmlns:a16="http://schemas.microsoft.com/office/drawing/2014/main" id="{EBFF48DE-E440-400C-92D2-E4439880E208}"/>
+              </a:ext>
+            </a:extLst>
+          </p:cNvPr>
+          <p:cNvSpPr>
+            <a:spLocks noGrp="1"/>
+          </p:cNvSpPr>
+          <p:nvPr>
+            <p:ph type="title"/>
+          </p:nvPr>
+        </p:nvSpPr>
+        <p:spPr/>
+        <p:txBody>
+          <a:bodyPr/>
+          <a:lstStyle/>
+          <a:p>
+            <a:pPr algn="ctr"/>
+            <a:r>
+              <a:rPr lang="zh-TW" altLang="en-US" sz="4000" dirty="0">
+                <a:latin typeface="微軟正黑體" panose="020B0604030504040204" pitchFamily="34" charset="-120"/>
+                <a:ea typeface="微軟正黑體" panose="020B0604030504040204" pitchFamily="34" charset="-120"/>
+              </a:rPr>
+              <a:t>資料說明</a:t>
+            </a:r>
+            <a:endParaRPr lang="zh-TW" altLang="en-US" dirty="0">
+              <a:latin typeface="微軟正黑體" panose="020B0604030504040204" pitchFamily="34" charset="-120"/>
+              <a:ea typeface="微軟正黑體" panose="020B0604030504040204" pitchFamily="34" charset="-120"/>
+            </a:endParaRPr>
+          </a:p>
+        </p:txBody>
+      </p:sp>
+      <p:sp>
+        <p:nvSpPr>
+          <p:cNvPr id="4" name="日期版面配置區 3">
+            <a:extLst>
+              <a:ext uri="{FF2B5EF4-FFF2-40B4-BE49-F238E27FC236}">
+                <a16:creationId xmlns:a16="http://schemas.microsoft.com/office/drawing/2014/main" id="{98AAE954-72E7-4B55-A24C-8C9865F82A24}"/>
+              </a:ext>
+            </a:extLst>
+          </p:cNvPr>
+          <p:cNvSpPr>
+            <a:spLocks noGrp="1"/>
+          </p:cNvSpPr>
+          <p:nvPr>
+            <p:ph type="dt" sz="half" idx="10"/>
+          </p:nvPr>
+        </p:nvSpPr>
+        <p:spPr/>
+        <p:txBody>
+          <a:bodyPr/>
+          <a:lstStyle/>
+          <a:p>
+            <a:pPr rtl="0"/>
+            <a:fld id="{CE847876-3A2B-49FA-B396-40048599C954}" type="datetime1">
+              <a:rPr lang="zh-TW" altLang="en-US" smtClean="0"/>
+              <a:t>2021/1/12</a:t>
+            </a:fld>
+            <a:endParaRPr lang="en-US"/>
+          </a:p>
+        </p:txBody>
+      </p:sp>
+      <p:pic>
+        <p:nvPicPr>
+          <p:cNvPr id="9" name="圖片 8">
+            <a:extLst>
+              <a:ext uri="{FF2B5EF4-FFF2-40B4-BE49-F238E27FC236}">
+                <a16:creationId xmlns:a16="http://schemas.microsoft.com/office/drawing/2014/main" id="{B6D2F0A0-F0A0-43DE-B065-0B2491B9DDB9}"/>
+              </a:ext>
+            </a:extLst>
+          </p:cNvPr>
+          <p:cNvPicPr>
+            <a:picLocks noChangeAspect="1"/>
+          </p:cNvPicPr>
+          <p:nvPr/>
+        </p:nvPicPr>
+        <p:blipFill>
+          <a:blip r:embed="rId2">
+            <a:extLst>
+              <a:ext uri="{28A0092B-C50C-407E-A947-70E740481C1C}">
+                <a14:useLocalDpi xmlns:a14="http://schemas.microsoft.com/office/drawing/2010/main" val="0"/>
+              </a:ext>
+            </a:extLst>
+          </a:blip>
+          <a:stretch>
+            <a:fillRect/>
+          </a:stretch>
+        </p:blipFill>
+        <p:spPr>
+          <a:xfrm>
+            <a:off x="1191087" y="1731012"/>
+            <a:ext cx="9809825" cy="4156825"/>
+          </a:xfrm>
+          <a:prstGeom prst="rect">
+            <a:avLst/>
+          </a:prstGeom>
+        </p:spPr>
+      </p:pic>
+    </p:spTree>
+    <p:extLst>
+      <p:ext uri="{BB962C8B-B14F-4D97-AF65-F5344CB8AC3E}">
+        <p14:creationId xmlns:p14="http://schemas.microsoft.com/office/powerpoint/2010/main" val="3711904184"/>
+      </p:ext>
+    </p:extLst>
+  </p:cSld>
+  <p:clrMapOvr>
+    <a:masterClrMapping/>
+  </p:clrMapOvr>
+</p:sld>
+</file>
+
+<file path=ppt/slides/slide6.xml><?xml version="1.0" encoding="utf-8"?>
+<p:sld xmlns:a="http://schemas.openxmlformats.org/drawingml/2006/main" xmlns:r="http://schemas.openxmlformats.org/officeDocument/2006/relationships" xmlns:p="http://schemas.openxmlformats.org/presentationml/2006/main">
+  <p:cSld>
+    <p:spTree>
+      <p:nvGrpSpPr>
+        <p:cNvPr id="1" name=""/>
+        <p:cNvGrpSpPr/>
+        <p:nvPr/>
+      </p:nvGrpSpPr>
+      <p:grpSpPr>
+        <a:xfrm>
+          <a:off x="0" y="0"/>
+          <a:ext cx="0" cy="0"/>
+          <a:chOff x="0" y="0"/>
+          <a:chExt cx="0" cy="0"/>
+        </a:xfrm>
+      </p:grpSpPr>
+      <p:sp>
+        <p:nvSpPr>
+          <p:cNvPr id="2" name="標題 1">
+            <a:extLst>
+              <a:ext uri="{FF2B5EF4-FFF2-40B4-BE49-F238E27FC236}">
                 <a16:creationId xmlns:a16="http://schemas.microsoft.com/office/drawing/2014/main" id="{4EA78B8B-9B3A-4BBD-A67D-2D46E84B98BA}"/>
               </a:ext>
             </a:extLst>
@@ -11328,7 +11680,7 @@
 </p:sld>
 </file>
 
-<file path=ppt/slides/slide6.xml><?xml version="1.0" encoding="utf-8"?>
+<file path=ppt/slides/slide7.xml><?xml version="1.0" encoding="utf-8"?>
 <p:sld xmlns:a="http://schemas.openxmlformats.org/drawingml/2006/main" xmlns:r="http://schemas.openxmlformats.org/officeDocument/2006/relationships" xmlns:p="http://schemas.openxmlformats.org/presentationml/2006/main">
   <p:cSld>
     <p:spTree>
@@ -11526,7 +11878,7 @@
 </p:sld>
 </file>
 
-<file path=ppt/slides/slide7.xml><?xml version="1.0" encoding="utf-8"?>
+<file path=ppt/slides/slide8.xml><?xml version="1.0" encoding="utf-8"?>
 <p:sld xmlns:a="http://schemas.openxmlformats.org/drawingml/2006/main" xmlns:r="http://schemas.openxmlformats.org/officeDocument/2006/relationships" xmlns:p="http://schemas.openxmlformats.org/presentationml/2006/main">
   <p:cSld>
     <p:spTree>
@@ -13208,145 +13560,6 @@
 </p:sld>
 </file>
 
-<file path=ppt/slides/slide8.xml><?xml version="1.0" encoding="utf-8"?>
-<p:sld xmlns:a="http://schemas.openxmlformats.org/drawingml/2006/main" xmlns:r="http://schemas.openxmlformats.org/officeDocument/2006/relationships" xmlns:p="http://schemas.openxmlformats.org/presentationml/2006/main">
-  <p:cSld>
-    <p:spTree>
-      <p:nvGrpSpPr>
-        <p:cNvPr id="1" name=""/>
-        <p:cNvGrpSpPr/>
-        <p:nvPr/>
-      </p:nvGrpSpPr>
-      <p:grpSpPr>
-        <a:xfrm>
-          <a:off x="0" y="0"/>
-          <a:ext cx="0" cy="0"/>
-          <a:chOff x="0" y="0"/>
-          <a:chExt cx="0" cy="0"/>
-        </a:xfrm>
-      </p:grpSpPr>
-      <p:sp>
-        <p:nvSpPr>
-          <p:cNvPr id="2" name="標題 1">
-            <a:extLst>
-              <a:ext uri="{FF2B5EF4-FFF2-40B4-BE49-F238E27FC236}">
-                <a16:creationId xmlns:a16="http://schemas.microsoft.com/office/drawing/2014/main" id="{5A432C5C-3B48-4DCA-AECF-BB4CAA5151ED}"/>
-              </a:ext>
-            </a:extLst>
-          </p:cNvPr>
-          <p:cNvSpPr>
-            <a:spLocks noGrp="1"/>
-          </p:cNvSpPr>
-          <p:nvPr>
-            <p:ph type="title"/>
-          </p:nvPr>
-        </p:nvSpPr>
-        <p:spPr/>
-        <p:txBody>
-          <a:bodyPr/>
-          <a:lstStyle/>
-          <a:p>
-            <a:pPr algn="ctr"/>
-            <a:r>
-              <a:rPr lang="zh-TW" altLang="en-US" dirty="0">
-                <a:latin typeface="微軟正黑體" panose="020B0604030504040204" pitchFamily="34" charset="-120"/>
-                <a:ea typeface="微軟正黑體" panose="020B0604030504040204" pitchFamily="34" charset="-120"/>
-              </a:rPr>
-              <a:t>訓練結果</a:t>
-            </a:r>
-            <a:r>
-              <a:rPr lang="en-US" altLang="zh-TW" dirty="0">
-                <a:latin typeface="微軟正黑體" panose="020B0604030504040204" pitchFamily="34" charset="-120"/>
-                <a:ea typeface="微軟正黑體" panose="020B0604030504040204" pitchFamily="34" charset="-120"/>
-              </a:rPr>
-              <a:t>:SVM</a:t>
-            </a:r>
-            <a:endParaRPr lang="zh-TW" altLang="en-US" dirty="0">
-              <a:latin typeface="微軟正黑體" panose="020B0604030504040204" pitchFamily="34" charset="-120"/>
-              <a:ea typeface="微軟正黑體" panose="020B0604030504040204" pitchFamily="34" charset="-120"/>
-            </a:endParaRPr>
-          </a:p>
-        </p:txBody>
-      </p:sp>
-      <p:sp>
-        <p:nvSpPr>
-          <p:cNvPr id="4" name="日期版面配置區 3">
-            <a:extLst>
-              <a:ext uri="{FF2B5EF4-FFF2-40B4-BE49-F238E27FC236}">
-                <a16:creationId xmlns:a16="http://schemas.microsoft.com/office/drawing/2014/main" id="{57C0AE3A-C5CF-4BEA-81CD-897624171FBE}"/>
-              </a:ext>
-            </a:extLst>
-          </p:cNvPr>
-          <p:cNvSpPr>
-            <a:spLocks noGrp="1"/>
-          </p:cNvSpPr>
-          <p:nvPr>
-            <p:ph type="dt" sz="half" idx="10"/>
-          </p:nvPr>
-        </p:nvSpPr>
-        <p:spPr/>
-        <p:txBody>
-          <a:bodyPr/>
-          <a:lstStyle/>
-          <a:p>
-            <a:pPr rtl="0"/>
-            <a:fld id="{CE847876-3A2B-49FA-B396-40048599C954}" type="datetime1">
-              <a:rPr lang="zh-TW" altLang="en-US" smtClean="0">
-                <a:latin typeface="微軟正黑體" panose="020B0604030504040204" pitchFamily="34" charset="-120"/>
-                <a:ea typeface="微軟正黑體" panose="020B0604030504040204" pitchFamily="34" charset="-120"/>
-              </a:rPr>
-              <a:t>2021/1/12</a:t>
-            </a:fld>
-            <a:endParaRPr lang="en-US">
-              <a:latin typeface="微軟正黑體" panose="020B0604030504040204" pitchFamily="34" charset="-120"/>
-              <a:ea typeface="微軟正黑體" panose="020B0604030504040204" pitchFamily="34" charset="-120"/>
-            </a:endParaRPr>
-          </a:p>
-        </p:txBody>
-      </p:sp>
-      <p:pic>
-        <p:nvPicPr>
-          <p:cNvPr id="22" name="圖片 21">
-            <a:extLst>
-              <a:ext uri="{FF2B5EF4-FFF2-40B4-BE49-F238E27FC236}">
-                <a16:creationId xmlns:a16="http://schemas.microsoft.com/office/drawing/2014/main" id="{1BA239A6-5D71-420E-A0B9-3D014FF1C4EE}"/>
-              </a:ext>
-            </a:extLst>
-          </p:cNvPr>
-          <p:cNvPicPr>
-            <a:picLocks noChangeAspect="1"/>
-          </p:cNvPicPr>
-          <p:nvPr/>
-        </p:nvPicPr>
-        <p:blipFill>
-          <a:blip r:embed="rId2"/>
-          <a:stretch>
-            <a:fillRect/>
-          </a:stretch>
-        </p:blipFill>
-        <p:spPr>
-          <a:xfrm>
-            <a:off x="2408807" y="1921987"/>
-            <a:ext cx="7374386" cy="4062030"/>
-          </a:xfrm>
-          <a:prstGeom prst="rect">
-            <a:avLst/>
-          </a:prstGeom>
-        </p:spPr>
-      </p:pic>
-    </p:spTree>
-    <p:extLst>
-      <p:ext uri="{BB962C8B-B14F-4D97-AF65-F5344CB8AC3E}">
-        <p14:creationId xmlns:p14="http://schemas.microsoft.com/office/powerpoint/2010/main" val="2286700186"/>
-      </p:ext>
-    </p:extLst>
-  </p:cSld>
-  <p:clrMapOvr>
-    <a:masterClrMapping/>
-  </p:clrMapOvr>
-</p:sld>
-</file>
-
 <file path=ppt/slides/slide9.xml><?xml version="1.0" encoding="utf-8"?>
 <p:sld xmlns:a="http://schemas.openxmlformats.org/drawingml/2006/main" xmlns:r="http://schemas.openxmlformats.org/officeDocument/2006/relationships" xmlns:p="http://schemas.openxmlformats.org/presentationml/2006/main">
   <p:cSld>
@@ -13398,7 +13611,7 @@
                 <a:latin typeface="微軟正黑體" panose="020B0604030504040204" pitchFamily="34" charset="-120"/>
                 <a:ea typeface="微軟正黑體" panose="020B0604030504040204" pitchFamily="34" charset="-120"/>
               </a:rPr>
-              <a:t>:KNN</a:t>
+              <a:t>:SVM</a:t>
             </a:r>
             <a:endParaRPr lang="zh-TW" altLang="en-US" dirty="0">
               <a:latin typeface="微軟正黑體" panose="020B0604030504040204" pitchFamily="34" charset="-120"/>
@@ -13445,10 +13658,10 @@
       </p:sp>
       <p:pic>
         <p:nvPicPr>
-          <p:cNvPr id="3" name="圖片 2">
+          <p:cNvPr id="22" name="圖片 21">
             <a:extLst>
               <a:ext uri="{FF2B5EF4-FFF2-40B4-BE49-F238E27FC236}">
-                <a16:creationId xmlns:a16="http://schemas.microsoft.com/office/drawing/2014/main" id="{DA9DC8A2-41F0-4B5C-89B1-EC244AD8664D}"/>
+                <a16:creationId xmlns:a16="http://schemas.microsoft.com/office/drawing/2014/main" id="{1BA239A6-5D71-420E-A0B9-3D014FF1C4EE}"/>
               </a:ext>
             </a:extLst>
           </p:cNvPr>
@@ -13465,8 +13678,8 @@
         </p:blipFill>
         <p:spPr>
           <a:xfrm>
-            <a:off x="2430171" y="1921985"/>
-            <a:ext cx="7331658" cy="4062031"/>
+            <a:off x="2408807" y="1921987"/>
+            <a:ext cx="7374386" cy="4062030"/>
           </a:xfrm>
           <a:prstGeom prst="rect">
             <a:avLst/>
@@ -13476,7 +13689,7 @@
     </p:spTree>
     <p:extLst>
       <p:ext uri="{BB962C8B-B14F-4D97-AF65-F5344CB8AC3E}">
-        <p14:creationId xmlns:p14="http://schemas.microsoft.com/office/powerpoint/2010/main" val="1839574552"/>
+        <p14:creationId xmlns:p14="http://schemas.microsoft.com/office/powerpoint/2010/main" val="2286700186"/>
       </p:ext>
     </p:extLst>
   </p:cSld>

--- a/docs/Data Science Final .pptx
+++ b/docs/Data Science Final .pptx
@@ -18,12 +18,12 @@
     <p:sldId id="276" r:id="rId6"/>
     <p:sldId id="263" r:id="rId7"/>
     <p:sldId id="264" r:id="rId8"/>
-    <p:sldId id="270" r:id="rId9"/>
-    <p:sldId id="271" r:id="rId10"/>
-    <p:sldId id="274" r:id="rId11"/>
-    <p:sldId id="273" r:id="rId12"/>
-    <p:sldId id="269" r:id="rId13"/>
-    <p:sldId id="275" r:id="rId14"/>
+    <p:sldId id="275" r:id="rId9"/>
+    <p:sldId id="269" r:id="rId10"/>
+    <p:sldId id="270" r:id="rId11"/>
+    <p:sldId id="271" r:id="rId12"/>
+    <p:sldId id="274" r:id="rId13"/>
+    <p:sldId id="273" r:id="rId14"/>
     <p:sldId id="265" r:id="rId15"/>
     <p:sldId id="268" r:id="rId16"/>
     <p:sldId id="266" r:id="rId17"/>
@@ -8535,3393 +8535,6 @@
                 <a:latin typeface="微軟正黑體" panose="020B0604030504040204" pitchFamily="34" charset="-120"/>
                 <a:ea typeface="微軟正黑體" panose="020B0604030504040204" pitchFamily="34" charset="-120"/>
               </a:rPr>
-              <a:t>訓練結果</a:t>
-            </a:r>
-            <a:r>
-              <a:rPr lang="en-US" altLang="zh-TW" dirty="0">
-                <a:latin typeface="微軟正黑體" panose="020B0604030504040204" pitchFamily="34" charset="-120"/>
-                <a:ea typeface="微軟正黑體" panose="020B0604030504040204" pitchFamily="34" charset="-120"/>
-              </a:rPr>
-              <a:t>:KNN</a:t>
-            </a:r>
-            <a:endParaRPr lang="zh-TW" altLang="en-US" dirty="0">
-              <a:latin typeface="微軟正黑體" panose="020B0604030504040204" pitchFamily="34" charset="-120"/>
-              <a:ea typeface="微軟正黑體" panose="020B0604030504040204" pitchFamily="34" charset="-120"/>
-            </a:endParaRPr>
-          </a:p>
-        </p:txBody>
-      </p:sp>
-      <p:sp>
-        <p:nvSpPr>
-          <p:cNvPr id="4" name="日期版面配置區 3">
-            <a:extLst>
-              <a:ext uri="{FF2B5EF4-FFF2-40B4-BE49-F238E27FC236}">
-                <a16:creationId xmlns:a16="http://schemas.microsoft.com/office/drawing/2014/main" id="{57C0AE3A-C5CF-4BEA-81CD-897624171FBE}"/>
-              </a:ext>
-            </a:extLst>
-          </p:cNvPr>
-          <p:cNvSpPr>
-            <a:spLocks noGrp="1"/>
-          </p:cNvSpPr>
-          <p:nvPr>
-            <p:ph type="dt" sz="half" idx="10"/>
-          </p:nvPr>
-        </p:nvSpPr>
-        <p:spPr/>
-        <p:txBody>
-          <a:bodyPr/>
-          <a:lstStyle/>
-          <a:p>
-            <a:pPr rtl="0"/>
-            <a:fld id="{CE847876-3A2B-49FA-B396-40048599C954}" type="datetime1">
-              <a:rPr lang="zh-TW" altLang="en-US" smtClean="0">
-                <a:latin typeface="微軟正黑體" panose="020B0604030504040204" pitchFamily="34" charset="-120"/>
-                <a:ea typeface="微軟正黑體" panose="020B0604030504040204" pitchFamily="34" charset="-120"/>
-              </a:rPr>
-              <a:t>2021/1/12</a:t>
-            </a:fld>
-            <a:endParaRPr lang="en-US">
-              <a:latin typeface="微軟正黑體" panose="020B0604030504040204" pitchFamily="34" charset="-120"/>
-              <a:ea typeface="微軟正黑體" panose="020B0604030504040204" pitchFamily="34" charset="-120"/>
-            </a:endParaRPr>
-          </a:p>
-        </p:txBody>
-      </p:sp>
-      <p:pic>
-        <p:nvPicPr>
-          <p:cNvPr id="3" name="圖片 2">
-            <a:extLst>
-              <a:ext uri="{FF2B5EF4-FFF2-40B4-BE49-F238E27FC236}">
-                <a16:creationId xmlns:a16="http://schemas.microsoft.com/office/drawing/2014/main" id="{DA9DC8A2-41F0-4B5C-89B1-EC244AD8664D}"/>
-              </a:ext>
-            </a:extLst>
-          </p:cNvPr>
-          <p:cNvPicPr>
-            <a:picLocks noChangeAspect="1"/>
-          </p:cNvPicPr>
-          <p:nvPr/>
-        </p:nvPicPr>
-        <p:blipFill>
-          <a:blip r:embed="rId2"/>
-          <a:stretch>
-            <a:fillRect/>
-          </a:stretch>
-        </p:blipFill>
-        <p:spPr>
-          <a:xfrm>
-            <a:off x="2430171" y="1921985"/>
-            <a:ext cx="7331658" cy="4062031"/>
-          </a:xfrm>
-          <a:prstGeom prst="rect">
-            <a:avLst/>
-          </a:prstGeom>
-        </p:spPr>
-      </p:pic>
-    </p:spTree>
-    <p:extLst>
-      <p:ext uri="{BB962C8B-B14F-4D97-AF65-F5344CB8AC3E}">
-        <p14:creationId xmlns:p14="http://schemas.microsoft.com/office/powerpoint/2010/main" val="1839574552"/>
-      </p:ext>
-    </p:extLst>
-  </p:cSld>
-  <p:clrMapOvr>
-    <a:masterClrMapping/>
-  </p:clrMapOvr>
-</p:sld>
-</file>
-
-<file path=ppt/slides/slide11.xml><?xml version="1.0" encoding="utf-8"?>
-<p:sld xmlns:a="http://schemas.openxmlformats.org/drawingml/2006/main" xmlns:r="http://schemas.openxmlformats.org/officeDocument/2006/relationships" xmlns:p="http://schemas.openxmlformats.org/presentationml/2006/main">
-  <p:cSld>
-    <p:spTree>
-      <p:nvGrpSpPr>
-        <p:cNvPr id="1" name=""/>
-        <p:cNvGrpSpPr/>
-        <p:nvPr/>
-      </p:nvGrpSpPr>
-      <p:grpSpPr>
-        <a:xfrm>
-          <a:off x="0" y="0"/>
-          <a:ext cx="0" cy="0"/>
-          <a:chOff x="0" y="0"/>
-          <a:chExt cx="0" cy="0"/>
-        </a:xfrm>
-      </p:grpSpPr>
-      <p:sp>
-        <p:nvSpPr>
-          <p:cNvPr id="2" name="標題 1">
-            <a:extLst>
-              <a:ext uri="{FF2B5EF4-FFF2-40B4-BE49-F238E27FC236}">
-                <a16:creationId xmlns:a16="http://schemas.microsoft.com/office/drawing/2014/main" id="{5A432C5C-3B48-4DCA-AECF-BB4CAA5151ED}"/>
-              </a:ext>
-            </a:extLst>
-          </p:cNvPr>
-          <p:cNvSpPr>
-            <a:spLocks noGrp="1"/>
-          </p:cNvSpPr>
-          <p:nvPr>
-            <p:ph type="title"/>
-          </p:nvPr>
-        </p:nvSpPr>
-        <p:spPr/>
-        <p:txBody>
-          <a:bodyPr/>
-          <a:lstStyle/>
-          <a:p>
-            <a:pPr algn="ctr"/>
-            <a:r>
-              <a:rPr lang="zh-TW" altLang="en-US" dirty="0">
-                <a:latin typeface="微軟正黑體" panose="020B0604030504040204" pitchFamily="34" charset="-120"/>
-                <a:ea typeface="微軟正黑體" panose="020B0604030504040204" pitchFamily="34" charset="-120"/>
-              </a:rPr>
-              <a:t>訓練結果</a:t>
-            </a:r>
-            <a:r>
-              <a:rPr lang="en-US" altLang="zh-TW" dirty="0">
-                <a:latin typeface="微軟正黑體" panose="020B0604030504040204" pitchFamily="34" charset="-120"/>
-                <a:ea typeface="微軟正黑體" panose="020B0604030504040204" pitchFamily="34" charset="-120"/>
-              </a:rPr>
-              <a:t>: Random Forest</a:t>
-            </a:r>
-            <a:endParaRPr lang="zh-TW" altLang="en-US" dirty="0">
-              <a:latin typeface="微軟正黑體" panose="020B0604030504040204" pitchFamily="34" charset="-120"/>
-              <a:ea typeface="微軟正黑體" panose="020B0604030504040204" pitchFamily="34" charset="-120"/>
-            </a:endParaRPr>
-          </a:p>
-        </p:txBody>
-      </p:sp>
-      <p:sp>
-        <p:nvSpPr>
-          <p:cNvPr id="4" name="日期版面配置區 3">
-            <a:extLst>
-              <a:ext uri="{FF2B5EF4-FFF2-40B4-BE49-F238E27FC236}">
-                <a16:creationId xmlns:a16="http://schemas.microsoft.com/office/drawing/2014/main" id="{57C0AE3A-C5CF-4BEA-81CD-897624171FBE}"/>
-              </a:ext>
-            </a:extLst>
-          </p:cNvPr>
-          <p:cNvSpPr>
-            <a:spLocks noGrp="1"/>
-          </p:cNvSpPr>
-          <p:nvPr>
-            <p:ph type="dt" sz="half" idx="10"/>
-          </p:nvPr>
-        </p:nvSpPr>
-        <p:spPr/>
-        <p:txBody>
-          <a:bodyPr/>
-          <a:lstStyle/>
-          <a:p>
-            <a:pPr rtl="0"/>
-            <a:fld id="{CE847876-3A2B-49FA-B396-40048599C954}" type="datetime1">
-              <a:rPr lang="zh-TW" altLang="en-US" smtClean="0">
-                <a:latin typeface="微軟正黑體" panose="020B0604030504040204" pitchFamily="34" charset="-120"/>
-                <a:ea typeface="微軟正黑體" panose="020B0604030504040204" pitchFamily="34" charset="-120"/>
-              </a:rPr>
-              <a:t>2021/1/12</a:t>
-            </a:fld>
-            <a:endParaRPr lang="en-US">
-              <a:latin typeface="微軟正黑體" panose="020B0604030504040204" pitchFamily="34" charset="-120"/>
-              <a:ea typeface="微軟正黑體" panose="020B0604030504040204" pitchFamily="34" charset="-120"/>
-            </a:endParaRPr>
-          </a:p>
-        </p:txBody>
-      </p:sp>
-      <p:pic>
-        <p:nvPicPr>
-          <p:cNvPr id="3" name="圖片 2">
-            <a:extLst>
-              <a:ext uri="{FF2B5EF4-FFF2-40B4-BE49-F238E27FC236}">
-                <a16:creationId xmlns:a16="http://schemas.microsoft.com/office/drawing/2014/main" id="{DB132354-7843-4A6A-88DA-EB3E115AF5A6}"/>
-              </a:ext>
-            </a:extLst>
-          </p:cNvPr>
-          <p:cNvPicPr>
-            <a:picLocks noChangeAspect="1"/>
-          </p:cNvPicPr>
-          <p:nvPr/>
-        </p:nvPicPr>
-        <p:blipFill>
-          <a:blip r:embed="rId2"/>
-          <a:stretch>
-            <a:fillRect/>
-          </a:stretch>
-        </p:blipFill>
-        <p:spPr>
-          <a:xfrm>
-            <a:off x="2388530" y="1921987"/>
-            <a:ext cx="7414939" cy="4062030"/>
-          </a:xfrm>
-          <a:prstGeom prst="rect">
-            <a:avLst/>
-          </a:prstGeom>
-        </p:spPr>
-      </p:pic>
-    </p:spTree>
-    <p:extLst>
-      <p:ext uri="{BB962C8B-B14F-4D97-AF65-F5344CB8AC3E}">
-        <p14:creationId xmlns:p14="http://schemas.microsoft.com/office/powerpoint/2010/main" val="1715119813"/>
-      </p:ext>
-    </p:extLst>
-  </p:cSld>
-  <p:clrMapOvr>
-    <a:masterClrMapping/>
-  </p:clrMapOvr>
-</p:sld>
-</file>
-
-<file path=ppt/slides/slide12.xml><?xml version="1.0" encoding="utf-8"?>
-<p:sld xmlns:a="http://schemas.openxmlformats.org/drawingml/2006/main" xmlns:r="http://schemas.openxmlformats.org/officeDocument/2006/relationships" xmlns:p="http://schemas.openxmlformats.org/presentationml/2006/main">
-  <p:cSld>
-    <p:spTree>
-      <p:nvGrpSpPr>
-        <p:cNvPr id="1" name=""/>
-        <p:cNvGrpSpPr/>
-        <p:nvPr/>
-      </p:nvGrpSpPr>
-      <p:grpSpPr>
-        <a:xfrm>
-          <a:off x="0" y="0"/>
-          <a:ext cx="0" cy="0"/>
-          <a:chOff x="0" y="0"/>
-          <a:chExt cx="0" cy="0"/>
-        </a:xfrm>
-      </p:grpSpPr>
-      <p:sp>
-        <p:nvSpPr>
-          <p:cNvPr id="2" name="標題 1">
-            <a:extLst>
-              <a:ext uri="{FF2B5EF4-FFF2-40B4-BE49-F238E27FC236}">
-                <a16:creationId xmlns:a16="http://schemas.microsoft.com/office/drawing/2014/main" id="{C195283A-76F7-44DE-B886-C165BDC0A698}"/>
-              </a:ext>
-            </a:extLst>
-          </p:cNvPr>
-          <p:cNvSpPr>
-            <a:spLocks noGrp="1"/>
-          </p:cNvSpPr>
-          <p:nvPr>
-            <p:ph type="title"/>
-          </p:nvPr>
-        </p:nvSpPr>
-        <p:spPr/>
-        <p:txBody>
-          <a:bodyPr/>
-          <a:lstStyle/>
-          <a:p>
-            <a:pPr algn="ctr"/>
-            <a:r>
-              <a:rPr lang="zh-TW" altLang="en-US" dirty="0"/>
-              <a:t>視覺化圖表</a:t>
-            </a:r>
-          </a:p>
-        </p:txBody>
-      </p:sp>
-      <p:pic>
-        <p:nvPicPr>
-          <p:cNvPr id="5" name="內容版面配置區 4">
-            <a:extLst>
-              <a:ext uri="{FF2B5EF4-FFF2-40B4-BE49-F238E27FC236}">
-                <a16:creationId xmlns:a16="http://schemas.microsoft.com/office/drawing/2014/main" id="{7E8107ED-1B32-4FAF-A898-BCB85DF6C30D}"/>
-              </a:ext>
-            </a:extLst>
-          </p:cNvPr>
-          <p:cNvPicPr>
-            <a:picLocks noGrp="1" noChangeAspect="1"/>
-          </p:cNvPicPr>
-          <p:nvPr>
-            <p:ph idx="1"/>
-          </p:nvPr>
-        </p:nvPicPr>
-        <p:blipFill>
-          <a:blip r:embed="rId2"/>
-          <a:stretch>
-            <a:fillRect/>
-          </a:stretch>
-        </p:blipFill>
-        <p:spPr>
-          <a:xfrm>
-            <a:off x="1235475" y="1863272"/>
-            <a:ext cx="4865156" cy="3849687"/>
-          </a:xfrm>
-          <a:prstGeom prst="rect">
-            <a:avLst/>
-          </a:prstGeom>
-        </p:spPr>
-      </p:pic>
-      <p:sp>
-        <p:nvSpPr>
-          <p:cNvPr id="4" name="日期版面配置區 3">
-            <a:extLst>
-              <a:ext uri="{FF2B5EF4-FFF2-40B4-BE49-F238E27FC236}">
-                <a16:creationId xmlns:a16="http://schemas.microsoft.com/office/drawing/2014/main" id="{ED72571E-8F9C-4A21-AF61-204AF81BDBEE}"/>
-              </a:ext>
-            </a:extLst>
-          </p:cNvPr>
-          <p:cNvSpPr>
-            <a:spLocks noGrp="1"/>
-          </p:cNvSpPr>
-          <p:nvPr>
-            <p:ph type="dt" sz="half" idx="10"/>
-          </p:nvPr>
-        </p:nvSpPr>
-        <p:spPr/>
-        <p:txBody>
-          <a:bodyPr/>
-          <a:lstStyle/>
-          <a:p>
-            <a:pPr rtl="0"/>
-            <a:fld id="{CE847876-3A2B-49FA-B396-40048599C954}" type="datetime1">
-              <a:rPr lang="zh-TW" altLang="en-US" smtClean="0"/>
-              <a:t>2021/1/12</a:t>
-            </a:fld>
-            <a:endParaRPr lang="en-US"/>
-          </a:p>
-        </p:txBody>
-      </p:sp>
-      <p:pic>
-        <p:nvPicPr>
-          <p:cNvPr id="9" name="圖片 8">
-            <a:extLst>
-              <a:ext uri="{FF2B5EF4-FFF2-40B4-BE49-F238E27FC236}">
-                <a16:creationId xmlns:a16="http://schemas.microsoft.com/office/drawing/2014/main" id="{DE831BF9-A951-44D0-A79F-14E1FCFA783D}"/>
-              </a:ext>
-            </a:extLst>
-          </p:cNvPr>
-          <p:cNvPicPr>
-            <a:picLocks noChangeAspect="1"/>
-          </p:cNvPicPr>
-          <p:nvPr/>
-        </p:nvPicPr>
-        <p:blipFill>
-          <a:blip r:embed="rId3">
-            <a:extLst>
-              <a:ext uri="{28A0092B-C50C-407E-A947-70E740481C1C}">
-                <a14:useLocalDpi xmlns:a14="http://schemas.microsoft.com/office/drawing/2010/main" val="0"/>
-              </a:ext>
-            </a:extLst>
-          </a:blip>
-          <a:stretch>
-            <a:fillRect/>
-          </a:stretch>
-        </p:blipFill>
-        <p:spPr>
-          <a:xfrm>
-            <a:off x="6773902" y="1863272"/>
-            <a:ext cx="3833496" cy="3849688"/>
-          </a:xfrm>
-          <a:prstGeom prst="rect">
-            <a:avLst/>
-          </a:prstGeom>
-        </p:spPr>
-      </p:pic>
-    </p:spTree>
-    <p:extLst>
-      <p:ext uri="{BB962C8B-B14F-4D97-AF65-F5344CB8AC3E}">
-        <p14:creationId xmlns:p14="http://schemas.microsoft.com/office/powerpoint/2010/main" val="275268624"/>
-      </p:ext>
-    </p:extLst>
-  </p:cSld>
-  <p:clrMapOvr>
-    <a:masterClrMapping/>
-  </p:clrMapOvr>
-</p:sld>
-</file>
-
-<file path=ppt/slides/slide13.xml><?xml version="1.0" encoding="utf-8"?>
-<p:sld xmlns:a="http://schemas.openxmlformats.org/drawingml/2006/main" xmlns:r="http://schemas.openxmlformats.org/officeDocument/2006/relationships" xmlns:p="http://schemas.openxmlformats.org/presentationml/2006/main">
-  <p:cSld>
-    <p:spTree>
-      <p:nvGrpSpPr>
-        <p:cNvPr id="1" name=""/>
-        <p:cNvGrpSpPr/>
-        <p:nvPr/>
-      </p:nvGrpSpPr>
-      <p:grpSpPr>
-        <a:xfrm>
-          <a:off x="0" y="0"/>
-          <a:ext cx="0" cy="0"/>
-          <a:chOff x="0" y="0"/>
-          <a:chExt cx="0" cy="0"/>
-        </a:xfrm>
-      </p:grpSpPr>
-      <p:sp>
-        <p:nvSpPr>
-          <p:cNvPr id="2" name="標題 1">
-            <a:extLst>
-              <a:ext uri="{FF2B5EF4-FFF2-40B4-BE49-F238E27FC236}">
-                <a16:creationId xmlns:a16="http://schemas.microsoft.com/office/drawing/2014/main" id="{C195283A-76F7-44DE-B886-C165BDC0A698}"/>
-              </a:ext>
-            </a:extLst>
-          </p:cNvPr>
-          <p:cNvSpPr>
-            <a:spLocks noGrp="1"/>
-          </p:cNvSpPr>
-          <p:nvPr>
-            <p:ph type="title"/>
-          </p:nvPr>
-        </p:nvSpPr>
-        <p:spPr/>
-        <p:txBody>
-          <a:bodyPr/>
-          <a:lstStyle/>
-          <a:p>
-            <a:pPr algn="ctr"/>
-            <a:r>
-              <a:rPr lang="zh-TW" altLang="en-US" dirty="0"/>
-              <a:t>視覺化圖表</a:t>
-            </a:r>
-          </a:p>
-        </p:txBody>
-      </p:sp>
-      <p:sp>
-        <p:nvSpPr>
-          <p:cNvPr id="4" name="日期版面配置區 3">
-            <a:extLst>
-              <a:ext uri="{FF2B5EF4-FFF2-40B4-BE49-F238E27FC236}">
-                <a16:creationId xmlns:a16="http://schemas.microsoft.com/office/drawing/2014/main" id="{ED72571E-8F9C-4A21-AF61-204AF81BDBEE}"/>
-              </a:ext>
-            </a:extLst>
-          </p:cNvPr>
-          <p:cNvSpPr>
-            <a:spLocks noGrp="1"/>
-          </p:cNvSpPr>
-          <p:nvPr>
-            <p:ph type="dt" sz="half" idx="10"/>
-          </p:nvPr>
-        </p:nvSpPr>
-        <p:spPr/>
-        <p:txBody>
-          <a:bodyPr/>
-          <a:lstStyle/>
-          <a:p>
-            <a:pPr rtl="0"/>
-            <a:fld id="{CE847876-3A2B-49FA-B396-40048599C954}" type="datetime1">
-              <a:rPr lang="zh-TW" altLang="en-US" smtClean="0"/>
-              <a:t>2021/1/12</a:t>
-            </a:fld>
-            <a:endParaRPr lang="en-US"/>
-          </a:p>
-        </p:txBody>
-      </p:sp>
-      <p:sp>
-        <p:nvSpPr>
-          <p:cNvPr id="13" name="文字方塊 12">
-            <a:extLst>
-              <a:ext uri="{FF2B5EF4-FFF2-40B4-BE49-F238E27FC236}">
-                <a16:creationId xmlns:a16="http://schemas.microsoft.com/office/drawing/2014/main" id="{6086A3F0-06EE-49AC-BC9E-627A32CED839}"/>
-              </a:ext>
-            </a:extLst>
-          </p:cNvPr>
-          <p:cNvSpPr txBox="1"/>
-          <p:nvPr/>
-        </p:nvSpPr>
-        <p:spPr>
-          <a:xfrm>
-            <a:off x="4844397" y="5846074"/>
-            <a:ext cx="2503206" cy="369332"/>
-          </a:xfrm>
-          <a:prstGeom prst="rect">
-            <a:avLst/>
-          </a:prstGeom>
-          <a:noFill/>
-        </p:spPr>
-        <p:txBody>
-          <a:bodyPr wrap="square" rtlCol="0">
-            <a:spAutoFit/>
-          </a:bodyPr>
-          <a:lstStyle/>
-          <a:p>
-            <a:pPr algn="ctr"/>
-            <a:r>
-              <a:rPr lang="zh-TW" altLang="en-US" dirty="0">
-                <a:latin typeface="微軟正黑體" panose="020B0604030504040204" pitchFamily="34" charset="-120"/>
-                <a:ea typeface="微軟正黑體" panose="020B0604030504040204" pitchFamily="34" charset="-120"/>
-              </a:rPr>
-              <a:t>訓練資料</a:t>
-            </a:r>
-            <a:r>
-              <a:rPr lang="en-US" altLang="zh-TW" dirty="0">
-                <a:latin typeface="微軟正黑體" panose="020B0604030504040204" pitchFamily="34" charset="-120"/>
-                <a:ea typeface="微軟正黑體" panose="020B0604030504040204" pitchFamily="34" charset="-120"/>
-              </a:rPr>
-              <a:t>(</a:t>
-            </a:r>
-            <a:r>
-              <a:rPr lang="zh-TW" altLang="en-US" dirty="0">
-                <a:latin typeface="微軟正黑體" panose="020B0604030504040204" pitchFamily="34" charset="-120"/>
-                <a:ea typeface="微軟正黑體" panose="020B0604030504040204" pitchFamily="34" charset="-120"/>
-              </a:rPr>
-              <a:t>節錄</a:t>
-            </a:r>
-            <a:r>
-              <a:rPr lang="en-US" altLang="zh-TW" dirty="0">
-                <a:latin typeface="微軟正黑體" panose="020B0604030504040204" pitchFamily="34" charset="-120"/>
-                <a:ea typeface="微軟正黑體" panose="020B0604030504040204" pitchFamily="34" charset="-120"/>
-              </a:rPr>
-              <a:t>)</a:t>
-            </a:r>
-            <a:endParaRPr lang="zh-TW" altLang="en-US" dirty="0">
-              <a:latin typeface="微軟正黑體" panose="020B0604030504040204" pitchFamily="34" charset="-120"/>
-              <a:ea typeface="微軟正黑體" panose="020B0604030504040204" pitchFamily="34" charset="-120"/>
-            </a:endParaRPr>
-          </a:p>
-        </p:txBody>
-      </p:sp>
-      <p:pic>
-        <p:nvPicPr>
-          <p:cNvPr id="16" name="圖片 15">
-            <a:extLst>
-              <a:ext uri="{FF2B5EF4-FFF2-40B4-BE49-F238E27FC236}">
-                <a16:creationId xmlns:a16="http://schemas.microsoft.com/office/drawing/2014/main" id="{B9E89C97-66C1-43FB-9BA7-B8E93290F8F4}"/>
-              </a:ext>
-            </a:extLst>
-          </p:cNvPr>
-          <p:cNvPicPr>
-            <a:picLocks noChangeAspect="1"/>
-          </p:cNvPicPr>
-          <p:nvPr/>
-        </p:nvPicPr>
-        <p:blipFill>
-          <a:blip r:embed="rId2"/>
-          <a:stretch>
-            <a:fillRect/>
-          </a:stretch>
-        </p:blipFill>
-        <p:spPr>
-          <a:xfrm>
-            <a:off x="791592" y="1751443"/>
-            <a:ext cx="10608816" cy="4000148"/>
-          </a:xfrm>
-          <a:prstGeom prst="rect">
-            <a:avLst/>
-          </a:prstGeom>
-        </p:spPr>
-      </p:pic>
-    </p:spTree>
-    <p:extLst>
-      <p:ext uri="{BB962C8B-B14F-4D97-AF65-F5344CB8AC3E}">
-        <p14:creationId xmlns:p14="http://schemas.microsoft.com/office/powerpoint/2010/main" val="1477338863"/>
-      </p:ext>
-    </p:extLst>
-  </p:cSld>
-  <p:clrMapOvr>
-    <a:masterClrMapping/>
-  </p:clrMapOvr>
-</p:sld>
-</file>
-
-<file path=ppt/slides/slide14.xml><?xml version="1.0" encoding="utf-8"?>
-<p:sld xmlns:a="http://schemas.openxmlformats.org/drawingml/2006/main" xmlns:r="http://schemas.openxmlformats.org/officeDocument/2006/relationships" xmlns:p="http://schemas.openxmlformats.org/presentationml/2006/main">
-  <p:cSld>
-    <p:spTree>
-      <p:nvGrpSpPr>
-        <p:cNvPr id="1" name=""/>
-        <p:cNvGrpSpPr/>
-        <p:nvPr/>
-      </p:nvGrpSpPr>
-      <p:grpSpPr>
-        <a:xfrm>
-          <a:off x="0" y="0"/>
-          <a:ext cx="0" cy="0"/>
-          <a:chOff x="0" y="0"/>
-          <a:chExt cx="0" cy="0"/>
-        </a:xfrm>
-      </p:grpSpPr>
-      <p:sp>
-        <p:nvSpPr>
-          <p:cNvPr id="2" name="標題 1">
-            <a:extLst>
-              <a:ext uri="{FF2B5EF4-FFF2-40B4-BE49-F238E27FC236}">
-                <a16:creationId xmlns:a16="http://schemas.microsoft.com/office/drawing/2014/main" id="{FDA6402E-B8BB-449F-8C74-9B4DA84FB7C6}"/>
-              </a:ext>
-            </a:extLst>
-          </p:cNvPr>
-          <p:cNvSpPr>
-            <a:spLocks noGrp="1"/>
-          </p:cNvSpPr>
-          <p:nvPr>
-            <p:ph type="title"/>
-          </p:nvPr>
-        </p:nvSpPr>
-        <p:spPr/>
-        <p:txBody>
-          <a:bodyPr/>
-          <a:lstStyle/>
-          <a:p>
-            <a:pPr algn="ctr"/>
-            <a:r>
-              <a:rPr lang="zh-TW" altLang="en-US" dirty="0">
-                <a:latin typeface="微軟正黑體" panose="020B0604030504040204" pitchFamily="34" charset="-120"/>
-                <a:ea typeface="微軟正黑體" panose="020B0604030504040204" pitchFamily="34" charset="-120"/>
-              </a:rPr>
-              <a:t>總結</a:t>
-            </a:r>
-          </a:p>
-        </p:txBody>
-      </p:sp>
-      <p:sp>
-        <p:nvSpPr>
-          <p:cNvPr id="3" name="內容版面配置區 2">
-            <a:extLst>
-              <a:ext uri="{FF2B5EF4-FFF2-40B4-BE49-F238E27FC236}">
-                <a16:creationId xmlns:a16="http://schemas.microsoft.com/office/drawing/2014/main" id="{FEB5C4FB-DF37-4701-87F3-8319416B72AD}"/>
-              </a:ext>
-            </a:extLst>
-          </p:cNvPr>
-          <p:cNvSpPr>
-            <a:spLocks noGrp="1"/>
-          </p:cNvSpPr>
-          <p:nvPr>
-            <p:ph idx="1"/>
-          </p:nvPr>
-        </p:nvSpPr>
-        <p:spPr/>
-        <p:txBody>
-          <a:bodyPr>
-            <a:normAutofit/>
-          </a:bodyPr>
-          <a:lstStyle/>
-          <a:p>
-            <a:pPr algn="l">
-              <a:buFont typeface="Arial" panose="020B0604020202020204" pitchFamily="34" charset="0"/>
-              <a:buChar char="•"/>
-            </a:pPr>
-            <a:r>
-              <a:rPr lang="zh-TW" altLang="en-US" sz="2400" b="0" i="0" dirty="0">
-                <a:solidFill>
-                  <a:srgbClr val="24292E"/>
-                </a:solidFill>
-                <a:effectLst/>
-                <a:latin typeface="微軟正黑體" panose="020B0604030504040204" pitchFamily="34" charset="-120"/>
-                <a:ea typeface="微軟正黑體" panose="020B0604030504040204" pitchFamily="34" charset="-120"/>
-              </a:rPr>
-              <a:t>資料前處理挑戰：</a:t>
-            </a:r>
-          </a:p>
-          <a:p>
-            <a:pPr marL="742950" lvl="1" indent="-285750" algn="l">
-              <a:buFont typeface="Arial" panose="020B0604020202020204" pitchFamily="34" charset="0"/>
-              <a:buChar char="•"/>
-            </a:pPr>
-            <a:r>
-              <a:rPr lang="zh-TW" altLang="en-US" sz="2400" b="0" i="0" dirty="0">
-                <a:solidFill>
-                  <a:srgbClr val="24292E"/>
-                </a:solidFill>
-                <a:effectLst/>
-                <a:latin typeface="微軟正黑體" panose="020B0604030504040204" pitchFamily="34" charset="-120"/>
-                <a:ea typeface="微軟正黑體" panose="020B0604030504040204" pitchFamily="34" charset="-120"/>
-              </a:rPr>
-              <a:t>結巴斷詞 </a:t>
-            </a:r>
-            <a:r>
-              <a:rPr lang="en-US" altLang="zh-TW" sz="2400" b="0" i="0" dirty="0">
-                <a:solidFill>
-                  <a:srgbClr val="24292E"/>
-                </a:solidFill>
-                <a:effectLst/>
-                <a:latin typeface="微軟正黑體" panose="020B0604030504040204" pitchFamily="34" charset="-120"/>
-                <a:ea typeface="微軟正黑體" panose="020B0604030504040204" pitchFamily="34" charset="-120"/>
-              </a:rPr>
-              <a:t>V.S. CKIP</a:t>
-            </a:r>
-            <a:r>
-              <a:rPr lang="zh-TW" altLang="en-US" sz="2400" b="0" i="0" dirty="0">
-                <a:solidFill>
-                  <a:srgbClr val="24292E"/>
-                </a:solidFill>
-                <a:effectLst/>
-                <a:latin typeface="微軟正黑體" panose="020B0604030504040204" pitchFamily="34" charset="-120"/>
-                <a:ea typeface="微軟正黑體" panose="020B0604030504040204" pitchFamily="34" charset="-120"/>
-              </a:rPr>
-              <a:t>斷詞 → </a:t>
-            </a:r>
-            <a:r>
-              <a:rPr lang="en-US" altLang="zh-TW" sz="2400" b="0" i="0" dirty="0">
-                <a:solidFill>
-                  <a:srgbClr val="24292E"/>
-                </a:solidFill>
-                <a:effectLst/>
-                <a:latin typeface="微軟正黑體" panose="020B0604030504040204" pitchFamily="34" charset="-120"/>
-                <a:ea typeface="微軟正黑體" panose="020B0604030504040204" pitchFamily="34" charset="-120"/>
-              </a:rPr>
-              <a:t>CKIP</a:t>
-            </a:r>
-            <a:r>
-              <a:rPr lang="zh-TW" altLang="en-US" sz="2400" b="0" i="0" dirty="0">
-                <a:solidFill>
-                  <a:srgbClr val="24292E"/>
-                </a:solidFill>
-                <a:effectLst/>
-                <a:latin typeface="微軟正黑體" panose="020B0604030504040204" pitchFamily="34" charset="-120"/>
-                <a:ea typeface="微軟正黑體" panose="020B0604030504040204" pitchFamily="34" charset="-120"/>
-              </a:rPr>
-              <a:t>斷詞效果較佳</a:t>
-            </a:r>
-          </a:p>
-          <a:p>
-            <a:pPr marL="742950" lvl="1" indent="-285750" algn="l">
-              <a:buFont typeface="Arial" panose="020B0604020202020204" pitchFamily="34" charset="0"/>
-              <a:buChar char="•"/>
-            </a:pPr>
-            <a:r>
-              <a:rPr lang="en-US" altLang="zh-TW" sz="2400" b="0" i="0" dirty="0">
-                <a:solidFill>
-                  <a:srgbClr val="24292E"/>
-                </a:solidFill>
-                <a:effectLst/>
-                <a:latin typeface="微軟正黑體" panose="020B0604030504040204" pitchFamily="34" charset="-120"/>
-                <a:ea typeface="微軟正黑體" panose="020B0604030504040204" pitchFamily="34" charset="-120"/>
-              </a:rPr>
-              <a:t>Word2Vec V.S. </a:t>
-            </a:r>
-            <a:r>
-              <a:rPr lang="en-US" altLang="zh-TW" sz="2400" b="0" i="0" dirty="0" err="1">
-                <a:solidFill>
-                  <a:srgbClr val="24292E"/>
-                </a:solidFill>
-                <a:effectLst/>
-                <a:latin typeface="微軟正黑體" panose="020B0604030504040204" pitchFamily="34" charset="-120"/>
-                <a:ea typeface="微軟正黑體" panose="020B0604030504040204" pitchFamily="34" charset="-120"/>
-              </a:rPr>
-              <a:t>Tf-Idf</a:t>
-            </a:r>
-            <a:r>
-              <a:rPr lang="en-US" altLang="zh-TW" sz="2400" b="0" i="0" dirty="0">
-                <a:solidFill>
-                  <a:srgbClr val="24292E"/>
-                </a:solidFill>
-                <a:effectLst/>
-                <a:latin typeface="微軟正黑體" panose="020B0604030504040204" pitchFamily="34" charset="-120"/>
-                <a:ea typeface="微軟正黑體" panose="020B0604030504040204" pitchFamily="34" charset="-120"/>
-              </a:rPr>
-              <a:t> → </a:t>
-            </a:r>
-            <a:r>
-              <a:rPr lang="zh-TW" altLang="en-US" sz="2400" b="0" i="0" dirty="0">
-                <a:solidFill>
-                  <a:srgbClr val="24292E"/>
-                </a:solidFill>
-                <a:effectLst/>
-                <a:latin typeface="微軟正黑體" panose="020B0604030504040204" pitchFamily="34" charset="-120"/>
-                <a:ea typeface="微軟正黑體" panose="020B0604030504040204" pitchFamily="34" charset="-120"/>
-              </a:rPr>
-              <a:t>選用</a:t>
-            </a:r>
-            <a:r>
-              <a:rPr lang="en-US" altLang="zh-TW" sz="2400" b="0" i="0" dirty="0">
-                <a:solidFill>
-                  <a:srgbClr val="24292E"/>
-                </a:solidFill>
-                <a:effectLst/>
-                <a:latin typeface="微軟正黑體" panose="020B0604030504040204" pitchFamily="34" charset="-120"/>
-                <a:ea typeface="微軟正黑體" panose="020B0604030504040204" pitchFamily="34" charset="-120"/>
-              </a:rPr>
-              <a:t>Word2Vec</a:t>
-            </a:r>
-            <a:r>
-              <a:rPr lang="zh-TW" altLang="en-US" sz="2400" dirty="0">
-                <a:solidFill>
-                  <a:srgbClr val="24292E"/>
-                </a:solidFill>
-                <a:latin typeface="微軟正黑體" panose="020B0604030504040204" pitchFamily="34" charset="-120"/>
-                <a:ea typeface="微軟正黑體" panose="020B0604030504040204" pitchFamily="34" charset="-120"/>
-              </a:rPr>
-              <a:t>效果較佳</a:t>
-            </a:r>
-            <a:endParaRPr lang="en-US" altLang="zh-TW" sz="2400" b="0" i="0" dirty="0">
-              <a:solidFill>
-                <a:srgbClr val="24292E"/>
-              </a:solidFill>
-              <a:effectLst/>
-              <a:latin typeface="微軟正黑體" panose="020B0604030504040204" pitchFamily="34" charset="-120"/>
-              <a:ea typeface="微軟正黑體" panose="020B0604030504040204" pitchFamily="34" charset="-120"/>
-            </a:endParaRPr>
-          </a:p>
-          <a:p>
-            <a:pPr algn="l">
-              <a:buFont typeface="Arial" panose="020B0604020202020204" pitchFamily="34" charset="0"/>
-              <a:buChar char="•"/>
-            </a:pPr>
-            <a:r>
-              <a:rPr lang="zh-TW" altLang="en-US" sz="2400" b="0" i="0" dirty="0">
-                <a:solidFill>
-                  <a:srgbClr val="24292E"/>
-                </a:solidFill>
-                <a:effectLst/>
-                <a:latin typeface="微軟正黑體" panose="020B0604030504040204" pitchFamily="34" charset="-120"/>
-                <a:ea typeface="微軟正黑體" panose="020B0604030504040204" pitchFamily="34" charset="-120"/>
-              </a:rPr>
-              <a:t>是否有很明顯的進步</a:t>
-            </a:r>
-            <a:r>
-              <a:rPr lang="en-US" altLang="zh-TW" sz="2400" b="0" i="0" dirty="0">
-                <a:solidFill>
-                  <a:srgbClr val="24292E"/>
-                </a:solidFill>
-                <a:effectLst/>
-                <a:latin typeface="微軟正黑體" panose="020B0604030504040204" pitchFamily="34" charset="-120"/>
-                <a:ea typeface="微軟正黑體" panose="020B0604030504040204" pitchFamily="34" charset="-120"/>
-              </a:rPr>
-              <a:t>?</a:t>
-            </a:r>
-          </a:p>
-          <a:p>
-            <a:pPr marL="742950" lvl="1" indent="-285750" algn="l">
-              <a:buFont typeface="Arial" panose="020B0604020202020204" pitchFamily="34" charset="0"/>
-              <a:buChar char="•"/>
-            </a:pPr>
-            <a:r>
-              <a:rPr lang="zh-TW" altLang="en-US" sz="2400" b="0" i="0" dirty="0">
-                <a:solidFill>
-                  <a:srgbClr val="24292E"/>
-                </a:solidFill>
-                <a:effectLst/>
-                <a:latin typeface="微軟正黑體" panose="020B0604030504040204" pitchFamily="34" charset="-120"/>
-                <a:ea typeface="微軟正黑體" panose="020B0604030504040204" pitchFamily="34" charset="-120"/>
-              </a:rPr>
-              <a:t>沒到非常明顯，從</a:t>
-            </a:r>
-            <a:r>
-              <a:rPr lang="en-US" altLang="zh-TW" sz="2400" b="0" i="0" dirty="0">
-                <a:solidFill>
-                  <a:srgbClr val="24292E"/>
-                </a:solidFill>
-                <a:effectLst/>
-                <a:latin typeface="微軟正黑體" panose="020B0604030504040204" pitchFamily="34" charset="-120"/>
-                <a:ea typeface="微軟正黑體" panose="020B0604030504040204" pitchFamily="34" charset="-120"/>
-              </a:rPr>
-              <a:t>0.418</a:t>
-            </a:r>
-            <a:r>
-              <a:rPr lang="zh-TW" altLang="en-US" sz="2400" b="0" i="0" dirty="0">
-                <a:solidFill>
-                  <a:srgbClr val="24292E"/>
-                </a:solidFill>
-                <a:effectLst/>
-                <a:latin typeface="微軟正黑體" panose="020B0604030504040204" pitchFamily="34" charset="-120"/>
-                <a:ea typeface="微軟正黑體" panose="020B0604030504040204" pitchFamily="34" charset="-120"/>
-              </a:rPr>
-              <a:t>到</a:t>
-            </a:r>
-            <a:r>
-              <a:rPr lang="en-US" altLang="zh-TW" sz="2400" b="0" i="0" dirty="0">
-                <a:solidFill>
-                  <a:srgbClr val="24292E"/>
-                </a:solidFill>
-                <a:effectLst/>
-                <a:latin typeface="微軟正黑體" panose="020B0604030504040204" pitchFamily="34" charset="-120"/>
-                <a:ea typeface="微軟正黑體" panose="020B0604030504040204" pitchFamily="34" charset="-120"/>
-              </a:rPr>
-              <a:t>0.54</a:t>
-            </a:r>
-            <a:r>
-              <a:rPr lang="zh-TW" altLang="en-US" sz="2400" b="0" i="0" dirty="0">
-                <a:solidFill>
-                  <a:srgbClr val="24292E"/>
-                </a:solidFill>
-                <a:effectLst/>
-                <a:latin typeface="微軟正黑體" panose="020B0604030504040204" pitchFamily="34" charset="-120"/>
-                <a:ea typeface="微軟正黑體" panose="020B0604030504040204" pitchFamily="34" charset="-120"/>
-              </a:rPr>
-              <a:t>左右</a:t>
-            </a:r>
-          </a:p>
-          <a:p>
-            <a:pPr algn="l">
-              <a:buFont typeface="Arial" panose="020B0604020202020204" pitchFamily="34" charset="0"/>
-              <a:buChar char="•"/>
-            </a:pPr>
-            <a:r>
-              <a:rPr lang="zh-TW" altLang="en-US" sz="2400" b="0" i="0" dirty="0">
-                <a:solidFill>
-                  <a:srgbClr val="24292E"/>
-                </a:solidFill>
-                <a:effectLst/>
-                <a:latin typeface="微軟正黑體" panose="020B0604030504040204" pitchFamily="34" charset="-120"/>
-                <a:ea typeface="微軟正黑體" panose="020B0604030504040204" pitchFamily="34" charset="-120"/>
-              </a:rPr>
-              <a:t>最具挑戰的部分</a:t>
-            </a:r>
-            <a:r>
-              <a:rPr lang="en-US" altLang="zh-TW" sz="2400" b="0" i="0" dirty="0">
-                <a:solidFill>
-                  <a:srgbClr val="24292E"/>
-                </a:solidFill>
-                <a:effectLst/>
-                <a:latin typeface="微軟正黑體" panose="020B0604030504040204" pitchFamily="34" charset="-120"/>
-                <a:ea typeface="微軟正黑體" panose="020B0604030504040204" pitchFamily="34" charset="-120"/>
-              </a:rPr>
-              <a:t>?</a:t>
-            </a:r>
-          </a:p>
-          <a:p>
-            <a:pPr marL="742950" lvl="1" indent="-285750" algn="l">
-              <a:buFont typeface="Arial" panose="020B0604020202020204" pitchFamily="34" charset="0"/>
-              <a:buChar char="•"/>
-            </a:pPr>
-            <a:r>
-              <a:rPr lang="zh-TW" altLang="en-US" sz="2400" b="0" i="0" dirty="0">
-                <a:solidFill>
-                  <a:srgbClr val="24292E"/>
-                </a:solidFill>
-                <a:effectLst/>
-                <a:latin typeface="微軟正黑體" panose="020B0604030504040204" pitchFamily="34" charset="-120"/>
-                <a:ea typeface="微軟正黑體" panose="020B0604030504040204" pitchFamily="34" charset="-120"/>
-              </a:rPr>
-              <a:t>資料本身並非非常平均</a:t>
-            </a:r>
-          </a:p>
-          <a:p>
-            <a:pPr marL="742950" lvl="1" indent="-285750" algn="l">
-              <a:buFont typeface="Arial" panose="020B0604020202020204" pitchFamily="34" charset="0"/>
-              <a:buChar char="•"/>
-            </a:pPr>
-            <a:r>
-              <a:rPr lang="zh-TW" altLang="en-US" sz="2400" b="0" i="0" dirty="0">
-                <a:solidFill>
-                  <a:srgbClr val="24292E"/>
-                </a:solidFill>
-                <a:effectLst/>
-                <a:latin typeface="微軟正黑體" panose="020B0604030504040204" pitchFamily="34" charset="-120"/>
-                <a:ea typeface="微軟正黑體" panose="020B0604030504040204" pitchFamily="34" charset="-120"/>
-              </a:rPr>
-              <a:t>歌詞轉換成</a:t>
-            </a:r>
-            <a:r>
-              <a:rPr lang="en-US" altLang="zh-TW" sz="2400" b="0" i="0" dirty="0">
-                <a:solidFill>
-                  <a:srgbClr val="24292E"/>
-                </a:solidFill>
-                <a:effectLst/>
-                <a:latin typeface="微軟正黑體" panose="020B0604030504040204" pitchFamily="34" charset="-120"/>
-                <a:ea typeface="微軟正黑體" panose="020B0604030504040204" pitchFamily="34" charset="-120"/>
-              </a:rPr>
-              <a:t>word2vec</a:t>
-            </a:r>
-            <a:r>
-              <a:rPr lang="zh-TW" altLang="en-US" sz="2400" b="0" i="0" dirty="0">
-                <a:solidFill>
-                  <a:srgbClr val="24292E"/>
-                </a:solidFill>
-                <a:effectLst/>
-                <a:latin typeface="微軟正黑體" panose="020B0604030504040204" pitchFamily="34" charset="-120"/>
-                <a:ea typeface="微軟正黑體" panose="020B0604030504040204" pitchFamily="34" charset="-120"/>
-              </a:rPr>
-              <a:t>時，是否真的能當作好的</a:t>
-            </a:r>
-            <a:r>
-              <a:rPr lang="en-US" altLang="zh-TW" sz="2400" b="0" i="0" dirty="0">
-                <a:solidFill>
-                  <a:srgbClr val="24292E"/>
-                </a:solidFill>
-                <a:effectLst/>
-                <a:latin typeface="微軟正黑體" panose="020B0604030504040204" pitchFamily="34" charset="-120"/>
-                <a:ea typeface="微軟正黑體" panose="020B0604030504040204" pitchFamily="34" charset="-120"/>
-              </a:rPr>
-              <a:t>feature</a:t>
-            </a:r>
-          </a:p>
-          <a:p>
-            <a:endParaRPr lang="zh-TW" altLang="en-US" sz="2400" dirty="0">
-              <a:latin typeface="微軟正黑體" panose="020B0604030504040204" pitchFamily="34" charset="-120"/>
-              <a:ea typeface="微軟正黑體" panose="020B0604030504040204" pitchFamily="34" charset="-120"/>
-            </a:endParaRPr>
-          </a:p>
-        </p:txBody>
-      </p:sp>
-      <p:sp>
-        <p:nvSpPr>
-          <p:cNvPr id="4" name="日期版面配置區 3">
-            <a:extLst>
-              <a:ext uri="{FF2B5EF4-FFF2-40B4-BE49-F238E27FC236}">
-                <a16:creationId xmlns:a16="http://schemas.microsoft.com/office/drawing/2014/main" id="{4E9ADB8B-427B-4094-8026-5E0179BF2C96}"/>
-              </a:ext>
-            </a:extLst>
-          </p:cNvPr>
-          <p:cNvSpPr>
-            <a:spLocks noGrp="1"/>
-          </p:cNvSpPr>
-          <p:nvPr>
-            <p:ph type="dt" sz="half" idx="10"/>
-          </p:nvPr>
-        </p:nvSpPr>
-        <p:spPr/>
-        <p:txBody>
-          <a:bodyPr/>
-          <a:lstStyle/>
-          <a:p>
-            <a:pPr rtl="0"/>
-            <a:fld id="{CE847876-3A2B-49FA-B396-40048599C954}" type="datetime1">
-              <a:rPr lang="zh-TW" altLang="en-US" smtClean="0">
-                <a:latin typeface="微軟正黑體" panose="020B0604030504040204" pitchFamily="34" charset="-120"/>
-                <a:ea typeface="微軟正黑體" panose="020B0604030504040204" pitchFamily="34" charset="-120"/>
-              </a:rPr>
-              <a:t>2021/1/12</a:t>
-            </a:fld>
-            <a:endParaRPr lang="en-US">
-              <a:latin typeface="微軟正黑體" panose="020B0604030504040204" pitchFamily="34" charset="-120"/>
-              <a:ea typeface="微軟正黑體" panose="020B0604030504040204" pitchFamily="34" charset="-120"/>
-            </a:endParaRPr>
-          </a:p>
-        </p:txBody>
-      </p:sp>
-    </p:spTree>
-    <p:extLst>
-      <p:ext uri="{BB962C8B-B14F-4D97-AF65-F5344CB8AC3E}">
-        <p14:creationId xmlns:p14="http://schemas.microsoft.com/office/powerpoint/2010/main" val="2027119310"/>
-      </p:ext>
-    </p:extLst>
-  </p:cSld>
-  <p:clrMapOvr>
-    <a:masterClrMapping/>
-  </p:clrMapOvr>
-</p:sld>
-</file>
-
-<file path=ppt/slides/slide15.xml><?xml version="1.0" encoding="utf-8"?>
-<p:sld xmlns:a="http://schemas.openxmlformats.org/drawingml/2006/main" xmlns:r="http://schemas.openxmlformats.org/officeDocument/2006/relationships" xmlns:p="http://schemas.openxmlformats.org/presentationml/2006/main">
-  <p:cSld>
-    <p:spTree>
-      <p:nvGrpSpPr>
-        <p:cNvPr id="1" name=""/>
-        <p:cNvGrpSpPr/>
-        <p:nvPr/>
-      </p:nvGrpSpPr>
-      <p:grpSpPr>
-        <a:xfrm>
-          <a:off x="0" y="0"/>
-          <a:ext cx="0" cy="0"/>
-          <a:chOff x="0" y="0"/>
-          <a:chExt cx="0" cy="0"/>
-        </a:xfrm>
-      </p:grpSpPr>
-      <p:sp>
-        <p:nvSpPr>
-          <p:cNvPr id="2" name="標題 1">
-            <a:extLst>
-              <a:ext uri="{FF2B5EF4-FFF2-40B4-BE49-F238E27FC236}">
-                <a16:creationId xmlns:a16="http://schemas.microsoft.com/office/drawing/2014/main" id="{4D2662DA-7199-4B7E-9178-2F33AAFCBE83}"/>
-              </a:ext>
-            </a:extLst>
-          </p:cNvPr>
-          <p:cNvSpPr>
-            <a:spLocks noGrp="1"/>
-          </p:cNvSpPr>
-          <p:nvPr>
-            <p:ph type="title"/>
-          </p:nvPr>
-        </p:nvSpPr>
-        <p:spPr/>
-        <p:txBody>
-          <a:bodyPr/>
-          <a:lstStyle/>
-          <a:p>
-            <a:pPr algn="ctr"/>
-            <a:r>
-              <a:rPr lang="zh-TW" altLang="en-US" dirty="0">
-                <a:latin typeface="標楷體" panose="03000509000000000000" pitchFamily="65" charset="-120"/>
-                <a:ea typeface="標楷體" panose="03000509000000000000" pitchFamily="65" charset="-120"/>
-              </a:rPr>
-              <a:t>參考資料</a:t>
-            </a:r>
-          </a:p>
-        </p:txBody>
-      </p:sp>
-      <p:sp>
-        <p:nvSpPr>
-          <p:cNvPr id="3" name="內容版面配置區 2">
-            <a:extLst>
-              <a:ext uri="{FF2B5EF4-FFF2-40B4-BE49-F238E27FC236}">
-                <a16:creationId xmlns:a16="http://schemas.microsoft.com/office/drawing/2014/main" id="{4DA1102E-BABC-433F-8D37-75558634A81A}"/>
-              </a:ext>
-            </a:extLst>
-          </p:cNvPr>
-          <p:cNvSpPr>
-            <a:spLocks noGrp="1"/>
-          </p:cNvSpPr>
-          <p:nvPr>
-            <p:ph idx="1"/>
-          </p:nvPr>
-        </p:nvSpPr>
-        <p:spPr/>
-        <p:txBody>
-          <a:bodyPr/>
-          <a:lstStyle/>
-          <a:p>
-            <a:pPr algn="l">
-              <a:buFont typeface="Arial" panose="020B0604020202020204" pitchFamily="34" charset="0"/>
-              <a:buChar char="•"/>
-            </a:pPr>
-            <a:r>
-              <a:rPr lang="en-US" altLang="zh-TW" b="0" i="0" u="none" strike="noStrike" dirty="0">
-                <a:solidFill>
-                  <a:srgbClr val="24292E"/>
-                </a:solidFill>
-                <a:effectLst/>
-                <a:latin typeface="-apple-system"/>
-                <a:hlinkClick r:id="rId2"/>
-              </a:rPr>
-              <a:t>https://rpubs.com/skydome20/R-Note14-SVM-SVR</a:t>
-            </a:r>
-            <a:endParaRPr lang="en-US" altLang="zh-TW" b="0" i="0" dirty="0">
-              <a:solidFill>
-                <a:srgbClr val="24292E"/>
-              </a:solidFill>
-              <a:effectLst/>
-              <a:latin typeface="-apple-system"/>
-            </a:endParaRPr>
-          </a:p>
-          <a:p>
-            <a:pPr algn="l">
-              <a:buFont typeface="Arial" panose="020B0604020202020204" pitchFamily="34" charset="0"/>
-              <a:buChar char="•"/>
-            </a:pPr>
-            <a:r>
-              <a:rPr lang="en-US" altLang="zh-TW" b="0" i="0" u="none" strike="noStrike" dirty="0">
-                <a:solidFill>
-                  <a:srgbClr val="24292E"/>
-                </a:solidFill>
-                <a:effectLst/>
-                <a:latin typeface="-apple-system"/>
-                <a:hlinkClick r:id="rId3"/>
-              </a:rPr>
-              <a:t>https://mojim.com/</a:t>
-            </a:r>
-            <a:endParaRPr lang="en-US" altLang="zh-TW" b="0" i="0" dirty="0">
-              <a:solidFill>
-                <a:srgbClr val="24292E"/>
-              </a:solidFill>
-              <a:effectLst/>
-              <a:latin typeface="-apple-system"/>
-            </a:endParaRPr>
-          </a:p>
-          <a:p>
-            <a:pPr algn="l">
-              <a:buFont typeface="Arial" panose="020B0604020202020204" pitchFamily="34" charset="0"/>
-              <a:buChar char="•"/>
-            </a:pPr>
-            <a:r>
-              <a:rPr lang="en-US" altLang="zh-TW" b="0" i="0" u="none" strike="noStrike" dirty="0">
-                <a:solidFill>
-                  <a:srgbClr val="24292E"/>
-                </a:solidFill>
-                <a:effectLst/>
-                <a:latin typeface="-apple-system"/>
-                <a:hlinkClick r:id="rId4"/>
-              </a:rPr>
-              <a:t>https://www.xiami.com/</a:t>
-            </a:r>
-            <a:endParaRPr lang="en-US" altLang="zh-TW" b="0" i="0" u="none" strike="noStrike" dirty="0">
-              <a:solidFill>
-                <a:srgbClr val="24292E"/>
-              </a:solidFill>
-              <a:effectLst/>
-              <a:latin typeface="-apple-system"/>
-            </a:endParaRPr>
-          </a:p>
-          <a:p>
-            <a:pPr algn="l">
-              <a:buFont typeface="Arial" panose="020B0604020202020204" pitchFamily="34" charset="0"/>
-              <a:buChar char="•"/>
-            </a:pPr>
-            <a:r>
-              <a:rPr lang="en-US" altLang="zh-TW" b="0" i="0" dirty="0">
-                <a:solidFill>
-                  <a:srgbClr val="24292E"/>
-                </a:solidFill>
-                <a:effectLst/>
-                <a:latin typeface="-apple-system"/>
-              </a:rPr>
-              <a:t>https://www.pinterest.com/pin/79235274673581414/</a:t>
-            </a:r>
-          </a:p>
-          <a:p>
-            <a:pPr algn="l">
-              <a:buFont typeface="Arial" panose="020B0604020202020204" pitchFamily="34" charset="0"/>
-              <a:buChar char="•"/>
-            </a:pPr>
-            <a:r>
-              <a:rPr lang="en-US" altLang="zh-TW" b="0" i="0" dirty="0">
-                <a:solidFill>
-                  <a:srgbClr val="24292E"/>
-                </a:solidFill>
-                <a:effectLst/>
-                <a:latin typeface="-apple-system"/>
-              </a:rPr>
-              <a:t>Packages</a:t>
-            </a:r>
-            <a:r>
-              <a:rPr lang="zh-TW" altLang="en-US" b="0" i="0" dirty="0">
-                <a:solidFill>
-                  <a:srgbClr val="24292E"/>
-                </a:solidFill>
-                <a:effectLst/>
-                <a:latin typeface="-apple-system"/>
-              </a:rPr>
-              <a:t>：</a:t>
-            </a:r>
-          </a:p>
-          <a:p>
-            <a:pPr marL="742950" lvl="1" indent="-285750" algn="l">
-              <a:buFont typeface="Arial" panose="020B0604020202020204" pitchFamily="34" charset="0"/>
-              <a:buChar char="•"/>
-            </a:pPr>
-            <a:r>
-              <a:rPr lang="en-US" altLang="zh-TW" b="0" i="0" dirty="0" err="1">
-                <a:solidFill>
-                  <a:srgbClr val="24292E"/>
-                </a:solidFill>
-                <a:effectLst/>
-                <a:latin typeface="-apple-system"/>
-              </a:rPr>
-              <a:t>kknn</a:t>
-            </a:r>
-            <a:endParaRPr lang="en-US" altLang="zh-TW" b="0" i="0" dirty="0">
-              <a:solidFill>
-                <a:srgbClr val="24292E"/>
-              </a:solidFill>
-              <a:effectLst/>
-              <a:latin typeface="-apple-system"/>
-            </a:endParaRPr>
-          </a:p>
-          <a:p>
-            <a:pPr marL="742950" lvl="1" indent="-285750" algn="l">
-              <a:buFont typeface="Arial" panose="020B0604020202020204" pitchFamily="34" charset="0"/>
-              <a:buChar char="•"/>
-            </a:pPr>
-            <a:r>
-              <a:rPr lang="en-US" altLang="zh-TW" b="0" i="0" dirty="0">
-                <a:solidFill>
-                  <a:srgbClr val="24292E"/>
-                </a:solidFill>
-                <a:effectLst/>
-                <a:latin typeface="-apple-system"/>
-              </a:rPr>
-              <a:t>caret</a:t>
-            </a:r>
-          </a:p>
-          <a:p>
-            <a:pPr marL="742950" lvl="1" indent="-285750" algn="l">
-              <a:buFont typeface="Arial" panose="020B0604020202020204" pitchFamily="34" charset="0"/>
-              <a:buChar char="•"/>
-            </a:pPr>
-            <a:r>
-              <a:rPr lang="en-US" altLang="zh-TW" dirty="0">
-                <a:solidFill>
-                  <a:srgbClr val="24292E"/>
-                </a:solidFill>
-                <a:latin typeface="-apple-system"/>
-              </a:rPr>
-              <a:t>e</a:t>
-            </a:r>
-            <a:r>
-              <a:rPr lang="en-US" altLang="zh-TW" b="0" i="0" dirty="0">
-                <a:solidFill>
-                  <a:srgbClr val="24292E"/>
-                </a:solidFill>
-                <a:effectLst/>
-                <a:latin typeface="-apple-system"/>
-              </a:rPr>
-              <a:t>1071</a:t>
-            </a:r>
-          </a:p>
-          <a:p>
-            <a:pPr marL="742950" lvl="1" indent="-285750" algn="l">
-              <a:buFont typeface="Arial" panose="020B0604020202020204" pitchFamily="34" charset="0"/>
-              <a:buChar char="•"/>
-            </a:pPr>
-            <a:r>
-              <a:rPr lang="en-US" altLang="zh-TW" b="0" i="0">
-                <a:solidFill>
-                  <a:srgbClr val="24292E"/>
-                </a:solidFill>
-                <a:effectLst/>
-                <a:latin typeface="-apple-system"/>
-              </a:rPr>
-              <a:t>ran</a:t>
-            </a:r>
-            <a:r>
-              <a:rPr lang="en-US" altLang="zh-TW">
-                <a:solidFill>
-                  <a:srgbClr val="24292E"/>
-                </a:solidFill>
-                <a:latin typeface="-apple-system"/>
-              </a:rPr>
-              <a:t>domForest</a:t>
-            </a:r>
-            <a:endParaRPr lang="en-US" altLang="zh-TW" b="0" i="0" dirty="0">
-              <a:solidFill>
-                <a:srgbClr val="24292E"/>
-              </a:solidFill>
-              <a:effectLst/>
-              <a:latin typeface="-apple-system"/>
-            </a:endParaRPr>
-          </a:p>
-          <a:p>
-            <a:endParaRPr lang="zh-TW" altLang="en-US" dirty="0"/>
-          </a:p>
-        </p:txBody>
-      </p:sp>
-      <p:sp>
-        <p:nvSpPr>
-          <p:cNvPr id="4" name="日期版面配置區 3">
-            <a:extLst>
-              <a:ext uri="{FF2B5EF4-FFF2-40B4-BE49-F238E27FC236}">
-                <a16:creationId xmlns:a16="http://schemas.microsoft.com/office/drawing/2014/main" id="{1BD5BF14-AC37-408C-946F-1ECEB7278DAA}"/>
-              </a:ext>
-            </a:extLst>
-          </p:cNvPr>
-          <p:cNvSpPr>
-            <a:spLocks noGrp="1"/>
-          </p:cNvSpPr>
-          <p:nvPr>
-            <p:ph type="dt" sz="half" idx="10"/>
-          </p:nvPr>
-        </p:nvSpPr>
-        <p:spPr/>
-        <p:txBody>
-          <a:bodyPr/>
-          <a:lstStyle/>
-          <a:p>
-            <a:pPr rtl="0"/>
-            <a:fld id="{CE847876-3A2B-49FA-B396-40048599C954}" type="datetime1">
-              <a:rPr lang="zh-TW" altLang="en-US" smtClean="0"/>
-              <a:t>2021/1/12</a:t>
-            </a:fld>
-            <a:endParaRPr lang="en-US"/>
-          </a:p>
-        </p:txBody>
-      </p:sp>
-    </p:spTree>
-    <p:extLst>
-      <p:ext uri="{BB962C8B-B14F-4D97-AF65-F5344CB8AC3E}">
-        <p14:creationId xmlns:p14="http://schemas.microsoft.com/office/powerpoint/2010/main" val="1711472813"/>
-      </p:ext>
-    </p:extLst>
-  </p:cSld>
-  <p:clrMapOvr>
-    <a:masterClrMapping/>
-  </p:clrMapOvr>
-</p:sld>
-</file>
-
-<file path=ppt/slides/slide16.xml><?xml version="1.0" encoding="utf-8"?>
-<p:sld xmlns:a="http://schemas.openxmlformats.org/drawingml/2006/main" xmlns:r="http://schemas.openxmlformats.org/officeDocument/2006/relationships" xmlns:p="http://schemas.openxmlformats.org/presentationml/2006/main">
-  <p:cSld>
-    <p:spTree>
-      <p:nvGrpSpPr>
-        <p:cNvPr id="1" name=""/>
-        <p:cNvGrpSpPr/>
-        <p:nvPr/>
-      </p:nvGrpSpPr>
-      <p:grpSpPr>
-        <a:xfrm>
-          <a:off x="0" y="0"/>
-          <a:ext cx="0" cy="0"/>
-          <a:chOff x="0" y="0"/>
-          <a:chExt cx="0" cy="0"/>
-        </a:xfrm>
-      </p:grpSpPr>
-      <p:sp>
-        <p:nvSpPr>
-          <p:cNvPr id="4" name="日期版面配置區 3">
-            <a:extLst>
-              <a:ext uri="{FF2B5EF4-FFF2-40B4-BE49-F238E27FC236}">
-                <a16:creationId xmlns:a16="http://schemas.microsoft.com/office/drawing/2014/main" id="{839DF9B9-FDFA-481D-948E-5EEE00ACDB23}"/>
-              </a:ext>
-            </a:extLst>
-          </p:cNvPr>
-          <p:cNvSpPr>
-            <a:spLocks noGrp="1"/>
-          </p:cNvSpPr>
-          <p:nvPr>
-            <p:ph type="dt" sz="half" idx="10"/>
-          </p:nvPr>
-        </p:nvSpPr>
-        <p:spPr/>
-        <p:txBody>
-          <a:bodyPr/>
-          <a:lstStyle/>
-          <a:p>
-            <a:pPr rtl="0"/>
-            <a:fld id="{CE847876-3A2B-49FA-B396-40048599C954}" type="datetime1">
-              <a:rPr lang="zh-TW" altLang="en-US" smtClean="0"/>
-              <a:t>2021/1/12</a:t>
-            </a:fld>
-            <a:endParaRPr lang="en-US"/>
-          </a:p>
-        </p:txBody>
-      </p:sp>
-      <p:pic>
-        <p:nvPicPr>
-          <p:cNvPr id="7" name="圖片 6" descr="一張含有 文字 的圖片&#10;&#10;自動產生的描述">
-            <a:extLst>
-              <a:ext uri="{FF2B5EF4-FFF2-40B4-BE49-F238E27FC236}">
-                <a16:creationId xmlns:a16="http://schemas.microsoft.com/office/drawing/2014/main" id="{03299BAD-61C3-404D-A4CC-7C8F7718466B}"/>
-              </a:ext>
-            </a:extLst>
-          </p:cNvPr>
-          <p:cNvPicPr>
-            <a:picLocks noChangeAspect="1"/>
-          </p:cNvPicPr>
-          <p:nvPr/>
-        </p:nvPicPr>
-        <p:blipFill>
-          <a:blip r:embed="rId2">
-            <a:extLst>
-              <a:ext uri="{28A0092B-C50C-407E-A947-70E740481C1C}">
-                <a14:useLocalDpi xmlns:a14="http://schemas.microsoft.com/office/drawing/2010/main" val="0"/>
-              </a:ext>
-            </a:extLst>
-          </a:blip>
-          <a:stretch>
-            <a:fillRect/>
-          </a:stretch>
-        </p:blipFill>
-        <p:spPr>
-          <a:xfrm>
-            <a:off x="1971674" y="622487"/>
-            <a:ext cx="7096126" cy="5322094"/>
-          </a:xfrm>
-          <a:prstGeom prst="rect">
-            <a:avLst/>
-          </a:prstGeom>
-          <a:effectLst>
-            <a:glow>
-              <a:schemeClr val="accent1">
-                <a:alpha val="30000"/>
-              </a:schemeClr>
-            </a:glow>
-            <a:softEdge rad="292100"/>
-          </a:effectLst>
-        </p:spPr>
-      </p:pic>
-    </p:spTree>
-    <p:extLst>
-      <p:ext uri="{BB962C8B-B14F-4D97-AF65-F5344CB8AC3E}">
-        <p14:creationId xmlns:p14="http://schemas.microsoft.com/office/powerpoint/2010/main" val="4153582731"/>
-      </p:ext>
-    </p:extLst>
-  </p:cSld>
-  <p:clrMapOvr>
-    <a:masterClrMapping/>
-  </p:clrMapOvr>
-</p:sld>
-</file>
-
-<file path=ppt/slides/slide2.xml><?xml version="1.0" encoding="utf-8"?>
-<p:sld xmlns:a="http://schemas.openxmlformats.org/drawingml/2006/main" xmlns:r="http://schemas.openxmlformats.org/officeDocument/2006/relationships" xmlns:p="http://schemas.openxmlformats.org/presentationml/2006/main">
-  <p:cSld>
-    <p:bg>
-      <p:bgPr>
-        <a:solidFill>
-          <a:schemeClr val="bg1"/>
-        </a:solidFill>
-        <a:effectLst/>
-      </p:bgPr>
-    </p:bg>
-    <p:spTree>
-      <p:nvGrpSpPr>
-        <p:cNvPr id="1" name=""/>
-        <p:cNvGrpSpPr/>
-        <p:nvPr/>
-      </p:nvGrpSpPr>
-      <p:grpSpPr>
-        <a:xfrm>
-          <a:off x="0" y="0"/>
-          <a:ext cx="0" cy="0"/>
-          <a:chOff x="0" y="0"/>
-          <a:chExt cx="0" cy="0"/>
-        </a:xfrm>
-      </p:grpSpPr>
-      <p:sp>
-        <p:nvSpPr>
-          <p:cNvPr id="2" name="標題 1">
-            <a:extLst>
-              <a:ext uri="{FF2B5EF4-FFF2-40B4-BE49-F238E27FC236}">
-                <a16:creationId xmlns:a16="http://schemas.microsoft.com/office/drawing/2014/main" id="{7A4919D0-F177-4BBA-9A0B-DBA69E2ED764}"/>
-              </a:ext>
-            </a:extLst>
-          </p:cNvPr>
-          <p:cNvSpPr>
-            <a:spLocks noGrp="1"/>
-          </p:cNvSpPr>
-          <p:nvPr>
-            <p:ph type="title"/>
-          </p:nvPr>
-        </p:nvSpPr>
-        <p:spPr>
-          <a:xfrm>
-            <a:off x="1066800" y="642594"/>
-            <a:ext cx="10058400" cy="1371600"/>
-          </a:xfrm>
-        </p:spPr>
-        <p:txBody>
-          <a:bodyPr rtlCol="0">
-            <a:normAutofit/>
-          </a:bodyPr>
-          <a:lstStyle/>
-          <a:p>
-            <a:pPr algn="ctr" rtl="0"/>
-            <a:r>
-              <a:rPr lang="zh-TW" altLang="en-US" dirty="0">
-                <a:latin typeface="微軟正黑體" panose="020B0604030504040204" pitchFamily="34" charset="-120"/>
-                <a:ea typeface="微軟正黑體" panose="020B0604030504040204" pitchFamily="34" charset="-120"/>
-              </a:rPr>
-              <a:t>歌曲在敘事情緒上的自動分類</a:t>
-            </a:r>
-            <a:endParaRPr lang="zh-tw" dirty="0">
-              <a:latin typeface="微軟正黑體" panose="020B0604030504040204" pitchFamily="34" charset="-120"/>
-              <a:ea typeface="微軟正黑體" panose="020B0604030504040204" pitchFamily="34" charset="-120"/>
-            </a:endParaRPr>
-          </a:p>
-        </p:txBody>
-      </p:sp>
-      <p:graphicFrame>
-        <p:nvGraphicFramePr>
-          <p:cNvPr id="5" name="內容版面配置區 2">
-            <a:extLst>
-              <a:ext uri="{FF2B5EF4-FFF2-40B4-BE49-F238E27FC236}">
-                <a16:creationId xmlns:a16="http://schemas.microsoft.com/office/drawing/2014/main" id="{91DB1382-7276-49FA-9632-38D558F457E3}"/>
-              </a:ext>
-            </a:extLst>
-          </p:cNvPr>
-          <p:cNvGraphicFramePr>
-            <a:graphicFrameLocks noGrp="1"/>
-          </p:cNvGraphicFramePr>
-          <p:nvPr>
-            <p:ph idx="1"/>
-            <p:extLst>
-              <p:ext uri="{D42A27DB-BD31-4B8C-83A1-F6EECF244321}">
-                <p14:modId xmlns:p14="http://schemas.microsoft.com/office/powerpoint/2010/main" val="419354808"/>
-              </p:ext>
-            </p:extLst>
-          </p:nvPr>
-        </p:nvGraphicFramePr>
-        <p:xfrm>
-          <a:off x="1066800" y="2310063"/>
-          <a:ext cx="10058400" cy="3725612"/>
-        </p:xfrm>
-        <a:graphic>
-          <a:graphicData uri="http://schemas.openxmlformats.org/drawingml/2006/diagram">
-            <dgm:relIds xmlns:dgm="http://schemas.openxmlformats.org/drawingml/2006/diagram" xmlns:r="http://schemas.openxmlformats.org/officeDocument/2006/relationships" r:dm="rId2" r:lo="rId3" r:qs="rId4" r:cs="rId5"/>
-          </a:graphicData>
-        </a:graphic>
-      </p:graphicFrame>
-    </p:spTree>
-    <p:extLst>
-      <p:ext uri="{BB962C8B-B14F-4D97-AF65-F5344CB8AC3E}">
-        <p14:creationId xmlns:p14="http://schemas.microsoft.com/office/powerpoint/2010/main" val="183243182"/>
-      </p:ext>
-    </p:extLst>
-  </p:cSld>
-  <p:clrMapOvr>
-    <a:masterClrMapping/>
-  </p:clrMapOvr>
-</p:sld>
-</file>
-
-<file path=ppt/slides/slide3.xml><?xml version="1.0" encoding="utf-8"?>
-<p:sld xmlns:a="http://schemas.openxmlformats.org/drawingml/2006/main" xmlns:r="http://schemas.openxmlformats.org/officeDocument/2006/relationships" xmlns:p="http://schemas.openxmlformats.org/presentationml/2006/main">
-  <p:cSld>
-    <p:spTree>
-      <p:nvGrpSpPr>
-        <p:cNvPr id="1" name=""/>
-        <p:cNvGrpSpPr/>
-        <p:nvPr/>
-      </p:nvGrpSpPr>
-      <p:grpSpPr>
-        <a:xfrm>
-          <a:off x="0" y="0"/>
-          <a:ext cx="0" cy="0"/>
-          <a:chOff x="0" y="0"/>
-          <a:chExt cx="0" cy="0"/>
-        </a:xfrm>
-      </p:grpSpPr>
-      <p:sp>
-        <p:nvSpPr>
-          <p:cNvPr id="2" name="標題 1">
-            <a:extLst>
-              <a:ext uri="{FF2B5EF4-FFF2-40B4-BE49-F238E27FC236}">
-                <a16:creationId xmlns:a16="http://schemas.microsoft.com/office/drawing/2014/main" id="{D40DF66A-777F-4972-95C5-B458B38871CC}"/>
-              </a:ext>
-            </a:extLst>
-          </p:cNvPr>
-          <p:cNvSpPr>
-            <a:spLocks noGrp="1"/>
-          </p:cNvSpPr>
-          <p:nvPr>
-            <p:ph type="title"/>
-          </p:nvPr>
-        </p:nvSpPr>
-        <p:spPr/>
-        <p:txBody>
-          <a:bodyPr/>
-          <a:lstStyle/>
-          <a:p>
-            <a:r>
-              <a:rPr lang="zh-TW" altLang="en-US" dirty="0"/>
-              <a:t>資料前處理</a:t>
-            </a:r>
-          </a:p>
-        </p:txBody>
-      </p:sp>
-      <p:sp>
-        <p:nvSpPr>
-          <p:cNvPr id="3" name="內容版面配置區 2">
-            <a:extLst>
-              <a:ext uri="{FF2B5EF4-FFF2-40B4-BE49-F238E27FC236}">
-                <a16:creationId xmlns:a16="http://schemas.microsoft.com/office/drawing/2014/main" id="{262B915F-4100-4338-9175-F3B74951F404}"/>
-              </a:ext>
-            </a:extLst>
-          </p:cNvPr>
-          <p:cNvSpPr>
-            <a:spLocks noGrp="1"/>
-          </p:cNvSpPr>
-          <p:nvPr>
-            <p:ph idx="1"/>
-          </p:nvPr>
-        </p:nvSpPr>
-        <p:spPr/>
-        <p:txBody>
-          <a:bodyPr/>
-          <a:lstStyle/>
-          <a:p>
-            <a:pPr>
-              <a:buFont typeface="Arial" panose="020B0604020202020204" pitchFamily="34" charset="0"/>
-              <a:buChar char="•"/>
-            </a:pPr>
-            <a:r>
-              <a:rPr lang="zh-TW" altLang="en-US" sz="2400" dirty="0">
-                <a:solidFill>
-                  <a:srgbClr val="24292E"/>
-                </a:solidFill>
-                <a:latin typeface="-apple-system"/>
-              </a:rPr>
-              <a:t>資料來源：</a:t>
-            </a:r>
-            <a:endParaRPr lang="en-US" altLang="zh-TW" sz="2400" dirty="0">
-              <a:solidFill>
-                <a:srgbClr val="24292E"/>
-              </a:solidFill>
-              <a:latin typeface="-apple-system"/>
-            </a:endParaRPr>
-          </a:p>
-          <a:p>
-            <a:pPr lvl="1">
-              <a:buFont typeface="Arial" panose="020B0604020202020204" pitchFamily="34" charset="0"/>
-              <a:buChar char="•"/>
-            </a:pPr>
-            <a:r>
-              <a:rPr lang="zh-TW" altLang="en-US" sz="2200" dirty="0">
-                <a:solidFill>
-                  <a:srgbClr val="24292E"/>
-                </a:solidFill>
-                <a:latin typeface="-apple-system"/>
-              </a:rPr>
-              <a:t>魔鏡歌詞網 → 歌名、歌詞、作詞者、作曲者、發行年代、演唱者性別</a:t>
-            </a:r>
-            <a:endParaRPr lang="en-US" altLang="zh-TW" sz="2200" dirty="0">
-              <a:solidFill>
-                <a:srgbClr val="24292E"/>
-              </a:solidFill>
-              <a:latin typeface="-apple-system"/>
-            </a:endParaRPr>
-          </a:p>
-          <a:p>
-            <a:pPr lvl="1">
-              <a:buFont typeface="Arial" panose="020B0604020202020204" pitchFamily="34" charset="0"/>
-              <a:buChar char="•"/>
-            </a:pPr>
-            <a:r>
-              <a:rPr lang="zh-TW" altLang="en-US" sz="2200" dirty="0">
-                <a:solidFill>
-                  <a:srgbClr val="24292E"/>
-                </a:solidFill>
-                <a:latin typeface="-apple-system"/>
-              </a:rPr>
-              <a:t>蝦米音樂網→ 歌名、收藏頻率、情感種類</a:t>
-            </a:r>
-            <a:endParaRPr lang="en-US" altLang="zh-TW" sz="2200" dirty="0">
-              <a:solidFill>
-                <a:srgbClr val="24292E"/>
-              </a:solidFill>
-              <a:latin typeface="-apple-system"/>
-            </a:endParaRPr>
-          </a:p>
-          <a:p>
-            <a:pPr>
-              <a:buFont typeface="Arial" panose="020B0604020202020204" pitchFamily="34" charset="0"/>
-              <a:buChar char="•"/>
-            </a:pPr>
-            <a:r>
-              <a:rPr lang="zh-TW" altLang="en-US" sz="2400" dirty="0">
-                <a:solidFill>
-                  <a:srgbClr val="24292E"/>
-                </a:solidFill>
-                <a:latin typeface="-apple-system"/>
-              </a:rPr>
-              <a:t>資料前處理：</a:t>
-            </a:r>
-            <a:endParaRPr lang="en-US" altLang="zh-TW" sz="2400" dirty="0">
-              <a:solidFill>
-                <a:srgbClr val="24292E"/>
-              </a:solidFill>
-              <a:latin typeface="-apple-system"/>
-            </a:endParaRPr>
-          </a:p>
-          <a:p>
-            <a:pPr lvl="1">
-              <a:buFont typeface="Arial" panose="020B0604020202020204" pitchFamily="34" charset="0"/>
-              <a:buChar char="•"/>
-            </a:pPr>
-            <a:r>
-              <a:rPr lang="zh-TW" altLang="en-US" sz="2200" dirty="0">
-                <a:solidFill>
-                  <a:srgbClr val="24292E"/>
-                </a:solidFill>
-                <a:latin typeface="-apple-system"/>
-              </a:rPr>
-              <a:t>歌名：</a:t>
-            </a:r>
-            <a:r>
-              <a:rPr lang="en-US" altLang="zh-TW" sz="2200" dirty="0">
-                <a:solidFill>
-                  <a:srgbClr val="24292E"/>
-                </a:solidFill>
-                <a:latin typeface="-apple-system"/>
-              </a:rPr>
-              <a:t>Word2Vec 200</a:t>
-            </a:r>
-            <a:r>
-              <a:rPr lang="zh-TW" altLang="en-US" sz="2200" dirty="0">
-                <a:solidFill>
-                  <a:srgbClr val="24292E"/>
-                </a:solidFill>
-                <a:latin typeface="-apple-system"/>
-              </a:rPr>
-              <a:t>維</a:t>
-            </a:r>
-            <a:endParaRPr lang="en-US" altLang="zh-TW" sz="2200" dirty="0">
-              <a:solidFill>
-                <a:srgbClr val="24292E"/>
-              </a:solidFill>
-              <a:latin typeface="-apple-system"/>
-            </a:endParaRPr>
-          </a:p>
-          <a:p>
-            <a:pPr lvl="1">
-              <a:buFont typeface="Arial" panose="020B0604020202020204" pitchFamily="34" charset="0"/>
-              <a:buChar char="•"/>
-            </a:pPr>
-            <a:r>
-              <a:rPr lang="zh-TW" altLang="en-US" sz="2200" dirty="0">
-                <a:solidFill>
-                  <a:srgbClr val="24292E"/>
-                </a:solidFill>
-                <a:latin typeface="-apple-system"/>
-              </a:rPr>
-              <a:t>歌詞：</a:t>
-            </a:r>
-            <a:r>
-              <a:rPr lang="en-US" altLang="zh-TW" sz="2200" dirty="0">
-                <a:solidFill>
-                  <a:srgbClr val="24292E"/>
-                </a:solidFill>
-                <a:latin typeface="-apple-system"/>
-              </a:rPr>
-              <a:t>Word2Vec 400</a:t>
-            </a:r>
-            <a:r>
-              <a:rPr lang="zh-TW" altLang="en-US" sz="2200">
-                <a:solidFill>
-                  <a:srgbClr val="24292E"/>
-                </a:solidFill>
-                <a:latin typeface="-apple-system"/>
-              </a:rPr>
-              <a:t>維 </a:t>
-            </a:r>
-            <a:r>
-              <a:rPr lang="en-US" altLang="zh-TW" sz="2200" dirty="0">
-                <a:solidFill>
-                  <a:srgbClr val="24292E"/>
-                </a:solidFill>
-                <a:latin typeface="-apple-system"/>
-              </a:rPr>
-              <a:t>/</a:t>
-            </a:r>
-            <a:r>
-              <a:rPr lang="zh-TW" altLang="en-US" sz="2200" dirty="0">
-                <a:solidFill>
-                  <a:srgbClr val="24292E"/>
-                </a:solidFill>
-                <a:latin typeface="-apple-system"/>
-              </a:rPr>
-              <a:t> </a:t>
-            </a:r>
-            <a:r>
-              <a:rPr lang="en-US" altLang="zh-TW" sz="2200" dirty="0" err="1">
-                <a:solidFill>
-                  <a:srgbClr val="24292E"/>
-                </a:solidFill>
-                <a:latin typeface="-apple-system"/>
-              </a:rPr>
-              <a:t>Tf</a:t>
-            </a:r>
-            <a:r>
-              <a:rPr lang="en-US" altLang="zh-TW" sz="2200" dirty="0">
-                <a:solidFill>
-                  <a:srgbClr val="24292E"/>
-                </a:solidFill>
-                <a:latin typeface="-apple-system"/>
-              </a:rPr>
-              <a:t> – </a:t>
-            </a:r>
-            <a:r>
-              <a:rPr lang="en-US" altLang="zh-TW" sz="2200" dirty="0" err="1">
-                <a:solidFill>
-                  <a:srgbClr val="24292E"/>
-                </a:solidFill>
-                <a:latin typeface="-apple-system"/>
-              </a:rPr>
-              <a:t>Idf</a:t>
-            </a:r>
-            <a:r>
-              <a:rPr lang="en-US" altLang="zh-TW" sz="2200" dirty="0">
-                <a:solidFill>
-                  <a:srgbClr val="24292E"/>
-                </a:solidFill>
-                <a:latin typeface="-apple-system"/>
-              </a:rPr>
-              <a:t> </a:t>
-            </a:r>
-            <a:r>
-              <a:rPr lang="zh-TW" altLang="en-US" sz="2200" dirty="0">
-                <a:solidFill>
-                  <a:srgbClr val="24292E"/>
-                </a:solidFill>
-                <a:latin typeface="-apple-system"/>
-              </a:rPr>
-              <a:t>→ </a:t>
-            </a:r>
-            <a:r>
-              <a:rPr lang="en-US" altLang="zh-TW" sz="2200" dirty="0">
-                <a:solidFill>
-                  <a:srgbClr val="24292E"/>
-                </a:solidFill>
-                <a:latin typeface="-apple-system"/>
-              </a:rPr>
-              <a:t>SVD</a:t>
-            </a:r>
-            <a:r>
-              <a:rPr lang="zh-TW" altLang="en-US" sz="2200" dirty="0">
-                <a:solidFill>
-                  <a:srgbClr val="24292E"/>
-                </a:solidFill>
-                <a:latin typeface="-apple-system"/>
-              </a:rPr>
-              <a:t>降維至</a:t>
-            </a:r>
-            <a:r>
-              <a:rPr lang="en-US" altLang="zh-TW" sz="2200" dirty="0">
-                <a:solidFill>
-                  <a:srgbClr val="24292E"/>
-                </a:solidFill>
-                <a:latin typeface="-apple-system"/>
-              </a:rPr>
-              <a:t>500</a:t>
-            </a:r>
-            <a:r>
-              <a:rPr lang="zh-TW" altLang="en-US" sz="2200" dirty="0">
-                <a:solidFill>
-                  <a:srgbClr val="24292E"/>
-                </a:solidFill>
-                <a:latin typeface="-apple-system"/>
-              </a:rPr>
-              <a:t>維</a:t>
-            </a:r>
-            <a:endParaRPr lang="en-US" altLang="zh-TW" sz="2200" dirty="0">
-              <a:solidFill>
-                <a:srgbClr val="24292E"/>
-              </a:solidFill>
-              <a:latin typeface="-apple-system"/>
-            </a:endParaRPr>
-          </a:p>
-          <a:p>
-            <a:pPr lvl="1">
-              <a:buFont typeface="Arial" panose="020B0604020202020204" pitchFamily="34" charset="0"/>
-              <a:buChar char="•"/>
-            </a:pPr>
-            <a:r>
-              <a:rPr lang="zh-TW" altLang="en-US" sz="2200" dirty="0">
-                <a:solidFill>
-                  <a:srgbClr val="24292E"/>
-                </a:solidFill>
-                <a:latin typeface="-apple-system"/>
-              </a:rPr>
-              <a:t>性別：</a:t>
-            </a:r>
-            <a:r>
-              <a:rPr lang="en-US" altLang="zh-TW" sz="2200" dirty="0">
-                <a:solidFill>
-                  <a:srgbClr val="24292E"/>
-                </a:solidFill>
-                <a:latin typeface="-apple-system"/>
-              </a:rPr>
-              <a:t>One-Hot-Encoding</a:t>
-            </a:r>
-          </a:p>
-          <a:p>
-            <a:pPr lvl="1">
-              <a:buFont typeface="Arial" panose="020B0604020202020204" pitchFamily="34" charset="0"/>
-              <a:buChar char="•"/>
-            </a:pPr>
-            <a:r>
-              <a:rPr lang="zh-TW" altLang="en-US" sz="2200" dirty="0">
-                <a:solidFill>
-                  <a:srgbClr val="24292E"/>
-                </a:solidFill>
-                <a:latin typeface="-apple-system"/>
-              </a:rPr>
-              <a:t>年代：維基百科音樂史年代</a:t>
-            </a:r>
-            <a:r>
-              <a:rPr lang="en-US" altLang="zh-TW" sz="2200" dirty="0">
-                <a:solidFill>
-                  <a:srgbClr val="24292E"/>
-                </a:solidFill>
-                <a:latin typeface="-apple-system"/>
-              </a:rPr>
-              <a:t>(1~6)</a:t>
-            </a:r>
-          </a:p>
-        </p:txBody>
-      </p:sp>
-      <p:sp>
-        <p:nvSpPr>
-          <p:cNvPr id="4" name="日期版面配置區 3">
-            <a:extLst>
-              <a:ext uri="{FF2B5EF4-FFF2-40B4-BE49-F238E27FC236}">
-                <a16:creationId xmlns:a16="http://schemas.microsoft.com/office/drawing/2014/main" id="{A906F73B-1DBA-4C43-8D2C-1D5F02E8AEC7}"/>
-              </a:ext>
-            </a:extLst>
-          </p:cNvPr>
-          <p:cNvSpPr>
-            <a:spLocks noGrp="1"/>
-          </p:cNvSpPr>
-          <p:nvPr>
-            <p:ph type="dt" sz="half" idx="10"/>
-          </p:nvPr>
-        </p:nvSpPr>
-        <p:spPr/>
-        <p:txBody>
-          <a:bodyPr/>
-          <a:lstStyle/>
-          <a:p>
-            <a:pPr rtl="0"/>
-            <a:fld id="{CE847876-3A2B-49FA-B396-40048599C954}" type="datetime1">
-              <a:rPr lang="zh-TW" altLang="en-US" smtClean="0"/>
-              <a:t>2021/1/12</a:t>
-            </a:fld>
-            <a:endParaRPr lang="en-US"/>
-          </a:p>
-        </p:txBody>
-      </p:sp>
-    </p:spTree>
-    <p:extLst>
-      <p:ext uri="{BB962C8B-B14F-4D97-AF65-F5344CB8AC3E}">
-        <p14:creationId xmlns:p14="http://schemas.microsoft.com/office/powerpoint/2010/main" val="1084278722"/>
-      </p:ext>
-    </p:extLst>
-  </p:cSld>
-  <p:clrMapOvr>
-    <a:masterClrMapping/>
-  </p:clrMapOvr>
-</p:sld>
-</file>
-
-<file path=ppt/slides/slide4.xml><?xml version="1.0" encoding="utf-8"?>
-<p:sld xmlns:a="http://schemas.openxmlformats.org/drawingml/2006/main" xmlns:r="http://schemas.openxmlformats.org/officeDocument/2006/relationships" xmlns:p="http://schemas.openxmlformats.org/presentationml/2006/main">
-  <p:cSld>
-    <p:spTree>
-      <p:nvGrpSpPr>
-        <p:cNvPr id="1" name=""/>
-        <p:cNvGrpSpPr/>
-        <p:nvPr/>
-      </p:nvGrpSpPr>
-      <p:grpSpPr>
-        <a:xfrm>
-          <a:off x="0" y="0"/>
-          <a:ext cx="0" cy="0"/>
-          <a:chOff x="0" y="0"/>
-          <a:chExt cx="0" cy="0"/>
-        </a:xfrm>
-      </p:grpSpPr>
-      <p:sp>
-        <p:nvSpPr>
-          <p:cNvPr id="2" name="標題 1">
-            <a:extLst>
-              <a:ext uri="{FF2B5EF4-FFF2-40B4-BE49-F238E27FC236}">
-                <a16:creationId xmlns:a16="http://schemas.microsoft.com/office/drawing/2014/main" id="{EBFF48DE-E440-400C-92D2-E4439880E208}"/>
-              </a:ext>
-            </a:extLst>
-          </p:cNvPr>
-          <p:cNvSpPr>
-            <a:spLocks noGrp="1"/>
-          </p:cNvSpPr>
-          <p:nvPr>
-            <p:ph type="title"/>
-          </p:nvPr>
-        </p:nvSpPr>
-        <p:spPr/>
-        <p:txBody>
-          <a:bodyPr/>
-          <a:lstStyle/>
-          <a:p>
-            <a:pPr algn="ctr"/>
-            <a:r>
-              <a:rPr lang="zh-TW" altLang="en-US" sz="4000" dirty="0">
-                <a:latin typeface="微軟正黑體" panose="020B0604030504040204" pitchFamily="34" charset="-120"/>
-                <a:ea typeface="微軟正黑體" panose="020B0604030504040204" pitchFamily="34" charset="-120"/>
-              </a:rPr>
-              <a:t>資料說明</a:t>
-            </a:r>
-            <a:endParaRPr lang="zh-TW" altLang="en-US" dirty="0">
-              <a:latin typeface="微軟正黑體" panose="020B0604030504040204" pitchFamily="34" charset="-120"/>
-              <a:ea typeface="微軟正黑體" panose="020B0604030504040204" pitchFamily="34" charset="-120"/>
-            </a:endParaRPr>
-          </a:p>
-        </p:txBody>
-      </p:sp>
-      <p:sp>
-        <p:nvSpPr>
-          <p:cNvPr id="3" name="內容版面配置區 2">
-            <a:extLst>
-              <a:ext uri="{FF2B5EF4-FFF2-40B4-BE49-F238E27FC236}">
-                <a16:creationId xmlns:a16="http://schemas.microsoft.com/office/drawing/2014/main" id="{BB963837-ADA6-4E29-8B16-5DE8465B3A55}"/>
-              </a:ext>
-            </a:extLst>
-          </p:cNvPr>
-          <p:cNvSpPr>
-            <a:spLocks noGrp="1"/>
-          </p:cNvSpPr>
-          <p:nvPr>
-            <p:ph idx="1"/>
-          </p:nvPr>
-        </p:nvSpPr>
-        <p:spPr>
-          <a:xfrm>
-            <a:off x="1066800" y="2277036"/>
-            <a:ext cx="10058400" cy="3675708"/>
-          </a:xfrm>
-        </p:spPr>
-        <p:txBody>
-          <a:bodyPr/>
-          <a:lstStyle/>
-          <a:p>
-            <a:pPr algn="l">
-              <a:buFont typeface="Arial" panose="020B0604020202020204" pitchFamily="34" charset="0"/>
-              <a:buChar char="•"/>
-            </a:pPr>
-            <a:r>
-              <a:rPr lang="en-US" altLang="zh-TW" sz="2400" b="0" i="0" dirty="0">
-                <a:solidFill>
-                  <a:srgbClr val="24292E"/>
-                </a:solidFill>
-                <a:effectLst/>
-                <a:latin typeface="-apple-system"/>
-              </a:rPr>
-              <a:t>001_</a:t>
-            </a:r>
-            <a:r>
-              <a:rPr lang="zh-TW" altLang="en-US" sz="2400" b="0" i="0" dirty="0">
-                <a:solidFill>
-                  <a:srgbClr val="24292E"/>
-                </a:solidFill>
-                <a:effectLst/>
-                <a:latin typeface="-apple-system"/>
-              </a:rPr>
-              <a:t>中文資料</a:t>
-            </a:r>
-            <a:r>
-              <a:rPr lang="en-US" altLang="zh-TW" sz="2400" b="0" i="0" dirty="0">
-                <a:solidFill>
-                  <a:srgbClr val="24292E"/>
-                </a:solidFill>
-                <a:effectLst/>
-                <a:latin typeface="-apple-system"/>
-              </a:rPr>
-              <a:t>.csv</a:t>
-            </a:r>
-            <a:r>
-              <a:rPr lang="zh-TW" altLang="en-US" sz="2400" b="0" i="0" dirty="0">
-                <a:solidFill>
-                  <a:srgbClr val="24292E"/>
-                </a:solidFill>
-                <a:effectLst/>
-                <a:latin typeface="-apple-system"/>
-              </a:rPr>
-              <a:t>：歌曲的</a:t>
-            </a:r>
-            <a:r>
-              <a:rPr lang="zh-TW" altLang="en-US" sz="2400" dirty="0">
-                <a:solidFill>
-                  <a:srgbClr val="24292E"/>
-                </a:solidFill>
-                <a:latin typeface="-apple-system"/>
-              </a:rPr>
-              <a:t>原始資料</a:t>
-            </a:r>
-            <a:endParaRPr lang="en-US" altLang="zh-TW" sz="2400" b="0" i="0" dirty="0">
-              <a:solidFill>
-                <a:srgbClr val="24292E"/>
-              </a:solidFill>
-              <a:effectLst/>
-              <a:latin typeface="-apple-system"/>
-            </a:endParaRPr>
-          </a:p>
-          <a:p>
-            <a:pPr lvl="2">
-              <a:buFont typeface="Arial" panose="020B0604020202020204" pitchFamily="34" charset="0"/>
-              <a:buChar char="•"/>
-            </a:pPr>
-            <a:r>
-              <a:rPr lang="zh-TW" altLang="en-US" sz="1600" b="0" i="0" dirty="0">
-                <a:solidFill>
-                  <a:srgbClr val="24292E"/>
-                </a:solidFill>
-                <a:effectLst/>
-                <a:latin typeface="-apple-system"/>
-              </a:rPr>
-              <a:t>包含歌名、歌詞、分類、作詞者、作曲者、發行年份與收藏頻率。</a:t>
-            </a:r>
-            <a:endParaRPr lang="en-US" altLang="zh-TW" sz="1600" b="0" i="0" dirty="0">
-              <a:solidFill>
-                <a:srgbClr val="24292E"/>
-              </a:solidFill>
-              <a:effectLst/>
-              <a:latin typeface="-apple-system"/>
-            </a:endParaRPr>
-          </a:p>
-          <a:p>
-            <a:pPr lvl="2">
-              <a:buFont typeface="Arial" panose="020B0604020202020204" pitchFamily="34" charset="0"/>
-              <a:buChar char="•"/>
-            </a:pPr>
-            <a:endParaRPr lang="en-US" altLang="zh-TW" sz="1600" dirty="0">
-              <a:solidFill>
-                <a:srgbClr val="24292E"/>
-              </a:solidFill>
-              <a:latin typeface="-apple-system"/>
-            </a:endParaRPr>
-          </a:p>
-          <a:p>
-            <a:pPr lvl="2">
-              <a:buFont typeface="Arial" panose="020B0604020202020204" pitchFamily="34" charset="0"/>
-              <a:buChar char="•"/>
-            </a:pPr>
-            <a:endParaRPr lang="zh-TW" altLang="en-US" sz="1600" b="0" i="0" dirty="0">
-              <a:solidFill>
-                <a:srgbClr val="24292E"/>
-              </a:solidFill>
-              <a:effectLst/>
-              <a:latin typeface="-apple-system"/>
-            </a:endParaRPr>
-          </a:p>
-          <a:p>
-            <a:pPr algn="l">
-              <a:buFont typeface="Arial" panose="020B0604020202020204" pitchFamily="34" charset="0"/>
-              <a:buChar char="•"/>
-            </a:pPr>
-            <a:r>
-              <a:rPr lang="en-US" altLang="zh-TW" sz="2400" b="0" i="0" dirty="0">
-                <a:solidFill>
-                  <a:srgbClr val="24292E"/>
-                </a:solidFill>
-                <a:effectLst/>
-                <a:latin typeface="-apple-system"/>
-              </a:rPr>
-              <a:t>002_w2vDim400_1215.csv</a:t>
-            </a:r>
-            <a:r>
-              <a:rPr lang="zh-TW" altLang="en-US" sz="2400" b="0" i="0" dirty="0">
-                <a:solidFill>
-                  <a:srgbClr val="24292E"/>
-                </a:solidFill>
-                <a:effectLst/>
-                <a:latin typeface="-apple-system"/>
-              </a:rPr>
-              <a:t>：將原始資料進行</a:t>
-            </a:r>
-            <a:r>
-              <a:rPr lang="en-US" altLang="zh-TW" sz="2400" b="0" i="0" dirty="0">
-                <a:solidFill>
-                  <a:srgbClr val="24292E"/>
-                </a:solidFill>
-                <a:effectLst/>
-                <a:latin typeface="-apple-system"/>
-              </a:rPr>
-              <a:t>word embedding</a:t>
-            </a:r>
-            <a:endParaRPr lang="en-US" altLang="zh-TW" sz="2400" dirty="0">
-              <a:solidFill>
-                <a:srgbClr val="24292E"/>
-              </a:solidFill>
-              <a:latin typeface="-apple-system"/>
-            </a:endParaRPr>
-          </a:p>
-          <a:p>
-            <a:pPr lvl="2">
-              <a:buFont typeface="Arial" panose="020B0604020202020204" pitchFamily="34" charset="0"/>
-              <a:buChar char="•"/>
-            </a:pPr>
-            <a:r>
-              <a:rPr lang="zh-TW" altLang="en-US" sz="1600" b="0" i="0" dirty="0">
-                <a:solidFill>
-                  <a:srgbClr val="24292E"/>
-                </a:solidFill>
-                <a:effectLst/>
-                <a:latin typeface="-apple-system"/>
-              </a:rPr>
-              <a:t>將歌詞透過</a:t>
-            </a:r>
-            <a:r>
-              <a:rPr lang="en-US" altLang="zh-TW" sz="1600" b="0" i="0" dirty="0">
-                <a:solidFill>
-                  <a:srgbClr val="24292E"/>
-                </a:solidFill>
-                <a:effectLst/>
-                <a:latin typeface="-apple-system"/>
-              </a:rPr>
-              <a:t>word2vec</a:t>
-            </a:r>
-            <a:r>
-              <a:rPr lang="zh-TW" altLang="en-US" sz="1600" b="0" i="0" dirty="0">
-                <a:solidFill>
-                  <a:srgbClr val="24292E"/>
-                </a:solidFill>
-                <a:effectLst/>
-                <a:latin typeface="-apple-system"/>
-              </a:rPr>
-              <a:t>進行</a:t>
-            </a:r>
-            <a:r>
-              <a:rPr lang="en-US" altLang="zh-TW" sz="1600" b="0" i="0" dirty="0">
-                <a:solidFill>
-                  <a:srgbClr val="24292E"/>
-                </a:solidFill>
-                <a:effectLst/>
-                <a:latin typeface="-apple-system"/>
-              </a:rPr>
-              <a:t>word embedding</a:t>
-            </a:r>
-            <a:r>
-              <a:rPr lang="zh-TW" altLang="en-US" sz="1600" b="0" i="0" dirty="0">
-                <a:solidFill>
-                  <a:srgbClr val="24292E"/>
-                </a:solidFill>
-                <a:effectLst/>
-                <a:latin typeface="-apple-system"/>
-              </a:rPr>
-              <a:t>取</a:t>
-            </a:r>
-            <a:r>
-              <a:rPr lang="en-US" altLang="zh-TW" sz="1600" b="0" i="0" dirty="0">
-                <a:solidFill>
-                  <a:srgbClr val="24292E"/>
-                </a:solidFill>
-                <a:effectLst/>
-                <a:latin typeface="-apple-system"/>
-              </a:rPr>
-              <a:t>400</a:t>
-            </a:r>
-            <a:r>
-              <a:rPr lang="zh-TW" altLang="en-US" sz="1600" b="0" i="0" dirty="0">
-                <a:solidFill>
-                  <a:srgbClr val="24292E"/>
-                </a:solidFill>
-                <a:effectLst/>
-                <a:latin typeface="-apple-system"/>
-              </a:rPr>
-              <a:t>維。</a:t>
-            </a:r>
-          </a:p>
-          <a:p>
-            <a:pPr algn="l">
-              <a:buFont typeface="Arial" panose="020B0604020202020204" pitchFamily="34" charset="0"/>
-              <a:buChar char="•"/>
-            </a:pPr>
-            <a:r>
-              <a:rPr lang="en-US" altLang="zh-TW" sz="2400" b="0" i="0" dirty="0">
-                <a:solidFill>
-                  <a:srgbClr val="24292E"/>
-                </a:solidFill>
-                <a:effectLst/>
-                <a:latin typeface="-apple-system"/>
-              </a:rPr>
-              <a:t>003_tfidf_0110.csv</a:t>
-            </a:r>
-            <a:r>
-              <a:rPr lang="zh-TW" altLang="en-US" sz="2400" b="0" i="0" dirty="0">
-                <a:solidFill>
-                  <a:srgbClr val="24292E"/>
-                </a:solidFill>
-                <a:effectLst/>
-                <a:latin typeface="-apple-system"/>
-              </a:rPr>
-              <a:t>：在資料處理中加入</a:t>
-            </a:r>
-            <a:r>
-              <a:rPr lang="en-US" altLang="zh-TW" sz="2400" dirty="0" err="1">
-                <a:solidFill>
-                  <a:srgbClr val="24292E"/>
-                </a:solidFill>
-                <a:latin typeface="-apple-system"/>
-              </a:rPr>
-              <a:t>tf_idf</a:t>
-            </a:r>
-            <a:r>
-              <a:rPr lang="zh-TW" altLang="en-US" sz="2400" dirty="0">
-                <a:solidFill>
-                  <a:srgbClr val="24292E"/>
-                </a:solidFill>
-                <a:latin typeface="-apple-system"/>
-              </a:rPr>
-              <a:t>，並以</a:t>
-            </a:r>
-            <a:r>
-              <a:rPr lang="en-US" altLang="zh-TW" sz="2400" dirty="0">
-                <a:solidFill>
-                  <a:srgbClr val="24292E"/>
-                </a:solidFill>
-                <a:latin typeface="-apple-system"/>
-              </a:rPr>
-              <a:t>SVD</a:t>
-            </a:r>
-            <a:r>
-              <a:rPr lang="zh-TW" altLang="en-US" sz="2400" dirty="0">
-                <a:solidFill>
-                  <a:srgbClr val="24292E"/>
-                </a:solidFill>
-                <a:latin typeface="-apple-system"/>
-              </a:rPr>
-              <a:t>進行降維</a:t>
-            </a:r>
-            <a:endParaRPr lang="en-US" altLang="zh-TW" sz="2400" b="0" i="0" dirty="0">
-              <a:solidFill>
-                <a:srgbClr val="24292E"/>
-              </a:solidFill>
-              <a:effectLst/>
-              <a:latin typeface="-apple-system"/>
-            </a:endParaRPr>
-          </a:p>
-          <a:p>
-            <a:pPr lvl="2">
-              <a:buFont typeface="Arial" panose="020B0604020202020204" pitchFamily="34" charset="0"/>
-              <a:buChar char="•"/>
-            </a:pPr>
-            <a:r>
-              <a:rPr lang="zh-TW" altLang="en-US" sz="1600" b="0" i="0" dirty="0">
-                <a:solidFill>
-                  <a:srgbClr val="24292E"/>
-                </a:solidFill>
-                <a:effectLst/>
-                <a:latin typeface="-apple-system"/>
-              </a:rPr>
-              <a:t>將歌名透過</a:t>
-            </a:r>
-            <a:r>
-              <a:rPr lang="en-US" altLang="zh-TW" sz="1600" b="0" i="0" dirty="0">
-                <a:solidFill>
-                  <a:srgbClr val="24292E"/>
-                </a:solidFill>
-                <a:effectLst/>
-                <a:latin typeface="-apple-system"/>
-              </a:rPr>
-              <a:t>word2vec</a:t>
-            </a:r>
-            <a:r>
-              <a:rPr lang="zh-TW" altLang="en-US" sz="1600" b="0" i="0" dirty="0">
-                <a:solidFill>
-                  <a:srgbClr val="24292E"/>
-                </a:solidFill>
-                <a:effectLst/>
-                <a:latin typeface="-apple-system"/>
-              </a:rPr>
-              <a:t>進行</a:t>
-            </a:r>
-            <a:r>
-              <a:rPr lang="en-US" altLang="zh-TW" sz="1600" b="0" i="0" dirty="0">
-                <a:solidFill>
-                  <a:srgbClr val="24292E"/>
-                </a:solidFill>
-                <a:effectLst/>
-                <a:latin typeface="-apple-system"/>
-              </a:rPr>
-              <a:t>word embedding</a:t>
-            </a:r>
-            <a:r>
-              <a:rPr lang="zh-TW" altLang="en-US" sz="1600" b="0" i="0" dirty="0">
-                <a:solidFill>
-                  <a:srgbClr val="24292E"/>
-                </a:solidFill>
-                <a:effectLst/>
-                <a:latin typeface="-apple-system"/>
-              </a:rPr>
-              <a:t>取</a:t>
-            </a:r>
-            <a:r>
-              <a:rPr lang="en-US" altLang="zh-TW" sz="1600" b="0" i="0" dirty="0">
-                <a:solidFill>
-                  <a:srgbClr val="24292E"/>
-                </a:solidFill>
-                <a:effectLst/>
-                <a:latin typeface="-apple-system"/>
-              </a:rPr>
-              <a:t>400</a:t>
-            </a:r>
-            <a:r>
-              <a:rPr lang="zh-TW" altLang="en-US" sz="1600" b="0" i="0" dirty="0">
-                <a:solidFill>
-                  <a:srgbClr val="24292E"/>
-                </a:solidFill>
-                <a:effectLst/>
-                <a:latin typeface="-apple-system"/>
-              </a:rPr>
-              <a:t>維、歌詞透過</a:t>
-            </a:r>
-            <a:r>
-              <a:rPr lang="en-US" altLang="zh-TW" sz="1600" b="0" i="0" dirty="0" err="1">
-                <a:solidFill>
-                  <a:srgbClr val="24292E"/>
-                </a:solidFill>
-                <a:effectLst/>
-                <a:latin typeface="-apple-system"/>
-              </a:rPr>
-              <a:t>tf-idf</a:t>
-            </a:r>
-            <a:r>
-              <a:rPr lang="zh-TW" altLang="en-US" sz="1600" b="0" i="0" dirty="0">
-                <a:solidFill>
-                  <a:srgbClr val="24292E"/>
-                </a:solidFill>
-                <a:effectLst/>
-                <a:latin typeface="-apple-system"/>
-              </a:rPr>
-              <a:t>進行</a:t>
-            </a:r>
-            <a:r>
-              <a:rPr lang="en-US" altLang="zh-TW" sz="1600" b="0" i="0" dirty="0">
-                <a:solidFill>
-                  <a:srgbClr val="24292E"/>
-                </a:solidFill>
-                <a:effectLst/>
-                <a:latin typeface="-apple-system"/>
-              </a:rPr>
-              <a:t>word embedding</a:t>
-            </a:r>
-            <a:r>
-              <a:rPr lang="zh-TW" altLang="en-US" sz="1600" b="0" i="0" dirty="0">
-                <a:solidFill>
-                  <a:srgbClr val="24292E"/>
-                </a:solidFill>
-                <a:effectLst/>
-                <a:latin typeface="-apple-system"/>
-              </a:rPr>
-              <a:t>後透過</a:t>
-            </a:r>
-            <a:r>
-              <a:rPr lang="en-US" altLang="zh-TW" sz="1600" b="0" i="0" dirty="0" err="1">
-                <a:solidFill>
-                  <a:srgbClr val="24292E"/>
-                </a:solidFill>
-                <a:effectLst/>
-                <a:latin typeface="-apple-system"/>
-              </a:rPr>
-              <a:t>svd</a:t>
-            </a:r>
-            <a:r>
-              <a:rPr lang="zh-TW" altLang="en-US" sz="1600" b="0" i="0" dirty="0">
-                <a:solidFill>
-                  <a:srgbClr val="24292E"/>
-                </a:solidFill>
-                <a:effectLst/>
-                <a:latin typeface="-apple-system"/>
-              </a:rPr>
-              <a:t>降維至</a:t>
-            </a:r>
-            <a:r>
-              <a:rPr lang="en-US" altLang="zh-TW" sz="1600" b="0" i="0" dirty="0">
-                <a:solidFill>
-                  <a:srgbClr val="24292E"/>
-                </a:solidFill>
-                <a:effectLst/>
-                <a:latin typeface="-apple-system"/>
-              </a:rPr>
-              <a:t>200</a:t>
-            </a:r>
-            <a:r>
-              <a:rPr lang="zh-TW" altLang="en-US" sz="1600" b="0" i="0" dirty="0">
-                <a:solidFill>
-                  <a:srgbClr val="24292E"/>
-                </a:solidFill>
-                <a:effectLst/>
-                <a:latin typeface="-apple-system"/>
-              </a:rPr>
-              <a:t>，另有新增歌曲的情感分數</a:t>
-            </a:r>
-            <a:r>
-              <a:rPr lang="en-US" altLang="zh-TW" sz="1600" b="0" i="0" dirty="0">
-                <a:solidFill>
-                  <a:srgbClr val="24292E"/>
-                </a:solidFill>
-                <a:effectLst/>
-                <a:latin typeface="-apple-system"/>
-              </a:rPr>
-              <a:t>(Valence, Arousal)2</a:t>
-            </a:r>
-            <a:r>
-              <a:rPr lang="zh-TW" altLang="en-US" sz="1600" b="0" i="0" dirty="0">
-                <a:solidFill>
-                  <a:srgbClr val="24292E"/>
-                </a:solidFill>
-                <a:effectLst/>
-                <a:latin typeface="-apple-system"/>
-              </a:rPr>
-              <a:t>維。</a:t>
-            </a:r>
-          </a:p>
-          <a:p>
-            <a:endParaRPr lang="zh-TW" altLang="en-US" dirty="0"/>
-          </a:p>
-        </p:txBody>
-      </p:sp>
-      <p:sp>
-        <p:nvSpPr>
-          <p:cNvPr id="4" name="日期版面配置區 3">
-            <a:extLst>
-              <a:ext uri="{FF2B5EF4-FFF2-40B4-BE49-F238E27FC236}">
-                <a16:creationId xmlns:a16="http://schemas.microsoft.com/office/drawing/2014/main" id="{98AAE954-72E7-4B55-A24C-8C9865F82A24}"/>
-              </a:ext>
-            </a:extLst>
-          </p:cNvPr>
-          <p:cNvSpPr>
-            <a:spLocks noGrp="1"/>
-          </p:cNvSpPr>
-          <p:nvPr>
-            <p:ph type="dt" sz="half" idx="10"/>
-          </p:nvPr>
-        </p:nvSpPr>
-        <p:spPr/>
-        <p:txBody>
-          <a:bodyPr/>
-          <a:lstStyle/>
-          <a:p>
-            <a:pPr rtl="0"/>
-            <a:fld id="{CE847876-3A2B-49FA-B396-40048599C954}" type="datetime1">
-              <a:rPr lang="zh-TW" altLang="en-US" smtClean="0"/>
-              <a:t>2021/1/12</a:t>
-            </a:fld>
-            <a:endParaRPr lang="en-US"/>
-          </a:p>
-        </p:txBody>
-      </p:sp>
-      <p:pic>
-        <p:nvPicPr>
-          <p:cNvPr id="6" name="圖片 5" descr="一張含有 桌 的圖片&#10;&#10;自動產生的描述">
-            <a:extLst>
-              <a:ext uri="{FF2B5EF4-FFF2-40B4-BE49-F238E27FC236}">
-                <a16:creationId xmlns:a16="http://schemas.microsoft.com/office/drawing/2014/main" id="{B3B6121E-D716-48A7-8D73-BF4F813B08A2}"/>
-              </a:ext>
-            </a:extLst>
-          </p:cNvPr>
-          <p:cNvPicPr>
-            <a:picLocks noChangeAspect="1"/>
-          </p:cNvPicPr>
-          <p:nvPr/>
-        </p:nvPicPr>
-        <p:blipFill rotWithShape="1">
-          <a:blip r:embed="rId2">
-            <a:extLst>
-              <a:ext uri="{28A0092B-C50C-407E-A947-70E740481C1C}">
-                <a14:useLocalDpi xmlns:a14="http://schemas.microsoft.com/office/drawing/2010/main" val="0"/>
-              </a:ext>
-            </a:extLst>
-          </a:blip>
-          <a:srcRect r="12615" b="86565"/>
-          <a:stretch/>
-        </p:blipFill>
-        <p:spPr>
-          <a:xfrm>
-            <a:off x="1514038" y="3129167"/>
-            <a:ext cx="9163924" cy="599665"/>
-          </a:xfrm>
-          <a:prstGeom prst="rect">
-            <a:avLst/>
-          </a:prstGeom>
-        </p:spPr>
-      </p:pic>
-    </p:spTree>
-    <p:extLst>
-      <p:ext uri="{BB962C8B-B14F-4D97-AF65-F5344CB8AC3E}">
-        <p14:creationId xmlns:p14="http://schemas.microsoft.com/office/powerpoint/2010/main" val="409503294"/>
-      </p:ext>
-    </p:extLst>
-  </p:cSld>
-  <p:clrMapOvr>
-    <a:masterClrMapping/>
-  </p:clrMapOvr>
-</p:sld>
-</file>
-
-<file path=ppt/slides/slide5.xml><?xml version="1.0" encoding="utf-8"?>
-<p:sld xmlns:a="http://schemas.openxmlformats.org/drawingml/2006/main" xmlns:r="http://schemas.openxmlformats.org/officeDocument/2006/relationships" xmlns:p="http://schemas.openxmlformats.org/presentationml/2006/main">
-  <p:cSld>
-    <p:spTree>
-      <p:nvGrpSpPr>
-        <p:cNvPr id="1" name=""/>
-        <p:cNvGrpSpPr/>
-        <p:nvPr/>
-      </p:nvGrpSpPr>
-      <p:grpSpPr>
-        <a:xfrm>
-          <a:off x="0" y="0"/>
-          <a:ext cx="0" cy="0"/>
-          <a:chOff x="0" y="0"/>
-          <a:chExt cx="0" cy="0"/>
-        </a:xfrm>
-      </p:grpSpPr>
-      <p:sp>
-        <p:nvSpPr>
-          <p:cNvPr id="2" name="標題 1">
-            <a:extLst>
-              <a:ext uri="{FF2B5EF4-FFF2-40B4-BE49-F238E27FC236}">
-                <a16:creationId xmlns:a16="http://schemas.microsoft.com/office/drawing/2014/main" id="{EBFF48DE-E440-400C-92D2-E4439880E208}"/>
-              </a:ext>
-            </a:extLst>
-          </p:cNvPr>
-          <p:cNvSpPr>
-            <a:spLocks noGrp="1"/>
-          </p:cNvSpPr>
-          <p:nvPr>
-            <p:ph type="title"/>
-          </p:nvPr>
-        </p:nvSpPr>
-        <p:spPr/>
-        <p:txBody>
-          <a:bodyPr/>
-          <a:lstStyle/>
-          <a:p>
-            <a:pPr algn="ctr"/>
-            <a:r>
-              <a:rPr lang="zh-TW" altLang="en-US" sz="4000" dirty="0">
-                <a:latin typeface="微軟正黑體" panose="020B0604030504040204" pitchFamily="34" charset="-120"/>
-                <a:ea typeface="微軟正黑體" panose="020B0604030504040204" pitchFamily="34" charset="-120"/>
-              </a:rPr>
-              <a:t>資料說明</a:t>
-            </a:r>
-            <a:endParaRPr lang="zh-TW" altLang="en-US" dirty="0">
-              <a:latin typeface="微軟正黑體" panose="020B0604030504040204" pitchFamily="34" charset="-120"/>
-              <a:ea typeface="微軟正黑體" panose="020B0604030504040204" pitchFamily="34" charset="-120"/>
-            </a:endParaRPr>
-          </a:p>
-        </p:txBody>
-      </p:sp>
-      <p:sp>
-        <p:nvSpPr>
-          <p:cNvPr id="4" name="日期版面配置區 3">
-            <a:extLst>
-              <a:ext uri="{FF2B5EF4-FFF2-40B4-BE49-F238E27FC236}">
-                <a16:creationId xmlns:a16="http://schemas.microsoft.com/office/drawing/2014/main" id="{98AAE954-72E7-4B55-A24C-8C9865F82A24}"/>
-              </a:ext>
-            </a:extLst>
-          </p:cNvPr>
-          <p:cNvSpPr>
-            <a:spLocks noGrp="1"/>
-          </p:cNvSpPr>
-          <p:nvPr>
-            <p:ph type="dt" sz="half" idx="10"/>
-          </p:nvPr>
-        </p:nvSpPr>
-        <p:spPr/>
-        <p:txBody>
-          <a:bodyPr/>
-          <a:lstStyle/>
-          <a:p>
-            <a:pPr rtl="0"/>
-            <a:fld id="{CE847876-3A2B-49FA-B396-40048599C954}" type="datetime1">
-              <a:rPr lang="zh-TW" altLang="en-US" smtClean="0"/>
-              <a:t>2021/1/12</a:t>
-            </a:fld>
-            <a:endParaRPr lang="en-US"/>
-          </a:p>
-        </p:txBody>
-      </p:sp>
-      <p:pic>
-        <p:nvPicPr>
-          <p:cNvPr id="9" name="圖片 8">
-            <a:extLst>
-              <a:ext uri="{FF2B5EF4-FFF2-40B4-BE49-F238E27FC236}">
-                <a16:creationId xmlns:a16="http://schemas.microsoft.com/office/drawing/2014/main" id="{B6D2F0A0-F0A0-43DE-B065-0B2491B9DDB9}"/>
-              </a:ext>
-            </a:extLst>
-          </p:cNvPr>
-          <p:cNvPicPr>
-            <a:picLocks noChangeAspect="1"/>
-          </p:cNvPicPr>
-          <p:nvPr/>
-        </p:nvPicPr>
-        <p:blipFill>
-          <a:blip r:embed="rId2">
-            <a:extLst>
-              <a:ext uri="{28A0092B-C50C-407E-A947-70E740481C1C}">
-                <a14:useLocalDpi xmlns:a14="http://schemas.microsoft.com/office/drawing/2010/main" val="0"/>
-              </a:ext>
-            </a:extLst>
-          </a:blip>
-          <a:stretch>
-            <a:fillRect/>
-          </a:stretch>
-        </p:blipFill>
-        <p:spPr>
-          <a:xfrm>
-            <a:off x="1191087" y="1731012"/>
-            <a:ext cx="9809825" cy="4156825"/>
-          </a:xfrm>
-          <a:prstGeom prst="rect">
-            <a:avLst/>
-          </a:prstGeom>
-        </p:spPr>
-      </p:pic>
-    </p:spTree>
-    <p:extLst>
-      <p:ext uri="{BB962C8B-B14F-4D97-AF65-F5344CB8AC3E}">
-        <p14:creationId xmlns:p14="http://schemas.microsoft.com/office/powerpoint/2010/main" val="3711904184"/>
-      </p:ext>
-    </p:extLst>
-  </p:cSld>
-  <p:clrMapOvr>
-    <a:masterClrMapping/>
-  </p:clrMapOvr>
-</p:sld>
-</file>
-
-<file path=ppt/slides/slide6.xml><?xml version="1.0" encoding="utf-8"?>
-<p:sld xmlns:a="http://schemas.openxmlformats.org/drawingml/2006/main" xmlns:r="http://schemas.openxmlformats.org/officeDocument/2006/relationships" xmlns:p="http://schemas.openxmlformats.org/presentationml/2006/main">
-  <p:cSld>
-    <p:spTree>
-      <p:nvGrpSpPr>
-        <p:cNvPr id="1" name=""/>
-        <p:cNvGrpSpPr/>
-        <p:nvPr/>
-      </p:nvGrpSpPr>
-      <p:grpSpPr>
-        <a:xfrm>
-          <a:off x="0" y="0"/>
-          <a:ext cx="0" cy="0"/>
-          <a:chOff x="0" y="0"/>
-          <a:chExt cx="0" cy="0"/>
-        </a:xfrm>
-      </p:grpSpPr>
-      <p:sp>
-        <p:nvSpPr>
-          <p:cNvPr id="2" name="標題 1">
-            <a:extLst>
-              <a:ext uri="{FF2B5EF4-FFF2-40B4-BE49-F238E27FC236}">
-                <a16:creationId xmlns:a16="http://schemas.microsoft.com/office/drawing/2014/main" id="{4EA78B8B-9B3A-4BBD-A67D-2D46E84B98BA}"/>
-              </a:ext>
-            </a:extLst>
-          </p:cNvPr>
-          <p:cNvSpPr>
-            <a:spLocks noGrp="1"/>
-          </p:cNvSpPr>
-          <p:nvPr>
-            <p:ph type="title"/>
-          </p:nvPr>
-        </p:nvSpPr>
-        <p:spPr/>
-        <p:txBody>
-          <a:bodyPr/>
-          <a:lstStyle/>
-          <a:p>
-            <a:pPr algn="ctr"/>
-            <a:r>
-              <a:rPr lang="zh-TW" altLang="en-US" sz="4000" dirty="0">
-                <a:latin typeface="微軟正黑體" panose="020B0604030504040204" pitchFamily="34" charset="-120"/>
-                <a:ea typeface="微軟正黑體" panose="020B0604030504040204" pitchFamily="34" charset="-120"/>
-              </a:rPr>
-              <a:t>分類目標</a:t>
-            </a:r>
-            <a:endParaRPr lang="zh-TW" altLang="en-US" dirty="0">
-              <a:latin typeface="微軟正黑體" panose="020B0604030504040204" pitchFamily="34" charset="-120"/>
-              <a:ea typeface="微軟正黑體" panose="020B0604030504040204" pitchFamily="34" charset="-120"/>
-            </a:endParaRPr>
-          </a:p>
-        </p:txBody>
-      </p:sp>
-      <p:sp>
-        <p:nvSpPr>
-          <p:cNvPr id="3" name="內容版面配置區 2">
-            <a:extLst>
-              <a:ext uri="{FF2B5EF4-FFF2-40B4-BE49-F238E27FC236}">
-                <a16:creationId xmlns:a16="http://schemas.microsoft.com/office/drawing/2014/main" id="{D463190B-0139-43DC-8F87-57AF31CF56F1}"/>
-              </a:ext>
-            </a:extLst>
-          </p:cNvPr>
-          <p:cNvSpPr>
-            <a:spLocks noGrp="1"/>
-          </p:cNvSpPr>
-          <p:nvPr>
-            <p:ph idx="1"/>
-          </p:nvPr>
-        </p:nvSpPr>
-        <p:spPr/>
-        <p:txBody>
-          <a:bodyPr>
-            <a:normAutofit/>
-          </a:bodyPr>
-          <a:lstStyle/>
-          <a:p>
-            <a:pPr lvl="1">
-              <a:lnSpc>
-                <a:spcPct val="150000"/>
-              </a:lnSpc>
-              <a:spcBef>
-                <a:spcPts val="2400"/>
-              </a:spcBef>
-              <a:buFont typeface="Wingdings" panose="05000000000000000000" pitchFamily="2" charset="2"/>
-              <a:buChar char="l"/>
-            </a:pPr>
-            <a:r>
-              <a:rPr lang="en-US" altLang="zh-TW" sz="3000" dirty="0">
-                <a:solidFill>
-                  <a:srgbClr val="24292E"/>
-                </a:solidFill>
-                <a:latin typeface="微軟正黑體" panose="020B0604030504040204" pitchFamily="34" charset="-120"/>
-                <a:ea typeface="微軟正黑體" panose="020B0604030504040204" pitchFamily="34" charset="-120"/>
-              </a:rPr>
-              <a:t>Encourage</a:t>
-            </a:r>
-            <a:r>
-              <a:rPr lang="zh-TW" altLang="en-US" sz="3000" dirty="0">
-                <a:solidFill>
-                  <a:srgbClr val="24292E"/>
-                </a:solidFill>
-                <a:latin typeface="微軟正黑體" panose="020B0604030504040204" pitchFamily="34" charset="-120"/>
-                <a:ea typeface="微軟正黑體" panose="020B0604030504040204" pitchFamily="34" charset="-120"/>
-              </a:rPr>
-              <a:t> </a:t>
-            </a:r>
-            <a:r>
-              <a:rPr lang="en-US" altLang="zh-TW" sz="3000" dirty="0">
-                <a:solidFill>
-                  <a:srgbClr val="24292E"/>
-                </a:solidFill>
-                <a:latin typeface="微軟正黑體" panose="020B0604030504040204" pitchFamily="34" charset="-120"/>
-                <a:ea typeface="微軟正黑體" panose="020B0604030504040204" pitchFamily="34" charset="-120"/>
-              </a:rPr>
-              <a:t>(</a:t>
-            </a:r>
-            <a:r>
-              <a:rPr lang="zh-TW" altLang="en-US" sz="3000" dirty="0">
-                <a:solidFill>
-                  <a:srgbClr val="24292E"/>
-                </a:solidFill>
-                <a:latin typeface="微軟正黑體" panose="020B0604030504040204" pitchFamily="34" charset="-120"/>
-                <a:ea typeface="微軟正黑體" panose="020B0604030504040204" pitchFamily="34" charset="-120"/>
-              </a:rPr>
-              <a:t>勵志</a:t>
-            </a:r>
-            <a:r>
-              <a:rPr lang="en-US" altLang="zh-TW" sz="3000" dirty="0">
-                <a:solidFill>
-                  <a:srgbClr val="24292E"/>
-                </a:solidFill>
-                <a:latin typeface="微軟正黑體" panose="020B0604030504040204" pitchFamily="34" charset="-120"/>
-                <a:ea typeface="微軟正黑體" panose="020B0604030504040204" pitchFamily="34" charset="-120"/>
-              </a:rPr>
-              <a:t>)</a:t>
-            </a:r>
-          </a:p>
-          <a:p>
-            <a:pPr lvl="1">
-              <a:lnSpc>
-                <a:spcPct val="150000"/>
-              </a:lnSpc>
-              <a:spcBef>
-                <a:spcPts val="2400"/>
-              </a:spcBef>
-              <a:buFont typeface="Wingdings" panose="05000000000000000000" pitchFamily="2" charset="2"/>
-              <a:buChar char="l"/>
-            </a:pPr>
-            <a:r>
-              <a:rPr lang="en-US" altLang="zh-TW" sz="3000" dirty="0">
-                <a:solidFill>
-                  <a:srgbClr val="24292E"/>
-                </a:solidFill>
-                <a:latin typeface="微軟正黑體" panose="020B0604030504040204" pitchFamily="34" charset="-120"/>
-                <a:ea typeface="微軟正黑體" panose="020B0604030504040204" pitchFamily="34" charset="-120"/>
-              </a:rPr>
-              <a:t>Family</a:t>
-            </a:r>
-            <a:r>
-              <a:rPr lang="zh-TW" altLang="en-US" sz="3000" dirty="0">
-                <a:solidFill>
-                  <a:srgbClr val="24292E"/>
-                </a:solidFill>
-                <a:latin typeface="微軟正黑體" panose="020B0604030504040204" pitchFamily="34" charset="-120"/>
-                <a:ea typeface="微軟正黑體" panose="020B0604030504040204" pitchFamily="34" charset="-120"/>
-              </a:rPr>
-              <a:t> </a:t>
-            </a:r>
-            <a:r>
-              <a:rPr lang="en-US" altLang="zh-TW" sz="3000" dirty="0">
-                <a:solidFill>
-                  <a:srgbClr val="24292E"/>
-                </a:solidFill>
-                <a:latin typeface="微軟正黑體" panose="020B0604030504040204" pitchFamily="34" charset="-120"/>
-                <a:ea typeface="微軟正黑體" panose="020B0604030504040204" pitchFamily="34" charset="-120"/>
-              </a:rPr>
-              <a:t>(</a:t>
-            </a:r>
-            <a:r>
-              <a:rPr lang="zh-TW" altLang="en-US" sz="3000" dirty="0">
-                <a:solidFill>
-                  <a:srgbClr val="24292E"/>
-                </a:solidFill>
-                <a:latin typeface="微軟正黑體" panose="020B0604030504040204" pitchFamily="34" charset="-120"/>
-                <a:ea typeface="微軟正黑體" panose="020B0604030504040204" pitchFamily="34" charset="-120"/>
-              </a:rPr>
-              <a:t>親情</a:t>
-            </a:r>
-            <a:r>
-              <a:rPr lang="en-US" altLang="zh-TW" sz="3000" dirty="0">
-                <a:solidFill>
-                  <a:srgbClr val="24292E"/>
-                </a:solidFill>
-                <a:latin typeface="微軟正黑體" panose="020B0604030504040204" pitchFamily="34" charset="-120"/>
-                <a:ea typeface="微軟正黑體" panose="020B0604030504040204" pitchFamily="34" charset="-120"/>
-              </a:rPr>
-              <a:t>)</a:t>
-            </a:r>
-          </a:p>
-          <a:p>
-            <a:pPr lvl="1">
-              <a:lnSpc>
-                <a:spcPct val="150000"/>
-              </a:lnSpc>
-              <a:spcBef>
-                <a:spcPts val="2400"/>
-              </a:spcBef>
-              <a:buFont typeface="Wingdings" panose="05000000000000000000" pitchFamily="2" charset="2"/>
-              <a:buChar char="l"/>
-            </a:pPr>
-            <a:r>
-              <a:rPr lang="en-US" altLang="zh-TW" sz="3000" dirty="0">
-                <a:solidFill>
-                  <a:srgbClr val="24292E"/>
-                </a:solidFill>
-                <a:latin typeface="微軟正黑體" panose="020B0604030504040204" pitchFamily="34" charset="-120"/>
-                <a:ea typeface="微軟正黑體" panose="020B0604030504040204" pitchFamily="34" charset="-120"/>
-              </a:rPr>
-              <a:t>Friend</a:t>
-            </a:r>
-            <a:r>
-              <a:rPr lang="zh-TW" altLang="en-US" sz="3000" dirty="0">
-                <a:solidFill>
-                  <a:srgbClr val="24292E"/>
-                </a:solidFill>
-                <a:latin typeface="微軟正黑體" panose="020B0604030504040204" pitchFamily="34" charset="-120"/>
-                <a:ea typeface="微軟正黑體" panose="020B0604030504040204" pitchFamily="34" charset="-120"/>
-              </a:rPr>
-              <a:t> </a:t>
-            </a:r>
-            <a:r>
-              <a:rPr lang="en-US" altLang="zh-TW" sz="3000" dirty="0">
-                <a:solidFill>
-                  <a:srgbClr val="24292E"/>
-                </a:solidFill>
-                <a:latin typeface="微軟正黑體" panose="020B0604030504040204" pitchFamily="34" charset="-120"/>
-                <a:ea typeface="微軟正黑體" panose="020B0604030504040204" pitchFamily="34" charset="-120"/>
-              </a:rPr>
-              <a:t>(</a:t>
-            </a:r>
-            <a:r>
-              <a:rPr lang="zh-TW" altLang="en-US" sz="3000" dirty="0">
-                <a:solidFill>
-                  <a:srgbClr val="24292E"/>
-                </a:solidFill>
-                <a:latin typeface="微軟正黑體" panose="020B0604030504040204" pitchFamily="34" charset="-120"/>
-                <a:ea typeface="微軟正黑體" panose="020B0604030504040204" pitchFamily="34" charset="-120"/>
-              </a:rPr>
-              <a:t>友情</a:t>
-            </a:r>
-            <a:r>
-              <a:rPr lang="en-US" altLang="zh-TW" sz="3000" dirty="0">
-                <a:solidFill>
-                  <a:srgbClr val="24292E"/>
-                </a:solidFill>
-                <a:latin typeface="微軟正黑體" panose="020B0604030504040204" pitchFamily="34" charset="-120"/>
-                <a:ea typeface="微軟正黑體" panose="020B0604030504040204" pitchFamily="34" charset="-120"/>
-              </a:rPr>
-              <a:t>)</a:t>
-            </a:r>
-          </a:p>
-          <a:p>
-            <a:pPr lvl="1">
-              <a:lnSpc>
-                <a:spcPct val="150000"/>
-              </a:lnSpc>
-              <a:spcBef>
-                <a:spcPts val="2400"/>
-              </a:spcBef>
-              <a:buFont typeface="Wingdings" panose="05000000000000000000" pitchFamily="2" charset="2"/>
-              <a:buChar char="l"/>
-            </a:pPr>
-            <a:r>
-              <a:rPr lang="en-US" altLang="zh-TW" sz="3000" dirty="0">
-                <a:solidFill>
-                  <a:srgbClr val="24292E"/>
-                </a:solidFill>
-                <a:latin typeface="微軟正黑體" panose="020B0604030504040204" pitchFamily="34" charset="-120"/>
-                <a:ea typeface="微軟正黑體" panose="020B0604030504040204" pitchFamily="34" charset="-120"/>
-              </a:rPr>
-              <a:t>Love</a:t>
-            </a:r>
-            <a:r>
-              <a:rPr lang="zh-TW" altLang="en-US" sz="3000" dirty="0">
-                <a:solidFill>
-                  <a:srgbClr val="24292E"/>
-                </a:solidFill>
-                <a:latin typeface="微軟正黑體" panose="020B0604030504040204" pitchFamily="34" charset="-120"/>
-                <a:ea typeface="微軟正黑體" panose="020B0604030504040204" pitchFamily="34" charset="-120"/>
-              </a:rPr>
-              <a:t> </a:t>
-            </a:r>
-            <a:r>
-              <a:rPr lang="en-US" altLang="zh-TW" sz="3000" dirty="0">
-                <a:solidFill>
-                  <a:srgbClr val="24292E"/>
-                </a:solidFill>
-                <a:latin typeface="微軟正黑體" panose="020B0604030504040204" pitchFamily="34" charset="-120"/>
-                <a:ea typeface="微軟正黑體" panose="020B0604030504040204" pitchFamily="34" charset="-120"/>
-              </a:rPr>
-              <a:t>(</a:t>
-            </a:r>
-            <a:r>
-              <a:rPr lang="zh-TW" altLang="en-US" sz="3000" dirty="0">
-                <a:solidFill>
-                  <a:srgbClr val="24292E"/>
-                </a:solidFill>
-                <a:latin typeface="微軟正黑體" panose="020B0604030504040204" pitchFamily="34" charset="-120"/>
-                <a:ea typeface="微軟正黑體" panose="020B0604030504040204" pitchFamily="34" charset="-120"/>
-              </a:rPr>
-              <a:t>愛情</a:t>
-            </a:r>
-            <a:r>
-              <a:rPr lang="en-US" altLang="zh-TW" sz="3000" dirty="0">
-                <a:solidFill>
-                  <a:srgbClr val="24292E"/>
-                </a:solidFill>
-                <a:latin typeface="微軟正黑體" panose="020B0604030504040204" pitchFamily="34" charset="-120"/>
-                <a:ea typeface="微軟正黑體" panose="020B0604030504040204" pitchFamily="34" charset="-120"/>
-              </a:rPr>
-              <a:t>)</a:t>
-            </a:r>
-          </a:p>
-        </p:txBody>
-      </p:sp>
-      <p:sp>
-        <p:nvSpPr>
-          <p:cNvPr id="4" name="日期版面配置區 3">
-            <a:extLst>
-              <a:ext uri="{FF2B5EF4-FFF2-40B4-BE49-F238E27FC236}">
-                <a16:creationId xmlns:a16="http://schemas.microsoft.com/office/drawing/2014/main" id="{89E1B6E4-96C1-4498-AAEA-EE9B8A0BBCCE}"/>
-              </a:ext>
-            </a:extLst>
-          </p:cNvPr>
-          <p:cNvSpPr>
-            <a:spLocks noGrp="1"/>
-          </p:cNvSpPr>
-          <p:nvPr>
-            <p:ph type="dt" sz="half" idx="10"/>
-          </p:nvPr>
-        </p:nvSpPr>
-        <p:spPr/>
-        <p:txBody>
-          <a:bodyPr/>
-          <a:lstStyle/>
-          <a:p>
-            <a:pPr rtl="0"/>
-            <a:fld id="{CE847876-3A2B-49FA-B396-40048599C954}" type="datetime1">
-              <a:rPr lang="zh-TW" altLang="en-US" smtClean="0">
-                <a:latin typeface="微軟正黑體" panose="020B0604030504040204" pitchFamily="34" charset="-120"/>
-                <a:ea typeface="微軟正黑體" panose="020B0604030504040204" pitchFamily="34" charset="-120"/>
-              </a:rPr>
-              <a:t>2021/1/12</a:t>
-            </a:fld>
-            <a:endParaRPr lang="en-US">
-              <a:latin typeface="微軟正黑體" panose="020B0604030504040204" pitchFamily="34" charset="-120"/>
-              <a:ea typeface="微軟正黑體" panose="020B0604030504040204" pitchFamily="34" charset="-120"/>
-            </a:endParaRPr>
-          </a:p>
-        </p:txBody>
-      </p:sp>
-    </p:spTree>
-    <p:extLst>
-      <p:ext uri="{BB962C8B-B14F-4D97-AF65-F5344CB8AC3E}">
-        <p14:creationId xmlns:p14="http://schemas.microsoft.com/office/powerpoint/2010/main" val="3033423636"/>
-      </p:ext>
-    </p:extLst>
-  </p:cSld>
-  <p:clrMapOvr>
-    <a:masterClrMapping/>
-  </p:clrMapOvr>
-</p:sld>
-</file>
-
-<file path=ppt/slides/slide7.xml><?xml version="1.0" encoding="utf-8"?>
-<p:sld xmlns:a="http://schemas.openxmlformats.org/drawingml/2006/main" xmlns:r="http://schemas.openxmlformats.org/officeDocument/2006/relationships" xmlns:p="http://schemas.openxmlformats.org/presentationml/2006/main">
-  <p:cSld>
-    <p:spTree>
-      <p:nvGrpSpPr>
-        <p:cNvPr id="1" name=""/>
-        <p:cNvGrpSpPr/>
-        <p:nvPr/>
-      </p:nvGrpSpPr>
-      <p:grpSpPr>
-        <a:xfrm>
-          <a:off x="0" y="0"/>
-          <a:ext cx="0" cy="0"/>
-          <a:chOff x="0" y="0"/>
-          <a:chExt cx="0" cy="0"/>
-        </a:xfrm>
-      </p:grpSpPr>
-      <p:sp>
-        <p:nvSpPr>
-          <p:cNvPr id="2" name="標題 1">
-            <a:extLst>
-              <a:ext uri="{FF2B5EF4-FFF2-40B4-BE49-F238E27FC236}">
-                <a16:creationId xmlns:a16="http://schemas.microsoft.com/office/drawing/2014/main" id="{5A432C5C-3B48-4DCA-AECF-BB4CAA5151ED}"/>
-              </a:ext>
-            </a:extLst>
-          </p:cNvPr>
-          <p:cNvSpPr>
-            <a:spLocks noGrp="1"/>
-          </p:cNvSpPr>
-          <p:nvPr>
-            <p:ph type="title"/>
-          </p:nvPr>
-        </p:nvSpPr>
-        <p:spPr/>
-        <p:txBody>
-          <a:bodyPr/>
-          <a:lstStyle/>
-          <a:p>
-            <a:pPr algn="ctr"/>
-            <a:r>
-              <a:rPr lang="zh-TW" altLang="en-US" dirty="0">
-                <a:latin typeface="微軟正黑體" panose="020B0604030504040204" pitchFamily="34" charset="-120"/>
-                <a:ea typeface="微軟正黑體" panose="020B0604030504040204" pitchFamily="34" charset="-120"/>
-              </a:rPr>
-              <a:t>分類模型</a:t>
-            </a:r>
-          </a:p>
-        </p:txBody>
-      </p:sp>
-      <p:sp>
-        <p:nvSpPr>
-          <p:cNvPr id="3" name="內容版面配置區 2">
-            <a:extLst>
-              <a:ext uri="{FF2B5EF4-FFF2-40B4-BE49-F238E27FC236}">
-                <a16:creationId xmlns:a16="http://schemas.microsoft.com/office/drawing/2014/main" id="{D1986B5B-D6AE-480E-AC25-901371B00AA4}"/>
-              </a:ext>
-            </a:extLst>
-          </p:cNvPr>
-          <p:cNvSpPr>
-            <a:spLocks noGrp="1"/>
-          </p:cNvSpPr>
-          <p:nvPr>
-            <p:ph idx="1"/>
-          </p:nvPr>
-        </p:nvSpPr>
-        <p:spPr/>
-        <p:txBody>
-          <a:bodyPr>
-            <a:normAutofit/>
-          </a:bodyPr>
-          <a:lstStyle/>
-          <a:p>
-            <a:pPr>
-              <a:buFont typeface="Wingdings" panose="05000000000000000000" pitchFamily="2" charset="2"/>
-              <a:buChar char="l"/>
-            </a:pPr>
-            <a:r>
-              <a:rPr lang="en-US" altLang="zh-TW" sz="3000" dirty="0">
-                <a:latin typeface="微軟正黑體" panose="020B0604030504040204" pitchFamily="34" charset="-120"/>
-                <a:ea typeface="微軟正黑體" panose="020B0604030504040204" pitchFamily="34" charset="-120"/>
-              </a:rPr>
-              <a:t>Null Model : </a:t>
-            </a:r>
-            <a:r>
-              <a:rPr lang="zh-TW" altLang="en-US" sz="3000" dirty="0">
-                <a:latin typeface="微軟正黑體" panose="020B0604030504040204" pitchFamily="34" charset="-120"/>
-                <a:ea typeface="微軟正黑體" panose="020B0604030504040204" pitchFamily="34" charset="-120"/>
-              </a:rPr>
-              <a:t>全猜一樣</a:t>
-            </a:r>
-            <a:endParaRPr lang="en-US" altLang="zh-TW" sz="3000" dirty="0">
-              <a:latin typeface="微軟正黑體" panose="020B0604030504040204" pitchFamily="34" charset="-120"/>
-              <a:ea typeface="微軟正黑體" panose="020B0604030504040204" pitchFamily="34" charset="-120"/>
-            </a:endParaRPr>
-          </a:p>
-          <a:p>
-            <a:pPr lvl="1">
-              <a:buFont typeface="Wingdings" panose="05000000000000000000" pitchFamily="2" charset="2"/>
-              <a:buChar char="l"/>
-            </a:pPr>
-            <a:r>
-              <a:rPr lang="en-US" altLang="zh-TW" sz="2200" dirty="0">
-                <a:latin typeface="微軟正黑體" panose="020B0604030504040204" pitchFamily="34" charset="-120"/>
-                <a:ea typeface="微軟正黑體" panose="020B0604030504040204" pitchFamily="34" charset="-120"/>
-              </a:rPr>
-              <a:t>Encourage:0.418</a:t>
-            </a:r>
-          </a:p>
-          <a:p>
-            <a:pPr>
-              <a:buFont typeface="Wingdings" panose="05000000000000000000" pitchFamily="2" charset="2"/>
-              <a:buChar char="l"/>
-            </a:pPr>
-            <a:r>
-              <a:rPr lang="en-US" altLang="zh-TW" sz="2600" dirty="0">
-                <a:latin typeface="微軟正黑體" panose="020B0604030504040204" pitchFamily="34" charset="-120"/>
-                <a:ea typeface="微軟正黑體" panose="020B0604030504040204" pitchFamily="34" charset="-120"/>
-              </a:rPr>
-              <a:t>SVM</a:t>
-            </a:r>
-          </a:p>
-          <a:p>
-            <a:pPr>
-              <a:buFont typeface="Wingdings" panose="05000000000000000000" pitchFamily="2" charset="2"/>
-              <a:buChar char="l"/>
-            </a:pPr>
-            <a:r>
-              <a:rPr lang="en-US" altLang="zh-TW" sz="2600" dirty="0">
-                <a:latin typeface="微軟正黑體" panose="020B0604030504040204" pitchFamily="34" charset="-120"/>
-                <a:ea typeface="微軟正黑體" panose="020B0604030504040204" pitchFamily="34" charset="-120"/>
-              </a:rPr>
-              <a:t>KNN</a:t>
-            </a:r>
-          </a:p>
-          <a:p>
-            <a:pPr>
-              <a:buFont typeface="Wingdings" panose="05000000000000000000" pitchFamily="2" charset="2"/>
-              <a:buChar char="l"/>
-            </a:pPr>
-            <a:r>
-              <a:rPr lang="en-US" altLang="zh-TW" sz="2600" dirty="0">
-                <a:latin typeface="微軟正黑體" panose="020B0604030504040204" pitchFamily="34" charset="-120"/>
-                <a:ea typeface="微軟正黑體" panose="020B0604030504040204" pitchFamily="34" charset="-120"/>
-              </a:rPr>
-              <a:t>Random Forest</a:t>
-            </a:r>
-          </a:p>
-        </p:txBody>
-      </p:sp>
-      <p:sp>
-        <p:nvSpPr>
-          <p:cNvPr id="4" name="日期版面配置區 3">
-            <a:extLst>
-              <a:ext uri="{FF2B5EF4-FFF2-40B4-BE49-F238E27FC236}">
-                <a16:creationId xmlns:a16="http://schemas.microsoft.com/office/drawing/2014/main" id="{57C0AE3A-C5CF-4BEA-81CD-897624171FBE}"/>
-              </a:ext>
-            </a:extLst>
-          </p:cNvPr>
-          <p:cNvSpPr>
-            <a:spLocks noGrp="1"/>
-          </p:cNvSpPr>
-          <p:nvPr>
-            <p:ph type="dt" sz="half" idx="10"/>
-          </p:nvPr>
-        </p:nvSpPr>
-        <p:spPr/>
-        <p:txBody>
-          <a:bodyPr/>
-          <a:lstStyle/>
-          <a:p>
-            <a:pPr rtl="0"/>
-            <a:fld id="{CE847876-3A2B-49FA-B396-40048599C954}" type="datetime1">
-              <a:rPr lang="zh-TW" altLang="en-US" smtClean="0">
-                <a:latin typeface="微軟正黑體" panose="020B0604030504040204" pitchFamily="34" charset="-120"/>
-                <a:ea typeface="微軟正黑體" panose="020B0604030504040204" pitchFamily="34" charset="-120"/>
-              </a:rPr>
-              <a:t>2021/1/12</a:t>
-            </a:fld>
-            <a:endParaRPr lang="en-US">
-              <a:latin typeface="微軟正黑體" panose="020B0604030504040204" pitchFamily="34" charset="-120"/>
-              <a:ea typeface="微軟正黑體" panose="020B0604030504040204" pitchFamily="34" charset="-120"/>
-            </a:endParaRPr>
-          </a:p>
-        </p:txBody>
-      </p:sp>
-    </p:spTree>
-    <p:extLst>
-      <p:ext uri="{BB962C8B-B14F-4D97-AF65-F5344CB8AC3E}">
-        <p14:creationId xmlns:p14="http://schemas.microsoft.com/office/powerpoint/2010/main" val="2883812724"/>
-      </p:ext>
-    </p:extLst>
-  </p:cSld>
-  <p:clrMapOvr>
-    <a:masterClrMapping/>
-  </p:clrMapOvr>
-</p:sld>
-</file>
-
-<file path=ppt/slides/slide8.xml><?xml version="1.0" encoding="utf-8"?>
-<p:sld xmlns:a="http://schemas.openxmlformats.org/drawingml/2006/main" xmlns:r="http://schemas.openxmlformats.org/officeDocument/2006/relationships" xmlns:p="http://schemas.openxmlformats.org/presentationml/2006/main">
-  <p:cSld>
-    <p:spTree>
-      <p:nvGrpSpPr>
-        <p:cNvPr id="1" name=""/>
-        <p:cNvGrpSpPr/>
-        <p:nvPr/>
-      </p:nvGrpSpPr>
-      <p:grpSpPr>
-        <a:xfrm>
-          <a:off x="0" y="0"/>
-          <a:ext cx="0" cy="0"/>
-          <a:chOff x="0" y="0"/>
-          <a:chExt cx="0" cy="0"/>
-        </a:xfrm>
-      </p:grpSpPr>
-      <p:sp>
-        <p:nvSpPr>
-          <p:cNvPr id="2" name="標題 1">
-            <a:extLst>
-              <a:ext uri="{FF2B5EF4-FFF2-40B4-BE49-F238E27FC236}">
-                <a16:creationId xmlns:a16="http://schemas.microsoft.com/office/drawing/2014/main" id="{5A432C5C-3B48-4DCA-AECF-BB4CAA5151ED}"/>
-              </a:ext>
-            </a:extLst>
-          </p:cNvPr>
-          <p:cNvSpPr>
-            <a:spLocks noGrp="1"/>
-          </p:cNvSpPr>
-          <p:nvPr>
-            <p:ph type="title"/>
-          </p:nvPr>
-        </p:nvSpPr>
-        <p:spPr/>
-        <p:txBody>
-          <a:bodyPr/>
-          <a:lstStyle/>
-          <a:p>
-            <a:pPr algn="ctr"/>
-            <a:r>
-              <a:rPr lang="zh-TW" altLang="en-US" dirty="0">
-                <a:latin typeface="微軟正黑體" panose="020B0604030504040204" pitchFamily="34" charset="-120"/>
-                <a:ea typeface="微軟正黑體" panose="020B0604030504040204" pitchFamily="34" charset="-120"/>
-              </a:rPr>
               <a:t>分類模型</a:t>
             </a:r>
           </a:p>
@@ -13560,7 +10173,7 @@
 </p:sld>
 </file>
 
-<file path=ppt/slides/slide9.xml><?xml version="1.0" encoding="utf-8"?>
+<file path=ppt/slides/slide11.xml><?xml version="1.0" encoding="utf-8"?>
 <p:sld xmlns:a="http://schemas.openxmlformats.org/drawingml/2006/main" xmlns:r="http://schemas.openxmlformats.org/officeDocument/2006/relationships" xmlns:p="http://schemas.openxmlformats.org/presentationml/2006/main">
   <p:cSld>
     <p:spTree>
@@ -13690,6 +10303,3393 @@
     <p:extLst>
       <p:ext uri="{BB962C8B-B14F-4D97-AF65-F5344CB8AC3E}">
         <p14:creationId xmlns:p14="http://schemas.microsoft.com/office/powerpoint/2010/main" val="2286700186"/>
+      </p:ext>
+    </p:extLst>
+  </p:cSld>
+  <p:clrMapOvr>
+    <a:masterClrMapping/>
+  </p:clrMapOvr>
+</p:sld>
+</file>
+
+<file path=ppt/slides/slide12.xml><?xml version="1.0" encoding="utf-8"?>
+<p:sld xmlns:a="http://schemas.openxmlformats.org/drawingml/2006/main" xmlns:r="http://schemas.openxmlformats.org/officeDocument/2006/relationships" xmlns:p="http://schemas.openxmlformats.org/presentationml/2006/main">
+  <p:cSld>
+    <p:spTree>
+      <p:nvGrpSpPr>
+        <p:cNvPr id="1" name=""/>
+        <p:cNvGrpSpPr/>
+        <p:nvPr/>
+      </p:nvGrpSpPr>
+      <p:grpSpPr>
+        <a:xfrm>
+          <a:off x="0" y="0"/>
+          <a:ext cx="0" cy="0"/>
+          <a:chOff x="0" y="0"/>
+          <a:chExt cx="0" cy="0"/>
+        </a:xfrm>
+      </p:grpSpPr>
+      <p:sp>
+        <p:nvSpPr>
+          <p:cNvPr id="2" name="標題 1">
+            <a:extLst>
+              <a:ext uri="{FF2B5EF4-FFF2-40B4-BE49-F238E27FC236}">
+                <a16:creationId xmlns:a16="http://schemas.microsoft.com/office/drawing/2014/main" id="{5A432C5C-3B48-4DCA-AECF-BB4CAA5151ED}"/>
+              </a:ext>
+            </a:extLst>
+          </p:cNvPr>
+          <p:cNvSpPr>
+            <a:spLocks noGrp="1"/>
+          </p:cNvSpPr>
+          <p:nvPr>
+            <p:ph type="title"/>
+          </p:nvPr>
+        </p:nvSpPr>
+        <p:spPr/>
+        <p:txBody>
+          <a:bodyPr/>
+          <a:lstStyle/>
+          <a:p>
+            <a:pPr algn="ctr"/>
+            <a:r>
+              <a:rPr lang="zh-TW" altLang="en-US" dirty="0">
+                <a:latin typeface="微軟正黑體" panose="020B0604030504040204" pitchFamily="34" charset="-120"/>
+                <a:ea typeface="微軟正黑體" panose="020B0604030504040204" pitchFamily="34" charset="-120"/>
+              </a:rPr>
+              <a:t>訓練結果</a:t>
+            </a:r>
+            <a:r>
+              <a:rPr lang="en-US" altLang="zh-TW" dirty="0">
+                <a:latin typeface="微軟正黑體" panose="020B0604030504040204" pitchFamily="34" charset="-120"/>
+                <a:ea typeface="微軟正黑體" panose="020B0604030504040204" pitchFamily="34" charset="-120"/>
+              </a:rPr>
+              <a:t>:KNN</a:t>
+            </a:r>
+            <a:endParaRPr lang="zh-TW" altLang="en-US" dirty="0">
+              <a:latin typeface="微軟正黑體" panose="020B0604030504040204" pitchFamily="34" charset="-120"/>
+              <a:ea typeface="微軟正黑體" panose="020B0604030504040204" pitchFamily="34" charset="-120"/>
+            </a:endParaRPr>
+          </a:p>
+        </p:txBody>
+      </p:sp>
+      <p:sp>
+        <p:nvSpPr>
+          <p:cNvPr id="4" name="日期版面配置區 3">
+            <a:extLst>
+              <a:ext uri="{FF2B5EF4-FFF2-40B4-BE49-F238E27FC236}">
+                <a16:creationId xmlns:a16="http://schemas.microsoft.com/office/drawing/2014/main" id="{57C0AE3A-C5CF-4BEA-81CD-897624171FBE}"/>
+              </a:ext>
+            </a:extLst>
+          </p:cNvPr>
+          <p:cNvSpPr>
+            <a:spLocks noGrp="1"/>
+          </p:cNvSpPr>
+          <p:nvPr>
+            <p:ph type="dt" sz="half" idx="10"/>
+          </p:nvPr>
+        </p:nvSpPr>
+        <p:spPr/>
+        <p:txBody>
+          <a:bodyPr/>
+          <a:lstStyle/>
+          <a:p>
+            <a:pPr rtl="0"/>
+            <a:fld id="{CE847876-3A2B-49FA-B396-40048599C954}" type="datetime1">
+              <a:rPr lang="zh-TW" altLang="en-US" smtClean="0">
+                <a:latin typeface="微軟正黑體" panose="020B0604030504040204" pitchFamily="34" charset="-120"/>
+                <a:ea typeface="微軟正黑體" panose="020B0604030504040204" pitchFamily="34" charset="-120"/>
+              </a:rPr>
+              <a:t>2021/1/12</a:t>
+            </a:fld>
+            <a:endParaRPr lang="en-US">
+              <a:latin typeface="微軟正黑體" panose="020B0604030504040204" pitchFamily="34" charset="-120"/>
+              <a:ea typeface="微軟正黑體" panose="020B0604030504040204" pitchFamily="34" charset="-120"/>
+            </a:endParaRPr>
+          </a:p>
+        </p:txBody>
+      </p:sp>
+      <p:pic>
+        <p:nvPicPr>
+          <p:cNvPr id="3" name="圖片 2">
+            <a:extLst>
+              <a:ext uri="{FF2B5EF4-FFF2-40B4-BE49-F238E27FC236}">
+                <a16:creationId xmlns:a16="http://schemas.microsoft.com/office/drawing/2014/main" id="{DA9DC8A2-41F0-4B5C-89B1-EC244AD8664D}"/>
+              </a:ext>
+            </a:extLst>
+          </p:cNvPr>
+          <p:cNvPicPr>
+            <a:picLocks noChangeAspect="1"/>
+          </p:cNvPicPr>
+          <p:nvPr/>
+        </p:nvPicPr>
+        <p:blipFill>
+          <a:blip r:embed="rId2"/>
+          <a:stretch>
+            <a:fillRect/>
+          </a:stretch>
+        </p:blipFill>
+        <p:spPr>
+          <a:xfrm>
+            <a:off x="2430171" y="1921985"/>
+            <a:ext cx="7331658" cy="4062031"/>
+          </a:xfrm>
+          <a:prstGeom prst="rect">
+            <a:avLst/>
+          </a:prstGeom>
+        </p:spPr>
+      </p:pic>
+    </p:spTree>
+    <p:extLst>
+      <p:ext uri="{BB962C8B-B14F-4D97-AF65-F5344CB8AC3E}">
+        <p14:creationId xmlns:p14="http://schemas.microsoft.com/office/powerpoint/2010/main" val="1839574552"/>
+      </p:ext>
+    </p:extLst>
+  </p:cSld>
+  <p:clrMapOvr>
+    <a:masterClrMapping/>
+  </p:clrMapOvr>
+</p:sld>
+</file>
+
+<file path=ppt/slides/slide13.xml><?xml version="1.0" encoding="utf-8"?>
+<p:sld xmlns:a="http://schemas.openxmlformats.org/drawingml/2006/main" xmlns:r="http://schemas.openxmlformats.org/officeDocument/2006/relationships" xmlns:p="http://schemas.openxmlformats.org/presentationml/2006/main">
+  <p:cSld>
+    <p:spTree>
+      <p:nvGrpSpPr>
+        <p:cNvPr id="1" name=""/>
+        <p:cNvGrpSpPr/>
+        <p:nvPr/>
+      </p:nvGrpSpPr>
+      <p:grpSpPr>
+        <a:xfrm>
+          <a:off x="0" y="0"/>
+          <a:ext cx="0" cy="0"/>
+          <a:chOff x="0" y="0"/>
+          <a:chExt cx="0" cy="0"/>
+        </a:xfrm>
+      </p:grpSpPr>
+      <p:sp>
+        <p:nvSpPr>
+          <p:cNvPr id="2" name="標題 1">
+            <a:extLst>
+              <a:ext uri="{FF2B5EF4-FFF2-40B4-BE49-F238E27FC236}">
+                <a16:creationId xmlns:a16="http://schemas.microsoft.com/office/drawing/2014/main" id="{5A432C5C-3B48-4DCA-AECF-BB4CAA5151ED}"/>
+              </a:ext>
+            </a:extLst>
+          </p:cNvPr>
+          <p:cNvSpPr>
+            <a:spLocks noGrp="1"/>
+          </p:cNvSpPr>
+          <p:nvPr>
+            <p:ph type="title"/>
+          </p:nvPr>
+        </p:nvSpPr>
+        <p:spPr/>
+        <p:txBody>
+          <a:bodyPr/>
+          <a:lstStyle/>
+          <a:p>
+            <a:pPr algn="ctr"/>
+            <a:r>
+              <a:rPr lang="zh-TW" altLang="en-US" dirty="0">
+                <a:latin typeface="微軟正黑體" panose="020B0604030504040204" pitchFamily="34" charset="-120"/>
+                <a:ea typeface="微軟正黑體" panose="020B0604030504040204" pitchFamily="34" charset="-120"/>
+              </a:rPr>
+              <a:t>訓練結果</a:t>
+            </a:r>
+            <a:r>
+              <a:rPr lang="en-US" altLang="zh-TW" dirty="0">
+                <a:latin typeface="微軟正黑體" panose="020B0604030504040204" pitchFamily="34" charset="-120"/>
+                <a:ea typeface="微軟正黑體" panose="020B0604030504040204" pitchFamily="34" charset="-120"/>
+              </a:rPr>
+              <a:t>: Random Forest</a:t>
+            </a:r>
+            <a:endParaRPr lang="zh-TW" altLang="en-US" dirty="0">
+              <a:latin typeface="微軟正黑體" panose="020B0604030504040204" pitchFamily="34" charset="-120"/>
+              <a:ea typeface="微軟正黑體" panose="020B0604030504040204" pitchFamily="34" charset="-120"/>
+            </a:endParaRPr>
+          </a:p>
+        </p:txBody>
+      </p:sp>
+      <p:sp>
+        <p:nvSpPr>
+          <p:cNvPr id="4" name="日期版面配置區 3">
+            <a:extLst>
+              <a:ext uri="{FF2B5EF4-FFF2-40B4-BE49-F238E27FC236}">
+                <a16:creationId xmlns:a16="http://schemas.microsoft.com/office/drawing/2014/main" id="{57C0AE3A-C5CF-4BEA-81CD-897624171FBE}"/>
+              </a:ext>
+            </a:extLst>
+          </p:cNvPr>
+          <p:cNvSpPr>
+            <a:spLocks noGrp="1"/>
+          </p:cNvSpPr>
+          <p:nvPr>
+            <p:ph type="dt" sz="half" idx="10"/>
+          </p:nvPr>
+        </p:nvSpPr>
+        <p:spPr/>
+        <p:txBody>
+          <a:bodyPr/>
+          <a:lstStyle/>
+          <a:p>
+            <a:pPr rtl="0"/>
+            <a:fld id="{CE847876-3A2B-49FA-B396-40048599C954}" type="datetime1">
+              <a:rPr lang="zh-TW" altLang="en-US" smtClean="0">
+                <a:latin typeface="微軟正黑體" panose="020B0604030504040204" pitchFamily="34" charset="-120"/>
+                <a:ea typeface="微軟正黑體" panose="020B0604030504040204" pitchFamily="34" charset="-120"/>
+              </a:rPr>
+              <a:t>2021/1/12</a:t>
+            </a:fld>
+            <a:endParaRPr lang="en-US">
+              <a:latin typeface="微軟正黑體" panose="020B0604030504040204" pitchFamily="34" charset="-120"/>
+              <a:ea typeface="微軟正黑體" panose="020B0604030504040204" pitchFamily="34" charset="-120"/>
+            </a:endParaRPr>
+          </a:p>
+        </p:txBody>
+      </p:sp>
+      <p:pic>
+        <p:nvPicPr>
+          <p:cNvPr id="3" name="圖片 2">
+            <a:extLst>
+              <a:ext uri="{FF2B5EF4-FFF2-40B4-BE49-F238E27FC236}">
+                <a16:creationId xmlns:a16="http://schemas.microsoft.com/office/drawing/2014/main" id="{DB132354-7843-4A6A-88DA-EB3E115AF5A6}"/>
+              </a:ext>
+            </a:extLst>
+          </p:cNvPr>
+          <p:cNvPicPr>
+            <a:picLocks noChangeAspect="1"/>
+          </p:cNvPicPr>
+          <p:nvPr/>
+        </p:nvPicPr>
+        <p:blipFill>
+          <a:blip r:embed="rId2"/>
+          <a:stretch>
+            <a:fillRect/>
+          </a:stretch>
+        </p:blipFill>
+        <p:spPr>
+          <a:xfrm>
+            <a:off x="2388530" y="1921987"/>
+            <a:ext cx="7414939" cy="4062030"/>
+          </a:xfrm>
+          <a:prstGeom prst="rect">
+            <a:avLst/>
+          </a:prstGeom>
+        </p:spPr>
+      </p:pic>
+    </p:spTree>
+    <p:extLst>
+      <p:ext uri="{BB962C8B-B14F-4D97-AF65-F5344CB8AC3E}">
+        <p14:creationId xmlns:p14="http://schemas.microsoft.com/office/powerpoint/2010/main" val="1715119813"/>
+      </p:ext>
+    </p:extLst>
+  </p:cSld>
+  <p:clrMapOvr>
+    <a:masterClrMapping/>
+  </p:clrMapOvr>
+</p:sld>
+</file>
+
+<file path=ppt/slides/slide14.xml><?xml version="1.0" encoding="utf-8"?>
+<p:sld xmlns:a="http://schemas.openxmlformats.org/drawingml/2006/main" xmlns:r="http://schemas.openxmlformats.org/officeDocument/2006/relationships" xmlns:p="http://schemas.openxmlformats.org/presentationml/2006/main">
+  <p:cSld>
+    <p:spTree>
+      <p:nvGrpSpPr>
+        <p:cNvPr id="1" name=""/>
+        <p:cNvGrpSpPr/>
+        <p:nvPr/>
+      </p:nvGrpSpPr>
+      <p:grpSpPr>
+        <a:xfrm>
+          <a:off x="0" y="0"/>
+          <a:ext cx="0" cy="0"/>
+          <a:chOff x="0" y="0"/>
+          <a:chExt cx="0" cy="0"/>
+        </a:xfrm>
+      </p:grpSpPr>
+      <p:sp>
+        <p:nvSpPr>
+          <p:cNvPr id="2" name="標題 1">
+            <a:extLst>
+              <a:ext uri="{FF2B5EF4-FFF2-40B4-BE49-F238E27FC236}">
+                <a16:creationId xmlns:a16="http://schemas.microsoft.com/office/drawing/2014/main" id="{FDA6402E-B8BB-449F-8C74-9B4DA84FB7C6}"/>
+              </a:ext>
+            </a:extLst>
+          </p:cNvPr>
+          <p:cNvSpPr>
+            <a:spLocks noGrp="1"/>
+          </p:cNvSpPr>
+          <p:nvPr>
+            <p:ph type="title"/>
+          </p:nvPr>
+        </p:nvSpPr>
+        <p:spPr/>
+        <p:txBody>
+          <a:bodyPr/>
+          <a:lstStyle/>
+          <a:p>
+            <a:pPr algn="ctr"/>
+            <a:r>
+              <a:rPr lang="zh-TW" altLang="en-US" dirty="0">
+                <a:latin typeface="微軟正黑體" panose="020B0604030504040204" pitchFamily="34" charset="-120"/>
+                <a:ea typeface="微軟正黑體" panose="020B0604030504040204" pitchFamily="34" charset="-120"/>
+              </a:rPr>
+              <a:t>總結</a:t>
+            </a:r>
+          </a:p>
+        </p:txBody>
+      </p:sp>
+      <p:sp>
+        <p:nvSpPr>
+          <p:cNvPr id="3" name="內容版面配置區 2">
+            <a:extLst>
+              <a:ext uri="{FF2B5EF4-FFF2-40B4-BE49-F238E27FC236}">
+                <a16:creationId xmlns:a16="http://schemas.microsoft.com/office/drawing/2014/main" id="{FEB5C4FB-DF37-4701-87F3-8319416B72AD}"/>
+              </a:ext>
+            </a:extLst>
+          </p:cNvPr>
+          <p:cNvSpPr>
+            <a:spLocks noGrp="1"/>
+          </p:cNvSpPr>
+          <p:nvPr>
+            <p:ph idx="1"/>
+          </p:nvPr>
+        </p:nvSpPr>
+        <p:spPr/>
+        <p:txBody>
+          <a:bodyPr>
+            <a:normAutofit/>
+          </a:bodyPr>
+          <a:lstStyle/>
+          <a:p>
+            <a:pPr algn="l">
+              <a:buFont typeface="Arial" panose="020B0604020202020204" pitchFamily="34" charset="0"/>
+              <a:buChar char="•"/>
+            </a:pPr>
+            <a:r>
+              <a:rPr lang="zh-TW" altLang="en-US" sz="2400" b="0" i="0" dirty="0">
+                <a:solidFill>
+                  <a:srgbClr val="24292E"/>
+                </a:solidFill>
+                <a:effectLst/>
+                <a:latin typeface="微軟正黑體" panose="020B0604030504040204" pitchFamily="34" charset="-120"/>
+                <a:ea typeface="微軟正黑體" panose="020B0604030504040204" pitchFamily="34" charset="-120"/>
+              </a:rPr>
+              <a:t>資料前處理挑戰：</a:t>
+            </a:r>
+          </a:p>
+          <a:p>
+            <a:pPr marL="742950" lvl="1" indent="-285750" algn="l">
+              <a:buFont typeface="Arial" panose="020B0604020202020204" pitchFamily="34" charset="0"/>
+              <a:buChar char="•"/>
+            </a:pPr>
+            <a:r>
+              <a:rPr lang="zh-TW" altLang="en-US" sz="2400" b="0" i="0" dirty="0">
+                <a:solidFill>
+                  <a:srgbClr val="24292E"/>
+                </a:solidFill>
+                <a:effectLst/>
+                <a:latin typeface="微軟正黑體" panose="020B0604030504040204" pitchFamily="34" charset="-120"/>
+                <a:ea typeface="微軟正黑體" panose="020B0604030504040204" pitchFamily="34" charset="-120"/>
+              </a:rPr>
+              <a:t>結巴斷詞 </a:t>
+            </a:r>
+            <a:r>
+              <a:rPr lang="en-US" altLang="zh-TW" sz="2400" b="0" i="0" dirty="0">
+                <a:solidFill>
+                  <a:srgbClr val="24292E"/>
+                </a:solidFill>
+                <a:effectLst/>
+                <a:latin typeface="微軟正黑體" panose="020B0604030504040204" pitchFamily="34" charset="-120"/>
+                <a:ea typeface="微軟正黑體" panose="020B0604030504040204" pitchFamily="34" charset="-120"/>
+              </a:rPr>
+              <a:t>V.S. CKIP</a:t>
+            </a:r>
+            <a:r>
+              <a:rPr lang="zh-TW" altLang="en-US" sz="2400" b="0" i="0" dirty="0">
+                <a:solidFill>
+                  <a:srgbClr val="24292E"/>
+                </a:solidFill>
+                <a:effectLst/>
+                <a:latin typeface="微軟正黑體" panose="020B0604030504040204" pitchFamily="34" charset="-120"/>
+                <a:ea typeface="微軟正黑體" panose="020B0604030504040204" pitchFamily="34" charset="-120"/>
+              </a:rPr>
+              <a:t>斷詞 → </a:t>
+            </a:r>
+            <a:r>
+              <a:rPr lang="en-US" altLang="zh-TW" sz="2400" b="0" i="0" dirty="0">
+                <a:solidFill>
+                  <a:srgbClr val="24292E"/>
+                </a:solidFill>
+                <a:effectLst/>
+                <a:latin typeface="微軟正黑體" panose="020B0604030504040204" pitchFamily="34" charset="-120"/>
+                <a:ea typeface="微軟正黑體" panose="020B0604030504040204" pitchFamily="34" charset="-120"/>
+              </a:rPr>
+              <a:t>CKIP</a:t>
+            </a:r>
+            <a:r>
+              <a:rPr lang="zh-TW" altLang="en-US" sz="2400" b="0" i="0" dirty="0">
+                <a:solidFill>
+                  <a:srgbClr val="24292E"/>
+                </a:solidFill>
+                <a:effectLst/>
+                <a:latin typeface="微軟正黑體" panose="020B0604030504040204" pitchFamily="34" charset="-120"/>
+                <a:ea typeface="微軟正黑體" panose="020B0604030504040204" pitchFamily="34" charset="-120"/>
+              </a:rPr>
+              <a:t>斷詞效果較佳</a:t>
+            </a:r>
+          </a:p>
+          <a:p>
+            <a:pPr marL="742950" lvl="1" indent="-285750" algn="l">
+              <a:buFont typeface="Arial" panose="020B0604020202020204" pitchFamily="34" charset="0"/>
+              <a:buChar char="•"/>
+            </a:pPr>
+            <a:r>
+              <a:rPr lang="en-US" altLang="zh-TW" sz="2400" b="0" i="0" dirty="0">
+                <a:solidFill>
+                  <a:srgbClr val="24292E"/>
+                </a:solidFill>
+                <a:effectLst/>
+                <a:latin typeface="微軟正黑體" panose="020B0604030504040204" pitchFamily="34" charset="-120"/>
+                <a:ea typeface="微軟正黑體" panose="020B0604030504040204" pitchFamily="34" charset="-120"/>
+              </a:rPr>
+              <a:t>Word2Vec V.S. </a:t>
+            </a:r>
+            <a:r>
+              <a:rPr lang="en-US" altLang="zh-TW" sz="2400" b="0" i="0" dirty="0" err="1">
+                <a:solidFill>
+                  <a:srgbClr val="24292E"/>
+                </a:solidFill>
+                <a:effectLst/>
+                <a:latin typeface="微軟正黑體" panose="020B0604030504040204" pitchFamily="34" charset="-120"/>
+                <a:ea typeface="微軟正黑體" panose="020B0604030504040204" pitchFamily="34" charset="-120"/>
+              </a:rPr>
+              <a:t>Tf-Idf</a:t>
+            </a:r>
+            <a:r>
+              <a:rPr lang="en-US" altLang="zh-TW" sz="2400" b="0" i="0" dirty="0">
+                <a:solidFill>
+                  <a:srgbClr val="24292E"/>
+                </a:solidFill>
+                <a:effectLst/>
+                <a:latin typeface="微軟正黑體" panose="020B0604030504040204" pitchFamily="34" charset="-120"/>
+                <a:ea typeface="微軟正黑體" panose="020B0604030504040204" pitchFamily="34" charset="-120"/>
+              </a:rPr>
+              <a:t> → </a:t>
+            </a:r>
+            <a:r>
+              <a:rPr lang="zh-TW" altLang="en-US" sz="2400" b="0" i="0" dirty="0">
+                <a:solidFill>
+                  <a:srgbClr val="24292E"/>
+                </a:solidFill>
+                <a:effectLst/>
+                <a:latin typeface="微軟正黑體" panose="020B0604030504040204" pitchFamily="34" charset="-120"/>
+                <a:ea typeface="微軟正黑體" panose="020B0604030504040204" pitchFamily="34" charset="-120"/>
+              </a:rPr>
+              <a:t>選用</a:t>
+            </a:r>
+            <a:r>
+              <a:rPr lang="en-US" altLang="zh-TW" sz="2400" b="0" i="0" dirty="0">
+                <a:solidFill>
+                  <a:srgbClr val="24292E"/>
+                </a:solidFill>
+                <a:effectLst/>
+                <a:latin typeface="微軟正黑體" panose="020B0604030504040204" pitchFamily="34" charset="-120"/>
+                <a:ea typeface="微軟正黑體" panose="020B0604030504040204" pitchFamily="34" charset="-120"/>
+              </a:rPr>
+              <a:t>Word2Vec</a:t>
+            </a:r>
+            <a:r>
+              <a:rPr lang="zh-TW" altLang="en-US" sz="2400" dirty="0">
+                <a:solidFill>
+                  <a:srgbClr val="24292E"/>
+                </a:solidFill>
+                <a:latin typeface="微軟正黑體" panose="020B0604030504040204" pitchFamily="34" charset="-120"/>
+                <a:ea typeface="微軟正黑體" panose="020B0604030504040204" pitchFamily="34" charset="-120"/>
+              </a:rPr>
+              <a:t>效果較佳</a:t>
+            </a:r>
+            <a:endParaRPr lang="en-US" altLang="zh-TW" sz="2400" b="0" i="0" dirty="0">
+              <a:solidFill>
+                <a:srgbClr val="24292E"/>
+              </a:solidFill>
+              <a:effectLst/>
+              <a:latin typeface="微軟正黑體" panose="020B0604030504040204" pitchFamily="34" charset="-120"/>
+              <a:ea typeface="微軟正黑體" panose="020B0604030504040204" pitchFamily="34" charset="-120"/>
+            </a:endParaRPr>
+          </a:p>
+          <a:p>
+            <a:pPr algn="l">
+              <a:buFont typeface="Arial" panose="020B0604020202020204" pitchFamily="34" charset="0"/>
+              <a:buChar char="•"/>
+            </a:pPr>
+            <a:r>
+              <a:rPr lang="zh-TW" altLang="en-US" sz="2400" b="0" i="0" dirty="0">
+                <a:solidFill>
+                  <a:srgbClr val="24292E"/>
+                </a:solidFill>
+                <a:effectLst/>
+                <a:latin typeface="微軟正黑體" panose="020B0604030504040204" pitchFamily="34" charset="-120"/>
+                <a:ea typeface="微軟正黑體" panose="020B0604030504040204" pitchFamily="34" charset="-120"/>
+              </a:rPr>
+              <a:t>是否有很明顯的進步</a:t>
+            </a:r>
+            <a:r>
+              <a:rPr lang="en-US" altLang="zh-TW" sz="2400" b="0" i="0" dirty="0">
+                <a:solidFill>
+                  <a:srgbClr val="24292E"/>
+                </a:solidFill>
+                <a:effectLst/>
+                <a:latin typeface="微軟正黑體" panose="020B0604030504040204" pitchFamily="34" charset="-120"/>
+                <a:ea typeface="微軟正黑體" panose="020B0604030504040204" pitchFamily="34" charset="-120"/>
+              </a:rPr>
+              <a:t>?</a:t>
+            </a:r>
+          </a:p>
+          <a:p>
+            <a:pPr marL="742950" lvl="1" indent="-285750" algn="l">
+              <a:buFont typeface="Arial" panose="020B0604020202020204" pitchFamily="34" charset="0"/>
+              <a:buChar char="•"/>
+            </a:pPr>
+            <a:r>
+              <a:rPr lang="zh-TW" altLang="en-US" sz="2400" b="0" i="0" dirty="0">
+                <a:solidFill>
+                  <a:srgbClr val="24292E"/>
+                </a:solidFill>
+                <a:effectLst/>
+                <a:latin typeface="微軟正黑體" panose="020B0604030504040204" pitchFamily="34" charset="-120"/>
+                <a:ea typeface="微軟正黑體" panose="020B0604030504040204" pitchFamily="34" charset="-120"/>
+              </a:rPr>
+              <a:t>沒到非常明顯，從</a:t>
+            </a:r>
+            <a:r>
+              <a:rPr lang="en-US" altLang="zh-TW" sz="2400" b="0" i="0" dirty="0">
+                <a:solidFill>
+                  <a:srgbClr val="24292E"/>
+                </a:solidFill>
+                <a:effectLst/>
+                <a:latin typeface="微軟正黑體" panose="020B0604030504040204" pitchFamily="34" charset="-120"/>
+                <a:ea typeface="微軟正黑體" panose="020B0604030504040204" pitchFamily="34" charset="-120"/>
+              </a:rPr>
+              <a:t>0.418</a:t>
+            </a:r>
+            <a:r>
+              <a:rPr lang="zh-TW" altLang="en-US" sz="2400" b="0" i="0" dirty="0">
+                <a:solidFill>
+                  <a:srgbClr val="24292E"/>
+                </a:solidFill>
+                <a:effectLst/>
+                <a:latin typeface="微軟正黑體" panose="020B0604030504040204" pitchFamily="34" charset="-120"/>
+                <a:ea typeface="微軟正黑體" panose="020B0604030504040204" pitchFamily="34" charset="-120"/>
+              </a:rPr>
+              <a:t>到</a:t>
+            </a:r>
+            <a:r>
+              <a:rPr lang="en-US" altLang="zh-TW" sz="2400" b="0" i="0" dirty="0">
+                <a:solidFill>
+                  <a:srgbClr val="24292E"/>
+                </a:solidFill>
+                <a:effectLst/>
+                <a:latin typeface="微軟正黑體" panose="020B0604030504040204" pitchFamily="34" charset="-120"/>
+                <a:ea typeface="微軟正黑體" panose="020B0604030504040204" pitchFamily="34" charset="-120"/>
+              </a:rPr>
+              <a:t>0.54</a:t>
+            </a:r>
+            <a:r>
+              <a:rPr lang="zh-TW" altLang="en-US" sz="2400" b="0" i="0" dirty="0">
+                <a:solidFill>
+                  <a:srgbClr val="24292E"/>
+                </a:solidFill>
+                <a:effectLst/>
+                <a:latin typeface="微軟正黑體" panose="020B0604030504040204" pitchFamily="34" charset="-120"/>
+                <a:ea typeface="微軟正黑體" panose="020B0604030504040204" pitchFamily="34" charset="-120"/>
+              </a:rPr>
+              <a:t>左右</a:t>
+            </a:r>
+          </a:p>
+          <a:p>
+            <a:pPr algn="l">
+              <a:buFont typeface="Arial" panose="020B0604020202020204" pitchFamily="34" charset="0"/>
+              <a:buChar char="•"/>
+            </a:pPr>
+            <a:r>
+              <a:rPr lang="zh-TW" altLang="en-US" sz="2400" b="0" i="0" dirty="0">
+                <a:solidFill>
+                  <a:srgbClr val="24292E"/>
+                </a:solidFill>
+                <a:effectLst/>
+                <a:latin typeface="微軟正黑體" panose="020B0604030504040204" pitchFamily="34" charset="-120"/>
+                <a:ea typeface="微軟正黑體" panose="020B0604030504040204" pitchFamily="34" charset="-120"/>
+              </a:rPr>
+              <a:t>最具挑戰的部分</a:t>
+            </a:r>
+            <a:r>
+              <a:rPr lang="en-US" altLang="zh-TW" sz="2400" b="0" i="0" dirty="0">
+                <a:solidFill>
+                  <a:srgbClr val="24292E"/>
+                </a:solidFill>
+                <a:effectLst/>
+                <a:latin typeface="微軟正黑體" panose="020B0604030504040204" pitchFamily="34" charset="-120"/>
+                <a:ea typeface="微軟正黑體" panose="020B0604030504040204" pitchFamily="34" charset="-120"/>
+              </a:rPr>
+              <a:t>?</a:t>
+            </a:r>
+          </a:p>
+          <a:p>
+            <a:pPr marL="742950" lvl="1" indent="-285750" algn="l">
+              <a:buFont typeface="Arial" panose="020B0604020202020204" pitchFamily="34" charset="0"/>
+              <a:buChar char="•"/>
+            </a:pPr>
+            <a:r>
+              <a:rPr lang="zh-TW" altLang="en-US" sz="2400" b="0" i="0" dirty="0">
+                <a:solidFill>
+                  <a:srgbClr val="24292E"/>
+                </a:solidFill>
+                <a:effectLst/>
+                <a:latin typeface="微軟正黑體" panose="020B0604030504040204" pitchFamily="34" charset="-120"/>
+                <a:ea typeface="微軟正黑體" panose="020B0604030504040204" pitchFamily="34" charset="-120"/>
+              </a:rPr>
+              <a:t>資料本身並非非常平均</a:t>
+            </a:r>
+          </a:p>
+          <a:p>
+            <a:pPr marL="742950" lvl="1" indent="-285750" algn="l">
+              <a:buFont typeface="Arial" panose="020B0604020202020204" pitchFamily="34" charset="0"/>
+              <a:buChar char="•"/>
+            </a:pPr>
+            <a:r>
+              <a:rPr lang="zh-TW" altLang="en-US" sz="2400" b="0" i="0" dirty="0">
+                <a:solidFill>
+                  <a:srgbClr val="24292E"/>
+                </a:solidFill>
+                <a:effectLst/>
+                <a:latin typeface="微軟正黑體" panose="020B0604030504040204" pitchFamily="34" charset="-120"/>
+                <a:ea typeface="微軟正黑體" panose="020B0604030504040204" pitchFamily="34" charset="-120"/>
+              </a:rPr>
+              <a:t>歌詞轉換成</a:t>
+            </a:r>
+            <a:r>
+              <a:rPr lang="en-US" altLang="zh-TW" sz="2400" b="0" i="0" dirty="0">
+                <a:solidFill>
+                  <a:srgbClr val="24292E"/>
+                </a:solidFill>
+                <a:effectLst/>
+                <a:latin typeface="微軟正黑體" panose="020B0604030504040204" pitchFamily="34" charset="-120"/>
+                <a:ea typeface="微軟正黑體" panose="020B0604030504040204" pitchFamily="34" charset="-120"/>
+              </a:rPr>
+              <a:t>word2vec</a:t>
+            </a:r>
+            <a:r>
+              <a:rPr lang="zh-TW" altLang="en-US" sz="2400" b="0" i="0" dirty="0">
+                <a:solidFill>
+                  <a:srgbClr val="24292E"/>
+                </a:solidFill>
+                <a:effectLst/>
+                <a:latin typeface="微軟正黑體" panose="020B0604030504040204" pitchFamily="34" charset="-120"/>
+                <a:ea typeface="微軟正黑體" panose="020B0604030504040204" pitchFamily="34" charset="-120"/>
+              </a:rPr>
+              <a:t>時，是否真的能當作好的</a:t>
+            </a:r>
+            <a:r>
+              <a:rPr lang="en-US" altLang="zh-TW" sz="2400" b="0" i="0" dirty="0">
+                <a:solidFill>
+                  <a:srgbClr val="24292E"/>
+                </a:solidFill>
+                <a:effectLst/>
+                <a:latin typeface="微軟正黑體" panose="020B0604030504040204" pitchFamily="34" charset="-120"/>
+                <a:ea typeface="微軟正黑體" panose="020B0604030504040204" pitchFamily="34" charset="-120"/>
+              </a:rPr>
+              <a:t>feature</a:t>
+            </a:r>
+          </a:p>
+          <a:p>
+            <a:endParaRPr lang="zh-TW" altLang="en-US" sz="2400" dirty="0">
+              <a:latin typeface="微軟正黑體" panose="020B0604030504040204" pitchFamily="34" charset="-120"/>
+              <a:ea typeface="微軟正黑體" panose="020B0604030504040204" pitchFamily="34" charset="-120"/>
+            </a:endParaRPr>
+          </a:p>
+        </p:txBody>
+      </p:sp>
+      <p:sp>
+        <p:nvSpPr>
+          <p:cNvPr id="4" name="日期版面配置區 3">
+            <a:extLst>
+              <a:ext uri="{FF2B5EF4-FFF2-40B4-BE49-F238E27FC236}">
+                <a16:creationId xmlns:a16="http://schemas.microsoft.com/office/drawing/2014/main" id="{4E9ADB8B-427B-4094-8026-5E0179BF2C96}"/>
+              </a:ext>
+            </a:extLst>
+          </p:cNvPr>
+          <p:cNvSpPr>
+            <a:spLocks noGrp="1"/>
+          </p:cNvSpPr>
+          <p:nvPr>
+            <p:ph type="dt" sz="half" idx="10"/>
+          </p:nvPr>
+        </p:nvSpPr>
+        <p:spPr/>
+        <p:txBody>
+          <a:bodyPr/>
+          <a:lstStyle/>
+          <a:p>
+            <a:pPr rtl="0"/>
+            <a:fld id="{CE847876-3A2B-49FA-B396-40048599C954}" type="datetime1">
+              <a:rPr lang="zh-TW" altLang="en-US" smtClean="0">
+                <a:latin typeface="微軟正黑體" panose="020B0604030504040204" pitchFamily="34" charset="-120"/>
+                <a:ea typeface="微軟正黑體" panose="020B0604030504040204" pitchFamily="34" charset="-120"/>
+              </a:rPr>
+              <a:t>2021/1/12</a:t>
+            </a:fld>
+            <a:endParaRPr lang="en-US">
+              <a:latin typeface="微軟正黑體" panose="020B0604030504040204" pitchFamily="34" charset="-120"/>
+              <a:ea typeface="微軟正黑體" panose="020B0604030504040204" pitchFamily="34" charset="-120"/>
+            </a:endParaRPr>
+          </a:p>
+        </p:txBody>
+      </p:sp>
+    </p:spTree>
+    <p:extLst>
+      <p:ext uri="{BB962C8B-B14F-4D97-AF65-F5344CB8AC3E}">
+        <p14:creationId xmlns:p14="http://schemas.microsoft.com/office/powerpoint/2010/main" val="2027119310"/>
+      </p:ext>
+    </p:extLst>
+  </p:cSld>
+  <p:clrMapOvr>
+    <a:masterClrMapping/>
+  </p:clrMapOvr>
+</p:sld>
+</file>
+
+<file path=ppt/slides/slide15.xml><?xml version="1.0" encoding="utf-8"?>
+<p:sld xmlns:a="http://schemas.openxmlformats.org/drawingml/2006/main" xmlns:r="http://schemas.openxmlformats.org/officeDocument/2006/relationships" xmlns:p="http://schemas.openxmlformats.org/presentationml/2006/main">
+  <p:cSld>
+    <p:spTree>
+      <p:nvGrpSpPr>
+        <p:cNvPr id="1" name=""/>
+        <p:cNvGrpSpPr/>
+        <p:nvPr/>
+      </p:nvGrpSpPr>
+      <p:grpSpPr>
+        <a:xfrm>
+          <a:off x="0" y="0"/>
+          <a:ext cx="0" cy="0"/>
+          <a:chOff x="0" y="0"/>
+          <a:chExt cx="0" cy="0"/>
+        </a:xfrm>
+      </p:grpSpPr>
+      <p:sp>
+        <p:nvSpPr>
+          <p:cNvPr id="2" name="標題 1">
+            <a:extLst>
+              <a:ext uri="{FF2B5EF4-FFF2-40B4-BE49-F238E27FC236}">
+                <a16:creationId xmlns:a16="http://schemas.microsoft.com/office/drawing/2014/main" id="{4D2662DA-7199-4B7E-9178-2F33AAFCBE83}"/>
+              </a:ext>
+            </a:extLst>
+          </p:cNvPr>
+          <p:cNvSpPr>
+            <a:spLocks noGrp="1"/>
+          </p:cNvSpPr>
+          <p:nvPr>
+            <p:ph type="title"/>
+          </p:nvPr>
+        </p:nvSpPr>
+        <p:spPr/>
+        <p:txBody>
+          <a:bodyPr/>
+          <a:lstStyle/>
+          <a:p>
+            <a:pPr algn="ctr"/>
+            <a:r>
+              <a:rPr lang="zh-TW" altLang="en-US" dirty="0">
+                <a:latin typeface="標楷體" panose="03000509000000000000" pitchFamily="65" charset="-120"/>
+                <a:ea typeface="標楷體" panose="03000509000000000000" pitchFamily="65" charset="-120"/>
+              </a:rPr>
+              <a:t>參考資料</a:t>
+            </a:r>
+          </a:p>
+        </p:txBody>
+      </p:sp>
+      <p:sp>
+        <p:nvSpPr>
+          <p:cNvPr id="3" name="內容版面配置區 2">
+            <a:extLst>
+              <a:ext uri="{FF2B5EF4-FFF2-40B4-BE49-F238E27FC236}">
+                <a16:creationId xmlns:a16="http://schemas.microsoft.com/office/drawing/2014/main" id="{4DA1102E-BABC-433F-8D37-75558634A81A}"/>
+              </a:ext>
+            </a:extLst>
+          </p:cNvPr>
+          <p:cNvSpPr>
+            <a:spLocks noGrp="1"/>
+          </p:cNvSpPr>
+          <p:nvPr>
+            <p:ph idx="1"/>
+          </p:nvPr>
+        </p:nvSpPr>
+        <p:spPr/>
+        <p:txBody>
+          <a:bodyPr/>
+          <a:lstStyle/>
+          <a:p>
+            <a:pPr algn="l">
+              <a:buFont typeface="Arial" panose="020B0604020202020204" pitchFamily="34" charset="0"/>
+              <a:buChar char="•"/>
+            </a:pPr>
+            <a:r>
+              <a:rPr lang="en-US" altLang="zh-TW" b="0" i="0" u="none" strike="noStrike" dirty="0">
+                <a:solidFill>
+                  <a:srgbClr val="24292E"/>
+                </a:solidFill>
+                <a:effectLst/>
+                <a:latin typeface="-apple-system"/>
+                <a:hlinkClick r:id="rId2"/>
+              </a:rPr>
+              <a:t>https://rpubs.com/skydome20/R-Note14-SVM-SVR</a:t>
+            </a:r>
+            <a:endParaRPr lang="en-US" altLang="zh-TW" b="0" i="0" dirty="0">
+              <a:solidFill>
+                <a:srgbClr val="24292E"/>
+              </a:solidFill>
+              <a:effectLst/>
+              <a:latin typeface="-apple-system"/>
+            </a:endParaRPr>
+          </a:p>
+          <a:p>
+            <a:pPr algn="l">
+              <a:buFont typeface="Arial" panose="020B0604020202020204" pitchFamily="34" charset="0"/>
+              <a:buChar char="•"/>
+            </a:pPr>
+            <a:r>
+              <a:rPr lang="en-US" altLang="zh-TW" b="0" i="0" u="none" strike="noStrike" dirty="0">
+                <a:solidFill>
+                  <a:srgbClr val="24292E"/>
+                </a:solidFill>
+                <a:effectLst/>
+                <a:latin typeface="-apple-system"/>
+                <a:hlinkClick r:id="rId3"/>
+              </a:rPr>
+              <a:t>https://mojim.com/</a:t>
+            </a:r>
+            <a:endParaRPr lang="en-US" altLang="zh-TW" b="0" i="0" dirty="0">
+              <a:solidFill>
+                <a:srgbClr val="24292E"/>
+              </a:solidFill>
+              <a:effectLst/>
+              <a:latin typeface="-apple-system"/>
+            </a:endParaRPr>
+          </a:p>
+          <a:p>
+            <a:pPr algn="l">
+              <a:buFont typeface="Arial" panose="020B0604020202020204" pitchFamily="34" charset="0"/>
+              <a:buChar char="•"/>
+            </a:pPr>
+            <a:r>
+              <a:rPr lang="en-US" altLang="zh-TW" b="0" i="0" u="none" strike="noStrike" dirty="0">
+                <a:solidFill>
+                  <a:srgbClr val="24292E"/>
+                </a:solidFill>
+                <a:effectLst/>
+                <a:latin typeface="-apple-system"/>
+                <a:hlinkClick r:id="rId4"/>
+              </a:rPr>
+              <a:t>https://www.xiami.com/</a:t>
+            </a:r>
+            <a:endParaRPr lang="en-US" altLang="zh-TW" b="0" i="0" u="none" strike="noStrike" dirty="0">
+              <a:solidFill>
+                <a:srgbClr val="24292E"/>
+              </a:solidFill>
+              <a:effectLst/>
+              <a:latin typeface="-apple-system"/>
+            </a:endParaRPr>
+          </a:p>
+          <a:p>
+            <a:pPr algn="l">
+              <a:buFont typeface="Arial" panose="020B0604020202020204" pitchFamily="34" charset="0"/>
+              <a:buChar char="•"/>
+            </a:pPr>
+            <a:r>
+              <a:rPr lang="en-US" altLang="zh-TW" b="0" i="0" dirty="0">
+                <a:solidFill>
+                  <a:srgbClr val="24292E"/>
+                </a:solidFill>
+                <a:effectLst/>
+                <a:latin typeface="-apple-system"/>
+              </a:rPr>
+              <a:t>https://www.pinterest.com/pin/79235274673581414/</a:t>
+            </a:r>
+          </a:p>
+          <a:p>
+            <a:pPr algn="l">
+              <a:buFont typeface="Arial" panose="020B0604020202020204" pitchFamily="34" charset="0"/>
+              <a:buChar char="•"/>
+            </a:pPr>
+            <a:r>
+              <a:rPr lang="en-US" altLang="zh-TW" b="0" i="0" dirty="0">
+                <a:solidFill>
+                  <a:srgbClr val="24292E"/>
+                </a:solidFill>
+                <a:effectLst/>
+                <a:latin typeface="-apple-system"/>
+              </a:rPr>
+              <a:t>Packages</a:t>
+            </a:r>
+            <a:r>
+              <a:rPr lang="zh-TW" altLang="en-US" b="0" i="0" dirty="0">
+                <a:solidFill>
+                  <a:srgbClr val="24292E"/>
+                </a:solidFill>
+                <a:effectLst/>
+                <a:latin typeface="-apple-system"/>
+              </a:rPr>
+              <a:t>：</a:t>
+            </a:r>
+          </a:p>
+          <a:p>
+            <a:pPr marL="742950" lvl="1" indent="-285750" algn="l">
+              <a:buFont typeface="Arial" panose="020B0604020202020204" pitchFamily="34" charset="0"/>
+              <a:buChar char="•"/>
+            </a:pPr>
+            <a:r>
+              <a:rPr lang="en-US" altLang="zh-TW" b="0" i="0" dirty="0" err="1">
+                <a:solidFill>
+                  <a:srgbClr val="24292E"/>
+                </a:solidFill>
+                <a:effectLst/>
+                <a:latin typeface="-apple-system"/>
+              </a:rPr>
+              <a:t>kknn</a:t>
+            </a:r>
+            <a:endParaRPr lang="en-US" altLang="zh-TW" b="0" i="0" dirty="0">
+              <a:solidFill>
+                <a:srgbClr val="24292E"/>
+              </a:solidFill>
+              <a:effectLst/>
+              <a:latin typeface="-apple-system"/>
+            </a:endParaRPr>
+          </a:p>
+          <a:p>
+            <a:pPr marL="742950" lvl="1" indent="-285750" algn="l">
+              <a:buFont typeface="Arial" panose="020B0604020202020204" pitchFamily="34" charset="0"/>
+              <a:buChar char="•"/>
+            </a:pPr>
+            <a:r>
+              <a:rPr lang="en-US" altLang="zh-TW" b="0" i="0" dirty="0">
+                <a:solidFill>
+                  <a:srgbClr val="24292E"/>
+                </a:solidFill>
+                <a:effectLst/>
+                <a:latin typeface="-apple-system"/>
+              </a:rPr>
+              <a:t>caret</a:t>
+            </a:r>
+          </a:p>
+          <a:p>
+            <a:pPr marL="742950" lvl="1" indent="-285750" algn="l">
+              <a:buFont typeface="Arial" panose="020B0604020202020204" pitchFamily="34" charset="0"/>
+              <a:buChar char="•"/>
+            </a:pPr>
+            <a:r>
+              <a:rPr lang="en-US" altLang="zh-TW" dirty="0">
+                <a:solidFill>
+                  <a:srgbClr val="24292E"/>
+                </a:solidFill>
+                <a:latin typeface="-apple-system"/>
+              </a:rPr>
+              <a:t>e</a:t>
+            </a:r>
+            <a:r>
+              <a:rPr lang="en-US" altLang="zh-TW" b="0" i="0" dirty="0">
+                <a:solidFill>
+                  <a:srgbClr val="24292E"/>
+                </a:solidFill>
+                <a:effectLst/>
+                <a:latin typeface="-apple-system"/>
+              </a:rPr>
+              <a:t>1071</a:t>
+            </a:r>
+          </a:p>
+          <a:p>
+            <a:pPr marL="742950" lvl="1" indent="-285750" algn="l">
+              <a:buFont typeface="Arial" panose="020B0604020202020204" pitchFamily="34" charset="0"/>
+              <a:buChar char="•"/>
+            </a:pPr>
+            <a:r>
+              <a:rPr lang="en-US" altLang="zh-TW" b="0" i="0">
+                <a:solidFill>
+                  <a:srgbClr val="24292E"/>
+                </a:solidFill>
+                <a:effectLst/>
+                <a:latin typeface="-apple-system"/>
+              </a:rPr>
+              <a:t>ran</a:t>
+            </a:r>
+            <a:r>
+              <a:rPr lang="en-US" altLang="zh-TW">
+                <a:solidFill>
+                  <a:srgbClr val="24292E"/>
+                </a:solidFill>
+                <a:latin typeface="-apple-system"/>
+              </a:rPr>
+              <a:t>domForest</a:t>
+            </a:r>
+            <a:endParaRPr lang="en-US" altLang="zh-TW" b="0" i="0" dirty="0">
+              <a:solidFill>
+                <a:srgbClr val="24292E"/>
+              </a:solidFill>
+              <a:effectLst/>
+              <a:latin typeface="-apple-system"/>
+            </a:endParaRPr>
+          </a:p>
+          <a:p>
+            <a:endParaRPr lang="zh-TW" altLang="en-US" dirty="0"/>
+          </a:p>
+        </p:txBody>
+      </p:sp>
+      <p:sp>
+        <p:nvSpPr>
+          <p:cNvPr id="4" name="日期版面配置區 3">
+            <a:extLst>
+              <a:ext uri="{FF2B5EF4-FFF2-40B4-BE49-F238E27FC236}">
+                <a16:creationId xmlns:a16="http://schemas.microsoft.com/office/drawing/2014/main" id="{1BD5BF14-AC37-408C-946F-1ECEB7278DAA}"/>
+              </a:ext>
+            </a:extLst>
+          </p:cNvPr>
+          <p:cNvSpPr>
+            <a:spLocks noGrp="1"/>
+          </p:cNvSpPr>
+          <p:nvPr>
+            <p:ph type="dt" sz="half" idx="10"/>
+          </p:nvPr>
+        </p:nvSpPr>
+        <p:spPr/>
+        <p:txBody>
+          <a:bodyPr/>
+          <a:lstStyle/>
+          <a:p>
+            <a:pPr rtl="0"/>
+            <a:fld id="{CE847876-3A2B-49FA-B396-40048599C954}" type="datetime1">
+              <a:rPr lang="zh-TW" altLang="en-US" smtClean="0"/>
+              <a:t>2021/1/12</a:t>
+            </a:fld>
+            <a:endParaRPr lang="en-US"/>
+          </a:p>
+        </p:txBody>
+      </p:sp>
+    </p:spTree>
+    <p:extLst>
+      <p:ext uri="{BB962C8B-B14F-4D97-AF65-F5344CB8AC3E}">
+        <p14:creationId xmlns:p14="http://schemas.microsoft.com/office/powerpoint/2010/main" val="1711472813"/>
+      </p:ext>
+    </p:extLst>
+  </p:cSld>
+  <p:clrMapOvr>
+    <a:masterClrMapping/>
+  </p:clrMapOvr>
+</p:sld>
+</file>
+
+<file path=ppt/slides/slide16.xml><?xml version="1.0" encoding="utf-8"?>
+<p:sld xmlns:a="http://schemas.openxmlformats.org/drawingml/2006/main" xmlns:r="http://schemas.openxmlformats.org/officeDocument/2006/relationships" xmlns:p="http://schemas.openxmlformats.org/presentationml/2006/main">
+  <p:cSld>
+    <p:spTree>
+      <p:nvGrpSpPr>
+        <p:cNvPr id="1" name=""/>
+        <p:cNvGrpSpPr/>
+        <p:nvPr/>
+      </p:nvGrpSpPr>
+      <p:grpSpPr>
+        <a:xfrm>
+          <a:off x="0" y="0"/>
+          <a:ext cx="0" cy="0"/>
+          <a:chOff x="0" y="0"/>
+          <a:chExt cx="0" cy="0"/>
+        </a:xfrm>
+      </p:grpSpPr>
+      <p:sp>
+        <p:nvSpPr>
+          <p:cNvPr id="4" name="日期版面配置區 3">
+            <a:extLst>
+              <a:ext uri="{FF2B5EF4-FFF2-40B4-BE49-F238E27FC236}">
+                <a16:creationId xmlns:a16="http://schemas.microsoft.com/office/drawing/2014/main" id="{839DF9B9-FDFA-481D-948E-5EEE00ACDB23}"/>
+              </a:ext>
+            </a:extLst>
+          </p:cNvPr>
+          <p:cNvSpPr>
+            <a:spLocks noGrp="1"/>
+          </p:cNvSpPr>
+          <p:nvPr>
+            <p:ph type="dt" sz="half" idx="10"/>
+          </p:nvPr>
+        </p:nvSpPr>
+        <p:spPr/>
+        <p:txBody>
+          <a:bodyPr/>
+          <a:lstStyle/>
+          <a:p>
+            <a:pPr rtl="0"/>
+            <a:fld id="{CE847876-3A2B-49FA-B396-40048599C954}" type="datetime1">
+              <a:rPr lang="zh-TW" altLang="en-US" smtClean="0"/>
+              <a:t>2021/1/12</a:t>
+            </a:fld>
+            <a:endParaRPr lang="en-US"/>
+          </a:p>
+        </p:txBody>
+      </p:sp>
+      <p:pic>
+        <p:nvPicPr>
+          <p:cNvPr id="7" name="圖片 6" descr="一張含有 文字 的圖片&#10;&#10;自動產生的描述">
+            <a:extLst>
+              <a:ext uri="{FF2B5EF4-FFF2-40B4-BE49-F238E27FC236}">
+                <a16:creationId xmlns:a16="http://schemas.microsoft.com/office/drawing/2014/main" id="{03299BAD-61C3-404D-A4CC-7C8F7718466B}"/>
+              </a:ext>
+            </a:extLst>
+          </p:cNvPr>
+          <p:cNvPicPr>
+            <a:picLocks noChangeAspect="1"/>
+          </p:cNvPicPr>
+          <p:nvPr/>
+        </p:nvPicPr>
+        <p:blipFill>
+          <a:blip r:embed="rId2">
+            <a:extLst>
+              <a:ext uri="{28A0092B-C50C-407E-A947-70E740481C1C}">
+                <a14:useLocalDpi xmlns:a14="http://schemas.microsoft.com/office/drawing/2010/main" val="0"/>
+              </a:ext>
+            </a:extLst>
+          </a:blip>
+          <a:stretch>
+            <a:fillRect/>
+          </a:stretch>
+        </p:blipFill>
+        <p:spPr>
+          <a:xfrm>
+            <a:off x="1971674" y="622487"/>
+            <a:ext cx="7096126" cy="5322094"/>
+          </a:xfrm>
+          <a:prstGeom prst="rect">
+            <a:avLst/>
+          </a:prstGeom>
+          <a:effectLst>
+            <a:glow>
+              <a:schemeClr val="accent1">
+                <a:alpha val="30000"/>
+              </a:schemeClr>
+            </a:glow>
+            <a:softEdge rad="292100"/>
+          </a:effectLst>
+        </p:spPr>
+      </p:pic>
+    </p:spTree>
+    <p:extLst>
+      <p:ext uri="{BB962C8B-B14F-4D97-AF65-F5344CB8AC3E}">
+        <p14:creationId xmlns:p14="http://schemas.microsoft.com/office/powerpoint/2010/main" val="4153582731"/>
+      </p:ext>
+    </p:extLst>
+  </p:cSld>
+  <p:clrMapOvr>
+    <a:masterClrMapping/>
+  </p:clrMapOvr>
+</p:sld>
+</file>
+
+<file path=ppt/slides/slide2.xml><?xml version="1.0" encoding="utf-8"?>
+<p:sld xmlns:a="http://schemas.openxmlformats.org/drawingml/2006/main" xmlns:r="http://schemas.openxmlformats.org/officeDocument/2006/relationships" xmlns:p="http://schemas.openxmlformats.org/presentationml/2006/main">
+  <p:cSld>
+    <p:bg>
+      <p:bgPr>
+        <a:solidFill>
+          <a:schemeClr val="bg1"/>
+        </a:solidFill>
+        <a:effectLst/>
+      </p:bgPr>
+    </p:bg>
+    <p:spTree>
+      <p:nvGrpSpPr>
+        <p:cNvPr id="1" name=""/>
+        <p:cNvGrpSpPr/>
+        <p:nvPr/>
+      </p:nvGrpSpPr>
+      <p:grpSpPr>
+        <a:xfrm>
+          <a:off x="0" y="0"/>
+          <a:ext cx="0" cy="0"/>
+          <a:chOff x="0" y="0"/>
+          <a:chExt cx="0" cy="0"/>
+        </a:xfrm>
+      </p:grpSpPr>
+      <p:sp>
+        <p:nvSpPr>
+          <p:cNvPr id="2" name="標題 1">
+            <a:extLst>
+              <a:ext uri="{FF2B5EF4-FFF2-40B4-BE49-F238E27FC236}">
+                <a16:creationId xmlns:a16="http://schemas.microsoft.com/office/drawing/2014/main" id="{7A4919D0-F177-4BBA-9A0B-DBA69E2ED764}"/>
+              </a:ext>
+            </a:extLst>
+          </p:cNvPr>
+          <p:cNvSpPr>
+            <a:spLocks noGrp="1"/>
+          </p:cNvSpPr>
+          <p:nvPr>
+            <p:ph type="title"/>
+          </p:nvPr>
+        </p:nvSpPr>
+        <p:spPr>
+          <a:xfrm>
+            <a:off x="1066800" y="642594"/>
+            <a:ext cx="10058400" cy="1371600"/>
+          </a:xfrm>
+        </p:spPr>
+        <p:txBody>
+          <a:bodyPr rtlCol="0">
+            <a:normAutofit/>
+          </a:bodyPr>
+          <a:lstStyle/>
+          <a:p>
+            <a:pPr algn="ctr" rtl="0"/>
+            <a:r>
+              <a:rPr lang="zh-TW" altLang="en-US" dirty="0">
+                <a:latin typeface="微軟正黑體" panose="020B0604030504040204" pitchFamily="34" charset="-120"/>
+                <a:ea typeface="微軟正黑體" panose="020B0604030504040204" pitchFamily="34" charset="-120"/>
+              </a:rPr>
+              <a:t>歌曲在敘事情緒上的自動分類</a:t>
+            </a:r>
+            <a:endParaRPr lang="zh-tw" dirty="0">
+              <a:latin typeface="微軟正黑體" panose="020B0604030504040204" pitchFamily="34" charset="-120"/>
+              <a:ea typeface="微軟正黑體" panose="020B0604030504040204" pitchFamily="34" charset="-120"/>
+            </a:endParaRPr>
+          </a:p>
+        </p:txBody>
+      </p:sp>
+      <p:graphicFrame>
+        <p:nvGraphicFramePr>
+          <p:cNvPr id="5" name="內容版面配置區 2">
+            <a:extLst>
+              <a:ext uri="{FF2B5EF4-FFF2-40B4-BE49-F238E27FC236}">
+                <a16:creationId xmlns:a16="http://schemas.microsoft.com/office/drawing/2014/main" id="{91DB1382-7276-49FA-9632-38D558F457E3}"/>
+              </a:ext>
+            </a:extLst>
+          </p:cNvPr>
+          <p:cNvGraphicFramePr>
+            <a:graphicFrameLocks noGrp="1"/>
+          </p:cNvGraphicFramePr>
+          <p:nvPr>
+            <p:ph idx="1"/>
+            <p:extLst>
+              <p:ext uri="{D42A27DB-BD31-4B8C-83A1-F6EECF244321}">
+                <p14:modId xmlns:p14="http://schemas.microsoft.com/office/powerpoint/2010/main" val="419354808"/>
+              </p:ext>
+            </p:extLst>
+          </p:nvPr>
+        </p:nvGraphicFramePr>
+        <p:xfrm>
+          <a:off x="1066800" y="2310063"/>
+          <a:ext cx="10058400" cy="3725612"/>
+        </p:xfrm>
+        <a:graphic>
+          <a:graphicData uri="http://schemas.openxmlformats.org/drawingml/2006/diagram">
+            <dgm:relIds xmlns:dgm="http://schemas.openxmlformats.org/drawingml/2006/diagram" xmlns:r="http://schemas.openxmlformats.org/officeDocument/2006/relationships" r:dm="rId2" r:lo="rId3" r:qs="rId4" r:cs="rId5"/>
+          </a:graphicData>
+        </a:graphic>
+      </p:graphicFrame>
+    </p:spTree>
+    <p:extLst>
+      <p:ext uri="{BB962C8B-B14F-4D97-AF65-F5344CB8AC3E}">
+        <p14:creationId xmlns:p14="http://schemas.microsoft.com/office/powerpoint/2010/main" val="183243182"/>
+      </p:ext>
+    </p:extLst>
+  </p:cSld>
+  <p:clrMapOvr>
+    <a:masterClrMapping/>
+  </p:clrMapOvr>
+</p:sld>
+</file>
+
+<file path=ppt/slides/slide3.xml><?xml version="1.0" encoding="utf-8"?>
+<p:sld xmlns:a="http://schemas.openxmlformats.org/drawingml/2006/main" xmlns:r="http://schemas.openxmlformats.org/officeDocument/2006/relationships" xmlns:p="http://schemas.openxmlformats.org/presentationml/2006/main">
+  <p:cSld>
+    <p:spTree>
+      <p:nvGrpSpPr>
+        <p:cNvPr id="1" name=""/>
+        <p:cNvGrpSpPr/>
+        <p:nvPr/>
+      </p:nvGrpSpPr>
+      <p:grpSpPr>
+        <a:xfrm>
+          <a:off x="0" y="0"/>
+          <a:ext cx="0" cy="0"/>
+          <a:chOff x="0" y="0"/>
+          <a:chExt cx="0" cy="0"/>
+        </a:xfrm>
+      </p:grpSpPr>
+      <p:sp>
+        <p:nvSpPr>
+          <p:cNvPr id="2" name="標題 1">
+            <a:extLst>
+              <a:ext uri="{FF2B5EF4-FFF2-40B4-BE49-F238E27FC236}">
+                <a16:creationId xmlns:a16="http://schemas.microsoft.com/office/drawing/2014/main" id="{D40DF66A-777F-4972-95C5-B458B38871CC}"/>
+              </a:ext>
+            </a:extLst>
+          </p:cNvPr>
+          <p:cNvSpPr>
+            <a:spLocks noGrp="1"/>
+          </p:cNvSpPr>
+          <p:nvPr>
+            <p:ph type="title"/>
+          </p:nvPr>
+        </p:nvSpPr>
+        <p:spPr/>
+        <p:txBody>
+          <a:bodyPr/>
+          <a:lstStyle/>
+          <a:p>
+            <a:r>
+              <a:rPr lang="zh-TW" altLang="en-US" dirty="0"/>
+              <a:t>資料前處理</a:t>
+            </a:r>
+          </a:p>
+        </p:txBody>
+      </p:sp>
+      <p:sp>
+        <p:nvSpPr>
+          <p:cNvPr id="3" name="內容版面配置區 2">
+            <a:extLst>
+              <a:ext uri="{FF2B5EF4-FFF2-40B4-BE49-F238E27FC236}">
+                <a16:creationId xmlns:a16="http://schemas.microsoft.com/office/drawing/2014/main" id="{262B915F-4100-4338-9175-F3B74951F404}"/>
+              </a:ext>
+            </a:extLst>
+          </p:cNvPr>
+          <p:cNvSpPr>
+            <a:spLocks noGrp="1"/>
+          </p:cNvSpPr>
+          <p:nvPr>
+            <p:ph idx="1"/>
+          </p:nvPr>
+        </p:nvSpPr>
+        <p:spPr/>
+        <p:txBody>
+          <a:bodyPr/>
+          <a:lstStyle/>
+          <a:p>
+            <a:pPr>
+              <a:buFont typeface="Arial" panose="020B0604020202020204" pitchFamily="34" charset="0"/>
+              <a:buChar char="•"/>
+            </a:pPr>
+            <a:r>
+              <a:rPr lang="zh-TW" altLang="en-US" sz="2400" dirty="0">
+                <a:solidFill>
+                  <a:srgbClr val="24292E"/>
+                </a:solidFill>
+                <a:latin typeface="-apple-system"/>
+              </a:rPr>
+              <a:t>資料來源：</a:t>
+            </a:r>
+            <a:endParaRPr lang="en-US" altLang="zh-TW" sz="2400" dirty="0">
+              <a:solidFill>
+                <a:srgbClr val="24292E"/>
+              </a:solidFill>
+              <a:latin typeface="-apple-system"/>
+            </a:endParaRPr>
+          </a:p>
+          <a:p>
+            <a:pPr lvl="1">
+              <a:buFont typeface="Arial" panose="020B0604020202020204" pitchFamily="34" charset="0"/>
+              <a:buChar char="•"/>
+            </a:pPr>
+            <a:r>
+              <a:rPr lang="zh-TW" altLang="en-US" sz="2200" dirty="0">
+                <a:solidFill>
+                  <a:srgbClr val="24292E"/>
+                </a:solidFill>
+                <a:latin typeface="-apple-system"/>
+              </a:rPr>
+              <a:t>魔鏡歌詞網 → 歌名、歌詞、作詞者、作曲者、發行年代、演唱者性別</a:t>
+            </a:r>
+            <a:endParaRPr lang="en-US" altLang="zh-TW" sz="2200" dirty="0">
+              <a:solidFill>
+                <a:srgbClr val="24292E"/>
+              </a:solidFill>
+              <a:latin typeface="-apple-system"/>
+            </a:endParaRPr>
+          </a:p>
+          <a:p>
+            <a:pPr lvl="1">
+              <a:buFont typeface="Arial" panose="020B0604020202020204" pitchFamily="34" charset="0"/>
+              <a:buChar char="•"/>
+            </a:pPr>
+            <a:r>
+              <a:rPr lang="zh-TW" altLang="en-US" sz="2200" dirty="0">
+                <a:solidFill>
+                  <a:srgbClr val="24292E"/>
+                </a:solidFill>
+                <a:latin typeface="-apple-system"/>
+              </a:rPr>
+              <a:t>蝦米音樂網→ 歌名、收藏頻率、情感種類</a:t>
+            </a:r>
+            <a:endParaRPr lang="en-US" altLang="zh-TW" sz="2200" dirty="0">
+              <a:solidFill>
+                <a:srgbClr val="24292E"/>
+              </a:solidFill>
+              <a:latin typeface="-apple-system"/>
+            </a:endParaRPr>
+          </a:p>
+          <a:p>
+            <a:pPr>
+              <a:buFont typeface="Arial" panose="020B0604020202020204" pitchFamily="34" charset="0"/>
+              <a:buChar char="•"/>
+            </a:pPr>
+            <a:r>
+              <a:rPr lang="zh-TW" altLang="en-US" sz="2400" dirty="0">
+                <a:solidFill>
+                  <a:srgbClr val="24292E"/>
+                </a:solidFill>
+                <a:latin typeface="-apple-system"/>
+              </a:rPr>
+              <a:t>資料前處理：</a:t>
+            </a:r>
+            <a:endParaRPr lang="en-US" altLang="zh-TW" sz="2400" dirty="0">
+              <a:solidFill>
+                <a:srgbClr val="24292E"/>
+              </a:solidFill>
+              <a:latin typeface="-apple-system"/>
+            </a:endParaRPr>
+          </a:p>
+          <a:p>
+            <a:pPr lvl="1">
+              <a:buFont typeface="Arial" panose="020B0604020202020204" pitchFamily="34" charset="0"/>
+              <a:buChar char="•"/>
+            </a:pPr>
+            <a:r>
+              <a:rPr lang="zh-TW" altLang="en-US" sz="2200" dirty="0">
+                <a:solidFill>
+                  <a:srgbClr val="24292E"/>
+                </a:solidFill>
+                <a:latin typeface="-apple-system"/>
+              </a:rPr>
+              <a:t>歌名：</a:t>
+            </a:r>
+            <a:r>
+              <a:rPr lang="en-US" altLang="zh-TW" sz="2200" dirty="0">
+                <a:solidFill>
+                  <a:srgbClr val="24292E"/>
+                </a:solidFill>
+                <a:latin typeface="-apple-system"/>
+              </a:rPr>
+              <a:t>Word2Vec 200</a:t>
+            </a:r>
+            <a:r>
+              <a:rPr lang="zh-TW" altLang="en-US" sz="2200" dirty="0">
+                <a:solidFill>
+                  <a:srgbClr val="24292E"/>
+                </a:solidFill>
+                <a:latin typeface="-apple-system"/>
+              </a:rPr>
+              <a:t>維</a:t>
+            </a:r>
+            <a:endParaRPr lang="en-US" altLang="zh-TW" sz="2200" dirty="0">
+              <a:solidFill>
+                <a:srgbClr val="24292E"/>
+              </a:solidFill>
+              <a:latin typeface="-apple-system"/>
+            </a:endParaRPr>
+          </a:p>
+          <a:p>
+            <a:pPr lvl="1">
+              <a:buFont typeface="Arial" panose="020B0604020202020204" pitchFamily="34" charset="0"/>
+              <a:buChar char="•"/>
+            </a:pPr>
+            <a:r>
+              <a:rPr lang="zh-TW" altLang="en-US" sz="2200" dirty="0">
+                <a:solidFill>
+                  <a:srgbClr val="24292E"/>
+                </a:solidFill>
+                <a:latin typeface="-apple-system"/>
+              </a:rPr>
+              <a:t>歌詞：</a:t>
+            </a:r>
+            <a:r>
+              <a:rPr lang="en-US" altLang="zh-TW" sz="2200" dirty="0">
+                <a:solidFill>
+                  <a:srgbClr val="24292E"/>
+                </a:solidFill>
+                <a:latin typeface="-apple-system"/>
+              </a:rPr>
+              <a:t>Word2Vec 400</a:t>
+            </a:r>
+            <a:r>
+              <a:rPr lang="zh-TW" altLang="en-US" sz="2200">
+                <a:solidFill>
+                  <a:srgbClr val="24292E"/>
+                </a:solidFill>
+                <a:latin typeface="-apple-system"/>
+              </a:rPr>
+              <a:t>維 </a:t>
+            </a:r>
+            <a:r>
+              <a:rPr lang="en-US" altLang="zh-TW" sz="2200" dirty="0">
+                <a:solidFill>
+                  <a:srgbClr val="24292E"/>
+                </a:solidFill>
+                <a:latin typeface="-apple-system"/>
+              </a:rPr>
+              <a:t>/</a:t>
+            </a:r>
+            <a:r>
+              <a:rPr lang="zh-TW" altLang="en-US" sz="2200" dirty="0">
+                <a:solidFill>
+                  <a:srgbClr val="24292E"/>
+                </a:solidFill>
+                <a:latin typeface="-apple-system"/>
+              </a:rPr>
+              <a:t> </a:t>
+            </a:r>
+            <a:r>
+              <a:rPr lang="en-US" altLang="zh-TW" sz="2200" dirty="0" err="1">
+                <a:solidFill>
+                  <a:srgbClr val="24292E"/>
+                </a:solidFill>
+                <a:latin typeface="-apple-system"/>
+              </a:rPr>
+              <a:t>Tf</a:t>
+            </a:r>
+            <a:r>
+              <a:rPr lang="en-US" altLang="zh-TW" sz="2200" dirty="0">
+                <a:solidFill>
+                  <a:srgbClr val="24292E"/>
+                </a:solidFill>
+                <a:latin typeface="-apple-system"/>
+              </a:rPr>
+              <a:t> – </a:t>
+            </a:r>
+            <a:r>
+              <a:rPr lang="en-US" altLang="zh-TW" sz="2200" dirty="0" err="1">
+                <a:solidFill>
+                  <a:srgbClr val="24292E"/>
+                </a:solidFill>
+                <a:latin typeface="-apple-system"/>
+              </a:rPr>
+              <a:t>Idf</a:t>
+            </a:r>
+            <a:r>
+              <a:rPr lang="en-US" altLang="zh-TW" sz="2200" dirty="0">
+                <a:solidFill>
+                  <a:srgbClr val="24292E"/>
+                </a:solidFill>
+                <a:latin typeface="-apple-system"/>
+              </a:rPr>
+              <a:t> </a:t>
+            </a:r>
+            <a:r>
+              <a:rPr lang="zh-TW" altLang="en-US" sz="2200" dirty="0">
+                <a:solidFill>
+                  <a:srgbClr val="24292E"/>
+                </a:solidFill>
+                <a:latin typeface="-apple-system"/>
+              </a:rPr>
+              <a:t>→ </a:t>
+            </a:r>
+            <a:r>
+              <a:rPr lang="en-US" altLang="zh-TW" sz="2200" dirty="0">
+                <a:solidFill>
+                  <a:srgbClr val="24292E"/>
+                </a:solidFill>
+                <a:latin typeface="-apple-system"/>
+              </a:rPr>
+              <a:t>SVD</a:t>
+            </a:r>
+            <a:r>
+              <a:rPr lang="zh-TW" altLang="en-US" sz="2200" dirty="0">
+                <a:solidFill>
+                  <a:srgbClr val="24292E"/>
+                </a:solidFill>
+                <a:latin typeface="-apple-system"/>
+              </a:rPr>
+              <a:t>降維至</a:t>
+            </a:r>
+            <a:r>
+              <a:rPr lang="en-US" altLang="zh-TW" sz="2200" dirty="0">
+                <a:solidFill>
+                  <a:srgbClr val="24292E"/>
+                </a:solidFill>
+                <a:latin typeface="-apple-system"/>
+              </a:rPr>
+              <a:t>500</a:t>
+            </a:r>
+            <a:r>
+              <a:rPr lang="zh-TW" altLang="en-US" sz="2200" dirty="0">
+                <a:solidFill>
+                  <a:srgbClr val="24292E"/>
+                </a:solidFill>
+                <a:latin typeface="-apple-system"/>
+              </a:rPr>
+              <a:t>維</a:t>
+            </a:r>
+            <a:endParaRPr lang="en-US" altLang="zh-TW" sz="2200" dirty="0">
+              <a:solidFill>
+                <a:srgbClr val="24292E"/>
+              </a:solidFill>
+              <a:latin typeface="-apple-system"/>
+            </a:endParaRPr>
+          </a:p>
+          <a:p>
+            <a:pPr lvl="1">
+              <a:buFont typeface="Arial" panose="020B0604020202020204" pitchFamily="34" charset="0"/>
+              <a:buChar char="•"/>
+            </a:pPr>
+            <a:r>
+              <a:rPr lang="zh-TW" altLang="en-US" sz="2200" dirty="0">
+                <a:solidFill>
+                  <a:srgbClr val="24292E"/>
+                </a:solidFill>
+                <a:latin typeface="-apple-system"/>
+              </a:rPr>
+              <a:t>性別：</a:t>
+            </a:r>
+            <a:r>
+              <a:rPr lang="en-US" altLang="zh-TW" sz="2200" dirty="0">
+                <a:solidFill>
+                  <a:srgbClr val="24292E"/>
+                </a:solidFill>
+                <a:latin typeface="-apple-system"/>
+              </a:rPr>
+              <a:t>One-Hot-Encoding</a:t>
+            </a:r>
+          </a:p>
+          <a:p>
+            <a:pPr lvl="1">
+              <a:buFont typeface="Arial" panose="020B0604020202020204" pitchFamily="34" charset="0"/>
+              <a:buChar char="•"/>
+            </a:pPr>
+            <a:r>
+              <a:rPr lang="zh-TW" altLang="en-US" sz="2200" dirty="0">
+                <a:solidFill>
+                  <a:srgbClr val="24292E"/>
+                </a:solidFill>
+                <a:latin typeface="-apple-system"/>
+              </a:rPr>
+              <a:t>年代：維基百科音樂史年代</a:t>
+            </a:r>
+            <a:r>
+              <a:rPr lang="en-US" altLang="zh-TW" sz="2200" dirty="0">
+                <a:solidFill>
+                  <a:srgbClr val="24292E"/>
+                </a:solidFill>
+                <a:latin typeface="-apple-system"/>
+              </a:rPr>
+              <a:t>(1~6)</a:t>
+            </a:r>
+          </a:p>
+        </p:txBody>
+      </p:sp>
+      <p:sp>
+        <p:nvSpPr>
+          <p:cNvPr id="4" name="日期版面配置區 3">
+            <a:extLst>
+              <a:ext uri="{FF2B5EF4-FFF2-40B4-BE49-F238E27FC236}">
+                <a16:creationId xmlns:a16="http://schemas.microsoft.com/office/drawing/2014/main" id="{A906F73B-1DBA-4C43-8D2C-1D5F02E8AEC7}"/>
+              </a:ext>
+            </a:extLst>
+          </p:cNvPr>
+          <p:cNvSpPr>
+            <a:spLocks noGrp="1"/>
+          </p:cNvSpPr>
+          <p:nvPr>
+            <p:ph type="dt" sz="half" idx="10"/>
+          </p:nvPr>
+        </p:nvSpPr>
+        <p:spPr/>
+        <p:txBody>
+          <a:bodyPr/>
+          <a:lstStyle/>
+          <a:p>
+            <a:pPr rtl="0"/>
+            <a:fld id="{CE847876-3A2B-49FA-B396-40048599C954}" type="datetime1">
+              <a:rPr lang="zh-TW" altLang="en-US" smtClean="0"/>
+              <a:t>2021/1/12</a:t>
+            </a:fld>
+            <a:endParaRPr lang="en-US"/>
+          </a:p>
+        </p:txBody>
+      </p:sp>
+    </p:spTree>
+    <p:extLst>
+      <p:ext uri="{BB962C8B-B14F-4D97-AF65-F5344CB8AC3E}">
+        <p14:creationId xmlns:p14="http://schemas.microsoft.com/office/powerpoint/2010/main" val="1084278722"/>
+      </p:ext>
+    </p:extLst>
+  </p:cSld>
+  <p:clrMapOvr>
+    <a:masterClrMapping/>
+  </p:clrMapOvr>
+</p:sld>
+</file>
+
+<file path=ppt/slides/slide4.xml><?xml version="1.0" encoding="utf-8"?>
+<p:sld xmlns:a="http://schemas.openxmlformats.org/drawingml/2006/main" xmlns:r="http://schemas.openxmlformats.org/officeDocument/2006/relationships" xmlns:p="http://schemas.openxmlformats.org/presentationml/2006/main">
+  <p:cSld>
+    <p:spTree>
+      <p:nvGrpSpPr>
+        <p:cNvPr id="1" name=""/>
+        <p:cNvGrpSpPr/>
+        <p:nvPr/>
+      </p:nvGrpSpPr>
+      <p:grpSpPr>
+        <a:xfrm>
+          <a:off x="0" y="0"/>
+          <a:ext cx="0" cy="0"/>
+          <a:chOff x="0" y="0"/>
+          <a:chExt cx="0" cy="0"/>
+        </a:xfrm>
+      </p:grpSpPr>
+      <p:sp>
+        <p:nvSpPr>
+          <p:cNvPr id="2" name="標題 1">
+            <a:extLst>
+              <a:ext uri="{FF2B5EF4-FFF2-40B4-BE49-F238E27FC236}">
+                <a16:creationId xmlns:a16="http://schemas.microsoft.com/office/drawing/2014/main" id="{EBFF48DE-E440-400C-92D2-E4439880E208}"/>
+              </a:ext>
+            </a:extLst>
+          </p:cNvPr>
+          <p:cNvSpPr>
+            <a:spLocks noGrp="1"/>
+          </p:cNvSpPr>
+          <p:nvPr>
+            <p:ph type="title"/>
+          </p:nvPr>
+        </p:nvSpPr>
+        <p:spPr/>
+        <p:txBody>
+          <a:bodyPr/>
+          <a:lstStyle/>
+          <a:p>
+            <a:pPr algn="ctr"/>
+            <a:r>
+              <a:rPr lang="zh-TW" altLang="en-US" sz="4000" dirty="0">
+                <a:latin typeface="微軟正黑體" panose="020B0604030504040204" pitchFamily="34" charset="-120"/>
+                <a:ea typeface="微軟正黑體" panose="020B0604030504040204" pitchFamily="34" charset="-120"/>
+              </a:rPr>
+              <a:t>資料說明</a:t>
+            </a:r>
+            <a:endParaRPr lang="zh-TW" altLang="en-US" dirty="0">
+              <a:latin typeface="微軟正黑體" panose="020B0604030504040204" pitchFamily="34" charset="-120"/>
+              <a:ea typeface="微軟正黑體" panose="020B0604030504040204" pitchFamily="34" charset="-120"/>
+            </a:endParaRPr>
+          </a:p>
+        </p:txBody>
+      </p:sp>
+      <p:sp>
+        <p:nvSpPr>
+          <p:cNvPr id="3" name="內容版面配置區 2">
+            <a:extLst>
+              <a:ext uri="{FF2B5EF4-FFF2-40B4-BE49-F238E27FC236}">
+                <a16:creationId xmlns:a16="http://schemas.microsoft.com/office/drawing/2014/main" id="{BB963837-ADA6-4E29-8B16-5DE8465B3A55}"/>
+              </a:ext>
+            </a:extLst>
+          </p:cNvPr>
+          <p:cNvSpPr>
+            <a:spLocks noGrp="1"/>
+          </p:cNvSpPr>
+          <p:nvPr>
+            <p:ph idx="1"/>
+          </p:nvPr>
+        </p:nvSpPr>
+        <p:spPr>
+          <a:xfrm>
+            <a:off x="1066800" y="2277036"/>
+            <a:ext cx="10058400" cy="3675708"/>
+          </a:xfrm>
+        </p:spPr>
+        <p:txBody>
+          <a:bodyPr/>
+          <a:lstStyle/>
+          <a:p>
+            <a:pPr algn="l">
+              <a:buFont typeface="Arial" panose="020B0604020202020204" pitchFamily="34" charset="0"/>
+              <a:buChar char="•"/>
+            </a:pPr>
+            <a:r>
+              <a:rPr lang="en-US" altLang="zh-TW" sz="2400" b="0" i="0" dirty="0">
+                <a:solidFill>
+                  <a:srgbClr val="24292E"/>
+                </a:solidFill>
+                <a:effectLst/>
+                <a:latin typeface="-apple-system"/>
+              </a:rPr>
+              <a:t>001_</a:t>
+            </a:r>
+            <a:r>
+              <a:rPr lang="zh-TW" altLang="en-US" sz="2400" b="0" i="0" dirty="0">
+                <a:solidFill>
+                  <a:srgbClr val="24292E"/>
+                </a:solidFill>
+                <a:effectLst/>
+                <a:latin typeface="-apple-system"/>
+              </a:rPr>
+              <a:t>中文資料</a:t>
+            </a:r>
+            <a:r>
+              <a:rPr lang="en-US" altLang="zh-TW" sz="2400" b="0" i="0" dirty="0">
+                <a:solidFill>
+                  <a:srgbClr val="24292E"/>
+                </a:solidFill>
+                <a:effectLst/>
+                <a:latin typeface="-apple-system"/>
+              </a:rPr>
+              <a:t>.csv</a:t>
+            </a:r>
+            <a:r>
+              <a:rPr lang="zh-TW" altLang="en-US" sz="2400" b="0" i="0" dirty="0">
+                <a:solidFill>
+                  <a:srgbClr val="24292E"/>
+                </a:solidFill>
+                <a:effectLst/>
+                <a:latin typeface="-apple-system"/>
+              </a:rPr>
+              <a:t>：歌曲的</a:t>
+            </a:r>
+            <a:r>
+              <a:rPr lang="zh-TW" altLang="en-US" sz="2400" dirty="0">
+                <a:solidFill>
+                  <a:srgbClr val="24292E"/>
+                </a:solidFill>
+                <a:latin typeface="-apple-system"/>
+              </a:rPr>
+              <a:t>原始資料</a:t>
+            </a:r>
+            <a:endParaRPr lang="en-US" altLang="zh-TW" sz="2400" b="0" i="0" dirty="0">
+              <a:solidFill>
+                <a:srgbClr val="24292E"/>
+              </a:solidFill>
+              <a:effectLst/>
+              <a:latin typeface="-apple-system"/>
+            </a:endParaRPr>
+          </a:p>
+          <a:p>
+            <a:pPr lvl="2">
+              <a:buFont typeface="Arial" panose="020B0604020202020204" pitchFamily="34" charset="0"/>
+              <a:buChar char="•"/>
+            </a:pPr>
+            <a:r>
+              <a:rPr lang="zh-TW" altLang="en-US" sz="1600" b="0" i="0" dirty="0">
+                <a:solidFill>
+                  <a:srgbClr val="24292E"/>
+                </a:solidFill>
+                <a:effectLst/>
+                <a:latin typeface="-apple-system"/>
+              </a:rPr>
+              <a:t>包含歌名、歌詞、分類、作詞者、作曲者、發行年份與收藏頻率。</a:t>
+            </a:r>
+            <a:endParaRPr lang="en-US" altLang="zh-TW" sz="1600" b="0" i="0" dirty="0">
+              <a:solidFill>
+                <a:srgbClr val="24292E"/>
+              </a:solidFill>
+              <a:effectLst/>
+              <a:latin typeface="-apple-system"/>
+            </a:endParaRPr>
+          </a:p>
+          <a:p>
+            <a:pPr lvl="2">
+              <a:buFont typeface="Arial" panose="020B0604020202020204" pitchFamily="34" charset="0"/>
+              <a:buChar char="•"/>
+            </a:pPr>
+            <a:endParaRPr lang="en-US" altLang="zh-TW" sz="1600" dirty="0">
+              <a:solidFill>
+                <a:srgbClr val="24292E"/>
+              </a:solidFill>
+              <a:latin typeface="-apple-system"/>
+            </a:endParaRPr>
+          </a:p>
+          <a:p>
+            <a:pPr lvl="2">
+              <a:buFont typeface="Arial" panose="020B0604020202020204" pitchFamily="34" charset="0"/>
+              <a:buChar char="•"/>
+            </a:pPr>
+            <a:endParaRPr lang="zh-TW" altLang="en-US" sz="1600" b="0" i="0" dirty="0">
+              <a:solidFill>
+                <a:srgbClr val="24292E"/>
+              </a:solidFill>
+              <a:effectLst/>
+              <a:latin typeface="-apple-system"/>
+            </a:endParaRPr>
+          </a:p>
+          <a:p>
+            <a:pPr algn="l">
+              <a:buFont typeface="Arial" panose="020B0604020202020204" pitchFamily="34" charset="0"/>
+              <a:buChar char="•"/>
+            </a:pPr>
+            <a:r>
+              <a:rPr lang="en-US" altLang="zh-TW" sz="2400" b="0" i="0" dirty="0">
+                <a:solidFill>
+                  <a:srgbClr val="24292E"/>
+                </a:solidFill>
+                <a:effectLst/>
+                <a:latin typeface="-apple-system"/>
+              </a:rPr>
+              <a:t>002_w2vDim400_1215.csv</a:t>
+            </a:r>
+            <a:r>
+              <a:rPr lang="zh-TW" altLang="en-US" sz="2400" b="0" i="0" dirty="0">
+                <a:solidFill>
+                  <a:srgbClr val="24292E"/>
+                </a:solidFill>
+                <a:effectLst/>
+                <a:latin typeface="-apple-system"/>
+              </a:rPr>
+              <a:t>：將原始資料進行</a:t>
+            </a:r>
+            <a:r>
+              <a:rPr lang="en-US" altLang="zh-TW" sz="2400" b="0" i="0" dirty="0">
+                <a:solidFill>
+                  <a:srgbClr val="24292E"/>
+                </a:solidFill>
+                <a:effectLst/>
+                <a:latin typeface="-apple-system"/>
+              </a:rPr>
+              <a:t>word embedding</a:t>
+            </a:r>
+            <a:endParaRPr lang="en-US" altLang="zh-TW" sz="2400" dirty="0">
+              <a:solidFill>
+                <a:srgbClr val="24292E"/>
+              </a:solidFill>
+              <a:latin typeface="-apple-system"/>
+            </a:endParaRPr>
+          </a:p>
+          <a:p>
+            <a:pPr lvl="2">
+              <a:buFont typeface="Arial" panose="020B0604020202020204" pitchFamily="34" charset="0"/>
+              <a:buChar char="•"/>
+            </a:pPr>
+            <a:r>
+              <a:rPr lang="zh-TW" altLang="en-US" sz="1600" b="0" i="0" dirty="0">
+                <a:solidFill>
+                  <a:srgbClr val="24292E"/>
+                </a:solidFill>
+                <a:effectLst/>
+                <a:latin typeface="-apple-system"/>
+              </a:rPr>
+              <a:t>將歌詞透過</a:t>
+            </a:r>
+            <a:r>
+              <a:rPr lang="en-US" altLang="zh-TW" sz="1600" b="0" i="0" dirty="0">
+                <a:solidFill>
+                  <a:srgbClr val="24292E"/>
+                </a:solidFill>
+                <a:effectLst/>
+                <a:latin typeface="-apple-system"/>
+              </a:rPr>
+              <a:t>word2vec</a:t>
+            </a:r>
+            <a:r>
+              <a:rPr lang="zh-TW" altLang="en-US" sz="1600" b="0" i="0" dirty="0">
+                <a:solidFill>
+                  <a:srgbClr val="24292E"/>
+                </a:solidFill>
+                <a:effectLst/>
+                <a:latin typeface="-apple-system"/>
+              </a:rPr>
+              <a:t>進行</a:t>
+            </a:r>
+            <a:r>
+              <a:rPr lang="en-US" altLang="zh-TW" sz="1600" b="0" i="0" dirty="0">
+                <a:solidFill>
+                  <a:srgbClr val="24292E"/>
+                </a:solidFill>
+                <a:effectLst/>
+                <a:latin typeface="-apple-system"/>
+              </a:rPr>
+              <a:t>word embedding</a:t>
+            </a:r>
+            <a:r>
+              <a:rPr lang="zh-TW" altLang="en-US" sz="1600" b="0" i="0" dirty="0">
+                <a:solidFill>
+                  <a:srgbClr val="24292E"/>
+                </a:solidFill>
+                <a:effectLst/>
+                <a:latin typeface="-apple-system"/>
+              </a:rPr>
+              <a:t>取</a:t>
+            </a:r>
+            <a:r>
+              <a:rPr lang="en-US" altLang="zh-TW" sz="1600" b="0" i="0" dirty="0">
+                <a:solidFill>
+                  <a:srgbClr val="24292E"/>
+                </a:solidFill>
+                <a:effectLst/>
+                <a:latin typeface="-apple-system"/>
+              </a:rPr>
+              <a:t>400</a:t>
+            </a:r>
+            <a:r>
+              <a:rPr lang="zh-TW" altLang="en-US" sz="1600" b="0" i="0" dirty="0">
+                <a:solidFill>
+                  <a:srgbClr val="24292E"/>
+                </a:solidFill>
+                <a:effectLst/>
+                <a:latin typeface="-apple-system"/>
+              </a:rPr>
+              <a:t>維。</a:t>
+            </a:r>
+          </a:p>
+          <a:p>
+            <a:pPr algn="l">
+              <a:buFont typeface="Arial" panose="020B0604020202020204" pitchFamily="34" charset="0"/>
+              <a:buChar char="•"/>
+            </a:pPr>
+            <a:r>
+              <a:rPr lang="en-US" altLang="zh-TW" sz="2400" b="0" i="0" dirty="0">
+                <a:solidFill>
+                  <a:srgbClr val="24292E"/>
+                </a:solidFill>
+                <a:effectLst/>
+                <a:latin typeface="-apple-system"/>
+              </a:rPr>
+              <a:t>003_tfidf_0110.csv</a:t>
+            </a:r>
+            <a:r>
+              <a:rPr lang="zh-TW" altLang="en-US" sz="2400" b="0" i="0" dirty="0">
+                <a:solidFill>
+                  <a:srgbClr val="24292E"/>
+                </a:solidFill>
+                <a:effectLst/>
+                <a:latin typeface="-apple-system"/>
+              </a:rPr>
+              <a:t>：在資料處理中加入</a:t>
+            </a:r>
+            <a:r>
+              <a:rPr lang="en-US" altLang="zh-TW" sz="2400" dirty="0" err="1">
+                <a:solidFill>
+                  <a:srgbClr val="24292E"/>
+                </a:solidFill>
+                <a:latin typeface="-apple-system"/>
+              </a:rPr>
+              <a:t>tf_idf</a:t>
+            </a:r>
+            <a:r>
+              <a:rPr lang="zh-TW" altLang="en-US" sz="2400" dirty="0">
+                <a:solidFill>
+                  <a:srgbClr val="24292E"/>
+                </a:solidFill>
+                <a:latin typeface="-apple-system"/>
+              </a:rPr>
+              <a:t>，並以</a:t>
+            </a:r>
+            <a:r>
+              <a:rPr lang="en-US" altLang="zh-TW" sz="2400" dirty="0">
+                <a:solidFill>
+                  <a:srgbClr val="24292E"/>
+                </a:solidFill>
+                <a:latin typeface="-apple-system"/>
+              </a:rPr>
+              <a:t>SVD</a:t>
+            </a:r>
+            <a:r>
+              <a:rPr lang="zh-TW" altLang="en-US" sz="2400" dirty="0">
+                <a:solidFill>
+                  <a:srgbClr val="24292E"/>
+                </a:solidFill>
+                <a:latin typeface="-apple-system"/>
+              </a:rPr>
+              <a:t>進行降維</a:t>
+            </a:r>
+            <a:endParaRPr lang="en-US" altLang="zh-TW" sz="2400" b="0" i="0" dirty="0">
+              <a:solidFill>
+                <a:srgbClr val="24292E"/>
+              </a:solidFill>
+              <a:effectLst/>
+              <a:latin typeface="-apple-system"/>
+            </a:endParaRPr>
+          </a:p>
+          <a:p>
+            <a:pPr lvl="2">
+              <a:buFont typeface="Arial" panose="020B0604020202020204" pitchFamily="34" charset="0"/>
+              <a:buChar char="•"/>
+            </a:pPr>
+            <a:r>
+              <a:rPr lang="zh-TW" altLang="en-US" sz="1600" b="0" i="0" dirty="0">
+                <a:solidFill>
+                  <a:srgbClr val="24292E"/>
+                </a:solidFill>
+                <a:effectLst/>
+                <a:latin typeface="-apple-system"/>
+              </a:rPr>
+              <a:t>將歌名透過</a:t>
+            </a:r>
+            <a:r>
+              <a:rPr lang="en-US" altLang="zh-TW" sz="1600" b="0" i="0" dirty="0">
+                <a:solidFill>
+                  <a:srgbClr val="24292E"/>
+                </a:solidFill>
+                <a:effectLst/>
+                <a:latin typeface="-apple-system"/>
+              </a:rPr>
+              <a:t>word2vec</a:t>
+            </a:r>
+            <a:r>
+              <a:rPr lang="zh-TW" altLang="en-US" sz="1600" b="0" i="0" dirty="0">
+                <a:solidFill>
+                  <a:srgbClr val="24292E"/>
+                </a:solidFill>
+                <a:effectLst/>
+                <a:latin typeface="-apple-system"/>
+              </a:rPr>
+              <a:t>進行</a:t>
+            </a:r>
+            <a:r>
+              <a:rPr lang="en-US" altLang="zh-TW" sz="1600" b="0" i="0" dirty="0">
+                <a:solidFill>
+                  <a:srgbClr val="24292E"/>
+                </a:solidFill>
+                <a:effectLst/>
+                <a:latin typeface="-apple-system"/>
+              </a:rPr>
+              <a:t>word embedding</a:t>
+            </a:r>
+            <a:r>
+              <a:rPr lang="zh-TW" altLang="en-US" sz="1600" b="0" i="0" dirty="0">
+                <a:solidFill>
+                  <a:srgbClr val="24292E"/>
+                </a:solidFill>
+                <a:effectLst/>
+                <a:latin typeface="-apple-system"/>
+              </a:rPr>
+              <a:t>取</a:t>
+            </a:r>
+            <a:r>
+              <a:rPr lang="en-US" altLang="zh-TW" sz="1600" b="0" i="0" dirty="0">
+                <a:solidFill>
+                  <a:srgbClr val="24292E"/>
+                </a:solidFill>
+                <a:effectLst/>
+                <a:latin typeface="-apple-system"/>
+              </a:rPr>
+              <a:t>400</a:t>
+            </a:r>
+            <a:r>
+              <a:rPr lang="zh-TW" altLang="en-US" sz="1600" b="0" i="0" dirty="0">
+                <a:solidFill>
+                  <a:srgbClr val="24292E"/>
+                </a:solidFill>
+                <a:effectLst/>
+                <a:latin typeface="-apple-system"/>
+              </a:rPr>
+              <a:t>維、歌詞透過</a:t>
+            </a:r>
+            <a:r>
+              <a:rPr lang="en-US" altLang="zh-TW" sz="1600" b="0" i="0" dirty="0" err="1">
+                <a:solidFill>
+                  <a:srgbClr val="24292E"/>
+                </a:solidFill>
+                <a:effectLst/>
+                <a:latin typeface="-apple-system"/>
+              </a:rPr>
+              <a:t>tf-idf</a:t>
+            </a:r>
+            <a:r>
+              <a:rPr lang="zh-TW" altLang="en-US" sz="1600" b="0" i="0" dirty="0">
+                <a:solidFill>
+                  <a:srgbClr val="24292E"/>
+                </a:solidFill>
+                <a:effectLst/>
+                <a:latin typeface="-apple-system"/>
+              </a:rPr>
+              <a:t>進行</a:t>
+            </a:r>
+            <a:r>
+              <a:rPr lang="en-US" altLang="zh-TW" sz="1600" b="0" i="0" dirty="0">
+                <a:solidFill>
+                  <a:srgbClr val="24292E"/>
+                </a:solidFill>
+                <a:effectLst/>
+                <a:latin typeface="-apple-system"/>
+              </a:rPr>
+              <a:t>word embedding</a:t>
+            </a:r>
+            <a:r>
+              <a:rPr lang="zh-TW" altLang="en-US" sz="1600" b="0" i="0" dirty="0">
+                <a:solidFill>
+                  <a:srgbClr val="24292E"/>
+                </a:solidFill>
+                <a:effectLst/>
+                <a:latin typeface="-apple-system"/>
+              </a:rPr>
+              <a:t>後透過</a:t>
+            </a:r>
+            <a:r>
+              <a:rPr lang="en-US" altLang="zh-TW" sz="1600" b="0" i="0" dirty="0" err="1">
+                <a:solidFill>
+                  <a:srgbClr val="24292E"/>
+                </a:solidFill>
+                <a:effectLst/>
+                <a:latin typeface="-apple-system"/>
+              </a:rPr>
+              <a:t>svd</a:t>
+            </a:r>
+            <a:r>
+              <a:rPr lang="zh-TW" altLang="en-US" sz="1600" b="0" i="0" dirty="0">
+                <a:solidFill>
+                  <a:srgbClr val="24292E"/>
+                </a:solidFill>
+                <a:effectLst/>
+                <a:latin typeface="-apple-system"/>
+              </a:rPr>
+              <a:t>降維至</a:t>
+            </a:r>
+            <a:r>
+              <a:rPr lang="en-US" altLang="zh-TW" sz="1600" b="0" i="0" dirty="0">
+                <a:solidFill>
+                  <a:srgbClr val="24292E"/>
+                </a:solidFill>
+                <a:effectLst/>
+                <a:latin typeface="-apple-system"/>
+              </a:rPr>
+              <a:t>200</a:t>
+            </a:r>
+            <a:r>
+              <a:rPr lang="zh-TW" altLang="en-US" sz="1600" b="0" i="0" dirty="0">
+                <a:solidFill>
+                  <a:srgbClr val="24292E"/>
+                </a:solidFill>
+                <a:effectLst/>
+                <a:latin typeface="-apple-system"/>
+              </a:rPr>
+              <a:t>，另有新增歌曲的情感分數</a:t>
+            </a:r>
+            <a:r>
+              <a:rPr lang="en-US" altLang="zh-TW" sz="1600" b="0" i="0" dirty="0">
+                <a:solidFill>
+                  <a:srgbClr val="24292E"/>
+                </a:solidFill>
+                <a:effectLst/>
+                <a:latin typeface="-apple-system"/>
+              </a:rPr>
+              <a:t>(Valence, Arousal)2</a:t>
+            </a:r>
+            <a:r>
+              <a:rPr lang="zh-TW" altLang="en-US" sz="1600" b="0" i="0" dirty="0">
+                <a:solidFill>
+                  <a:srgbClr val="24292E"/>
+                </a:solidFill>
+                <a:effectLst/>
+                <a:latin typeface="-apple-system"/>
+              </a:rPr>
+              <a:t>維。</a:t>
+            </a:r>
+          </a:p>
+          <a:p>
+            <a:endParaRPr lang="zh-TW" altLang="en-US" dirty="0"/>
+          </a:p>
+        </p:txBody>
+      </p:sp>
+      <p:sp>
+        <p:nvSpPr>
+          <p:cNvPr id="4" name="日期版面配置區 3">
+            <a:extLst>
+              <a:ext uri="{FF2B5EF4-FFF2-40B4-BE49-F238E27FC236}">
+                <a16:creationId xmlns:a16="http://schemas.microsoft.com/office/drawing/2014/main" id="{98AAE954-72E7-4B55-A24C-8C9865F82A24}"/>
+              </a:ext>
+            </a:extLst>
+          </p:cNvPr>
+          <p:cNvSpPr>
+            <a:spLocks noGrp="1"/>
+          </p:cNvSpPr>
+          <p:nvPr>
+            <p:ph type="dt" sz="half" idx="10"/>
+          </p:nvPr>
+        </p:nvSpPr>
+        <p:spPr/>
+        <p:txBody>
+          <a:bodyPr/>
+          <a:lstStyle/>
+          <a:p>
+            <a:pPr rtl="0"/>
+            <a:fld id="{CE847876-3A2B-49FA-B396-40048599C954}" type="datetime1">
+              <a:rPr lang="zh-TW" altLang="en-US" smtClean="0"/>
+              <a:t>2021/1/12</a:t>
+            </a:fld>
+            <a:endParaRPr lang="en-US"/>
+          </a:p>
+        </p:txBody>
+      </p:sp>
+      <p:pic>
+        <p:nvPicPr>
+          <p:cNvPr id="6" name="圖片 5" descr="一張含有 桌 的圖片&#10;&#10;自動產生的描述">
+            <a:extLst>
+              <a:ext uri="{FF2B5EF4-FFF2-40B4-BE49-F238E27FC236}">
+                <a16:creationId xmlns:a16="http://schemas.microsoft.com/office/drawing/2014/main" id="{B3B6121E-D716-48A7-8D73-BF4F813B08A2}"/>
+              </a:ext>
+            </a:extLst>
+          </p:cNvPr>
+          <p:cNvPicPr>
+            <a:picLocks noChangeAspect="1"/>
+          </p:cNvPicPr>
+          <p:nvPr/>
+        </p:nvPicPr>
+        <p:blipFill rotWithShape="1">
+          <a:blip r:embed="rId2">
+            <a:extLst>
+              <a:ext uri="{28A0092B-C50C-407E-A947-70E740481C1C}">
+                <a14:useLocalDpi xmlns:a14="http://schemas.microsoft.com/office/drawing/2010/main" val="0"/>
+              </a:ext>
+            </a:extLst>
+          </a:blip>
+          <a:srcRect r="12615" b="86565"/>
+          <a:stretch/>
+        </p:blipFill>
+        <p:spPr>
+          <a:xfrm>
+            <a:off x="1514038" y="3129167"/>
+            <a:ext cx="9163924" cy="599665"/>
+          </a:xfrm>
+          <a:prstGeom prst="rect">
+            <a:avLst/>
+          </a:prstGeom>
+        </p:spPr>
+      </p:pic>
+    </p:spTree>
+    <p:extLst>
+      <p:ext uri="{BB962C8B-B14F-4D97-AF65-F5344CB8AC3E}">
+        <p14:creationId xmlns:p14="http://schemas.microsoft.com/office/powerpoint/2010/main" val="409503294"/>
+      </p:ext>
+    </p:extLst>
+  </p:cSld>
+  <p:clrMapOvr>
+    <a:masterClrMapping/>
+  </p:clrMapOvr>
+</p:sld>
+</file>
+
+<file path=ppt/slides/slide5.xml><?xml version="1.0" encoding="utf-8"?>
+<p:sld xmlns:a="http://schemas.openxmlformats.org/drawingml/2006/main" xmlns:r="http://schemas.openxmlformats.org/officeDocument/2006/relationships" xmlns:p="http://schemas.openxmlformats.org/presentationml/2006/main">
+  <p:cSld>
+    <p:spTree>
+      <p:nvGrpSpPr>
+        <p:cNvPr id="1" name=""/>
+        <p:cNvGrpSpPr/>
+        <p:nvPr/>
+      </p:nvGrpSpPr>
+      <p:grpSpPr>
+        <a:xfrm>
+          <a:off x="0" y="0"/>
+          <a:ext cx="0" cy="0"/>
+          <a:chOff x="0" y="0"/>
+          <a:chExt cx="0" cy="0"/>
+        </a:xfrm>
+      </p:grpSpPr>
+      <p:sp>
+        <p:nvSpPr>
+          <p:cNvPr id="2" name="標題 1">
+            <a:extLst>
+              <a:ext uri="{FF2B5EF4-FFF2-40B4-BE49-F238E27FC236}">
+                <a16:creationId xmlns:a16="http://schemas.microsoft.com/office/drawing/2014/main" id="{EBFF48DE-E440-400C-92D2-E4439880E208}"/>
+              </a:ext>
+            </a:extLst>
+          </p:cNvPr>
+          <p:cNvSpPr>
+            <a:spLocks noGrp="1"/>
+          </p:cNvSpPr>
+          <p:nvPr>
+            <p:ph type="title"/>
+          </p:nvPr>
+        </p:nvSpPr>
+        <p:spPr/>
+        <p:txBody>
+          <a:bodyPr/>
+          <a:lstStyle/>
+          <a:p>
+            <a:pPr algn="ctr"/>
+            <a:r>
+              <a:rPr lang="zh-TW" altLang="en-US" sz="4000" dirty="0">
+                <a:latin typeface="微軟正黑體" panose="020B0604030504040204" pitchFamily="34" charset="-120"/>
+                <a:ea typeface="微軟正黑體" panose="020B0604030504040204" pitchFamily="34" charset="-120"/>
+              </a:rPr>
+              <a:t>資料說明</a:t>
+            </a:r>
+            <a:endParaRPr lang="zh-TW" altLang="en-US" dirty="0">
+              <a:latin typeface="微軟正黑體" panose="020B0604030504040204" pitchFamily="34" charset="-120"/>
+              <a:ea typeface="微軟正黑體" panose="020B0604030504040204" pitchFamily="34" charset="-120"/>
+            </a:endParaRPr>
+          </a:p>
+        </p:txBody>
+      </p:sp>
+      <p:sp>
+        <p:nvSpPr>
+          <p:cNvPr id="4" name="日期版面配置區 3">
+            <a:extLst>
+              <a:ext uri="{FF2B5EF4-FFF2-40B4-BE49-F238E27FC236}">
+                <a16:creationId xmlns:a16="http://schemas.microsoft.com/office/drawing/2014/main" id="{98AAE954-72E7-4B55-A24C-8C9865F82A24}"/>
+              </a:ext>
+            </a:extLst>
+          </p:cNvPr>
+          <p:cNvSpPr>
+            <a:spLocks noGrp="1"/>
+          </p:cNvSpPr>
+          <p:nvPr>
+            <p:ph type="dt" sz="half" idx="10"/>
+          </p:nvPr>
+        </p:nvSpPr>
+        <p:spPr/>
+        <p:txBody>
+          <a:bodyPr/>
+          <a:lstStyle/>
+          <a:p>
+            <a:pPr rtl="0"/>
+            <a:fld id="{CE847876-3A2B-49FA-B396-40048599C954}" type="datetime1">
+              <a:rPr lang="zh-TW" altLang="en-US" smtClean="0"/>
+              <a:t>2021/1/12</a:t>
+            </a:fld>
+            <a:endParaRPr lang="en-US"/>
+          </a:p>
+        </p:txBody>
+      </p:sp>
+      <p:pic>
+        <p:nvPicPr>
+          <p:cNvPr id="9" name="圖片 8">
+            <a:extLst>
+              <a:ext uri="{FF2B5EF4-FFF2-40B4-BE49-F238E27FC236}">
+                <a16:creationId xmlns:a16="http://schemas.microsoft.com/office/drawing/2014/main" id="{B6D2F0A0-F0A0-43DE-B065-0B2491B9DDB9}"/>
+              </a:ext>
+            </a:extLst>
+          </p:cNvPr>
+          <p:cNvPicPr>
+            <a:picLocks noChangeAspect="1"/>
+          </p:cNvPicPr>
+          <p:nvPr/>
+        </p:nvPicPr>
+        <p:blipFill>
+          <a:blip r:embed="rId2">
+            <a:extLst>
+              <a:ext uri="{28A0092B-C50C-407E-A947-70E740481C1C}">
+                <a14:useLocalDpi xmlns:a14="http://schemas.microsoft.com/office/drawing/2010/main" val="0"/>
+              </a:ext>
+            </a:extLst>
+          </a:blip>
+          <a:stretch>
+            <a:fillRect/>
+          </a:stretch>
+        </p:blipFill>
+        <p:spPr>
+          <a:xfrm>
+            <a:off x="1191087" y="1731012"/>
+            <a:ext cx="9809825" cy="4156825"/>
+          </a:xfrm>
+          <a:prstGeom prst="rect">
+            <a:avLst/>
+          </a:prstGeom>
+        </p:spPr>
+      </p:pic>
+    </p:spTree>
+    <p:extLst>
+      <p:ext uri="{BB962C8B-B14F-4D97-AF65-F5344CB8AC3E}">
+        <p14:creationId xmlns:p14="http://schemas.microsoft.com/office/powerpoint/2010/main" val="3711904184"/>
+      </p:ext>
+    </p:extLst>
+  </p:cSld>
+  <p:clrMapOvr>
+    <a:masterClrMapping/>
+  </p:clrMapOvr>
+</p:sld>
+</file>
+
+<file path=ppt/slides/slide6.xml><?xml version="1.0" encoding="utf-8"?>
+<p:sld xmlns:a="http://schemas.openxmlformats.org/drawingml/2006/main" xmlns:r="http://schemas.openxmlformats.org/officeDocument/2006/relationships" xmlns:p="http://schemas.openxmlformats.org/presentationml/2006/main">
+  <p:cSld>
+    <p:spTree>
+      <p:nvGrpSpPr>
+        <p:cNvPr id="1" name=""/>
+        <p:cNvGrpSpPr/>
+        <p:nvPr/>
+      </p:nvGrpSpPr>
+      <p:grpSpPr>
+        <a:xfrm>
+          <a:off x="0" y="0"/>
+          <a:ext cx="0" cy="0"/>
+          <a:chOff x="0" y="0"/>
+          <a:chExt cx="0" cy="0"/>
+        </a:xfrm>
+      </p:grpSpPr>
+      <p:sp>
+        <p:nvSpPr>
+          <p:cNvPr id="2" name="標題 1">
+            <a:extLst>
+              <a:ext uri="{FF2B5EF4-FFF2-40B4-BE49-F238E27FC236}">
+                <a16:creationId xmlns:a16="http://schemas.microsoft.com/office/drawing/2014/main" id="{4EA78B8B-9B3A-4BBD-A67D-2D46E84B98BA}"/>
+              </a:ext>
+            </a:extLst>
+          </p:cNvPr>
+          <p:cNvSpPr>
+            <a:spLocks noGrp="1"/>
+          </p:cNvSpPr>
+          <p:nvPr>
+            <p:ph type="title"/>
+          </p:nvPr>
+        </p:nvSpPr>
+        <p:spPr/>
+        <p:txBody>
+          <a:bodyPr/>
+          <a:lstStyle/>
+          <a:p>
+            <a:pPr algn="ctr"/>
+            <a:r>
+              <a:rPr lang="zh-TW" altLang="en-US" sz="4000" dirty="0">
+                <a:latin typeface="微軟正黑體" panose="020B0604030504040204" pitchFamily="34" charset="-120"/>
+                <a:ea typeface="微軟正黑體" panose="020B0604030504040204" pitchFamily="34" charset="-120"/>
+              </a:rPr>
+              <a:t>分類目標</a:t>
+            </a:r>
+            <a:endParaRPr lang="zh-TW" altLang="en-US" dirty="0">
+              <a:latin typeface="微軟正黑體" panose="020B0604030504040204" pitchFamily="34" charset="-120"/>
+              <a:ea typeface="微軟正黑體" panose="020B0604030504040204" pitchFamily="34" charset="-120"/>
+            </a:endParaRPr>
+          </a:p>
+        </p:txBody>
+      </p:sp>
+      <p:sp>
+        <p:nvSpPr>
+          <p:cNvPr id="3" name="內容版面配置區 2">
+            <a:extLst>
+              <a:ext uri="{FF2B5EF4-FFF2-40B4-BE49-F238E27FC236}">
+                <a16:creationId xmlns:a16="http://schemas.microsoft.com/office/drawing/2014/main" id="{D463190B-0139-43DC-8F87-57AF31CF56F1}"/>
+              </a:ext>
+            </a:extLst>
+          </p:cNvPr>
+          <p:cNvSpPr>
+            <a:spLocks noGrp="1"/>
+          </p:cNvSpPr>
+          <p:nvPr>
+            <p:ph idx="1"/>
+          </p:nvPr>
+        </p:nvSpPr>
+        <p:spPr/>
+        <p:txBody>
+          <a:bodyPr>
+            <a:normAutofit/>
+          </a:bodyPr>
+          <a:lstStyle/>
+          <a:p>
+            <a:pPr lvl="1">
+              <a:lnSpc>
+                <a:spcPct val="150000"/>
+              </a:lnSpc>
+              <a:spcBef>
+                <a:spcPts val="2400"/>
+              </a:spcBef>
+              <a:buFont typeface="Wingdings" panose="05000000000000000000" pitchFamily="2" charset="2"/>
+              <a:buChar char="l"/>
+            </a:pPr>
+            <a:r>
+              <a:rPr lang="en-US" altLang="zh-TW" sz="3000" dirty="0">
+                <a:solidFill>
+                  <a:srgbClr val="24292E"/>
+                </a:solidFill>
+                <a:latin typeface="微軟正黑體" panose="020B0604030504040204" pitchFamily="34" charset="-120"/>
+                <a:ea typeface="微軟正黑體" panose="020B0604030504040204" pitchFamily="34" charset="-120"/>
+              </a:rPr>
+              <a:t>Encourage</a:t>
+            </a:r>
+            <a:r>
+              <a:rPr lang="zh-TW" altLang="en-US" sz="3000" dirty="0">
+                <a:solidFill>
+                  <a:srgbClr val="24292E"/>
+                </a:solidFill>
+                <a:latin typeface="微軟正黑體" panose="020B0604030504040204" pitchFamily="34" charset="-120"/>
+                <a:ea typeface="微軟正黑體" panose="020B0604030504040204" pitchFamily="34" charset="-120"/>
+              </a:rPr>
+              <a:t> </a:t>
+            </a:r>
+            <a:r>
+              <a:rPr lang="en-US" altLang="zh-TW" sz="3000" dirty="0">
+                <a:solidFill>
+                  <a:srgbClr val="24292E"/>
+                </a:solidFill>
+                <a:latin typeface="微軟正黑體" panose="020B0604030504040204" pitchFamily="34" charset="-120"/>
+                <a:ea typeface="微軟正黑體" panose="020B0604030504040204" pitchFamily="34" charset="-120"/>
+              </a:rPr>
+              <a:t>(</a:t>
+            </a:r>
+            <a:r>
+              <a:rPr lang="zh-TW" altLang="en-US" sz="3000" dirty="0">
+                <a:solidFill>
+                  <a:srgbClr val="24292E"/>
+                </a:solidFill>
+                <a:latin typeface="微軟正黑體" panose="020B0604030504040204" pitchFamily="34" charset="-120"/>
+                <a:ea typeface="微軟正黑體" panose="020B0604030504040204" pitchFamily="34" charset="-120"/>
+              </a:rPr>
+              <a:t>勵志</a:t>
+            </a:r>
+            <a:r>
+              <a:rPr lang="en-US" altLang="zh-TW" sz="3000" dirty="0">
+                <a:solidFill>
+                  <a:srgbClr val="24292E"/>
+                </a:solidFill>
+                <a:latin typeface="微軟正黑體" panose="020B0604030504040204" pitchFamily="34" charset="-120"/>
+                <a:ea typeface="微軟正黑體" panose="020B0604030504040204" pitchFamily="34" charset="-120"/>
+              </a:rPr>
+              <a:t>)</a:t>
+            </a:r>
+          </a:p>
+          <a:p>
+            <a:pPr lvl="1">
+              <a:lnSpc>
+                <a:spcPct val="150000"/>
+              </a:lnSpc>
+              <a:spcBef>
+                <a:spcPts val="2400"/>
+              </a:spcBef>
+              <a:buFont typeface="Wingdings" panose="05000000000000000000" pitchFamily="2" charset="2"/>
+              <a:buChar char="l"/>
+            </a:pPr>
+            <a:r>
+              <a:rPr lang="en-US" altLang="zh-TW" sz="3000" dirty="0">
+                <a:solidFill>
+                  <a:srgbClr val="24292E"/>
+                </a:solidFill>
+                <a:latin typeface="微軟正黑體" panose="020B0604030504040204" pitchFamily="34" charset="-120"/>
+                <a:ea typeface="微軟正黑體" panose="020B0604030504040204" pitchFamily="34" charset="-120"/>
+              </a:rPr>
+              <a:t>Family</a:t>
+            </a:r>
+            <a:r>
+              <a:rPr lang="zh-TW" altLang="en-US" sz="3000" dirty="0">
+                <a:solidFill>
+                  <a:srgbClr val="24292E"/>
+                </a:solidFill>
+                <a:latin typeface="微軟正黑體" panose="020B0604030504040204" pitchFamily="34" charset="-120"/>
+                <a:ea typeface="微軟正黑體" panose="020B0604030504040204" pitchFamily="34" charset="-120"/>
+              </a:rPr>
+              <a:t> </a:t>
+            </a:r>
+            <a:r>
+              <a:rPr lang="en-US" altLang="zh-TW" sz="3000" dirty="0">
+                <a:solidFill>
+                  <a:srgbClr val="24292E"/>
+                </a:solidFill>
+                <a:latin typeface="微軟正黑體" panose="020B0604030504040204" pitchFamily="34" charset="-120"/>
+                <a:ea typeface="微軟正黑體" panose="020B0604030504040204" pitchFamily="34" charset="-120"/>
+              </a:rPr>
+              <a:t>(</a:t>
+            </a:r>
+            <a:r>
+              <a:rPr lang="zh-TW" altLang="en-US" sz="3000" dirty="0">
+                <a:solidFill>
+                  <a:srgbClr val="24292E"/>
+                </a:solidFill>
+                <a:latin typeface="微軟正黑體" panose="020B0604030504040204" pitchFamily="34" charset="-120"/>
+                <a:ea typeface="微軟正黑體" panose="020B0604030504040204" pitchFamily="34" charset="-120"/>
+              </a:rPr>
+              <a:t>親情</a:t>
+            </a:r>
+            <a:r>
+              <a:rPr lang="en-US" altLang="zh-TW" sz="3000" dirty="0">
+                <a:solidFill>
+                  <a:srgbClr val="24292E"/>
+                </a:solidFill>
+                <a:latin typeface="微軟正黑體" panose="020B0604030504040204" pitchFamily="34" charset="-120"/>
+                <a:ea typeface="微軟正黑體" panose="020B0604030504040204" pitchFamily="34" charset="-120"/>
+              </a:rPr>
+              <a:t>)</a:t>
+            </a:r>
+          </a:p>
+          <a:p>
+            <a:pPr lvl="1">
+              <a:lnSpc>
+                <a:spcPct val="150000"/>
+              </a:lnSpc>
+              <a:spcBef>
+                <a:spcPts val="2400"/>
+              </a:spcBef>
+              <a:buFont typeface="Wingdings" panose="05000000000000000000" pitchFamily="2" charset="2"/>
+              <a:buChar char="l"/>
+            </a:pPr>
+            <a:r>
+              <a:rPr lang="en-US" altLang="zh-TW" sz="3000" dirty="0">
+                <a:solidFill>
+                  <a:srgbClr val="24292E"/>
+                </a:solidFill>
+                <a:latin typeface="微軟正黑體" panose="020B0604030504040204" pitchFamily="34" charset="-120"/>
+                <a:ea typeface="微軟正黑體" panose="020B0604030504040204" pitchFamily="34" charset="-120"/>
+              </a:rPr>
+              <a:t>Friend</a:t>
+            </a:r>
+            <a:r>
+              <a:rPr lang="zh-TW" altLang="en-US" sz="3000" dirty="0">
+                <a:solidFill>
+                  <a:srgbClr val="24292E"/>
+                </a:solidFill>
+                <a:latin typeface="微軟正黑體" panose="020B0604030504040204" pitchFamily="34" charset="-120"/>
+                <a:ea typeface="微軟正黑體" panose="020B0604030504040204" pitchFamily="34" charset="-120"/>
+              </a:rPr>
+              <a:t> </a:t>
+            </a:r>
+            <a:r>
+              <a:rPr lang="en-US" altLang="zh-TW" sz="3000" dirty="0">
+                <a:solidFill>
+                  <a:srgbClr val="24292E"/>
+                </a:solidFill>
+                <a:latin typeface="微軟正黑體" panose="020B0604030504040204" pitchFamily="34" charset="-120"/>
+                <a:ea typeface="微軟正黑體" panose="020B0604030504040204" pitchFamily="34" charset="-120"/>
+              </a:rPr>
+              <a:t>(</a:t>
+            </a:r>
+            <a:r>
+              <a:rPr lang="zh-TW" altLang="en-US" sz="3000" dirty="0">
+                <a:solidFill>
+                  <a:srgbClr val="24292E"/>
+                </a:solidFill>
+                <a:latin typeface="微軟正黑體" panose="020B0604030504040204" pitchFamily="34" charset="-120"/>
+                <a:ea typeface="微軟正黑體" panose="020B0604030504040204" pitchFamily="34" charset="-120"/>
+              </a:rPr>
+              <a:t>友情</a:t>
+            </a:r>
+            <a:r>
+              <a:rPr lang="en-US" altLang="zh-TW" sz="3000" dirty="0">
+                <a:solidFill>
+                  <a:srgbClr val="24292E"/>
+                </a:solidFill>
+                <a:latin typeface="微軟正黑體" panose="020B0604030504040204" pitchFamily="34" charset="-120"/>
+                <a:ea typeface="微軟正黑體" panose="020B0604030504040204" pitchFamily="34" charset="-120"/>
+              </a:rPr>
+              <a:t>)</a:t>
+            </a:r>
+          </a:p>
+          <a:p>
+            <a:pPr lvl="1">
+              <a:lnSpc>
+                <a:spcPct val="150000"/>
+              </a:lnSpc>
+              <a:spcBef>
+                <a:spcPts val="2400"/>
+              </a:spcBef>
+              <a:buFont typeface="Wingdings" panose="05000000000000000000" pitchFamily="2" charset="2"/>
+              <a:buChar char="l"/>
+            </a:pPr>
+            <a:r>
+              <a:rPr lang="en-US" altLang="zh-TW" sz="3000" dirty="0">
+                <a:solidFill>
+                  <a:srgbClr val="24292E"/>
+                </a:solidFill>
+                <a:latin typeface="微軟正黑體" panose="020B0604030504040204" pitchFamily="34" charset="-120"/>
+                <a:ea typeface="微軟正黑體" panose="020B0604030504040204" pitchFamily="34" charset="-120"/>
+              </a:rPr>
+              <a:t>Love</a:t>
+            </a:r>
+            <a:r>
+              <a:rPr lang="zh-TW" altLang="en-US" sz="3000" dirty="0">
+                <a:solidFill>
+                  <a:srgbClr val="24292E"/>
+                </a:solidFill>
+                <a:latin typeface="微軟正黑體" panose="020B0604030504040204" pitchFamily="34" charset="-120"/>
+                <a:ea typeface="微軟正黑體" panose="020B0604030504040204" pitchFamily="34" charset="-120"/>
+              </a:rPr>
+              <a:t> </a:t>
+            </a:r>
+            <a:r>
+              <a:rPr lang="en-US" altLang="zh-TW" sz="3000" dirty="0">
+                <a:solidFill>
+                  <a:srgbClr val="24292E"/>
+                </a:solidFill>
+                <a:latin typeface="微軟正黑體" panose="020B0604030504040204" pitchFamily="34" charset="-120"/>
+                <a:ea typeface="微軟正黑體" panose="020B0604030504040204" pitchFamily="34" charset="-120"/>
+              </a:rPr>
+              <a:t>(</a:t>
+            </a:r>
+            <a:r>
+              <a:rPr lang="zh-TW" altLang="en-US" sz="3000" dirty="0">
+                <a:solidFill>
+                  <a:srgbClr val="24292E"/>
+                </a:solidFill>
+                <a:latin typeface="微軟正黑體" panose="020B0604030504040204" pitchFamily="34" charset="-120"/>
+                <a:ea typeface="微軟正黑體" panose="020B0604030504040204" pitchFamily="34" charset="-120"/>
+              </a:rPr>
+              <a:t>愛情</a:t>
+            </a:r>
+            <a:r>
+              <a:rPr lang="en-US" altLang="zh-TW" sz="3000" dirty="0">
+                <a:solidFill>
+                  <a:srgbClr val="24292E"/>
+                </a:solidFill>
+                <a:latin typeface="微軟正黑體" panose="020B0604030504040204" pitchFamily="34" charset="-120"/>
+                <a:ea typeface="微軟正黑體" panose="020B0604030504040204" pitchFamily="34" charset="-120"/>
+              </a:rPr>
+              <a:t>)</a:t>
+            </a:r>
+          </a:p>
+        </p:txBody>
+      </p:sp>
+      <p:sp>
+        <p:nvSpPr>
+          <p:cNvPr id="4" name="日期版面配置區 3">
+            <a:extLst>
+              <a:ext uri="{FF2B5EF4-FFF2-40B4-BE49-F238E27FC236}">
+                <a16:creationId xmlns:a16="http://schemas.microsoft.com/office/drawing/2014/main" id="{89E1B6E4-96C1-4498-AAEA-EE9B8A0BBCCE}"/>
+              </a:ext>
+            </a:extLst>
+          </p:cNvPr>
+          <p:cNvSpPr>
+            <a:spLocks noGrp="1"/>
+          </p:cNvSpPr>
+          <p:nvPr>
+            <p:ph type="dt" sz="half" idx="10"/>
+          </p:nvPr>
+        </p:nvSpPr>
+        <p:spPr/>
+        <p:txBody>
+          <a:bodyPr/>
+          <a:lstStyle/>
+          <a:p>
+            <a:pPr rtl="0"/>
+            <a:fld id="{CE847876-3A2B-49FA-B396-40048599C954}" type="datetime1">
+              <a:rPr lang="zh-TW" altLang="en-US" smtClean="0">
+                <a:latin typeface="微軟正黑體" panose="020B0604030504040204" pitchFamily="34" charset="-120"/>
+                <a:ea typeface="微軟正黑體" panose="020B0604030504040204" pitchFamily="34" charset="-120"/>
+              </a:rPr>
+              <a:t>2021/1/12</a:t>
+            </a:fld>
+            <a:endParaRPr lang="en-US">
+              <a:latin typeface="微軟正黑體" panose="020B0604030504040204" pitchFamily="34" charset="-120"/>
+              <a:ea typeface="微軟正黑體" panose="020B0604030504040204" pitchFamily="34" charset="-120"/>
+            </a:endParaRPr>
+          </a:p>
+        </p:txBody>
+      </p:sp>
+    </p:spTree>
+    <p:extLst>
+      <p:ext uri="{BB962C8B-B14F-4D97-AF65-F5344CB8AC3E}">
+        <p14:creationId xmlns:p14="http://schemas.microsoft.com/office/powerpoint/2010/main" val="3033423636"/>
+      </p:ext>
+    </p:extLst>
+  </p:cSld>
+  <p:clrMapOvr>
+    <a:masterClrMapping/>
+  </p:clrMapOvr>
+</p:sld>
+</file>
+
+<file path=ppt/slides/slide7.xml><?xml version="1.0" encoding="utf-8"?>
+<p:sld xmlns:a="http://schemas.openxmlformats.org/drawingml/2006/main" xmlns:r="http://schemas.openxmlformats.org/officeDocument/2006/relationships" xmlns:p="http://schemas.openxmlformats.org/presentationml/2006/main">
+  <p:cSld>
+    <p:spTree>
+      <p:nvGrpSpPr>
+        <p:cNvPr id="1" name=""/>
+        <p:cNvGrpSpPr/>
+        <p:nvPr/>
+      </p:nvGrpSpPr>
+      <p:grpSpPr>
+        <a:xfrm>
+          <a:off x="0" y="0"/>
+          <a:ext cx="0" cy="0"/>
+          <a:chOff x="0" y="0"/>
+          <a:chExt cx="0" cy="0"/>
+        </a:xfrm>
+      </p:grpSpPr>
+      <p:sp>
+        <p:nvSpPr>
+          <p:cNvPr id="2" name="標題 1">
+            <a:extLst>
+              <a:ext uri="{FF2B5EF4-FFF2-40B4-BE49-F238E27FC236}">
+                <a16:creationId xmlns:a16="http://schemas.microsoft.com/office/drawing/2014/main" id="{5A432C5C-3B48-4DCA-AECF-BB4CAA5151ED}"/>
+              </a:ext>
+            </a:extLst>
+          </p:cNvPr>
+          <p:cNvSpPr>
+            <a:spLocks noGrp="1"/>
+          </p:cNvSpPr>
+          <p:nvPr>
+            <p:ph type="title"/>
+          </p:nvPr>
+        </p:nvSpPr>
+        <p:spPr/>
+        <p:txBody>
+          <a:bodyPr/>
+          <a:lstStyle/>
+          <a:p>
+            <a:pPr algn="ctr"/>
+            <a:r>
+              <a:rPr lang="zh-TW" altLang="en-US" dirty="0">
+                <a:latin typeface="微軟正黑體" panose="020B0604030504040204" pitchFamily="34" charset="-120"/>
+                <a:ea typeface="微軟正黑體" panose="020B0604030504040204" pitchFamily="34" charset="-120"/>
+              </a:rPr>
+              <a:t>分類模型</a:t>
+            </a:r>
+          </a:p>
+        </p:txBody>
+      </p:sp>
+      <p:sp>
+        <p:nvSpPr>
+          <p:cNvPr id="3" name="內容版面配置區 2">
+            <a:extLst>
+              <a:ext uri="{FF2B5EF4-FFF2-40B4-BE49-F238E27FC236}">
+                <a16:creationId xmlns:a16="http://schemas.microsoft.com/office/drawing/2014/main" id="{D1986B5B-D6AE-480E-AC25-901371B00AA4}"/>
+              </a:ext>
+            </a:extLst>
+          </p:cNvPr>
+          <p:cNvSpPr>
+            <a:spLocks noGrp="1"/>
+          </p:cNvSpPr>
+          <p:nvPr>
+            <p:ph idx="1"/>
+          </p:nvPr>
+        </p:nvSpPr>
+        <p:spPr/>
+        <p:txBody>
+          <a:bodyPr>
+            <a:normAutofit/>
+          </a:bodyPr>
+          <a:lstStyle/>
+          <a:p>
+            <a:pPr>
+              <a:buFont typeface="Wingdings" panose="05000000000000000000" pitchFamily="2" charset="2"/>
+              <a:buChar char="l"/>
+            </a:pPr>
+            <a:r>
+              <a:rPr lang="en-US" altLang="zh-TW" sz="3000" dirty="0">
+                <a:latin typeface="微軟正黑體" panose="020B0604030504040204" pitchFamily="34" charset="-120"/>
+                <a:ea typeface="微軟正黑體" panose="020B0604030504040204" pitchFamily="34" charset="-120"/>
+              </a:rPr>
+              <a:t>Null Model : </a:t>
+            </a:r>
+            <a:r>
+              <a:rPr lang="zh-TW" altLang="en-US" sz="3000" dirty="0">
+                <a:latin typeface="微軟正黑體" panose="020B0604030504040204" pitchFamily="34" charset="-120"/>
+                <a:ea typeface="微軟正黑體" panose="020B0604030504040204" pitchFamily="34" charset="-120"/>
+              </a:rPr>
+              <a:t>全猜一樣</a:t>
+            </a:r>
+            <a:endParaRPr lang="en-US" altLang="zh-TW" sz="3000" dirty="0">
+              <a:latin typeface="微軟正黑體" panose="020B0604030504040204" pitchFamily="34" charset="-120"/>
+              <a:ea typeface="微軟正黑體" panose="020B0604030504040204" pitchFamily="34" charset="-120"/>
+            </a:endParaRPr>
+          </a:p>
+          <a:p>
+            <a:pPr lvl="1">
+              <a:buFont typeface="Wingdings" panose="05000000000000000000" pitchFamily="2" charset="2"/>
+              <a:buChar char="l"/>
+            </a:pPr>
+            <a:r>
+              <a:rPr lang="en-US" altLang="zh-TW" sz="2200" dirty="0">
+                <a:latin typeface="微軟正黑體" panose="020B0604030504040204" pitchFamily="34" charset="-120"/>
+                <a:ea typeface="微軟正黑體" panose="020B0604030504040204" pitchFamily="34" charset="-120"/>
+              </a:rPr>
+              <a:t>Encourage:0.418</a:t>
+            </a:r>
+          </a:p>
+          <a:p>
+            <a:pPr>
+              <a:buFont typeface="Wingdings" panose="05000000000000000000" pitchFamily="2" charset="2"/>
+              <a:buChar char="l"/>
+            </a:pPr>
+            <a:r>
+              <a:rPr lang="en-US" altLang="zh-TW" sz="2600" dirty="0">
+                <a:latin typeface="微軟正黑體" panose="020B0604030504040204" pitchFamily="34" charset="-120"/>
+                <a:ea typeface="微軟正黑體" panose="020B0604030504040204" pitchFamily="34" charset="-120"/>
+              </a:rPr>
+              <a:t>SVM</a:t>
+            </a:r>
+          </a:p>
+          <a:p>
+            <a:pPr>
+              <a:buFont typeface="Wingdings" panose="05000000000000000000" pitchFamily="2" charset="2"/>
+              <a:buChar char="l"/>
+            </a:pPr>
+            <a:r>
+              <a:rPr lang="en-US" altLang="zh-TW" sz="2600" dirty="0">
+                <a:latin typeface="微軟正黑體" panose="020B0604030504040204" pitchFamily="34" charset="-120"/>
+                <a:ea typeface="微軟正黑體" panose="020B0604030504040204" pitchFamily="34" charset="-120"/>
+              </a:rPr>
+              <a:t>KNN</a:t>
+            </a:r>
+          </a:p>
+          <a:p>
+            <a:pPr>
+              <a:buFont typeface="Wingdings" panose="05000000000000000000" pitchFamily="2" charset="2"/>
+              <a:buChar char="l"/>
+            </a:pPr>
+            <a:r>
+              <a:rPr lang="en-US" altLang="zh-TW" sz="2600" dirty="0">
+                <a:latin typeface="微軟正黑體" panose="020B0604030504040204" pitchFamily="34" charset="-120"/>
+                <a:ea typeface="微軟正黑體" panose="020B0604030504040204" pitchFamily="34" charset="-120"/>
+              </a:rPr>
+              <a:t>Random Forest</a:t>
+            </a:r>
+          </a:p>
+        </p:txBody>
+      </p:sp>
+      <p:sp>
+        <p:nvSpPr>
+          <p:cNvPr id="4" name="日期版面配置區 3">
+            <a:extLst>
+              <a:ext uri="{FF2B5EF4-FFF2-40B4-BE49-F238E27FC236}">
+                <a16:creationId xmlns:a16="http://schemas.microsoft.com/office/drawing/2014/main" id="{57C0AE3A-C5CF-4BEA-81CD-897624171FBE}"/>
+              </a:ext>
+            </a:extLst>
+          </p:cNvPr>
+          <p:cNvSpPr>
+            <a:spLocks noGrp="1"/>
+          </p:cNvSpPr>
+          <p:nvPr>
+            <p:ph type="dt" sz="half" idx="10"/>
+          </p:nvPr>
+        </p:nvSpPr>
+        <p:spPr/>
+        <p:txBody>
+          <a:bodyPr/>
+          <a:lstStyle/>
+          <a:p>
+            <a:pPr rtl="0"/>
+            <a:fld id="{CE847876-3A2B-49FA-B396-40048599C954}" type="datetime1">
+              <a:rPr lang="zh-TW" altLang="en-US" smtClean="0">
+                <a:latin typeface="微軟正黑體" panose="020B0604030504040204" pitchFamily="34" charset="-120"/>
+                <a:ea typeface="微軟正黑體" panose="020B0604030504040204" pitchFamily="34" charset="-120"/>
+              </a:rPr>
+              <a:t>2021/1/12</a:t>
+            </a:fld>
+            <a:endParaRPr lang="en-US">
+              <a:latin typeface="微軟正黑體" panose="020B0604030504040204" pitchFamily="34" charset="-120"/>
+              <a:ea typeface="微軟正黑體" panose="020B0604030504040204" pitchFamily="34" charset="-120"/>
+            </a:endParaRPr>
+          </a:p>
+        </p:txBody>
+      </p:sp>
+    </p:spTree>
+    <p:extLst>
+      <p:ext uri="{BB962C8B-B14F-4D97-AF65-F5344CB8AC3E}">
+        <p14:creationId xmlns:p14="http://schemas.microsoft.com/office/powerpoint/2010/main" val="2883812724"/>
+      </p:ext>
+    </p:extLst>
+  </p:cSld>
+  <p:clrMapOvr>
+    <a:masterClrMapping/>
+  </p:clrMapOvr>
+</p:sld>
+</file>
+
+<file path=ppt/slides/slide8.xml><?xml version="1.0" encoding="utf-8"?>
+<p:sld xmlns:a="http://schemas.openxmlformats.org/drawingml/2006/main" xmlns:r="http://schemas.openxmlformats.org/officeDocument/2006/relationships" xmlns:p="http://schemas.openxmlformats.org/presentationml/2006/main">
+  <p:cSld>
+    <p:spTree>
+      <p:nvGrpSpPr>
+        <p:cNvPr id="1" name=""/>
+        <p:cNvGrpSpPr/>
+        <p:nvPr/>
+      </p:nvGrpSpPr>
+      <p:grpSpPr>
+        <a:xfrm>
+          <a:off x="0" y="0"/>
+          <a:ext cx="0" cy="0"/>
+          <a:chOff x="0" y="0"/>
+          <a:chExt cx="0" cy="0"/>
+        </a:xfrm>
+      </p:grpSpPr>
+      <p:sp>
+        <p:nvSpPr>
+          <p:cNvPr id="2" name="標題 1">
+            <a:extLst>
+              <a:ext uri="{FF2B5EF4-FFF2-40B4-BE49-F238E27FC236}">
+                <a16:creationId xmlns:a16="http://schemas.microsoft.com/office/drawing/2014/main" id="{C195283A-76F7-44DE-B886-C165BDC0A698}"/>
+              </a:ext>
+            </a:extLst>
+          </p:cNvPr>
+          <p:cNvSpPr>
+            <a:spLocks noGrp="1"/>
+          </p:cNvSpPr>
+          <p:nvPr>
+            <p:ph type="title"/>
+          </p:nvPr>
+        </p:nvSpPr>
+        <p:spPr/>
+        <p:txBody>
+          <a:bodyPr/>
+          <a:lstStyle/>
+          <a:p>
+            <a:pPr algn="ctr"/>
+            <a:r>
+              <a:rPr lang="zh-TW" altLang="en-US" dirty="0"/>
+              <a:t>視覺化圖表</a:t>
+            </a:r>
+          </a:p>
+        </p:txBody>
+      </p:sp>
+      <p:sp>
+        <p:nvSpPr>
+          <p:cNvPr id="4" name="日期版面配置區 3">
+            <a:extLst>
+              <a:ext uri="{FF2B5EF4-FFF2-40B4-BE49-F238E27FC236}">
+                <a16:creationId xmlns:a16="http://schemas.microsoft.com/office/drawing/2014/main" id="{ED72571E-8F9C-4A21-AF61-204AF81BDBEE}"/>
+              </a:ext>
+            </a:extLst>
+          </p:cNvPr>
+          <p:cNvSpPr>
+            <a:spLocks noGrp="1"/>
+          </p:cNvSpPr>
+          <p:nvPr>
+            <p:ph type="dt" sz="half" idx="10"/>
+          </p:nvPr>
+        </p:nvSpPr>
+        <p:spPr/>
+        <p:txBody>
+          <a:bodyPr/>
+          <a:lstStyle/>
+          <a:p>
+            <a:pPr rtl="0"/>
+            <a:fld id="{CE847876-3A2B-49FA-B396-40048599C954}" type="datetime1">
+              <a:rPr lang="zh-TW" altLang="en-US" smtClean="0"/>
+              <a:t>2021/1/12</a:t>
+            </a:fld>
+            <a:endParaRPr lang="en-US"/>
+          </a:p>
+        </p:txBody>
+      </p:sp>
+      <p:sp>
+        <p:nvSpPr>
+          <p:cNvPr id="13" name="文字方塊 12">
+            <a:extLst>
+              <a:ext uri="{FF2B5EF4-FFF2-40B4-BE49-F238E27FC236}">
+                <a16:creationId xmlns:a16="http://schemas.microsoft.com/office/drawing/2014/main" id="{6086A3F0-06EE-49AC-BC9E-627A32CED839}"/>
+              </a:ext>
+            </a:extLst>
+          </p:cNvPr>
+          <p:cNvSpPr txBox="1"/>
+          <p:nvPr/>
+        </p:nvSpPr>
+        <p:spPr>
+          <a:xfrm>
+            <a:off x="4844397" y="5846074"/>
+            <a:ext cx="2503206" cy="369332"/>
+          </a:xfrm>
+          <a:prstGeom prst="rect">
+            <a:avLst/>
+          </a:prstGeom>
+          <a:noFill/>
+        </p:spPr>
+        <p:txBody>
+          <a:bodyPr wrap="square" rtlCol="0">
+            <a:spAutoFit/>
+          </a:bodyPr>
+          <a:lstStyle/>
+          <a:p>
+            <a:pPr algn="ctr"/>
+            <a:r>
+              <a:rPr lang="zh-TW" altLang="en-US" dirty="0">
+                <a:latin typeface="微軟正黑體" panose="020B0604030504040204" pitchFamily="34" charset="-120"/>
+                <a:ea typeface="微軟正黑體" panose="020B0604030504040204" pitchFamily="34" charset="-120"/>
+              </a:rPr>
+              <a:t>訓練資料</a:t>
+            </a:r>
+            <a:r>
+              <a:rPr lang="en-US" altLang="zh-TW" dirty="0">
+                <a:latin typeface="微軟正黑體" panose="020B0604030504040204" pitchFamily="34" charset="-120"/>
+                <a:ea typeface="微軟正黑體" panose="020B0604030504040204" pitchFamily="34" charset="-120"/>
+              </a:rPr>
+              <a:t>(</a:t>
+            </a:r>
+            <a:r>
+              <a:rPr lang="zh-TW" altLang="en-US" dirty="0">
+                <a:latin typeface="微軟正黑體" panose="020B0604030504040204" pitchFamily="34" charset="-120"/>
+                <a:ea typeface="微軟正黑體" panose="020B0604030504040204" pitchFamily="34" charset="-120"/>
+              </a:rPr>
+              <a:t>節錄</a:t>
+            </a:r>
+            <a:r>
+              <a:rPr lang="en-US" altLang="zh-TW" dirty="0">
+                <a:latin typeface="微軟正黑體" panose="020B0604030504040204" pitchFamily="34" charset="-120"/>
+                <a:ea typeface="微軟正黑體" panose="020B0604030504040204" pitchFamily="34" charset="-120"/>
+              </a:rPr>
+              <a:t>)</a:t>
+            </a:r>
+            <a:endParaRPr lang="zh-TW" altLang="en-US" dirty="0">
+              <a:latin typeface="微軟正黑體" panose="020B0604030504040204" pitchFamily="34" charset="-120"/>
+              <a:ea typeface="微軟正黑體" panose="020B0604030504040204" pitchFamily="34" charset="-120"/>
+            </a:endParaRPr>
+          </a:p>
+        </p:txBody>
+      </p:sp>
+      <p:pic>
+        <p:nvPicPr>
+          <p:cNvPr id="16" name="圖片 15">
+            <a:extLst>
+              <a:ext uri="{FF2B5EF4-FFF2-40B4-BE49-F238E27FC236}">
+                <a16:creationId xmlns:a16="http://schemas.microsoft.com/office/drawing/2014/main" id="{B9E89C97-66C1-43FB-9BA7-B8E93290F8F4}"/>
+              </a:ext>
+            </a:extLst>
+          </p:cNvPr>
+          <p:cNvPicPr>
+            <a:picLocks noChangeAspect="1"/>
+          </p:cNvPicPr>
+          <p:nvPr/>
+        </p:nvPicPr>
+        <p:blipFill>
+          <a:blip r:embed="rId2"/>
+          <a:stretch>
+            <a:fillRect/>
+          </a:stretch>
+        </p:blipFill>
+        <p:spPr>
+          <a:xfrm>
+            <a:off x="791592" y="1751443"/>
+            <a:ext cx="10608816" cy="4000148"/>
+          </a:xfrm>
+          <a:prstGeom prst="rect">
+            <a:avLst/>
+          </a:prstGeom>
+        </p:spPr>
+      </p:pic>
+    </p:spTree>
+    <p:extLst>
+      <p:ext uri="{BB962C8B-B14F-4D97-AF65-F5344CB8AC3E}">
+        <p14:creationId xmlns:p14="http://schemas.microsoft.com/office/powerpoint/2010/main" val="1477338863"/>
+      </p:ext>
+    </p:extLst>
+  </p:cSld>
+  <p:clrMapOvr>
+    <a:masterClrMapping/>
+  </p:clrMapOvr>
+</p:sld>
+</file>
+
+<file path=ppt/slides/slide9.xml><?xml version="1.0" encoding="utf-8"?>
+<p:sld xmlns:a="http://schemas.openxmlformats.org/drawingml/2006/main" xmlns:r="http://schemas.openxmlformats.org/officeDocument/2006/relationships" xmlns:p="http://schemas.openxmlformats.org/presentationml/2006/main">
+  <p:cSld>
+    <p:spTree>
+      <p:nvGrpSpPr>
+        <p:cNvPr id="1" name=""/>
+        <p:cNvGrpSpPr/>
+        <p:nvPr/>
+      </p:nvGrpSpPr>
+      <p:grpSpPr>
+        <a:xfrm>
+          <a:off x="0" y="0"/>
+          <a:ext cx="0" cy="0"/>
+          <a:chOff x="0" y="0"/>
+          <a:chExt cx="0" cy="0"/>
+        </a:xfrm>
+      </p:grpSpPr>
+      <p:sp>
+        <p:nvSpPr>
+          <p:cNvPr id="2" name="標題 1">
+            <a:extLst>
+              <a:ext uri="{FF2B5EF4-FFF2-40B4-BE49-F238E27FC236}">
+                <a16:creationId xmlns:a16="http://schemas.microsoft.com/office/drawing/2014/main" id="{C195283A-76F7-44DE-B886-C165BDC0A698}"/>
+              </a:ext>
+            </a:extLst>
+          </p:cNvPr>
+          <p:cNvSpPr>
+            <a:spLocks noGrp="1"/>
+          </p:cNvSpPr>
+          <p:nvPr>
+            <p:ph type="title"/>
+          </p:nvPr>
+        </p:nvSpPr>
+        <p:spPr/>
+        <p:txBody>
+          <a:bodyPr/>
+          <a:lstStyle/>
+          <a:p>
+            <a:pPr algn="ctr"/>
+            <a:r>
+              <a:rPr lang="zh-TW" altLang="en-US" dirty="0"/>
+              <a:t>視覺化圖表</a:t>
+            </a:r>
+          </a:p>
+        </p:txBody>
+      </p:sp>
+      <p:pic>
+        <p:nvPicPr>
+          <p:cNvPr id="5" name="內容版面配置區 4">
+            <a:extLst>
+              <a:ext uri="{FF2B5EF4-FFF2-40B4-BE49-F238E27FC236}">
+                <a16:creationId xmlns:a16="http://schemas.microsoft.com/office/drawing/2014/main" id="{7E8107ED-1B32-4FAF-A898-BCB85DF6C30D}"/>
+              </a:ext>
+            </a:extLst>
+          </p:cNvPr>
+          <p:cNvPicPr>
+            <a:picLocks noGrp="1" noChangeAspect="1"/>
+          </p:cNvPicPr>
+          <p:nvPr>
+            <p:ph idx="1"/>
+          </p:nvPr>
+        </p:nvPicPr>
+        <p:blipFill>
+          <a:blip r:embed="rId2"/>
+          <a:stretch>
+            <a:fillRect/>
+          </a:stretch>
+        </p:blipFill>
+        <p:spPr>
+          <a:xfrm>
+            <a:off x="1235475" y="1863272"/>
+            <a:ext cx="4865156" cy="3849687"/>
+          </a:xfrm>
+          <a:prstGeom prst="rect">
+            <a:avLst/>
+          </a:prstGeom>
+        </p:spPr>
+      </p:pic>
+      <p:sp>
+        <p:nvSpPr>
+          <p:cNvPr id="4" name="日期版面配置區 3">
+            <a:extLst>
+              <a:ext uri="{FF2B5EF4-FFF2-40B4-BE49-F238E27FC236}">
+                <a16:creationId xmlns:a16="http://schemas.microsoft.com/office/drawing/2014/main" id="{ED72571E-8F9C-4A21-AF61-204AF81BDBEE}"/>
+              </a:ext>
+            </a:extLst>
+          </p:cNvPr>
+          <p:cNvSpPr>
+            <a:spLocks noGrp="1"/>
+          </p:cNvSpPr>
+          <p:nvPr>
+            <p:ph type="dt" sz="half" idx="10"/>
+          </p:nvPr>
+        </p:nvSpPr>
+        <p:spPr/>
+        <p:txBody>
+          <a:bodyPr/>
+          <a:lstStyle/>
+          <a:p>
+            <a:pPr rtl="0"/>
+            <a:fld id="{CE847876-3A2B-49FA-B396-40048599C954}" type="datetime1">
+              <a:rPr lang="zh-TW" altLang="en-US" smtClean="0"/>
+              <a:t>2021/1/12</a:t>
+            </a:fld>
+            <a:endParaRPr lang="en-US"/>
+          </a:p>
+        </p:txBody>
+      </p:sp>
+      <p:pic>
+        <p:nvPicPr>
+          <p:cNvPr id="9" name="圖片 8">
+            <a:extLst>
+              <a:ext uri="{FF2B5EF4-FFF2-40B4-BE49-F238E27FC236}">
+                <a16:creationId xmlns:a16="http://schemas.microsoft.com/office/drawing/2014/main" id="{DE831BF9-A951-44D0-A79F-14E1FCFA783D}"/>
+              </a:ext>
+            </a:extLst>
+          </p:cNvPr>
+          <p:cNvPicPr>
+            <a:picLocks noChangeAspect="1"/>
+          </p:cNvPicPr>
+          <p:nvPr/>
+        </p:nvPicPr>
+        <p:blipFill>
+          <a:blip r:embed="rId3">
+            <a:extLst>
+              <a:ext uri="{28A0092B-C50C-407E-A947-70E740481C1C}">
+                <a14:useLocalDpi xmlns:a14="http://schemas.microsoft.com/office/drawing/2010/main" val="0"/>
+              </a:ext>
+            </a:extLst>
+          </a:blip>
+          <a:stretch>
+            <a:fillRect/>
+          </a:stretch>
+        </p:blipFill>
+        <p:spPr>
+          <a:xfrm>
+            <a:off x="6773902" y="1863272"/>
+            <a:ext cx="3833496" cy="3849688"/>
+          </a:xfrm>
+          <a:prstGeom prst="rect">
+            <a:avLst/>
+          </a:prstGeom>
+        </p:spPr>
+      </p:pic>
+    </p:spTree>
+    <p:extLst>
+      <p:ext uri="{BB962C8B-B14F-4D97-AF65-F5344CB8AC3E}">
+        <p14:creationId xmlns:p14="http://schemas.microsoft.com/office/powerpoint/2010/main" val="275268624"/>
       </p:ext>
     </p:extLst>
   </p:cSld>
